--- a/document report/MVC_RestfulAPI.pptx
+++ b/document report/MVC_RestfulAPI.pptx
@@ -5,47 +5,46 @@
     <p:sldMasterId id="2147483648" r:id="rId1"/>
   </p:sldMasterIdLst>
   <p:sldIdLst>
-    <p:sldId id="256" r:id="rId2"/>
-    <p:sldId id="274" r:id="rId3"/>
-    <p:sldId id="275" r:id="rId4"/>
-    <p:sldId id="276" r:id="rId5"/>
-    <p:sldId id="259" r:id="rId6"/>
-    <p:sldId id="311" r:id="rId7"/>
-    <p:sldId id="312" r:id="rId8"/>
-    <p:sldId id="313" r:id="rId9"/>
-    <p:sldId id="310" r:id="rId10"/>
-    <p:sldId id="314" r:id="rId11"/>
-    <p:sldId id="315" r:id="rId12"/>
-    <p:sldId id="317" r:id="rId13"/>
-    <p:sldId id="318" r:id="rId14"/>
-    <p:sldId id="316" r:id="rId15"/>
-    <p:sldId id="320" r:id="rId16"/>
-    <p:sldId id="319" r:id="rId17"/>
-    <p:sldId id="321" r:id="rId18"/>
-    <p:sldId id="322" r:id="rId19"/>
-    <p:sldId id="323" r:id="rId20"/>
-    <p:sldId id="324" r:id="rId21"/>
-    <p:sldId id="325" r:id="rId22"/>
-    <p:sldId id="326" r:id="rId23"/>
-    <p:sldId id="329" r:id="rId24"/>
-    <p:sldId id="327" r:id="rId25"/>
-    <p:sldId id="328" r:id="rId26"/>
-    <p:sldId id="273" r:id="rId27"/>
+    <p:sldId id="256" r:id="rId3"/>
+    <p:sldId id="274" r:id="rId4"/>
+    <p:sldId id="275" r:id="rId5"/>
+    <p:sldId id="276" r:id="rId6"/>
+    <p:sldId id="259" r:id="rId7"/>
+    <p:sldId id="311" r:id="rId8"/>
+    <p:sldId id="312" r:id="rId9"/>
+    <p:sldId id="313" r:id="rId10"/>
+    <p:sldId id="310" r:id="rId11"/>
+    <p:sldId id="314" r:id="rId12"/>
+    <p:sldId id="315" r:id="rId13"/>
+    <p:sldId id="317" r:id="rId14"/>
+    <p:sldId id="318" r:id="rId15"/>
+    <p:sldId id="316" r:id="rId16"/>
+    <p:sldId id="320" r:id="rId17"/>
+    <p:sldId id="319" r:id="rId18"/>
+    <p:sldId id="321" r:id="rId19"/>
+    <p:sldId id="322" r:id="rId20"/>
+    <p:sldId id="323" r:id="rId21"/>
+    <p:sldId id="324" r:id="rId22"/>
+    <p:sldId id="325" r:id="rId23"/>
+    <p:sldId id="326" r:id="rId24"/>
+    <p:sldId id="329" r:id="rId25"/>
+    <p:sldId id="327" r:id="rId26"/>
+    <p:sldId id="328" r:id="rId27"/>
+    <p:sldId id="273" r:id="rId28"/>
   </p:sldIdLst>
   <p:sldSz cx="18288000" cy="10287000"/>
   <p:notesSz cx="6858000" cy="9144000"/>
   <p:embeddedFontLst>
     <p:embeddedFont>
-      <p:font typeface="Kollektif Bold" panose="020B0604020202020204" charset="0"/>
-      <p:regular r:id="rId28"/>
-      <p:bold r:id="rId29"/>
+      <p:font typeface="Kollektif Bold" panose="020B0604020101010102"/>
+      <p:bold r:id="rId32"/>
     </p:embeddedFont>
     <p:embeddedFont>
-      <p:font typeface="Calibri" panose="020F0502020204030204" pitchFamily="34" charset="0"/>
-      <p:regular r:id="rId30"/>
-      <p:bold r:id="rId31"/>
-      <p:italic r:id="rId32"/>
-      <p:boldItalic r:id="rId33"/>
+      <p:font typeface="Calibri" panose="020F0502020204030204" charset="0"/>
+      <p:regular r:id="rId33"/>
+      <p:bold r:id="rId34"/>
+      <p:italic r:id="rId35"/>
+      <p:boldItalic r:id="rId36"/>
     </p:embeddedFont>
   </p:embeddedFontLst>
   <p:defaultTextStyle>
@@ -146,12 +145,12 @@
   <p:extLst>
     <p:ext uri="{EFAFB233-063F-42B5-8137-9DF3F51BA10A}">
       <p15:sldGuideLst xmlns:p15="http://schemas.microsoft.com/office/powerpoint/2012/main">
-        <p15:guide id="1" orient="horz" pos="2160">
+        <p15:guide id="1" orient="horz" pos="2160" userDrawn="1">
           <p15:clr>
             <a:srgbClr val="A4A3A4"/>
           </p15:clr>
         </p15:guide>
-        <p15:guide id="2" pos="2880">
+        <p15:guide id="2" pos="2880" userDrawn="1">
           <p15:clr>
             <a:srgbClr val="A4A3A4"/>
           </p15:clr>
@@ -343,8 +342,6 @@
           <a:p>
             <a:fld id="{1D8BD707-D9CF-40AE-B4C6-C98DA3205C09}" type="datetimeFigureOut">
               <a:rPr lang="en-US" smtClean="0"/>
-              <a:pPr/>
-              <a:t>5/6/2024</a:t>
             </a:fld>
             <a:endParaRPr lang="en-US"/>
           </a:p>
@@ -386,8 +383,6 @@
           <a:p>
             <a:fld id="{B6F15528-21DE-4FAA-801E-634DDDAF4B2B}" type="slidenum">
               <a:rPr lang="en-US" smtClean="0"/>
-              <a:pPr/>
-              <a:t>‹#›</a:t>
             </a:fld>
             <a:endParaRPr lang="en-US"/>
           </a:p>
@@ -461,6 +456,7 @@
               <a:rPr lang="en-US" smtClean="0"/>
               <a:t>Click to edit Master text styles</a:t>
             </a:r>
+            <a:endParaRPr lang="en-US" smtClean="0"/>
           </a:p>
           <a:p>
             <a:pPr lvl="1"/>
@@ -468,6 +464,7 @@
               <a:rPr lang="en-US" smtClean="0"/>
               <a:t>Second level</a:t>
             </a:r>
+            <a:endParaRPr lang="en-US" smtClean="0"/>
           </a:p>
           <a:p>
             <a:pPr lvl="2"/>
@@ -475,6 +472,7 @@
               <a:rPr lang="en-US" smtClean="0"/>
               <a:t>Third level</a:t>
             </a:r>
+            <a:endParaRPr lang="en-US" smtClean="0"/>
           </a:p>
           <a:p>
             <a:pPr lvl="3"/>
@@ -482,6 +480,7 @@
               <a:rPr lang="en-US" smtClean="0"/>
               <a:t>Fourth level</a:t>
             </a:r>
+            <a:endParaRPr lang="en-US" smtClean="0"/>
           </a:p>
           <a:p>
             <a:pPr lvl="4"/>
@@ -510,8 +509,6 @@
           <a:p>
             <a:fld id="{1D8BD707-D9CF-40AE-B4C6-C98DA3205C09}" type="datetimeFigureOut">
               <a:rPr lang="en-US" smtClean="0"/>
-              <a:pPr/>
-              <a:t>5/6/2024</a:t>
             </a:fld>
             <a:endParaRPr lang="en-US"/>
           </a:p>
@@ -553,8 +550,6 @@
           <a:p>
             <a:fld id="{B6F15528-21DE-4FAA-801E-634DDDAF4B2B}" type="slidenum">
               <a:rPr lang="en-US" smtClean="0"/>
-              <a:pPr/>
-              <a:t>‹#›</a:t>
             </a:fld>
             <a:endParaRPr lang="en-US"/>
           </a:p>
@@ -638,6 +633,7 @@
               <a:rPr lang="en-US" smtClean="0"/>
               <a:t>Click to edit Master text styles</a:t>
             </a:r>
+            <a:endParaRPr lang="en-US" smtClean="0"/>
           </a:p>
           <a:p>
             <a:pPr lvl="1"/>
@@ -645,6 +641,7 @@
               <a:rPr lang="en-US" smtClean="0"/>
               <a:t>Second level</a:t>
             </a:r>
+            <a:endParaRPr lang="en-US" smtClean="0"/>
           </a:p>
           <a:p>
             <a:pPr lvl="2"/>
@@ -652,6 +649,7 @@
               <a:rPr lang="en-US" smtClean="0"/>
               <a:t>Third level</a:t>
             </a:r>
+            <a:endParaRPr lang="en-US" smtClean="0"/>
           </a:p>
           <a:p>
             <a:pPr lvl="3"/>
@@ -659,6 +657,7 @@
               <a:rPr lang="en-US" smtClean="0"/>
               <a:t>Fourth level</a:t>
             </a:r>
+            <a:endParaRPr lang="en-US" smtClean="0"/>
           </a:p>
           <a:p>
             <a:pPr lvl="4"/>
@@ -687,8 +686,6 @@
           <a:p>
             <a:fld id="{1D8BD707-D9CF-40AE-B4C6-C98DA3205C09}" type="datetimeFigureOut">
               <a:rPr lang="en-US" smtClean="0"/>
-              <a:pPr/>
-              <a:t>5/6/2024</a:t>
             </a:fld>
             <a:endParaRPr lang="en-US"/>
           </a:p>
@@ -730,8 +727,6 @@
           <a:p>
             <a:fld id="{B6F15528-21DE-4FAA-801E-634DDDAF4B2B}" type="slidenum">
               <a:rPr lang="en-US" smtClean="0"/>
-              <a:pPr/>
-              <a:t>‹#›</a:t>
             </a:fld>
             <a:endParaRPr lang="en-US"/>
           </a:p>
@@ -805,6 +800,7 @@
               <a:rPr lang="en-US" smtClean="0"/>
               <a:t>Click to edit Master text styles</a:t>
             </a:r>
+            <a:endParaRPr lang="en-US" smtClean="0"/>
           </a:p>
           <a:p>
             <a:pPr lvl="1"/>
@@ -812,6 +808,7 @@
               <a:rPr lang="en-US" smtClean="0"/>
               <a:t>Second level</a:t>
             </a:r>
+            <a:endParaRPr lang="en-US" smtClean="0"/>
           </a:p>
           <a:p>
             <a:pPr lvl="2"/>
@@ -819,6 +816,7 @@
               <a:rPr lang="en-US" smtClean="0"/>
               <a:t>Third level</a:t>
             </a:r>
+            <a:endParaRPr lang="en-US" smtClean="0"/>
           </a:p>
           <a:p>
             <a:pPr lvl="3"/>
@@ -826,6 +824,7 @@
               <a:rPr lang="en-US" smtClean="0"/>
               <a:t>Fourth level</a:t>
             </a:r>
+            <a:endParaRPr lang="en-US" smtClean="0"/>
           </a:p>
           <a:p>
             <a:pPr lvl="4"/>
@@ -854,8 +853,6 @@
           <a:p>
             <a:fld id="{1D8BD707-D9CF-40AE-B4C6-C98DA3205C09}" type="datetimeFigureOut">
               <a:rPr lang="en-US" smtClean="0"/>
-              <a:pPr/>
-              <a:t>5/6/2024</a:t>
             </a:fld>
             <a:endParaRPr lang="en-US"/>
           </a:p>
@@ -897,8 +894,6 @@
           <a:p>
             <a:fld id="{B6F15528-21DE-4FAA-801E-634DDDAF4B2B}" type="slidenum">
               <a:rPr lang="en-US" smtClean="0"/>
-              <a:pPr/>
-              <a:t>‹#›</a:t>
             </a:fld>
             <a:endParaRPr lang="en-US"/>
           </a:p>
@@ -1077,6 +1072,7 @@
               <a:rPr lang="en-US" smtClean="0"/>
               <a:t>Click to edit Master text styles</a:t>
             </a:r>
+            <a:endParaRPr lang="en-US" smtClean="0"/>
           </a:p>
         </p:txBody>
       </p:sp>
@@ -1097,8 +1093,6 @@
           <a:p>
             <a:fld id="{1D8BD707-D9CF-40AE-B4C6-C98DA3205C09}" type="datetimeFigureOut">
               <a:rPr lang="en-US" smtClean="0"/>
-              <a:pPr/>
-              <a:t>5/6/2024</a:t>
             </a:fld>
             <a:endParaRPr lang="en-US"/>
           </a:p>
@@ -1140,8 +1134,6 @@
           <a:p>
             <a:fld id="{B6F15528-21DE-4FAA-801E-634DDDAF4B2B}" type="slidenum">
               <a:rPr lang="en-US" smtClean="0"/>
-              <a:pPr/>
-              <a:t>‹#›</a:t>
             </a:fld>
             <a:endParaRPr lang="en-US"/>
           </a:p>
@@ -1248,6 +1240,7 @@
               <a:rPr lang="en-US" smtClean="0"/>
               <a:t>Click to edit Master text styles</a:t>
             </a:r>
+            <a:endParaRPr lang="en-US" smtClean="0"/>
           </a:p>
           <a:p>
             <a:pPr lvl="1"/>
@@ -1255,6 +1248,7 @@
               <a:rPr lang="en-US" smtClean="0"/>
               <a:t>Second level</a:t>
             </a:r>
+            <a:endParaRPr lang="en-US" smtClean="0"/>
           </a:p>
           <a:p>
             <a:pPr lvl="2"/>
@@ -1262,6 +1256,7 @@
               <a:rPr lang="en-US" smtClean="0"/>
               <a:t>Third level</a:t>
             </a:r>
+            <a:endParaRPr lang="en-US" smtClean="0"/>
           </a:p>
           <a:p>
             <a:pPr lvl="3"/>
@@ -1269,6 +1264,7 @@
               <a:rPr lang="en-US" smtClean="0"/>
               <a:t>Fourth level</a:t>
             </a:r>
+            <a:endParaRPr lang="en-US" smtClean="0"/>
           </a:p>
           <a:p>
             <a:pPr lvl="4"/>
@@ -1333,6 +1329,7 @@
               <a:rPr lang="en-US" smtClean="0"/>
               <a:t>Click to edit Master text styles</a:t>
             </a:r>
+            <a:endParaRPr lang="en-US" smtClean="0"/>
           </a:p>
           <a:p>
             <a:pPr lvl="1"/>
@@ -1340,6 +1337,7 @@
               <a:rPr lang="en-US" smtClean="0"/>
               <a:t>Second level</a:t>
             </a:r>
+            <a:endParaRPr lang="en-US" smtClean="0"/>
           </a:p>
           <a:p>
             <a:pPr lvl="2"/>
@@ -1347,6 +1345,7 @@
               <a:rPr lang="en-US" smtClean="0"/>
               <a:t>Third level</a:t>
             </a:r>
+            <a:endParaRPr lang="en-US" smtClean="0"/>
           </a:p>
           <a:p>
             <a:pPr lvl="3"/>
@@ -1354,6 +1353,7 @@
               <a:rPr lang="en-US" smtClean="0"/>
               <a:t>Fourth level</a:t>
             </a:r>
+            <a:endParaRPr lang="en-US" smtClean="0"/>
           </a:p>
           <a:p>
             <a:pPr lvl="4"/>
@@ -1382,8 +1382,6 @@
           <a:p>
             <a:fld id="{1D8BD707-D9CF-40AE-B4C6-C98DA3205C09}" type="datetimeFigureOut">
               <a:rPr lang="en-US" smtClean="0"/>
-              <a:pPr/>
-              <a:t>5/6/2024</a:t>
             </a:fld>
             <a:endParaRPr lang="en-US"/>
           </a:p>
@@ -1425,8 +1423,6 @@
           <a:p>
             <a:fld id="{B6F15528-21DE-4FAA-801E-634DDDAF4B2B}" type="slidenum">
               <a:rPr lang="en-US" smtClean="0"/>
-              <a:pPr/>
-              <a:t>‹#›</a:t>
             </a:fld>
             <a:endParaRPr lang="en-US"/>
           </a:p>
@@ -1546,6 +1542,7 @@
               <a:rPr lang="en-US" smtClean="0"/>
               <a:t>Click to edit Master text styles</a:t>
             </a:r>
+            <a:endParaRPr lang="en-US" smtClean="0"/>
           </a:p>
         </p:txBody>
       </p:sp>
@@ -1602,6 +1599,7 @@
               <a:rPr lang="en-US" smtClean="0"/>
               <a:t>Click to edit Master text styles</a:t>
             </a:r>
+            <a:endParaRPr lang="en-US" smtClean="0"/>
           </a:p>
           <a:p>
             <a:pPr lvl="1"/>
@@ -1609,6 +1607,7 @@
               <a:rPr lang="en-US" smtClean="0"/>
               <a:t>Second level</a:t>
             </a:r>
+            <a:endParaRPr lang="en-US" smtClean="0"/>
           </a:p>
           <a:p>
             <a:pPr lvl="2"/>
@@ -1616,6 +1615,7 @@
               <a:rPr lang="en-US" smtClean="0"/>
               <a:t>Third level</a:t>
             </a:r>
+            <a:endParaRPr lang="en-US" smtClean="0"/>
           </a:p>
           <a:p>
             <a:pPr lvl="3"/>
@@ -1623,6 +1623,7 @@
               <a:rPr lang="en-US" smtClean="0"/>
               <a:t>Fourth level</a:t>
             </a:r>
+            <a:endParaRPr lang="en-US" smtClean="0"/>
           </a:p>
           <a:p>
             <a:pPr lvl="4"/>
@@ -1696,6 +1697,7 @@
               <a:rPr lang="en-US" smtClean="0"/>
               <a:t>Click to edit Master text styles</a:t>
             </a:r>
+            <a:endParaRPr lang="en-US" smtClean="0"/>
           </a:p>
         </p:txBody>
       </p:sp>
@@ -1752,6 +1754,7 @@
               <a:rPr lang="en-US" smtClean="0"/>
               <a:t>Click to edit Master text styles</a:t>
             </a:r>
+            <a:endParaRPr lang="en-US" smtClean="0"/>
           </a:p>
           <a:p>
             <a:pPr lvl="1"/>
@@ -1759,6 +1762,7 @@
               <a:rPr lang="en-US" smtClean="0"/>
               <a:t>Second level</a:t>
             </a:r>
+            <a:endParaRPr lang="en-US" smtClean="0"/>
           </a:p>
           <a:p>
             <a:pPr lvl="2"/>
@@ -1766,6 +1770,7 @@
               <a:rPr lang="en-US" smtClean="0"/>
               <a:t>Third level</a:t>
             </a:r>
+            <a:endParaRPr lang="en-US" smtClean="0"/>
           </a:p>
           <a:p>
             <a:pPr lvl="3"/>
@@ -1773,6 +1778,7 @@
               <a:rPr lang="en-US" smtClean="0"/>
               <a:t>Fourth level</a:t>
             </a:r>
+            <a:endParaRPr lang="en-US" smtClean="0"/>
           </a:p>
           <a:p>
             <a:pPr lvl="4"/>
@@ -1801,8 +1807,6 @@
           <a:p>
             <a:fld id="{1D8BD707-D9CF-40AE-B4C6-C98DA3205C09}" type="datetimeFigureOut">
               <a:rPr lang="en-US" smtClean="0"/>
-              <a:pPr/>
-              <a:t>5/6/2024</a:t>
             </a:fld>
             <a:endParaRPr lang="en-US"/>
           </a:p>
@@ -1844,8 +1848,6 @@
           <a:p>
             <a:fld id="{B6F15528-21DE-4FAA-801E-634DDDAF4B2B}" type="slidenum">
               <a:rPr lang="en-US" smtClean="0"/>
-              <a:pPr/>
-              <a:t>‹#›</a:t>
             </a:fld>
             <a:endParaRPr lang="en-US"/>
           </a:p>
@@ -1916,8 +1918,6 @@
           <a:p>
             <a:fld id="{1D8BD707-D9CF-40AE-B4C6-C98DA3205C09}" type="datetimeFigureOut">
               <a:rPr lang="en-US" smtClean="0"/>
-              <a:pPr/>
-              <a:t>5/6/2024</a:t>
             </a:fld>
             <a:endParaRPr lang="en-US"/>
           </a:p>
@@ -1959,8 +1959,6 @@
           <a:p>
             <a:fld id="{B6F15528-21DE-4FAA-801E-634DDDAF4B2B}" type="slidenum">
               <a:rPr lang="en-US" smtClean="0"/>
-              <a:pPr/>
-              <a:t>‹#›</a:t>
             </a:fld>
             <a:endParaRPr lang="en-US"/>
           </a:p>
@@ -2008,8 +2006,6 @@
           <a:p>
             <a:fld id="{1D8BD707-D9CF-40AE-B4C6-C98DA3205C09}" type="datetimeFigureOut">
               <a:rPr lang="en-US" smtClean="0"/>
-              <a:pPr/>
-              <a:t>5/6/2024</a:t>
             </a:fld>
             <a:endParaRPr lang="en-US"/>
           </a:p>
@@ -2051,8 +2047,6 @@
           <a:p>
             <a:fld id="{B6F15528-21DE-4FAA-801E-634DDDAF4B2B}" type="slidenum">
               <a:rPr lang="en-US" smtClean="0"/>
-              <a:pPr/>
-              <a:t>‹#›</a:t>
             </a:fld>
             <a:endParaRPr lang="en-US"/>
           </a:p>
@@ -2168,6 +2162,7 @@
               <a:rPr lang="en-US" smtClean="0"/>
               <a:t>Click to edit Master text styles</a:t>
             </a:r>
+            <a:endParaRPr lang="en-US" smtClean="0"/>
           </a:p>
           <a:p>
             <a:pPr lvl="1"/>
@@ -2175,6 +2170,7 @@
               <a:rPr lang="en-US" smtClean="0"/>
               <a:t>Second level</a:t>
             </a:r>
+            <a:endParaRPr lang="en-US" smtClean="0"/>
           </a:p>
           <a:p>
             <a:pPr lvl="2"/>
@@ -2182,6 +2178,7 @@
               <a:rPr lang="en-US" smtClean="0"/>
               <a:t>Third level</a:t>
             </a:r>
+            <a:endParaRPr lang="en-US" smtClean="0"/>
           </a:p>
           <a:p>
             <a:pPr lvl="3"/>
@@ -2189,6 +2186,7 @@
               <a:rPr lang="en-US" smtClean="0"/>
               <a:t>Fourth level</a:t>
             </a:r>
+            <a:endParaRPr lang="en-US" smtClean="0"/>
           </a:p>
           <a:p>
             <a:pPr lvl="4"/>
@@ -2262,6 +2260,7 @@
               <a:rPr lang="en-US" smtClean="0"/>
               <a:t>Click to edit Master text styles</a:t>
             </a:r>
+            <a:endParaRPr lang="en-US" smtClean="0"/>
           </a:p>
         </p:txBody>
       </p:sp>
@@ -2282,8 +2281,6 @@
           <a:p>
             <a:fld id="{1D8BD707-D9CF-40AE-B4C6-C98DA3205C09}" type="datetimeFigureOut">
               <a:rPr lang="en-US" smtClean="0"/>
-              <a:pPr/>
-              <a:t>5/6/2024</a:t>
             </a:fld>
             <a:endParaRPr lang="en-US"/>
           </a:p>
@@ -2325,8 +2322,6 @@
           <a:p>
             <a:fld id="{B6F15528-21DE-4FAA-801E-634DDDAF4B2B}" type="slidenum">
               <a:rPr lang="en-US" smtClean="0"/>
-              <a:pPr/>
-              <a:t>‹#›</a:t>
             </a:fld>
             <a:endParaRPr lang="en-US"/>
           </a:p>
@@ -2512,6 +2507,7 @@
               <a:rPr lang="en-US" smtClean="0"/>
               <a:t>Click to edit Master text styles</a:t>
             </a:r>
+            <a:endParaRPr lang="en-US" smtClean="0"/>
           </a:p>
         </p:txBody>
       </p:sp>
@@ -2532,8 +2528,6 @@
           <a:p>
             <a:fld id="{1D8BD707-D9CF-40AE-B4C6-C98DA3205C09}" type="datetimeFigureOut">
               <a:rPr lang="en-US" smtClean="0"/>
-              <a:pPr/>
-              <a:t>5/6/2024</a:t>
             </a:fld>
             <a:endParaRPr lang="en-US"/>
           </a:p>
@@ -2575,8 +2569,6 @@
           <a:p>
             <a:fld id="{B6F15528-21DE-4FAA-801E-634DDDAF4B2B}" type="slidenum">
               <a:rPr lang="en-US" smtClean="0"/>
-              <a:pPr/>
-              <a:t>‹#›</a:t>
             </a:fld>
             <a:endParaRPr lang="en-US"/>
           </a:p>
@@ -2675,6 +2667,7 @@
               <a:rPr lang="en-US" smtClean="0"/>
               <a:t>Click to edit Master text styles</a:t>
             </a:r>
+            <a:endParaRPr lang="en-US" smtClean="0"/>
           </a:p>
           <a:p>
             <a:pPr lvl="1"/>
@@ -2682,6 +2675,7 @@
               <a:rPr lang="en-US" smtClean="0"/>
               <a:t>Second level</a:t>
             </a:r>
+            <a:endParaRPr lang="en-US" smtClean="0"/>
           </a:p>
           <a:p>
             <a:pPr lvl="2"/>
@@ -2689,6 +2683,7 @@
               <a:rPr lang="en-US" smtClean="0"/>
               <a:t>Third level</a:t>
             </a:r>
+            <a:endParaRPr lang="en-US" smtClean="0"/>
           </a:p>
           <a:p>
             <a:pPr lvl="3"/>
@@ -2696,6 +2691,7 @@
               <a:rPr lang="en-US" smtClean="0"/>
               <a:t>Fourth level</a:t>
             </a:r>
+            <a:endParaRPr lang="en-US" smtClean="0"/>
           </a:p>
           <a:p>
             <a:pPr lvl="4"/>
@@ -2742,8 +2738,6 @@
           <a:p>
             <a:fld id="{1D8BD707-D9CF-40AE-B4C6-C98DA3205C09}" type="datetimeFigureOut">
               <a:rPr lang="en-US" smtClean="0"/>
-              <a:pPr/>
-              <a:t>5/6/2024</a:t>
             </a:fld>
             <a:endParaRPr lang="en-US"/>
           </a:p>
@@ -2821,8 +2815,6 @@
           <a:p>
             <a:fld id="{B6F15528-21DE-4FAA-801E-634DDDAF4B2B}" type="slidenum">
               <a:rPr lang="en-US" smtClean="0"/>
-              <a:pPr/>
-              <a:t>‹#›</a:t>
             </a:fld>
             <a:endParaRPr lang="en-US"/>
           </a:p>
@@ -2866,7 +2858,7 @@
         <a:spcBef>
           <a:spcPct val="20000"/>
         </a:spcBef>
-        <a:buFont typeface="Arial" pitchFamily="34" charset="0"/>
+        <a:buFont typeface="Arial" panose="020B0604020202020204" pitchFamily="34" charset="0"/>
         <a:buChar char="•"/>
         <a:defRPr sz="3200" kern="1200">
           <a:solidFill>
@@ -2881,7 +2873,7 @@
         <a:spcBef>
           <a:spcPct val="20000"/>
         </a:spcBef>
-        <a:buFont typeface="Arial" pitchFamily="34" charset="0"/>
+        <a:buFont typeface="Arial" panose="020B0604020202020204" pitchFamily="34" charset="0"/>
         <a:buChar char="–"/>
         <a:defRPr sz="2800" kern="1200">
           <a:solidFill>
@@ -2896,7 +2888,7 @@
         <a:spcBef>
           <a:spcPct val="20000"/>
         </a:spcBef>
-        <a:buFont typeface="Arial" pitchFamily="34" charset="0"/>
+        <a:buFont typeface="Arial" panose="020B0604020202020204" pitchFamily="34" charset="0"/>
         <a:buChar char="•"/>
         <a:defRPr sz="2400" kern="1200">
           <a:solidFill>
@@ -2911,7 +2903,7 @@
         <a:spcBef>
           <a:spcPct val="20000"/>
         </a:spcBef>
-        <a:buFont typeface="Arial" pitchFamily="34" charset="0"/>
+        <a:buFont typeface="Arial" panose="020B0604020202020204" pitchFamily="34" charset="0"/>
         <a:buChar char="–"/>
         <a:defRPr sz="2000" kern="1200">
           <a:solidFill>
@@ -2926,7 +2918,7 @@
         <a:spcBef>
           <a:spcPct val="20000"/>
         </a:spcBef>
-        <a:buFont typeface="Arial" pitchFamily="34" charset="0"/>
+        <a:buFont typeface="Arial" panose="020B0604020202020204" pitchFamily="34" charset="0"/>
         <a:buChar char="»"/>
         <a:defRPr sz="2000" kern="1200">
           <a:solidFill>
@@ -2941,7 +2933,7 @@
         <a:spcBef>
           <a:spcPct val="20000"/>
         </a:spcBef>
-        <a:buFont typeface="Arial" pitchFamily="34" charset="0"/>
+        <a:buFont typeface="Arial" panose="020B0604020202020204" pitchFamily="34" charset="0"/>
         <a:buChar char="•"/>
         <a:defRPr sz="2000" kern="1200">
           <a:solidFill>
@@ -2956,7 +2948,7 @@
         <a:spcBef>
           <a:spcPct val="20000"/>
         </a:spcBef>
-        <a:buFont typeface="Arial" pitchFamily="34" charset="0"/>
+        <a:buFont typeface="Arial" panose="020B0604020202020204" pitchFamily="34" charset="0"/>
         <a:buChar char="•"/>
         <a:defRPr sz="2000" kern="1200">
           <a:solidFill>
@@ -2971,7 +2963,7 @@
         <a:spcBef>
           <a:spcPct val="20000"/>
         </a:spcBef>
-        <a:buFont typeface="Arial" pitchFamily="34" charset="0"/>
+        <a:buFont typeface="Arial" panose="020B0604020202020204" pitchFamily="34" charset="0"/>
         <a:buChar char="•"/>
         <a:defRPr sz="2000" kern="1200">
           <a:solidFill>
@@ -2986,7 +2978,7 @@
         <a:spcBef>
           <a:spcPct val="20000"/>
         </a:spcBef>
-        <a:buFont typeface="Arial" pitchFamily="34" charset="0"/>
+        <a:buFont typeface="Arial" panose="020B0604020202020204" pitchFamily="34" charset="0"/>
         <a:buChar char="•"/>
         <a:defRPr sz="2000" kern="1200">
           <a:solidFill>
@@ -3231,10 +3223,9 @@
             <a:p>
               <a:pPr algn="ctr">
                 <a:lnSpc>
-                  <a:spcPts val="2553"/>
+                  <a:spcPts val="2555"/>
                 </a:lnSpc>
               </a:pPr>
-              <a:endParaRPr/>
             </a:p>
           </p:txBody>
         </p:sp>
@@ -3334,7 +3325,7 @@
           <a:p>
             <a:pPr algn="ctr">
               <a:lnSpc>
-                <a:spcPts val="9999"/>
+                <a:spcPts val="10000"/>
               </a:lnSpc>
             </a:pPr>
             <a:r>
@@ -3342,7 +3333,7 @@
                 <a:solidFill>
                   <a:srgbClr val="227C9D"/>
                 </a:solidFill>
-                <a:latin typeface="Kollektif Bold"/>
+                <a:latin typeface="Kollektif Bold" panose="020B0604020101010102"/>
               </a:rPr>
               <a:t>Tổng</a:t>
             </a:r>
@@ -3351,7 +3342,7 @@
                 <a:solidFill>
                   <a:srgbClr val="227C9D"/>
                 </a:solidFill>
-                <a:latin typeface="Kollektif Bold"/>
+                <a:latin typeface="Kollektif Bold" panose="020B0604020101010102"/>
               </a:rPr>
               <a:t> </a:t>
             </a:r>
@@ -3360,7 +3351,7 @@
                 <a:solidFill>
                   <a:srgbClr val="227C9D"/>
                 </a:solidFill>
-                <a:latin typeface="Kollektif Bold"/>
+                <a:latin typeface="Kollektif Bold" panose="020B0604020101010102"/>
               </a:rPr>
               <a:t>quan</a:t>
             </a:r>
@@ -3369,7 +3360,7 @@
                 <a:solidFill>
                   <a:srgbClr val="227C9D"/>
                 </a:solidFill>
-                <a:latin typeface="Kollektif Bold"/>
+                <a:latin typeface="Kollektif Bold" panose="020B0604020101010102"/>
               </a:rPr>
               <a:t> </a:t>
             </a:r>
@@ -3378,7 +3369,7 @@
                 <a:solidFill>
                   <a:srgbClr val="227C9D"/>
                 </a:solidFill>
-                <a:latin typeface="Kollektif Bold"/>
+                <a:latin typeface="Kollektif Bold" panose="020B0604020101010102"/>
               </a:rPr>
               <a:t>về</a:t>
             </a:r>
@@ -3387,7 +3378,7 @@
                 <a:solidFill>
                   <a:srgbClr val="227C9D"/>
                 </a:solidFill>
-                <a:latin typeface="Kollektif Bold"/>
+                <a:latin typeface="Kollektif Bold" panose="020B0604020101010102"/>
               </a:rPr>
               <a:t> </a:t>
             </a:r>
@@ -3396,7 +3387,7 @@
                 <a:solidFill>
                   <a:srgbClr val="227C9D"/>
                 </a:solidFill>
-                <a:latin typeface="Kollektif Bold"/>
+                <a:latin typeface="Kollektif Bold" panose="020B0604020101010102"/>
               </a:rPr>
               <a:t>mô</a:t>
             </a:r>
@@ -3405,7 +3396,7 @@
                 <a:solidFill>
                   <a:srgbClr val="227C9D"/>
                 </a:solidFill>
-                <a:latin typeface="Kollektif Bold"/>
+                <a:latin typeface="Kollektif Bold" panose="020B0604020101010102"/>
               </a:rPr>
               <a:t> </a:t>
             </a:r>
@@ -3414,7 +3405,7 @@
                 <a:solidFill>
                   <a:srgbClr val="227C9D"/>
                 </a:solidFill>
-                <a:latin typeface="Kollektif Bold"/>
+                <a:latin typeface="Kollektif Bold" panose="020B0604020101010102"/>
               </a:rPr>
               <a:t>hình</a:t>
             </a:r>
@@ -3423,7 +3414,7 @@
                 <a:solidFill>
                   <a:srgbClr val="227C9D"/>
                 </a:solidFill>
-                <a:latin typeface="Kollektif Bold"/>
+                <a:latin typeface="Kollektif Bold" panose="020B0604020101010102"/>
               </a:rPr>
               <a:t> MVC </a:t>
             </a:r>
@@ -3432,7 +3423,7 @@
                 <a:solidFill>
                   <a:srgbClr val="227C9D"/>
                 </a:solidFill>
-                <a:latin typeface="Kollektif Bold"/>
+                <a:latin typeface="Kollektif Bold" panose="020B0604020101010102"/>
               </a:rPr>
               <a:t>và</a:t>
             </a:r>
@@ -3441,7 +3432,7 @@
                 <a:solidFill>
                   <a:srgbClr val="227C9D"/>
                 </a:solidFill>
-                <a:latin typeface="Kollektif Bold"/>
+                <a:latin typeface="Kollektif Bold" panose="020B0604020101010102"/>
               </a:rPr>
               <a:t> API</a:t>
             </a:r>
@@ -3449,13 +3440,13 @@
               <a:solidFill>
                 <a:srgbClr val="227C9D"/>
               </a:solidFill>
-              <a:latin typeface="Kollektif Bold"/>
+              <a:latin typeface="Kollektif Bold" panose="020B0604020101010102"/>
             </a:endParaRPr>
           </a:p>
           <a:p>
             <a:pPr algn="ctr">
               <a:lnSpc>
-                <a:spcPts val="9999"/>
+                <a:spcPts val="10000"/>
               </a:lnSpc>
             </a:pPr>
             <a:r>
@@ -3463,7 +3454,7 @@
                 <a:solidFill>
                   <a:srgbClr val="227C9D"/>
                 </a:solidFill>
-                <a:latin typeface="Kollektif Bold"/>
+                <a:latin typeface="Kollektif Bold" panose="020B0604020101010102"/>
               </a:rPr>
               <a:t>Trong</a:t>
             </a:r>
@@ -3472,7 +3463,7 @@
                 <a:solidFill>
                   <a:srgbClr val="227C9D"/>
                 </a:solidFill>
-                <a:latin typeface="Kollektif Bold"/>
+                <a:latin typeface="Kollektif Bold" panose="020B0604020101010102"/>
               </a:rPr>
               <a:t> </a:t>
             </a:r>
@@ -3481,7 +3472,7 @@
                 <a:solidFill>
                   <a:srgbClr val="227C9D"/>
                 </a:solidFill>
-                <a:latin typeface="Kollektif Bold"/>
+                <a:latin typeface="Kollektif Bold" panose="020B0604020101010102"/>
               </a:rPr>
               <a:t>quá</a:t>
             </a:r>
@@ -3490,7 +3481,7 @@
                 <a:solidFill>
                   <a:srgbClr val="227C9D"/>
                 </a:solidFill>
-                <a:latin typeface="Kollektif Bold"/>
+                <a:latin typeface="Kollektif Bold" panose="020B0604020101010102"/>
               </a:rPr>
               <a:t> </a:t>
             </a:r>
@@ -3499,7 +3490,7 @@
                 <a:solidFill>
                   <a:srgbClr val="227C9D"/>
                 </a:solidFill>
-                <a:latin typeface="Kollektif Bold"/>
+                <a:latin typeface="Kollektif Bold" panose="020B0604020101010102"/>
               </a:rPr>
               <a:t>trình</a:t>
             </a:r>
@@ -3508,7 +3499,7 @@
                 <a:solidFill>
                   <a:srgbClr val="227C9D"/>
                 </a:solidFill>
-                <a:latin typeface="Kollektif Bold"/>
+                <a:latin typeface="Kollektif Bold" panose="020B0604020101010102"/>
               </a:rPr>
               <a:t> </a:t>
             </a:r>
@@ -3517,7 +3508,7 @@
                 <a:solidFill>
                   <a:srgbClr val="227C9D"/>
                 </a:solidFill>
-                <a:latin typeface="Kollektif Bold"/>
+                <a:latin typeface="Kollektif Bold" panose="020B0604020101010102"/>
               </a:rPr>
               <a:t>phát</a:t>
             </a:r>
@@ -3526,7 +3517,7 @@
                 <a:solidFill>
                   <a:srgbClr val="227C9D"/>
                 </a:solidFill>
-                <a:latin typeface="Kollektif Bold"/>
+                <a:latin typeface="Kollektif Bold" panose="020B0604020101010102"/>
               </a:rPr>
               <a:t> </a:t>
             </a:r>
@@ -3535,7 +3526,7 @@
                 <a:solidFill>
                   <a:srgbClr val="227C9D"/>
                 </a:solidFill>
-                <a:latin typeface="Kollektif Bold"/>
+                <a:latin typeface="Kollektif Bold" panose="020B0604020101010102"/>
               </a:rPr>
               <a:t>triển</a:t>
             </a:r>
@@ -3544,7 +3535,7 @@
                 <a:solidFill>
                   <a:srgbClr val="227C9D"/>
                 </a:solidFill>
-                <a:latin typeface="Kollektif Bold"/>
+                <a:latin typeface="Kollektif Bold" panose="020B0604020101010102"/>
               </a:rPr>
               <a:t> </a:t>
             </a:r>
@@ -3553,7 +3544,7 @@
                 <a:solidFill>
                   <a:srgbClr val="227C9D"/>
                 </a:solidFill>
-                <a:latin typeface="Kollektif Bold"/>
+                <a:latin typeface="Kollektif Bold" panose="020B0604020101010102"/>
               </a:rPr>
               <a:t>website</a:t>
             </a:r>
@@ -3561,7 +3552,7 @@
               <a:solidFill>
                 <a:srgbClr val="227C9D"/>
               </a:solidFill>
-              <a:latin typeface="Kollektif Bold"/>
+              <a:latin typeface="Kollektif Bold" panose="020B0604020101010102"/>
             </a:endParaRPr>
           </a:p>
         </p:txBody>
@@ -3652,6 +3643,13 @@
               </a:rPr>
               <a:t>: </a:t>
             </a:r>
+            <a:endParaRPr lang="en-US" sz="3700" dirty="0" smtClean="0">
+              <a:solidFill>
+                <a:srgbClr val="545454"/>
+              </a:solidFill>
+              <a:latin typeface="Times New Roman" panose="02020603050405020304" pitchFamily="18" charset="0"/>
+              <a:cs typeface="Times New Roman" panose="02020603050405020304" pitchFamily="18" charset="0"/>
+            </a:endParaRPr>
           </a:p>
           <a:p>
             <a:pPr algn="ctr">
@@ -3713,6 +3711,13 @@
               </a:rPr>
               <a:t> 3120411151</a:t>
             </a:r>
+            <a:endParaRPr lang="en-US" sz="3700" dirty="0" smtClean="0">
+              <a:solidFill>
+                <a:srgbClr val="545454"/>
+              </a:solidFill>
+              <a:latin typeface="Times New Roman" panose="02020603050405020304" pitchFamily="18" charset="0"/>
+              <a:cs typeface="Times New Roman" panose="02020603050405020304" pitchFamily="18" charset="0"/>
+            </a:endParaRPr>
           </a:p>
           <a:p>
             <a:pPr>
@@ -3780,6 +3785,13 @@
               </a:rPr>
               <a:t>  3120411153</a:t>
             </a:r>
+            <a:endParaRPr lang="en-US" sz="3700" dirty="0" smtClean="0">
+              <a:solidFill>
+                <a:srgbClr val="545454"/>
+              </a:solidFill>
+              <a:latin typeface="Times New Roman" panose="02020603050405020304" pitchFamily="18" charset="0"/>
+              <a:cs typeface="Times New Roman" panose="02020603050405020304" pitchFamily="18" charset="0"/>
+            </a:endParaRPr>
           </a:p>
           <a:p>
             <a:pPr>
@@ -3896,10 +3908,10 @@
             </a:pathLst>
           </a:custGeom>
           <a:blipFill>
-            <a:blip r:embed="rId2">
+            <a:blip r:embed="rId1">
               <a:extLst>
                 <a:ext uri="{96DAC541-7B7A-43D3-8B79-37D633B846F1}">
-                  <asvg:svgBlip xmlns="" xmlns:asvg="http://schemas.microsoft.com/office/drawing/2016/SVG/main" r:embed="rId3"/>
+                  <asvg:svgBlip xmlns:asvg="http://schemas.microsoft.com/office/drawing/2016/SVG/main" r:embed="rId2"/>
                 </a:ext>
               </a:extLst>
             </a:blip>
@@ -3948,10 +3960,10 @@
             </a:pathLst>
           </a:custGeom>
           <a:blipFill>
-            <a:blip r:embed="rId4">
+            <a:blip r:embed="rId3">
               <a:extLst>
                 <a:ext uri="{96DAC541-7B7A-43D3-8B79-37D633B846F1}">
-                  <asvg:svgBlip xmlns="" xmlns:asvg="http://schemas.microsoft.com/office/drawing/2016/SVG/main" r:embed="rId5"/>
+                  <asvg:svgBlip xmlns:asvg="http://schemas.microsoft.com/office/drawing/2016/SVG/main" r:embed="rId4"/>
                 </a:ext>
               </a:extLst>
             </a:blip>
@@ -4000,10 +4012,10 @@
             </a:pathLst>
           </a:custGeom>
           <a:blipFill>
-            <a:blip r:embed="rId2">
+            <a:blip r:embed="rId1">
               <a:extLst>
                 <a:ext uri="{96DAC541-7B7A-43D3-8B79-37D633B846F1}">
-                  <asvg:svgBlip xmlns="" xmlns:asvg="http://schemas.microsoft.com/office/drawing/2016/SVG/main" r:embed="rId3"/>
+                  <asvg:svgBlip xmlns:asvg="http://schemas.microsoft.com/office/drawing/2016/SVG/main" r:embed="rId2"/>
                 </a:ext>
               </a:extLst>
             </a:blip>
@@ -4052,10 +4064,10 @@
             </a:pathLst>
           </a:custGeom>
           <a:blipFill>
-            <a:blip r:embed="rId4">
+            <a:blip r:embed="rId3">
               <a:extLst>
                 <a:ext uri="{96DAC541-7B7A-43D3-8B79-37D633B846F1}">
-                  <asvg:svgBlip xmlns="" xmlns:asvg="http://schemas.microsoft.com/office/drawing/2016/SVG/main" r:embed="rId5"/>
+                  <asvg:svgBlip xmlns:asvg="http://schemas.microsoft.com/office/drawing/2016/SVG/main" r:embed="rId4"/>
                 </a:ext>
               </a:extLst>
             </a:blip>
@@ -4104,10 +4116,10 @@
             </a:pathLst>
           </a:custGeom>
           <a:blipFill>
-            <a:blip r:embed="rId6">
+            <a:blip r:embed="rId5">
               <a:extLst>
                 <a:ext uri="{96DAC541-7B7A-43D3-8B79-37D633B846F1}">
-                  <asvg:svgBlip xmlns="" xmlns:asvg="http://schemas.microsoft.com/office/drawing/2016/SVG/main" r:embed="rId7"/>
+                  <asvg:svgBlip xmlns:asvg="http://schemas.microsoft.com/office/drawing/2016/SVG/main" r:embed="rId6"/>
                 </a:ext>
               </a:extLst>
             </a:blip>
@@ -4156,10 +4168,10 @@
             </a:pathLst>
           </a:custGeom>
           <a:blipFill>
-            <a:blip r:embed="rId8">
+            <a:blip r:embed="rId7">
               <a:extLst>
                 <a:ext uri="{96DAC541-7B7A-43D3-8B79-37D633B846F1}">
-                  <asvg:svgBlip xmlns="" xmlns:asvg="http://schemas.microsoft.com/office/drawing/2016/SVG/main" r:embed="rId9"/>
+                  <asvg:svgBlip xmlns:asvg="http://schemas.microsoft.com/office/drawing/2016/SVG/main" r:embed="rId8"/>
                 </a:ext>
               </a:extLst>
             </a:blip>
@@ -4208,10 +4220,10 @@
             </a:pathLst>
           </a:custGeom>
           <a:blipFill>
-            <a:blip r:embed="rId6">
+            <a:blip r:embed="rId5">
               <a:extLst>
                 <a:ext uri="{96DAC541-7B7A-43D3-8B79-37D633B846F1}">
-                  <asvg:svgBlip xmlns="" xmlns:asvg="http://schemas.microsoft.com/office/drawing/2016/SVG/main" r:embed="rId7"/>
+                  <asvg:svgBlip xmlns:asvg="http://schemas.microsoft.com/office/drawing/2016/SVG/main" r:embed="rId6"/>
                 </a:ext>
               </a:extLst>
             </a:blip>
@@ -4260,10 +4272,10 @@
             </a:pathLst>
           </a:custGeom>
           <a:blipFill>
-            <a:blip r:embed="rId4">
+            <a:blip r:embed="rId3">
               <a:extLst>
                 <a:ext uri="{96DAC541-7B7A-43D3-8B79-37D633B846F1}">
-                  <asvg:svgBlip xmlns="" xmlns:asvg="http://schemas.microsoft.com/office/drawing/2016/SVG/main" r:embed="rId5"/>
+                  <asvg:svgBlip xmlns:asvg="http://schemas.microsoft.com/office/drawing/2016/SVG/main" r:embed="rId4"/>
                 </a:ext>
               </a:extLst>
             </a:blip>
@@ -4312,10 +4324,10 @@
             </a:pathLst>
           </a:custGeom>
           <a:blipFill>
-            <a:blip r:embed="rId2">
+            <a:blip r:embed="rId1">
               <a:extLst>
                 <a:ext uri="{96DAC541-7B7A-43D3-8B79-37D633B846F1}">
-                  <asvg:svgBlip xmlns="" xmlns:asvg="http://schemas.microsoft.com/office/drawing/2016/SVG/main" r:embed="rId3"/>
+                  <asvg:svgBlip xmlns:asvg="http://schemas.microsoft.com/office/drawing/2016/SVG/main" r:embed="rId2"/>
                 </a:ext>
               </a:extLst>
             </a:blip>
@@ -4364,10 +4376,10 @@
             </a:pathLst>
           </a:custGeom>
           <a:blipFill>
-            <a:blip r:embed="rId4">
+            <a:blip r:embed="rId3">
               <a:extLst>
                 <a:ext uri="{96DAC541-7B7A-43D3-8B79-37D633B846F1}">
-                  <asvg:svgBlip xmlns="" xmlns:asvg="http://schemas.microsoft.com/office/drawing/2016/SVG/main" r:embed="rId5"/>
+                  <asvg:svgBlip xmlns:asvg="http://schemas.microsoft.com/office/drawing/2016/SVG/main" r:embed="rId4"/>
                 </a:ext>
               </a:extLst>
             </a:blip>
@@ -4416,10 +4428,10 @@
             </a:pathLst>
           </a:custGeom>
           <a:blipFill>
-            <a:blip r:embed="rId8">
+            <a:blip r:embed="rId7">
               <a:extLst>
                 <a:ext uri="{96DAC541-7B7A-43D3-8B79-37D633B846F1}">
-                  <asvg:svgBlip xmlns="" xmlns:asvg="http://schemas.microsoft.com/office/drawing/2016/SVG/main" r:embed="rId9"/>
+                  <asvg:svgBlip xmlns:asvg="http://schemas.microsoft.com/office/drawing/2016/SVG/main" r:embed="rId8"/>
                 </a:ext>
               </a:extLst>
             </a:blip>
@@ -4468,10 +4480,10 @@
             </a:pathLst>
           </a:custGeom>
           <a:blipFill>
-            <a:blip r:embed="rId6">
+            <a:blip r:embed="rId5">
               <a:extLst>
                 <a:ext uri="{96DAC541-7B7A-43D3-8B79-37D633B846F1}">
-                  <asvg:svgBlip xmlns="" xmlns:asvg="http://schemas.microsoft.com/office/drawing/2016/SVG/main" r:embed="rId7"/>
+                  <asvg:svgBlip xmlns:asvg="http://schemas.microsoft.com/office/drawing/2016/SVG/main" r:embed="rId6"/>
                 </a:ext>
               </a:extLst>
             </a:blip>
@@ -4520,10 +4532,10 @@
             </a:pathLst>
           </a:custGeom>
           <a:blipFill>
-            <a:blip r:embed="rId2">
+            <a:blip r:embed="rId1">
               <a:extLst>
                 <a:ext uri="{96DAC541-7B7A-43D3-8B79-37D633B846F1}">
-                  <asvg:svgBlip xmlns="" xmlns:asvg="http://schemas.microsoft.com/office/drawing/2016/SVG/main" r:embed="rId3"/>
+                  <asvg:svgBlip xmlns:asvg="http://schemas.microsoft.com/office/drawing/2016/SVG/main" r:embed="rId2"/>
                 </a:ext>
               </a:extLst>
             </a:blip>
@@ -4572,10 +4584,10 @@
             </a:pathLst>
           </a:custGeom>
           <a:blipFill>
-            <a:blip r:embed="rId4">
+            <a:blip r:embed="rId3">
               <a:extLst>
                 <a:ext uri="{96DAC541-7B7A-43D3-8B79-37D633B846F1}">
-                  <asvg:svgBlip xmlns="" xmlns:asvg="http://schemas.microsoft.com/office/drawing/2016/SVG/main" r:embed="rId5"/>
+                  <asvg:svgBlip xmlns:asvg="http://schemas.microsoft.com/office/drawing/2016/SVG/main" r:embed="rId4"/>
                 </a:ext>
               </a:extLst>
             </a:blip>
@@ -4624,10 +4636,10 @@
             </a:pathLst>
           </a:custGeom>
           <a:blipFill>
-            <a:blip r:embed="rId6">
+            <a:blip r:embed="rId5">
               <a:extLst>
                 <a:ext uri="{96DAC541-7B7A-43D3-8B79-37D633B846F1}">
-                  <asvg:svgBlip xmlns="" xmlns:asvg="http://schemas.microsoft.com/office/drawing/2016/SVG/main" r:embed="rId7"/>
+                  <asvg:svgBlip xmlns:asvg="http://schemas.microsoft.com/office/drawing/2016/SVG/main" r:embed="rId6"/>
                 </a:ext>
               </a:extLst>
             </a:blip>
@@ -4676,10 +4688,10 @@
             </a:pathLst>
           </a:custGeom>
           <a:blipFill>
-            <a:blip r:embed="rId6">
+            <a:blip r:embed="rId5">
               <a:extLst>
                 <a:ext uri="{96DAC541-7B7A-43D3-8B79-37D633B846F1}">
-                  <asvg:svgBlip xmlns="" xmlns:asvg="http://schemas.microsoft.com/office/drawing/2016/SVG/main" r:embed="rId7"/>
+                  <asvg:svgBlip xmlns:asvg="http://schemas.microsoft.com/office/drawing/2016/SVG/main" r:embed="rId6"/>
                 </a:ext>
               </a:extLst>
             </a:blip>
@@ -4728,10 +4740,10 @@
             </a:pathLst>
           </a:custGeom>
           <a:blipFill>
-            <a:blip r:embed="rId8">
+            <a:blip r:embed="rId7">
               <a:extLst>
                 <a:ext uri="{96DAC541-7B7A-43D3-8B79-37D633B846F1}">
-                  <asvg:svgBlip xmlns="" xmlns:asvg="http://schemas.microsoft.com/office/drawing/2016/SVG/main" r:embed="rId9"/>
+                  <asvg:svgBlip xmlns:asvg="http://schemas.microsoft.com/office/drawing/2016/SVG/main" r:embed="rId8"/>
                 </a:ext>
               </a:extLst>
             </a:blip>
@@ -4780,10 +4792,10 @@
             </a:pathLst>
           </a:custGeom>
           <a:blipFill>
-            <a:blip r:embed="rId6">
+            <a:blip r:embed="rId5">
               <a:extLst>
                 <a:ext uri="{96DAC541-7B7A-43D3-8B79-37D633B846F1}">
-                  <asvg:svgBlip xmlns="" xmlns:asvg="http://schemas.microsoft.com/office/drawing/2016/SVG/main" r:embed="rId7"/>
+                  <asvg:svgBlip xmlns:asvg="http://schemas.microsoft.com/office/drawing/2016/SVG/main" r:embed="rId6"/>
                 </a:ext>
               </a:extLst>
             </a:blip>
@@ -4832,10 +4844,10 @@
             </a:pathLst>
           </a:custGeom>
           <a:blipFill>
-            <a:blip r:embed="rId8">
+            <a:blip r:embed="rId7">
               <a:extLst>
                 <a:ext uri="{96DAC541-7B7A-43D3-8B79-37D633B846F1}">
-                  <asvg:svgBlip xmlns="" xmlns:asvg="http://schemas.microsoft.com/office/drawing/2016/SVG/main" r:embed="rId9"/>
+                  <asvg:svgBlip xmlns:asvg="http://schemas.microsoft.com/office/drawing/2016/SVG/main" r:embed="rId8"/>
                 </a:ext>
               </a:extLst>
             </a:blip>
@@ -4884,10 +4896,10 @@
             </a:pathLst>
           </a:custGeom>
           <a:blipFill>
-            <a:blip r:embed="rId4">
+            <a:blip r:embed="rId3">
               <a:extLst>
                 <a:ext uri="{96DAC541-7B7A-43D3-8B79-37D633B846F1}">
-                  <asvg:svgBlip xmlns="" xmlns:asvg="http://schemas.microsoft.com/office/drawing/2016/SVG/main" r:embed="rId5"/>
+                  <asvg:svgBlip xmlns:asvg="http://schemas.microsoft.com/office/drawing/2016/SVG/main" r:embed="rId4"/>
                 </a:ext>
               </a:extLst>
             </a:blip>
@@ -4936,10 +4948,10 @@
             </a:pathLst>
           </a:custGeom>
           <a:blipFill>
-            <a:blip r:embed="rId8">
+            <a:blip r:embed="rId7">
               <a:extLst>
                 <a:ext uri="{96DAC541-7B7A-43D3-8B79-37D633B846F1}">
-                  <asvg:svgBlip xmlns="" xmlns:asvg="http://schemas.microsoft.com/office/drawing/2016/SVG/main" r:embed="rId9"/>
+                  <asvg:svgBlip xmlns:asvg="http://schemas.microsoft.com/office/drawing/2016/SVG/main" r:embed="rId8"/>
                 </a:ext>
               </a:extLst>
             </a:blip>
@@ -4988,10 +5000,10 @@
             </a:pathLst>
           </a:custGeom>
           <a:blipFill>
-            <a:blip r:embed="rId6">
+            <a:blip r:embed="rId5">
               <a:extLst>
                 <a:ext uri="{96DAC541-7B7A-43D3-8B79-37D633B846F1}">
-                  <asvg:svgBlip xmlns="" xmlns:asvg="http://schemas.microsoft.com/office/drawing/2016/SVG/main" r:embed="rId7"/>
+                  <asvg:svgBlip xmlns:asvg="http://schemas.microsoft.com/office/drawing/2016/SVG/main" r:embed="rId6"/>
                 </a:ext>
               </a:extLst>
             </a:blip>
@@ -5110,10 +5122,9 @@
             <a:p>
               <a:pPr algn="ctr">
                 <a:lnSpc>
-                  <a:spcPts val="2553"/>
+                  <a:spcPts val="2555"/>
                 </a:lnSpc>
               </a:pPr>
-              <a:endParaRPr/>
             </a:p>
           </p:txBody>
         </p:sp>
@@ -5365,7 +5376,7 @@
           <a:p>
             <a:pPr>
               <a:lnSpc>
-                <a:spcPts val="5544"/>
+                <a:spcPts val="5545"/>
               </a:lnSpc>
             </a:pPr>
             <a:r>
@@ -5555,6 +5566,7 @@
               <a:rPr lang="vi-VN" sz="2400" dirty="0"/>
               <a:t> : là nới chứa những giao diện như một nút bấm, khung nhập, menu, hình ảnh… nó đảm nhiệm nhiệm vụ hiển thị dữ liệu và giúp người dùng tương tác với hệ thống.</a:t>
             </a:r>
+            <a:endParaRPr lang="vi-VN" sz="2400" dirty="0"/>
           </a:p>
           <a:p>
             <a:endParaRPr lang="vi-VN" sz="2400" dirty="0"/>
@@ -5568,6 +5580,7 @@
               <a:rPr lang="vi-VN" sz="2400" dirty="0"/>
               <a:t> : là nới tiếp nhận những yêu cầu xử lý được gửi từ người dùng, nó sẽ gồm những class/ function xử lý nhiều nghiệp vụ logic giúp lấy đúng dữ liệu thông tin cần thiết nhờ các nghiệp vụ lớp Model cung cấp và hiển thị dữ liệu đó ra cho người dùng nhờ lớp View.</a:t>
             </a:r>
+            <a:endParaRPr lang="vi-VN" sz="2400" dirty="0"/>
           </a:p>
           <a:p>
             <a:endParaRPr lang="vi-VN" sz="2400" dirty="0"/>
@@ -5577,6 +5590,7 @@
               <a:rPr lang="vi-VN" sz="2400" dirty="0"/>
               <a:t>Tương tác giữa các thành phần:</a:t>
             </a:r>
+            <a:endParaRPr lang="vi-VN" sz="2400" dirty="0"/>
           </a:p>
           <a:p>
             <a:endParaRPr lang="vi-VN" sz="2400" dirty="0"/>
@@ -5590,6 +5604,7 @@
               <a:rPr lang="vi-VN" sz="2400" dirty="0"/>
               <a:t> tương tác với qua lại với View</a:t>
             </a:r>
+            <a:endParaRPr lang="vi-VN" sz="2400" dirty="0"/>
           </a:p>
           <a:p>
             <a:r>
@@ -5600,6 +5615,7 @@
               <a:rPr lang="vi-VN" sz="2400" dirty="0"/>
               <a:t> tương tác qua lại với Model</a:t>
             </a:r>
+            <a:endParaRPr lang="vi-VN" sz="2400" dirty="0"/>
           </a:p>
           <a:p>
             <a:r>
@@ -5615,11 +5631,6 @@
         </p:txBody>
       </p:sp>
     </p:spTree>
-    <p:extLst>
-      <p:ext uri="{BB962C8B-B14F-4D97-AF65-F5344CB8AC3E}">
-        <p14:creationId xmlns:p14="http://schemas.microsoft.com/office/powerpoint/2010/main" val="4150245924"/>
-      </p:ext>
-    </p:extLst>
   </p:cSld>
   <p:clrMapOvr>
     <a:masterClrMapping/>
@@ -5674,7 +5685,7 @@
           <a:p>
             <a:pPr>
               <a:lnSpc>
-                <a:spcPts val="5544"/>
+                <a:spcPts val="5545"/>
               </a:lnSpc>
             </a:pPr>
             <a:r>
@@ -5926,7 +5937,7 @@
           <p:nvPr/>
         </p:nvPicPr>
         <p:blipFill>
-          <a:blip r:embed="rId2"/>
+          <a:blip r:embed="rId1"/>
           <a:stretch>
             <a:fillRect/>
           </a:stretch>
@@ -6093,11 +6104,6 @@
         </p:txBody>
       </p:sp>
     </p:spTree>
-    <p:extLst>
-      <p:ext uri="{BB962C8B-B14F-4D97-AF65-F5344CB8AC3E}">
-        <p14:creationId xmlns:p14="http://schemas.microsoft.com/office/powerpoint/2010/main" val="4009336197"/>
-      </p:ext>
-    </p:extLst>
   </p:cSld>
   <p:clrMapOvr>
     <a:masterClrMapping/>
@@ -6152,7 +6158,7 @@
           <a:p>
             <a:pPr>
               <a:lnSpc>
-                <a:spcPts val="5544"/>
+                <a:spcPts val="5545"/>
               </a:lnSpc>
             </a:pPr>
             <a:r>
@@ -6405,7 +6411,7 @@
           <p:nvPr/>
         </p:nvPicPr>
         <p:blipFill>
-          <a:blip r:embed="rId2"/>
+          <a:blip r:embed="rId1"/>
           <a:stretch>
             <a:fillRect/>
           </a:stretch>
@@ -6421,11 +6427,6 @@
         </p:spPr>
       </p:pic>
     </p:spTree>
-    <p:extLst>
-      <p:ext uri="{BB962C8B-B14F-4D97-AF65-F5344CB8AC3E}">
-        <p14:creationId xmlns:p14="http://schemas.microsoft.com/office/powerpoint/2010/main" val="94553171"/>
-      </p:ext>
-    </p:extLst>
   </p:cSld>
   <p:clrMapOvr>
     <a:masterClrMapping/>
@@ -6480,7 +6481,7 @@
           <a:p>
             <a:pPr>
               <a:lnSpc>
-                <a:spcPts val="5544"/>
+                <a:spcPts val="5545"/>
               </a:lnSpc>
             </a:pPr>
             <a:r>
@@ -6656,6 +6657,7 @@
               <a:rPr lang="en-US" sz="2400" b="1" dirty="0" smtClean="0"/>
               <a:t>)</a:t>
             </a:r>
+            <a:endParaRPr lang="en-US" sz="2400" b="1" dirty="0" smtClean="0"/>
           </a:p>
           <a:p>
             <a:pPr marL="342900" indent="-342900">
@@ -6708,7 +6710,7 @@
           <p:nvPr/>
         </p:nvPicPr>
         <p:blipFill>
-          <a:blip r:embed="rId2"/>
+          <a:blip r:embed="rId1"/>
           <a:stretch>
             <a:fillRect/>
           </a:stretch>
@@ -6901,11 +6903,6 @@
         </p:txBody>
       </p:sp>
     </p:spTree>
-    <p:extLst>
-      <p:ext uri="{BB962C8B-B14F-4D97-AF65-F5344CB8AC3E}">
-        <p14:creationId xmlns:p14="http://schemas.microsoft.com/office/powerpoint/2010/main" val="2402069799"/>
-      </p:ext>
-    </p:extLst>
   </p:cSld>
   <p:clrMapOvr>
     <a:masterClrMapping/>
@@ -6960,7 +6957,7 @@
           <a:p>
             <a:pPr>
               <a:lnSpc>
-                <a:spcPts val="5544"/>
+                <a:spcPts val="5545"/>
               </a:lnSpc>
             </a:pPr>
             <a:r>
@@ -7112,6 +7109,7 @@
               <a:rPr lang="en-US" sz="2400" b="1" dirty="0" smtClean="0"/>
               <a:t>Controller</a:t>
             </a:r>
+            <a:endParaRPr lang="en-US" sz="2400" b="1" dirty="0" smtClean="0"/>
           </a:p>
           <a:p>
             <a:pPr marL="342900" indent="-342900">
@@ -7164,7 +7162,7 @@
           <p:nvPr/>
         </p:nvPicPr>
         <p:blipFill>
-          <a:blip r:embed="rId2"/>
+          <a:blip r:embed="rId1"/>
           <a:stretch>
             <a:fillRect/>
           </a:stretch>
@@ -7228,24 +7226,28 @@
               <a:rPr lang="en-US" sz="2800" dirty="0" smtClean="0"/>
               <a:t>:</a:t>
             </a:r>
+            <a:endParaRPr lang="en-US" sz="2800" dirty="0" smtClean="0"/>
           </a:p>
           <a:p>
             <a:r>
               <a:rPr lang="en-US" sz="2800" dirty="0" smtClean="0"/>
               <a:t>+GET</a:t>
             </a:r>
+            <a:endParaRPr lang="en-US" sz="2800" dirty="0" smtClean="0"/>
           </a:p>
           <a:p>
             <a:r>
               <a:rPr lang="en-US" sz="2800" dirty="0" smtClean="0"/>
               <a:t>+POST</a:t>
             </a:r>
+            <a:endParaRPr lang="en-US" sz="2800" dirty="0" smtClean="0"/>
           </a:p>
           <a:p>
             <a:r>
               <a:rPr lang="en-US" sz="2800" dirty="0" smtClean="0"/>
               <a:t>+PUT</a:t>
             </a:r>
+            <a:endParaRPr lang="en-US" sz="2800" dirty="0" smtClean="0"/>
           </a:p>
           <a:p>
             <a:r>
@@ -7342,11 +7344,6 @@
         </p:txBody>
       </p:sp>
     </p:spTree>
-    <p:extLst>
-      <p:ext uri="{BB962C8B-B14F-4D97-AF65-F5344CB8AC3E}">
-        <p14:creationId xmlns:p14="http://schemas.microsoft.com/office/powerpoint/2010/main" val="959873410"/>
-      </p:ext>
-    </p:extLst>
   </p:cSld>
   <p:clrMapOvr>
     <a:masterClrMapping/>
@@ -7401,7 +7398,7 @@
           <a:p>
             <a:pPr>
               <a:lnSpc>
-                <a:spcPts val="5544"/>
+                <a:spcPts val="5545"/>
               </a:lnSpc>
             </a:pPr>
             <a:r>
@@ -7553,6 +7550,7 @@
               <a:rPr lang="en-US" sz="2400" b="1" dirty="0" smtClean="0"/>
               <a:t>View</a:t>
             </a:r>
+            <a:endParaRPr lang="en-US" sz="2400" b="1" dirty="0" smtClean="0"/>
           </a:p>
           <a:p>
             <a:pPr marL="342900" indent="-342900">
@@ -7588,15 +7586,11 @@
               <a:rPr lang="en-US" sz="2400" dirty="0"/>
               <a:t>https://github.com/Kaicity/Users-Catalog.git</a:t>
             </a:r>
+            <a:endParaRPr lang="en-US" sz="2400" dirty="0"/>
           </a:p>
         </p:txBody>
       </p:sp>
     </p:spTree>
-    <p:extLst>
-      <p:ext uri="{BB962C8B-B14F-4D97-AF65-F5344CB8AC3E}">
-        <p14:creationId xmlns:p14="http://schemas.microsoft.com/office/powerpoint/2010/main" val="4068904023"/>
-      </p:ext>
-    </p:extLst>
   </p:cSld>
   <p:clrMapOvr>
     <a:masterClrMapping/>
@@ -7651,7 +7645,7 @@
           <a:p>
             <a:pPr>
               <a:lnSpc>
-                <a:spcPts val="5544"/>
+                <a:spcPts val="5545"/>
               </a:lnSpc>
             </a:pPr>
             <a:r>
@@ -7764,11 +7758,18 @@
               </a:rPr>
               <a:t> Web API</a:t>
             </a:r>
+            <a:endParaRPr lang="en-US" sz="4000" b="1" dirty="0">
+              <a:solidFill>
+                <a:srgbClr val="227C9D"/>
+              </a:solidFill>
+              <a:latin typeface="Times New Roman" panose="02020603050405020304" pitchFamily="18" charset="0"/>
+              <a:cs typeface="Times New Roman" panose="02020603050405020304" pitchFamily="18" charset="0"/>
+            </a:endParaRPr>
           </a:p>
           <a:p>
             <a:pPr>
               <a:lnSpc>
-                <a:spcPts val="5544"/>
+                <a:spcPts val="5545"/>
               </a:lnSpc>
             </a:pPr>
             <a:endParaRPr lang="en-US" sz="4000" b="1" dirty="0">
@@ -8266,7 +8267,7 @@
           <p:nvPr/>
         </p:nvPicPr>
         <p:blipFill>
-          <a:blip r:embed="rId2">
+          <a:blip r:embed="rId1">
             <a:extLst>
               <a:ext uri="{28A0092B-C50C-407E-A947-70E740481C1C}">
                 <a14:useLocalDpi xmlns:a14="http://schemas.microsoft.com/office/drawing/2010/main" val="0"/>
@@ -8299,11 +8300,6 @@
         </p:spPr>
       </p:pic>
     </p:spTree>
-    <p:extLst>
-      <p:ext uri="{BB962C8B-B14F-4D97-AF65-F5344CB8AC3E}">
-        <p14:creationId xmlns:p14="http://schemas.microsoft.com/office/powerpoint/2010/main" val="38908523"/>
-      </p:ext>
-    </p:extLst>
   </p:cSld>
   <p:clrMapOvr>
     <a:masterClrMapping/>
@@ -8358,7 +8354,7 @@
           <a:p>
             <a:pPr>
               <a:lnSpc>
-                <a:spcPts val="5544"/>
+                <a:spcPts val="5545"/>
               </a:lnSpc>
             </a:pPr>
             <a:r>
@@ -8471,11 +8467,18 @@
               </a:rPr>
               <a:t> Web API</a:t>
             </a:r>
+            <a:endParaRPr lang="en-US" sz="4000" b="1" dirty="0">
+              <a:solidFill>
+                <a:srgbClr val="227C9D"/>
+              </a:solidFill>
+              <a:latin typeface="Times New Roman" panose="02020603050405020304" pitchFamily="18" charset="0"/>
+              <a:cs typeface="Times New Roman" panose="02020603050405020304" pitchFamily="18" charset="0"/>
+            </a:endParaRPr>
           </a:p>
           <a:p>
             <a:pPr>
               <a:lnSpc>
-                <a:spcPts val="5544"/>
+                <a:spcPts val="5545"/>
               </a:lnSpc>
             </a:pPr>
             <a:endParaRPr lang="en-US" sz="4000" b="1" dirty="0">
@@ -8964,7 +8967,7 @@
           <p:nvPr/>
         </p:nvPicPr>
         <p:blipFill>
-          <a:blip r:embed="rId2"/>
+          <a:blip r:embed="rId1"/>
           <a:stretch>
             <a:fillRect/>
           </a:stretch>
@@ -8980,11 +8983,6 @@
         </p:spPr>
       </p:pic>
     </p:spTree>
-    <p:extLst>
-      <p:ext uri="{BB962C8B-B14F-4D97-AF65-F5344CB8AC3E}">
-        <p14:creationId xmlns:p14="http://schemas.microsoft.com/office/powerpoint/2010/main" val="4012068576"/>
-      </p:ext>
-    </p:extLst>
   </p:cSld>
   <p:clrMapOvr>
     <a:masterClrMapping/>
@@ -9039,7 +9037,7 @@
           <a:p>
             <a:pPr>
               <a:lnSpc>
-                <a:spcPts val="5544"/>
+                <a:spcPts val="5545"/>
               </a:lnSpc>
             </a:pPr>
             <a:r>
@@ -9152,11 +9150,18 @@
               </a:rPr>
               <a:t> Web API</a:t>
             </a:r>
+            <a:endParaRPr lang="en-US" sz="4000" b="1" dirty="0">
+              <a:solidFill>
+                <a:srgbClr val="227C9D"/>
+              </a:solidFill>
+              <a:latin typeface="Times New Roman" panose="02020603050405020304" pitchFamily="18" charset="0"/>
+              <a:cs typeface="Times New Roman" panose="02020603050405020304" pitchFamily="18" charset="0"/>
+            </a:endParaRPr>
           </a:p>
           <a:p>
             <a:pPr>
               <a:lnSpc>
-                <a:spcPts val="5544"/>
+                <a:spcPts val="5545"/>
               </a:lnSpc>
             </a:pPr>
             <a:endParaRPr lang="en-US" sz="4000" b="1" dirty="0">
@@ -9255,7 +9260,7 @@
           <p:nvPr/>
         </p:nvPicPr>
         <p:blipFill>
-          <a:blip r:embed="rId2"/>
+          <a:blip r:embed="rId1"/>
           <a:stretch>
             <a:fillRect/>
           </a:stretch>
@@ -9271,11 +9276,6 @@
         </p:spPr>
       </p:pic>
     </p:spTree>
-    <p:extLst>
-      <p:ext uri="{BB962C8B-B14F-4D97-AF65-F5344CB8AC3E}">
-        <p14:creationId xmlns:p14="http://schemas.microsoft.com/office/powerpoint/2010/main" val="3982697361"/>
-      </p:ext>
-    </p:extLst>
   </p:cSld>
   <p:clrMapOvr>
     <a:masterClrMapping/>
@@ -9330,7 +9330,7 @@
           <a:p>
             <a:pPr>
               <a:lnSpc>
-                <a:spcPts val="5544"/>
+                <a:spcPts val="5545"/>
               </a:lnSpc>
             </a:pPr>
             <a:r>
@@ -9443,11 +9443,18 @@
               </a:rPr>
               <a:t> Web API</a:t>
             </a:r>
+            <a:endParaRPr lang="en-US" sz="4000" b="1" dirty="0">
+              <a:solidFill>
+                <a:srgbClr val="227C9D"/>
+              </a:solidFill>
+              <a:latin typeface="Times New Roman" panose="02020603050405020304" pitchFamily="18" charset="0"/>
+              <a:cs typeface="Times New Roman" panose="02020603050405020304" pitchFamily="18" charset="0"/>
+            </a:endParaRPr>
           </a:p>
           <a:p>
             <a:pPr>
               <a:lnSpc>
-                <a:spcPts val="5544"/>
+                <a:spcPts val="5545"/>
               </a:lnSpc>
             </a:pPr>
             <a:endParaRPr lang="en-US" sz="4000" b="1" dirty="0">
@@ -9518,7 +9525,7 @@
           <p:nvPr/>
         </p:nvPicPr>
         <p:blipFill>
-          <a:blip r:embed="rId2"/>
+          <a:blip r:embed="rId1"/>
           <a:stretch>
             <a:fillRect/>
           </a:stretch>
@@ -9534,11 +9541,6 @@
         </p:spPr>
       </p:pic>
     </p:spTree>
-    <p:extLst>
-      <p:ext uri="{BB962C8B-B14F-4D97-AF65-F5344CB8AC3E}">
-        <p14:creationId xmlns:p14="http://schemas.microsoft.com/office/powerpoint/2010/main" val="2460738856"/>
-      </p:ext>
-    </p:extLst>
   </p:cSld>
   <p:clrMapOvr>
     <a:masterClrMapping/>
@@ -9609,10 +9611,10 @@
             </a:pathLst>
           </a:custGeom>
           <a:blipFill>
-            <a:blip r:embed="rId2">
+            <a:blip r:embed="rId1">
               <a:extLst>
                 <a:ext uri="{96DAC541-7B7A-43D3-8B79-37D633B846F1}">
-                  <asvg:svgBlip xmlns="" xmlns:asvg="http://schemas.microsoft.com/office/drawing/2016/SVG/main" r:embed="rId3"/>
+                  <asvg:svgBlip xmlns:asvg="http://schemas.microsoft.com/office/drawing/2016/SVG/main" r:embed="rId2"/>
                 </a:ext>
               </a:extLst>
             </a:blip>
@@ -9661,10 +9663,10 @@
             </a:pathLst>
           </a:custGeom>
           <a:blipFill>
-            <a:blip r:embed="rId4">
+            <a:blip r:embed="rId3">
               <a:extLst>
                 <a:ext uri="{96DAC541-7B7A-43D3-8B79-37D633B846F1}">
-                  <asvg:svgBlip xmlns="" xmlns:asvg="http://schemas.microsoft.com/office/drawing/2016/SVG/main" r:embed="rId5"/>
+                  <asvg:svgBlip xmlns:asvg="http://schemas.microsoft.com/office/drawing/2016/SVG/main" r:embed="rId4"/>
                 </a:ext>
               </a:extLst>
             </a:blip>
@@ -9713,10 +9715,10 @@
             </a:pathLst>
           </a:custGeom>
           <a:blipFill>
-            <a:blip r:embed="rId2">
+            <a:blip r:embed="rId1">
               <a:extLst>
                 <a:ext uri="{96DAC541-7B7A-43D3-8B79-37D633B846F1}">
-                  <asvg:svgBlip xmlns="" xmlns:asvg="http://schemas.microsoft.com/office/drawing/2016/SVG/main" r:embed="rId3"/>
+                  <asvg:svgBlip xmlns:asvg="http://schemas.microsoft.com/office/drawing/2016/SVG/main" r:embed="rId2"/>
                 </a:ext>
               </a:extLst>
             </a:blip>
@@ -9765,10 +9767,10 @@
             </a:pathLst>
           </a:custGeom>
           <a:blipFill>
-            <a:blip r:embed="rId4">
+            <a:blip r:embed="rId3">
               <a:extLst>
                 <a:ext uri="{96DAC541-7B7A-43D3-8B79-37D633B846F1}">
-                  <asvg:svgBlip xmlns="" xmlns:asvg="http://schemas.microsoft.com/office/drawing/2016/SVG/main" r:embed="rId5"/>
+                  <asvg:svgBlip xmlns:asvg="http://schemas.microsoft.com/office/drawing/2016/SVG/main" r:embed="rId4"/>
                 </a:ext>
               </a:extLst>
             </a:blip>
@@ -9817,10 +9819,10 @@
             </a:pathLst>
           </a:custGeom>
           <a:blipFill>
-            <a:blip r:embed="rId2">
+            <a:blip r:embed="rId1">
               <a:extLst>
                 <a:ext uri="{96DAC541-7B7A-43D3-8B79-37D633B846F1}">
-                  <asvg:svgBlip xmlns="" xmlns:asvg="http://schemas.microsoft.com/office/drawing/2016/SVG/main" r:embed="rId3"/>
+                  <asvg:svgBlip xmlns:asvg="http://schemas.microsoft.com/office/drawing/2016/SVG/main" r:embed="rId2"/>
                 </a:ext>
               </a:extLst>
             </a:blip>
@@ -9869,10 +9871,10 @@
             </a:pathLst>
           </a:custGeom>
           <a:blipFill>
-            <a:blip r:embed="rId4">
+            <a:blip r:embed="rId3">
               <a:extLst>
                 <a:ext uri="{96DAC541-7B7A-43D3-8B79-37D633B846F1}">
-                  <asvg:svgBlip xmlns="" xmlns:asvg="http://schemas.microsoft.com/office/drawing/2016/SVG/main" r:embed="rId5"/>
+                  <asvg:svgBlip xmlns:asvg="http://schemas.microsoft.com/office/drawing/2016/SVG/main" r:embed="rId4"/>
                 </a:ext>
               </a:extLst>
             </a:blip>
@@ -9921,10 +9923,10 @@
             </a:pathLst>
           </a:custGeom>
           <a:blipFill>
-            <a:blip r:embed="rId6">
+            <a:blip r:embed="rId5">
               <a:extLst>
                 <a:ext uri="{96DAC541-7B7A-43D3-8B79-37D633B846F1}">
-                  <asvg:svgBlip xmlns="" xmlns:asvg="http://schemas.microsoft.com/office/drawing/2016/SVG/main" r:embed="rId7"/>
+                  <asvg:svgBlip xmlns:asvg="http://schemas.microsoft.com/office/drawing/2016/SVG/main" r:embed="rId6"/>
                 </a:ext>
               </a:extLst>
             </a:blip>
@@ -9973,10 +9975,10 @@
             </a:pathLst>
           </a:custGeom>
           <a:blipFill>
-            <a:blip r:embed="rId8">
+            <a:blip r:embed="rId7">
               <a:extLst>
                 <a:ext uri="{96DAC541-7B7A-43D3-8B79-37D633B846F1}">
-                  <asvg:svgBlip xmlns="" xmlns:asvg="http://schemas.microsoft.com/office/drawing/2016/SVG/main" r:embed="rId9"/>
+                  <asvg:svgBlip xmlns:asvg="http://schemas.microsoft.com/office/drawing/2016/SVG/main" r:embed="rId8"/>
                 </a:ext>
               </a:extLst>
             </a:blip>
@@ -10025,10 +10027,10 @@
             </a:pathLst>
           </a:custGeom>
           <a:blipFill>
-            <a:blip r:embed="rId6">
+            <a:blip r:embed="rId5">
               <a:extLst>
                 <a:ext uri="{96DAC541-7B7A-43D3-8B79-37D633B846F1}">
-                  <asvg:svgBlip xmlns="" xmlns:asvg="http://schemas.microsoft.com/office/drawing/2016/SVG/main" r:embed="rId7"/>
+                  <asvg:svgBlip xmlns:asvg="http://schemas.microsoft.com/office/drawing/2016/SVG/main" r:embed="rId6"/>
                 </a:ext>
               </a:extLst>
             </a:blip>
@@ -10077,10 +10079,10 @@
             </a:pathLst>
           </a:custGeom>
           <a:blipFill>
-            <a:blip r:embed="rId8">
+            <a:blip r:embed="rId7">
               <a:extLst>
                 <a:ext uri="{96DAC541-7B7A-43D3-8B79-37D633B846F1}">
-                  <asvg:svgBlip xmlns="" xmlns:asvg="http://schemas.microsoft.com/office/drawing/2016/SVG/main" r:embed="rId9"/>
+                  <asvg:svgBlip xmlns:asvg="http://schemas.microsoft.com/office/drawing/2016/SVG/main" r:embed="rId8"/>
                 </a:ext>
               </a:extLst>
             </a:blip>
@@ -10129,10 +10131,10 @@
             </a:pathLst>
           </a:custGeom>
           <a:blipFill>
-            <a:blip r:embed="rId6">
+            <a:blip r:embed="rId5">
               <a:extLst>
                 <a:ext uri="{96DAC541-7B7A-43D3-8B79-37D633B846F1}">
-                  <asvg:svgBlip xmlns="" xmlns:asvg="http://schemas.microsoft.com/office/drawing/2016/SVG/main" r:embed="rId7"/>
+                  <asvg:svgBlip xmlns:asvg="http://schemas.microsoft.com/office/drawing/2016/SVG/main" r:embed="rId6"/>
                 </a:ext>
               </a:extLst>
             </a:blip>
@@ -10231,7 +10233,7 @@
           <a:p>
             <a:pPr>
               <a:lnSpc>
-                <a:spcPts val="5544"/>
+                <a:spcPts val="5545"/>
               </a:lnSpc>
             </a:pPr>
             <a:r>
@@ -10407,7 +10409,7 @@
           <a:p>
             <a:pPr>
               <a:lnSpc>
-                <a:spcPts val="5544"/>
+                <a:spcPts val="5545"/>
               </a:lnSpc>
             </a:pPr>
             <a:r>
@@ -10553,7 +10555,7 @@
           <a:p>
             <a:pPr>
               <a:lnSpc>
-                <a:spcPts val="5544"/>
+                <a:spcPts val="5545"/>
               </a:lnSpc>
             </a:pPr>
             <a:r>
@@ -10699,7 +10701,7 @@
           <a:p>
             <a:pPr>
               <a:lnSpc>
-                <a:spcPts val="5544"/>
+                <a:spcPts val="5545"/>
               </a:lnSpc>
             </a:pPr>
             <a:r>
@@ -10855,7 +10857,7 @@
           <a:p>
             <a:pPr>
               <a:lnSpc>
-                <a:spcPts val="5544"/>
+                <a:spcPts val="5545"/>
               </a:lnSpc>
             </a:pPr>
             <a:r>
@@ -10939,11 +10941,6 @@
         </p:txBody>
       </p:sp>
     </p:spTree>
-    <p:extLst>
-      <p:ext uri="{BB962C8B-B14F-4D97-AF65-F5344CB8AC3E}">
-        <p14:creationId xmlns:p14="http://schemas.microsoft.com/office/powerpoint/2010/main" val="1104629165"/>
-      </p:ext>
-    </p:extLst>
   </p:cSld>
   <p:clrMapOvr>
     <a:masterClrMapping/>
@@ -10998,7 +10995,7 @@
           <a:p>
             <a:pPr>
               <a:lnSpc>
-                <a:spcPts val="5544"/>
+                <a:spcPts val="5545"/>
               </a:lnSpc>
             </a:pPr>
             <a:r>
@@ -11111,11 +11108,18 @@
               </a:rPr>
               <a:t> Web API</a:t>
             </a:r>
+            <a:endParaRPr lang="en-US" sz="4000" b="1" dirty="0">
+              <a:solidFill>
+                <a:srgbClr val="227C9D"/>
+              </a:solidFill>
+              <a:latin typeface="Times New Roman" panose="02020603050405020304" pitchFamily="18" charset="0"/>
+              <a:cs typeface="Times New Roman" panose="02020603050405020304" pitchFamily="18" charset="0"/>
+            </a:endParaRPr>
           </a:p>
           <a:p>
             <a:pPr>
               <a:lnSpc>
-                <a:spcPts val="5544"/>
+                <a:spcPts val="5545"/>
               </a:lnSpc>
             </a:pPr>
             <a:endParaRPr lang="en-US" sz="4000" b="1" dirty="0">
@@ -11234,7 +11238,7 @@
           <p:nvPr/>
         </p:nvPicPr>
         <p:blipFill>
-          <a:blip r:embed="rId2"/>
+          <a:blip r:embed="rId1"/>
           <a:stretch>
             <a:fillRect/>
           </a:stretch>
@@ -11250,11 +11254,6 @@
         </p:spPr>
       </p:pic>
     </p:spTree>
-    <p:extLst>
-      <p:ext uri="{BB962C8B-B14F-4D97-AF65-F5344CB8AC3E}">
-        <p14:creationId xmlns:p14="http://schemas.microsoft.com/office/powerpoint/2010/main" val="584484525"/>
-      </p:ext>
-    </p:extLst>
   </p:cSld>
   <p:clrMapOvr>
     <a:masterClrMapping/>
@@ -11309,7 +11308,7 @@
           <a:p>
             <a:pPr>
               <a:lnSpc>
-                <a:spcPts val="5544"/>
+                <a:spcPts val="5545"/>
               </a:lnSpc>
             </a:pPr>
             <a:r>
@@ -11422,11 +11421,18 @@
               </a:rPr>
               <a:t> Web API</a:t>
             </a:r>
+            <a:endParaRPr lang="en-US" sz="4000" b="1" dirty="0">
+              <a:solidFill>
+                <a:srgbClr val="227C9D"/>
+              </a:solidFill>
+              <a:latin typeface="Times New Roman" panose="02020603050405020304" pitchFamily="18" charset="0"/>
+              <a:cs typeface="Times New Roman" panose="02020603050405020304" pitchFamily="18" charset="0"/>
+            </a:endParaRPr>
           </a:p>
           <a:p>
             <a:pPr>
               <a:lnSpc>
-                <a:spcPts val="5544"/>
+                <a:spcPts val="5545"/>
               </a:lnSpc>
             </a:pPr>
             <a:endParaRPr lang="en-US" sz="4000" b="1" dirty="0">
@@ -11525,6 +11531,12 @@
               </a:rPr>
               <a:t>Các giao thức HTTP:</a:t>
             </a:r>
+            <a:endParaRPr lang="vi-VN" sz="2800" dirty="0">
+              <a:solidFill>
+                <a:srgbClr val="1B1B1B"/>
+              </a:solidFill>
+              <a:latin typeface="Open Sans"/>
+            </a:endParaRPr>
           </a:p>
           <a:p>
             <a:pPr marL="742950" lvl="1" indent="-285750">
@@ -11552,6 +11564,12 @@
               </a:rPr>
               <a:t> (SELECT): Trả về một Resource hoặc một danh sách Resource.</a:t>
             </a:r>
+            <a:endParaRPr lang="vi-VN" sz="2800" dirty="0">
+              <a:solidFill>
+                <a:srgbClr val="1B1B1B"/>
+              </a:solidFill>
+              <a:latin typeface="Open Sans"/>
+            </a:endParaRPr>
           </a:p>
           <a:p>
             <a:pPr marL="742950" lvl="1" indent="-285750">
@@ -11579,6 +11597,12 @@
               </a:rPr>
               <a:t> (CREATE): Tạo mới một Resource.</a:t>
             </a:r>
+            <a:endParaRPr lang="vi-VN" sz="2800" dirty="0">
+              <a:solidFill>
+                <a:srgbClr val="1B1B1B"/>
+              </a:solidFill>
+              <a:latin typeface="Open Sans"/>
+            </a:endParaRPr>
           </a:p>
           <a:p>
             <a:pPr marL="742950" lvl="1" indent="-285750">
@@ -11606,6 +11630,12 @@
               </a:rPr>
               <a:t> (UPDATE): Cập nhật thông tin cho Resource.</a:t>
             </a:r>
+            <a:endParaRPr lang="vi-VN" sz="2800" dirty="0">
+              <a:solidFill>
+                <a:srgbClr val="1B1B1B"/>
+              </a:solidFill>
+              <a:latin typeface="Open Sans"/>
+            </a:endParaRPr>
           </a:p>
           <a:p>
             <a:pPr marL="742950" lvl="1" indent="-285750">
@@ -11633,6 +11663,12 @@
               </a:rPr>
               <a:t> (DELETE): Xoá một Resource.</a:t>
             </a:r>
+            <a:endParaRPr lang="vi-VN" sz="2800" dirty="0">
+              <a:solidFill>
+                <a:srgbClr val="1B1B1B"/>
+              </a:solidFill>
+              <a:latin typeface="Open Sans"/>
+            </a:endParaRPr>
           </a:p>
           <a:p>
             <a:pPr>
@@ -11662,11 +11698,6 @@
         </p:txBody>
       </p:sp>
     </p:spTree>
-    <p:extLst>
-      <p:ext uri="{BB962C8B-B14F-4D97-AF65-F5344CB8AC3E}">
-        <p14:creationId xmlns:p14="http://schemas.microsoft.com/office/powerpoint/2010/main" val="841223037"/>
-      </p:ext>
-    </p:extLst>
   </p:cSld>
   <p:clrMapOvr>
     <a:masterClrMapping/>
@@ -11721,7 +11752,7 @@
           <a:p>
             <a:pPr>
               <a:lnSpc>
-                <a:spcPts val="5544"/>
+                <a:spcPts val="5545"/>
               </a:lnSpc>
             </a:pPr>
             <a:r>
@@ -11834,11 +11865,18 @@
               </a:rPr>
               <a:t> Web API</a:t>
             </a:r>
+            <a:endParaRPr lang="en-US" sz="4000" b="1" dirty="0">
+              <a:solidFill>
+                <a:srgbClr val="227C9D"/>
+              </a:solidFill>
+              <a:latin typeface="Times New Roman" panose="02020603050405020304" pitchFamily="18" charset="0"/>
+              <a:cs typeface="Times New Roman" panose="02020603050405020304" pitchFamily="18" charset="0"/>
+            </a:endParaRPr>
           </a:p>
           <a:p>
             <a:pPr>
               <a:lnSpc>
-                <a:spcPts val="5544"/>
+                <a:spcPts val="5545"/>
               </a:lnSpc>
             </a:pPr>
             <a:endParaRPr lang="en-US" sz="4000" b="1" dirty="0">
@@ -11897,9 +11935,11 @@
           <p:nvPr/>
         </p:nvPicPr>
         <p:blipFill rotWithShape="1">
-          <a:blip r:embed="rId2"/>
+          <a:blip r:embed="rId1"/>
           <a:srcRect l="920" t="22069" r="-920" b="21485"/>
-          <a:stretch/>
+          <a:stretch>
+            <a:fillRect/>
+          </a:stretch>
         </p:blipFill>
         <p:spPr>
           <a:xfrm>
@@ -11912,11 +11952,6 @@
         </p:spPr>
       </p:pic>
     </p:spTree>
-    <p:extLst>
-      <p:ext uri="{BB962C8B-B14F-4D97-AF65-F5344CB8AC3E}">
-        <p14:creationId xmlns:p14="http://schemas.microsoft.com/office/powerpoint/2010/main" val="530818198"/>
-      </p:ext>
-    </p:extLst>
   </p:cSld>
   <p:clrMapOvr>
     <a:masterClrMapping/>
@@ -11971,7 +12006,7 @@
           <a:p>
             <a:pPr>
               <a:lnSpc>
-                <a:spcPts val="5544"/>
+                <a:spcPts val="5545"/>
               </a:lnSpc>
             </a:pPr>
             <a:r>
@@ -12084,11 +12119,18 @@
               </a:rPr>
               <a:t> Web API</a:t>
             </a:r>
+            <a:endParaRPr lang="en-US" sz="4000" b="1" dirty="0">
+              <a:solidFill>
+                <a:srgbClr val="227C9D"/>
+              </a:solidFill>
+              <a:latin typeface="Times New Roman" panose="02020603050405020304" pitchFamily="18" charset="0"/>
+              <a:cs typeface="Times New Roman" panose="02020603050405020304" pitchFamily="18" charset="0"/>
+            </a:endParaRPr>
           </a:p>
           <a:p>
             <a:pPr>
               <a:lnSpc>
-                <a:spcPts val="5544"/>
+                <a:spcPts val="5545"/>
               </a:lnSpc>
             </a:pPr>
             <a:endParaRPr lang="en-US" sz="4000" b="1" dirty="0">
@@ -12143,7 +12185,7 @@
         <p:spPr>
           <a:xfrm>
             <a:off x="609600" y="2324100"/>
-            <a:ext cx="16860270" cy="4616648"/>
+            <a:ext cx="16860270" cy="4615815"/>
           </a:xfrm>
           <a:prstGeom prst="rect">
             <a:avLst/>
@@ -12171,6 +12213,12 @@
               </a:rPr>
               <a:t>Login</a:t>
             </a:r>
+            <a:endParaRPr lang="en-US" sz="2800" dirty="0" smtClean="0">
+              <a:solidFill>
+                <a:srgbClr val="1B1B1B"/>
+              </a:solidFill>
+              <a:latin typeface="Open Sans"/>
+            </a:endParaRPr>
           </a:p>
           <a:p>
             <a:pPr marL="457200" indent="-457200">
@@ -12190,6 +12238,13 @@
               </a:rPr>
               <a:t>Register</a:t>
             </a:r>
+            <a:endParaRPr lang="en-US" sz="2800" b="0" i="0" dirty="0" smtClean="0">
+              <a:solidFill>
+                <a:srgbClr val="1B1B1B"/>
+              </a:solidFill>
+              <a:effectLst/>
+              <a:latin typeface="Open Sans"/>
+            </a:endParaRPr>
           </a:p>
           <a:p>
             <a:pPr marL="457200" indent="-457200">
@@ -12208,6 +12263,12 @@
               </a:rPr>
               <a:t>Product-catalog</a:t>
             </a:r>
+            <a:endParaRPr lang="en-US" sz="2800" dirty="0" smtClean="0">
+              <a:solidFill>
+                <a:srgbClr val="1B1B1B"/>
+              </a:solidFill>
+              <a:latin typeface="Open Sans"/>
+            </a:endParaRPr>
           </a:p>
           <a:p>
             <a:pPr marL="457200" indent="-457200">
@@ -12226,6 +12287,12 @@
               </a:rPr>
               <a:t>Cart</a:t>
             </a:r>
+            <a:endParaRPr lang="en-US" sz="2800" dirty="0" smtClean="0">
+              <a:solidFill>
+                <a:srgbClr val="1B1B1B"/>
+              </a:solidFill>
+              <a:latin typeface="Open Sans"/>
+            </a:endParaRPr>
           </a:p>
           <a:p>
             <a:pPr marL="457200" indent="-457200">
@@ -12244,6 +12311,12 @@
               </a:rPr>
               <a:t>Order</a:t>
             </a:r>
+            <a:endParaRPr lang="en-US" sz="2800" dirty="0" smtClean="0">
+              <a:solidFill>
+                <a:srgbClr val="1B1B1B"/>
+              </a:solidFill>
+              <a:latin typeface="Open Sans"/>
+            </a:endParaRPr>
           </a:p>
           <a:p>
             <a:pPr marL="457200" indent="-457200">
@@ -12278,8 +12351,14 @@
                 </a:solidFill>
                 <a:latin typeface="Open Sans"/>
               </a:rPr>
-              <a:t> dev ??? )</a:t>
-            </a:r>
+              <a:t> dev )</a:t>
+            </a:r>
+            <a:endParaRPr lang="en-US" sz="2800" dirty="0" smtClean="0">
+              <a:solidFill>
+                <a:srgbClr val="1B1B1B"/>
+              </a:solidFill>
+              <a:latin typeface="Open Sans"/>
+            </a:endParaRPr>
           </a:p>
           <a:p>
             <a:pPr marL="457200" indent="-457200">
@@ -12299,15 +12378,17 @@
               </a:rPr>
               <a:t>Payment</a:t>
             </a:r>
+            <a:endParaRPr lang="en-US" sz="2800" b="0" i="0" dirty="0" smtClean="0">
+              <a:solidFill>
+                <a:srgbClr val="1B1B1B"/>
+              </a:solidFill>
+              <a:effectLst/>
+              <a:latin typeface="Open Sans"/>
+            </a:endParaRPr>
           </a:p>
         </p:txBody>
       </p:sp>
     </p:spTree>
-    <p:extLst>
-      <p:ext uri="{BB962C8B-B14F-4D97-AF65-F5344CB8AC3E}">
-        <p14:creationId xmlns:p14="http://schemas.microsoft.com/office/powerpoint/2010/main" val="1201726462"/>
-      </p:ext>
-    </p:extLst>
   </p:cSld>
   <p:clrMapOvr>
     <a:masterClrMapping/>
@@ -12362,7 +12443,7 @@
           <a:p>
             <a:pPr>
               <a:lnSpc>
-                <a:spcPts val="5544"/>
+                <a:spcPts val="5545"/>
               </a:lnSpc>
             </a:pPr>
             <a:r>
@@ -12476,11 +12557,6 @@
         </p:txBody>
       </p:sp>
     </p:spTree>
-    <p:extLst>
-      <p:ext uri="{BB962C8B-B14F-4D97-AF65-F5344CB8AC3E}">
-        <p14:creationId xmlns:p14="http://schemas.microsoft.com/office/powerpoint/2010/main" val="4093080123"/>
-      </p:ext>
-    </p:extLst>
   </p:cSld>
   <p:clrMapOvr>
     <a:masterClrMapping/>
@@ -12535,7 +12611,7 @@
           <a:p>
             <a:pPr>
               <a:lnSpc>
-                <a:spcPts val="5544"/>
+                <a:spcPts val="5545"/>
               </a:lnSpc>
             </a:pPr>
             <a:r>
@@ -12589,7 +12665,7 @@
           <a:p>
             <a:pPr>
               <a:lnSpc>
-                <a:spcPts val="5544"/>
+                <a:spcPts val="5545"/>
               </a:lnSpc>
             </a:pPr>
             <a:endParaRPr lang="en-US" sz="4000" b="1" dirty="0">
@@ -12689,6 +12765,11 @@
               </a:rPr>
               <a:t>https://github.com/hdthinh3105/ClothStore_BE_WebAPI.git</a:t>
             </a:r>
+            <a:endParaRPr lang="en-US" sz="2400" dirty="0">
+              <a:solidFill>
+                <a:srgbClr val="0070C0"/>
+              </a:solidFill>
+            </a:endParaRPr>
           </a:p>
         </p:txBody>
       </p:sp>
@@ -12791,15 +12872,15 @@
               </a:rPr>
               <a:t>https://github.com/hdthinh3105/ClothStore_FE_WebAPI.git</a:t>
             </a:r>
+            <a:endParaRPr lang="en-US" sz="2400" dirty="0">
+              <a:solidFill>
+                <a:srgbClr val="0070C0"/>
+              </a:solidFill>
+            </a:endParaRPr>
           </a:p>
         </p:txBody>
       </p:sp>
     </p:spTree>
-    <p:extLst>
-      <p:ext uri="{BB962C8B-B14F-4D97-AF65-F5344CB8AC3E}">
-        <p14:creationId xmlns:p14="http://schemas.microsoft.com/office/powerpoint/2010/main" val="3783873226"/>
-      </p:ext>
-    </p:extLst>
   </p:cSld>
   <p:clrMapOvr>
     <a:masterClrMapping/>
@@ -12862,23 +12943,23 @@
           <a:p>
             <a:pPr algn="ctr">
               <a:lnSpc>
-                <a:spcPts val="12399"/>
+                <a:spcPts val="12400"/>
               </a:lnSpc>
             </a:pPr>
             <a:r>
-              <a:rPr lang="en-US" sz="12399" dirty="0" smtClean="0">
-                <a:solidFill>
-                  <a:srgbClr val="227C9D"/>
-                </a:solidFill>
-                <a:latin typeface="Kollektif Bold"/>
+              <a:rPr lang="en-US" sz="12400" dirty="0" smtClean="0">
+                <a:solidFill>
+                  <a:srgbClr val="227C9D"/>
+                </a:solidFill>
+                <a:latin typeface="Kollektif Bold" panose="020B0604020101010102"/>
               </a:rPr>
               <a:t>Thank you</a:t>
             </a:r>
-            <a:endParaRPr lang="en-US" sz="12399" dirty="0">
+            <a:endParaRPr lang="en-US" sz="12400" dirty="0">
               <a:solidFill>
                 <a:srgbClr val="227C9D"/>
               </a:solidFill>
-              <a:latin typeface="Kollektif Bold"/>
+              <a:latin typeface="Kollektif Bold" panose="020B0604020101010102"/>
             </a:endParaRPr>
           </a:p>
         </p:txBody>
@@ -12922,13 +13003,7 @@
             </a:pathLst>
           </a:custGeom>
           <a:blipFill>
-            <a:blip r:embed="rId2">
-              <a:extLst>
-                <a:ext uri="{96DAC541-7B7A-43D3-8B79-37D633B846F1}">
-                  <asvg:svgBlip xmlns="" xmlns:asvg="http://schemas.microsoft.com/office/drawing/2016/SVG/main" r:embed="rId3"/>
-                </a:ext>
-              </a:extLst>
-            </a:blip>
+            <a:blip r:embed="rId1"/>
             <a:stretch>
               <a:fillRect/>
             </a:stretch>
@@ -12974,13 +13049,7 @@
             </a:pathLst>
           </a:custGeom>
           <a:blipFill>
-            <a:blip r:embed="rId4">
-              <a:extLst>
-                <a:ext uri="{96DAC541-7B7A-43D3-8B79-37D633B846F1}">
-                  <asvg:svgBlip xmlns="" xmlns:asvg="http://schemas.microsoft.com/office/drawing/2016/SVG/main" r:embed="rId5"/>
-                </a:ext>
-              </a:extLst>
-            </a:blip>
+            <a:blip r:embed="rId2"/>
             <a:stretch>
               <a:fillRect/>
             </a:stretch>
@@ -13026,13 +13095,7 @@
             </a:pathLst>
           </a:custGeom>
           <a:blipFill>
-            <a:blip r:embed="rId6">
-              <a:extLst>
-                <a:ext uri="{96DAC541-7B7A-43D3-8B79-37D633B846F1}">
-                  <asvg:svgBlip xmlns="" xmlns:asvg="http://schemas.microsoft.com/office/drawing/2016/SVG/main" r:embed="rId7"/>
-                </a:ext>
-              </a:extLst>
-            </a:blip>
+            <a:blip r:embed="rId3"/>
             <a:stretch>
               <a:fillRect/>
             </a:stretch>
@@ -13078,13 +13141,7 @@
             </a:pathLst>
           </a:custGeom>
           <a:blipFill>
-            <a:blip r:embed="rId8">
-              <a:extLst>
-                <a:ext uri="{96DAC541-7B7A-43D3-8B79-37D633B846F1}">
-                  <asvg:svgBlip xmlns="" xmlns:asvg="http://schemas.microsoft.com/office/drawing/2016/SVG/main" r:embed="rId9"/>
-                </a:ext>
-              </a:extLst>
-            </a:blip>
+            <a:blip r:embed="rId4"/>
             <a:stretch>
               <a:fillRect/>
             </a:stretch>
@@ -13130,13 +13187,7 @@
             </a:pathLst>
           </a:custGeom>
           <a:blipFill>
-            <a:blip r:embed="rId6">
-              <a:extLst>
-                <a:ext uri="{96DAC541-7B7A-43D3-8B79-37D633B846F1}">
-                  <asvg:svgBlip xmlns="" xmlns:asvg="http://schemas.microsoft.com/office/drawing/2016/SVG/main" r:embed="rId7"/>
-                </a:ext>
-              </a:extLst>
-            </a:blip>
+            <a:blip r:embed="rId3"/>
             <a:stretch>
               <a:fillRect/>
             </a:stretch>
@@ -13182,13 +13233,7 @@
             </a:pathLst>
           </a:custGeom>
           <a:blipFill>
-            <a:blip r:embed="rId8">
-              <a:extLst>
-                <a:ext uri="{96DAC541-7B7A-43D3-8B79-37D633B846F1}">
-                  <asvg:svgBlip xmlns="" xmlns:asvg="http://schemas.microsoft.com/office/drawing/2016/SVG/main" r:embed="rId9"/>
-                </a:ext>
-              </a:extLst>
-            </a:blip>
+            <a:blip r:embed="rId4"/>
             <a:stretch>
               <a:fillRect/>
             </a:stretch>
@@ -13234,13 +13279,7 @@
             </a:pathLst>
           </a:custGeom>
           <a:blipFill>
-            <a:blip r:embed="rId4">
-              <a:extLst>
-                <a:ext uri="{96DAC541-7B7A-43D3-8B79-37D633B846F1}">
-                  <asvg:svgBlip xmlns="" xmlns:asvg="http://schemas.microsoft.com/office/drawing/2016/SVG/main" r:embed="rId5"/>
-                </a:ext>
-              </a:extLst>
-            </a:blip>
+            <a:blip r:embed="rId2"/>
             <a:stretch>
               <a:fillRect/>
             </a:stretch>
@@ -13286,13 +13325,7 @@
             </a:pathLst>
           </a:custGeom>
           <a:blipFill>
-            <a:blip r:embed="rId8">
-              <a:extLst>
-                <a:ext uri="{96DAC541-7B7A-43D3-8B79-37D633B846F1}">
-                  <asvg:svgBlip xmlns="" xmlns:asvg="http://schemas.microsoft.com/office/drawing/2016/SVG/main" r:embed="rId9"/>
-                </a:ext>
-              </a:extLst>
-            </a:blip>
+            <a:blip r:embed="rId4"/>
             <a:stretch>
               <a:fillRect/>
             </a:stretch>
@@ -13338,13 +13371,7 @@
             </a:pathLst>
           </a:custGeom>
           <a:blipFill>
-            <a:blip r:embed="rId6">
-              <a:extLst>
-                <a:ext uri="{96DAC541-7B7A-43D3-8B79-37D633B846F1}">
-                  <asvg:svgBlip xmlns="" xmlns:asvg="http://schemas.microsoft.com/office/drawing/2016/SVG/main" r:embed="rId7"/>
-                </a:ext>
-              </a:extLst>
-            </a:blip>
+            <a:blip r:embed="rId3"/>
             <a:stretch>
               <a:fillRect/>
             </a:stretch>
@@ -13390,13 +13417,7 @@
             </a:pathLst>
           </a:custGeom>
           <a:blipFill>
-            <a:blip r:embed="rId2">
-              <a:extLst>
-                <a:ext uri="{96DAC541-7B7A-43D3-8B79-37D633B846F1}">
-                  <asvg:svgBlip xmlns="" xmlns:asvg="http://schemas.microsoft.com/office/drawing/2016/SVG/main" r:embed="rId3"/>
-                </a:ext>
-              </a:extLst>
-            </a:blip>
+            <a:blip r:embed="rId1"/>
             <a:stretch>
               <a:fillRect/>
             </a:stretch>
@@ -13442,13 +13463,7 @@
             </a:pathLst>
           </a:custGeom>
           <a:blipFill>
-            <a:blip r:embed="rId4">
-              <a:extLst>
-                <a:ext uri="{96DAC541-7B7A-43D3-8B79-37D633B846F1}">
-                  <asvg:svgBlip xmlns="" xmlns:asvg="http://schemas.microsoft.com/office/drawing/2016/SVG/main" r:embed="rId5"/>
-                </a:ext>
-              </a:extLst>
-            </a:blip>
+            <a:blip r:embed="rId2"/>
             <a:stretch>
               <a:fillRect/>
             </a:stretch>
@@ -13494,13 +13509,7 @@
             </a:pathLst>
           </a:custGeom>
           <a:blipFill>
-            <a:blip r:embed="rId2">
-              <a:extLst>
-                <a:ext uri="{96DAC541-7B7A-43D3-8B79-37D633B846F1}">
-                  <asvg:svgBlip xmlns="" xmlns:asvg="http://schemas.microsoft.com/office/drawing/2016/SVG/main" r:embed="rId3"/>
-                </a:ext>
-              </a:extLst>
-            </a:blip>
+            <a:blip r:embed="rId1"/>
             <a:stretch>
               <a:fillRect/>
             </a:stretch>
@@ -13546,13 +13555,7 @@
             </a:pathLst>
           </a:custGeom>
           <a:blipFill>
-            <a:blip r:embed="rId4">
-              <a:extLst>
-                <a:ext uri="{96DAC541-7B7A-43D3-8B79-37D633B846F1}">
-                  <asvg:svgBlip xmlns="" xmlns:asvg="http://schemas.microsoft.com/office/drawing/2016/SVG/main" r:embed="rId5"/>
-                </a:ext>
-              </a:extLst>
-            </a:blip>
+            <a:blip r:embed="rId2"/>
             <a:stretch>
               <a:fillRect/>
             </a:stretch>
@@ -13598,13 +13601,7 @@
             </a:pathLst>
           </a:custGeom>
           <a:blipFill>
-            <a:blip r:embed="rId6">
-              <a:extLst>
-                <a:ext uri="{96DAC541-7B7A-43D3-8B79-37D633B846F1}">
-                  <asvg:svgBlip xmlns="" xmlns:asvg="http://schemas.microsoft.com/office/drawing/2016/SVG/main" r:embed="rId7"/>
-                </a:ext>
-              </a:extLst>
-            </a:blip>
+            <a:blip r:embed="rId3"/>
             <a:stretch>
               <a:fillRect/>
             </a:stretch>
@@ -13650,13 +13647,7 @@
             </a:pathLst>
           </a:custGeom>
           <a:blipFill>
-            <a:blip r:embed="rId6">
-              <a:extLst>
-                <a:ext uri="{96DAC541-7B7A-43D3-8B79-37D633B846F1}">
-                  <asvg:svgBlip xmlns="" xmlns:asvg="http://schemas.microsoft.com/office/drawing/2016/SVG/main" r:embed="rId7"/>
-                </a:ext>
-              </a:extLst>
-            </a:blip>
+            <a:blip r:embed="rId3"/>
             <a:stretch>
               <a:fillRect/>
             </a:stretch>
@@ -13702,13 +13693,7 @@
             </a:pathLst>
           </a:custGeom>
           <a:blipFill>
-            <a:blip r:embed="rId4">
-              <a:extLst>
-                <a:ext uri="{96DAC541-7B7A-43D3-8B79-37D633B846F1}">
-                  <asvg:svgBlip xmlns="" xmlns:asvg="http://schemas.microsoft.com/office/drawing/2016/SVG/main" r:embed="rId5"/>
-                </a:ext>
-              </a:extLst>
-            </a:blip>
+            <a:blip r:embed="rId2"/>
             <a:stretch>
               <a:fillRect/>
             </a:stretch>
@@ -13754,13 +13739,7 @@
             </a:pathLst>
           </a:custGeom>
           <a:blipFill>
-            <a:blip r:embed="rId2">
-              <a:extLst>
-                <a:ext uri="{96DAC541-7B7A-43D3-8B79-37D633B846F1}">
-                  <asvg:svgBlip xmlns="" xmlns:asvg="http://schemas.microsoft.com/office/drawing/2016/SVG/main" r:embed="rId3"/>
-                </a:ext>
-              </a:extLst>
-            </a:blip>
+            <a:blip r:embed="rId1"/>
             <a:stretch>
               <a:fillRect/>
             </a:stretch>
@@ -13890,10 +13869,9 @@
               <a:p>
                 <a:pPr algn="ctr">
                   <a:lnSpc>
-                    <a:spcPts val="2553"/>
+                    <a:spcPts val="2555"/>
                   </a:lnSpc>
                 </a:pPr>
-                <a:endParaRPr/>
               </a:p>
             </p:txBody>
           </p:sp>
@@ -14238,10 +14216,9 @@
               <a:p>
                 <a:pPr algn="ctr">
                   <a:lnSpc>
-                    <a:spcPts val="2553"/>
+                    <a:spcPts val="2555"/>
                   </a:lnSpc>
                 </a:pPr>
-                <a:endParaRPr/>
               </a:p>
             </p:txBody>
           </p:sp>
@@ -14518,7 +14495,7 @@
           <a:p>
             <a:pPr>
               <a:lnSpc>
-                <a:spcPts val="5544"/>
+                <a:spcPts val="5545"/>
               </a:lnSpc>
             </a:pPr>
             <a:r>
@@ -14690,10 +14667,9 @@
             <a:p>
               <a:pPr algn="ctr">
                 <a:lnSpc>
-                  <a:spcPts val="2553"/>
+                  <a:spcPts val="2555"/>
                 </a:lnSpc>
               </a:pPr>
-              <a:endParaRPr/>
             </a:p>
           </p:txBody>
         </p:sp>
@@ -14807,10 +14783,9 @@
             <a:p>
               <a:pPr algn="ctr">
                 <a:lnSpc>
-                  <a:spcPts val="2553"/>
+                  <a:spcPts val="2555"/>
                 </a:lnSpc>
               </a:pPr>
-              <a:endParaRPr/>
             </a:p>
           </p:txBody>
         </p:sp>
@@ -15001,11 +14976,6 @@
         </p:txBody>
       </p:sp>
     </p:spTree>
-    <p:extLst>
-      <p:ext uri="{BB962C8B-B14F-4D97-AF65-F5344CB8AC3E}">
-        <p14:creationId xmlns:p14="http://schemas.microsoft.com/office/powerpoint/2010/main" val="244300692"/>
-      </p:ext>
-    </p:extLst>
   </p:cSld>
   <p:clrMapOvr>
     <a:masterClrMapping/>
@@ -15146,10 +15116,9 @@
             <a:p>
               <a:pPr algn="ctr">
                 <a:lnSpc>
-                  <a:spcPts val="2553"/>
+                  <a:spcPts val="2555"/>
                 </a:lnSpc>
               </a:pPr>
-              <a:endParaRPr/>
             </a:p>
           </p:txBody>
         </p:sp>
@@ -15263,10 +15232,9 @@
             <a:p>
               <a:pPr algn="ctr">
                 <a:lnSpc>
-                  <a:spcPts val="2553"/>
+                  <a:spcPts val="2555"/>
                 </a:lnSpc>
               </a:pPr>
-              <a:endParaRPr/>
             </a:p>
           </p:txBody>
         </p:sp>
@@ -15400,7 +15368,7 @@
           <p:nvPr/>
         </p:nvPicPr>
         <p:blipFill>
-          <a:blip r:embed="rId2"/>
+          <a:blip r:embed="rId1"/>
           <a:stretch>
             <a:fillRect/>
           </a:stretch>
@@ -15416,11 +15384,6 @@
         </p:spPr>
       </p:pic>
     </p:spTree>
-    <p:extLst>
-      <p:ext uri="{BB962C8B-B14F-4D97-AF65-F5344CB8AC3E}">
-        <p14:creationId xmlns:p14="http://schemas.microsoft.com/office/powerpoint/2010/main" val="1989628068"/>
-      </p:ext>
-    </p:extLst>
   </p:cSld>
   <p:clrMapOvr>
     <a:masterClrMapping/>
@@ -15491,10 +15454,10 @@
             </a:pathLst>
           </a:custGeom>
           <a:blipFill>
-            <a:blip r:embed="rId2">
+            <a:blip r:embed="rId1">
               <a:extLst>
                 <a:ext uri="{96DAC541-7B7A-43D3-8B79-37D633B846F1}">
-                  <asvg:svgBlip xmlns="" xmlns:asvg="http://schemas.microsoft.com/office/drawing/2016/SVG/main" r:embed="rId3"/>
+                  <asvg:svgBlip xmlns:asvg="http://schemas.microsoft.com/office/drawing/2016/SVG/main" r:embed="rId2"/>
                 </a:ext>
               </a:extLst>
             </a:blip>
@@ -15543,10 +15506,10 @@
             </a:pathLst>
           </a:custGeom>
           <a:blipFill>
-            <a:blip r:embed="rId4">
+            <a:blip r:embed="rId3">
               <a:extLst>
                 <a:ext uri="{96DAC541-7B7A-43D3-8B79-37D633B846F1}">
-                  <asvg:svgBlip xmlns="" xmlns:asvg="http://schemas.microsoft.com/office/drawing/2016/SVG/main" r:embed="rId5"/>
+                  <asvg:svgBlip xmlns:asvg="http://schemas.microsoft.com/office/drawing/2016/SVG/main" r:embed="rId4"/>
                 </a:ext>
               </a:extLst>
             </a:blip>
@@ -15595,10 +15558,10 @@
             </a:pathLst>
           </a:custGeom>
           <a:blipFill>
-            <a:blip r:embed="rId2">
+            <a:blip r:embed="rId1">
               <a:extLst>
                 <a:ext uri="{96DAC541-7B7A-43D3-8B79-37D633B846F1}">
-                  <asvg:svgBlip xmlns="" xmlns:asvg="http://schemas.microsoft.com/office/drawing/2016/SVG/main" r:embed="rId3"/>
+                  <asvg:svgBlip xmlns:asvg="http://schemas.microsoft.com/office/drawing/2016/SVG/main" r:embed="rId2"/>
                 </a:ext>
               </a:extLst>
             </a:blip>
@@ -15647,10 +15610,10 @@
             </a:pathLst>
           </a:custGeom>
           <a:blipFill>
-            <a:blip r:embed="rId4">
+            <a:blip r:embed="rId3">
               <a:extLst>
                 <a:ext uri="{96DAC541-7B7A-43D3-8B79-37D633B846F1}">
-                  <asvg:svgBlip xmlns="" xmlns:asvg="http://schemas.microsoft.com/office/drawing/2016/SVG/main" r:embed="rId5"/>
+                  <asvg:svgBlip xmlns:asvg="http://schemas.microsoft.com/office/drawing/2016/SVG/main" r:embed="rId4"/>
                 </a:ext>
               </a:extLst>
             </a:blip>
@@ -15699,10 +15662,10 @@
             </a:pathLst>
           </a:custGeom>
           <a:blipFill>
-            <a:blip r:embed="rId2">
+            <a:blip r:embed="rId1">
               <a:extLst>
                 <a:ext uri="{96DAC541-7B7A-43D3-8B79-37D633B846F1}">
-                  <asvg:svgBlip xmlns="" xmlns:asvg="http://schemas.microsoft.com/office/drawing/2016/SVG/main" r:embed="rId3"/>
+                  <asvg:svgBlip xmlns:asvg="http://schemas.microsoft.com/office/drawing/2016/SVG/main" r:embed="rId2"/>
                 </a:ext>
               </a:extLst>
             </a:blip>
@@ -15751,10 +15714,10 @@
             </a:pathLst>
           </a:custGeom>
           <a:blipFill>
-            <a:blip r:embed="rId4">
+            <a:blip r:embed="rId3">
               <a:extLst>
                 <a:ext uri="{96DAC541-7B7A-43D3-8B79-37D633B846F1}">
-                  <asvg:svgBlip xmlns="" xmlns:asvg="http://schemas.microsoft.com/office/drawing/2016/SVG/main" r:embed="rId5"/>
+                  <asvg:svgBlip xmlns:asvg="http://schemas.microsoft.com/office/drawing/2016/SVG/main" r:embed="rId4"/>
                 </a:ext>
               </a:extLst>
             </a:blip>
@@ -15803,10 +15766,10 @@
             </a:pathLst>
           </a:custGeom>
           <a:blipFill>
-            <a:blip r:embed="rId6">
+            <a:blip r:embed="rId5">
               <a:extLst>
                 <a:ext uri="{96DAC541-7B7A-43D3-8B79-37D633B846F1}">
-                  <asvg:svgBlip xmlns="" xmlns:asvg="http://schemas.microsoft.com/office/drawing/2016/SVG/main" r:embed="rId7"/>
+                  <asvg:svgBlip xmlns:asvg="http://schemas.microsoft.com/office/drawing/2016/SVG/main" r:embed="rId6"/>
                 </a:ext>
               </a:extLst>
             </a:blip>
@@ -15855,10 +15818,10 @@
             </a:pathLst>
           </a:custGeom>
           <a:blipFill>
-            <a:blip r:embed="rId8">
+            <a:blip r:embed="rId7">
               <a:extLst>
                 <a:ext uri="{96DAC541-7B7A-43D3-8B79-37D633B846F1}">
-                  <asvg:svgBlip xmlns="" xmlns:asvg="http://schemas.microsoft.com/office/drawing/2016/SVG/main" r:embed="rId9"/>
+                  <asvg:svgBlip xmlns:asvg="http://schemas.microsoft.com/office/drawing/2016/SVG/main" r:embed="rId8"/>
                 </a:ext>
               </a:extLst>
             </a:blip>
@@ -15907,10 +15870,10 @@
             </a:pathLst>
           </a:custGeom>
           <a:blipFill>
-            <a:blip r:embed="rId6">
+            <a:blip r:embed="rId5">
               <a:extLst>
                 <a:ext uri="{96DAC541-7B7A-43D3-8B79-37D633B846F1}">
-                  <asvg:svgBlip xmlns="" xmlns:asvg="http://schemas.microsoft.com/office/drawing/2016/SVG/main" r:embed="rId7"/>
+                  <asvg:svgBlip xmlns:asvg="http://schemas.microsoft.com/office/drawing/2016/SVG/main" r:embed="rId6"/>
                 </a:ext>
               </a:extLst>
             </a:blip>
@@ -15959,10 +15922,10 @@
             </a:pathLst>
           </a:custGeom>
           <a:blipFill>
-            <a:blip r:embed="rId8">
+            <a:blip r:embed="rId7">
               <a:extLst>
                 <a:ext uri="{96DAC541-7B7A-43D3-8B79-37D633B846F1}">
-                  <asvg:svgBlip xmlns="" xmlns:asvg="http://schemas.microsoft.com/office/drawing/2016/SVG/main" r:embed="rId9"/>
+                  <asvg:svgBlip xmlns:asvg="http://schemas.microsoft.com/office/drawing/2016/SVG/main" r:embed="rId8"/>
                 </a:ext>
               </a:extLst>
             </a:blip>
@@ -16011,10 +15974,10 @@
             </a:pathLst>
           </a:custGeom>
           <a:blipFill>
-            <a:blip r:embed="rId6">
+            <a:blip r:embed="rId5">
               <a:extLst>
                 <a:ext uri="{96DAC541-7B7A-43D3-8B79-37D633B846F1}">
-                  <asvg:svgBlip xmlns="" xmlns:asvg="http://schemas.microsoft.com/office/drawing/2016/SVG/main" r:embed="rId7"/>
+                  <asvg:svgBlip xmlns:asvg="http://schemas.microsoft.com/office/drawing/2016/SVG/main" r:embed="rId6"/>
                 </a:ext>
               </a:extLst>
             </a:blip>
@@ -16055,7 +16018,7 @@
                 <a:solidFill>
                   <a:srgbClr val="FFFFFF"/>
                 </a:solidFill>
-                <a:latin typeface="Kollektif Bold"/>
+                <a:latin typeface="Kollektif Bold" panose="020B0604020101010102"/>
               </a:rPr>
               <a:t>01 - </a:t>
             </a:r>
@@ -16064,7 +16027,7 @@
                 <a:solidFill>
                   <a:srgbClr val="FFFFFF"/>
                 </a:solidFill>
-                <a:latin typeface="Kollektif Bold"/>
+                <a:latin typeface="Kollektif Bold" panose="020B0604020101010102"/>
               </a:rPr>
               <a:t>HTML</a:t>
             </a:r>
@@ -16072,7 +16035,7 @@
               <a:solidFill>
                 <a:srgbClr val="FFFFFF"/>
               </a:solidFill>
-              <a:latin typeface="Kollektif Bold"/>
+              <a:latin typeface="Kollektif Bold" panose="020B0604020101010102"/>
             </a:endParaRPr>
           </a:p>
         </p:txBody>
@@ -16108,7 +16071,7 @@
                 <a:solidFill>
                   <a:srgbClr val="FFFFFF"/>
                 </a:solidFill>
-                <a:latin typeface="Kollektif Bold"/>
+                <a:latin typeface="Kollektif Bold" panose="020B0604020101010102"/>
               </a:rPr>
               <a:t>02 - </a:t>
             </a:r>
@@ -16117,7 +16080,7 @@
                 <a:solidFill>
                   <a:srgbClr val="FFFFFF"/>
                 </a:solidFill>
-                <a:latin typeface="Kollektif Bold"/>
+                <a:latin typeface="Kollektif Bold" panose="020B0604020101010102"/>
               </a:rPr>
               <a:t>CSS</a:t>
             </a:r>
@@ -16125,7 +16088,7 @@
               <a:solidFill>
                 <a:srgbClr val="FFFFFF"/>
               </a:solidFill>
-              <a:latin typeface="Kollektif Bold"/>
+              <a:latin typeface="Kollektif Bold" panose="020B0604020101010102"/>
             </a:endParaRPr>
           </a:p>
         </p:txBody>
@@ -16161,7 +16124,7 @@
                 <a:solidFill>
                   <a:srgbClr val="FFFFFF"/>
                 </a:solidFill>
-                <a:latin typeface="Kollektif Bold"/>
+                <a:latin typeface="Kollektif Bold" panose="020B0604020101010102"/>
               </a:rPr>
               <a:t>03 - </a:t>
             </a:r>
@@ -16170,7 +16133,7 @@
                 <a:solidFill>
                   <a:srgbClr val="FFFFFF"/>
                 </a:solidFill>
-                <a:latin typeface="Kollektif Bold"/>
+                <a:latin typeface="Kollektif Bold" panose="020B0604020101010102"/>
               </a:rPr>
               <a:t>Javascript</a:t>
             </a:r>
@@ -16178,7 +16141,7 @@
               <a:solidFill>
                 <a:srgbClr val="FFFFFF"/>
               </a:solidFill>
-              <a:latin typeface="Kollektif Bold"/>
+              <a:latin typeface="Kollektif Bold" panose="020B0604020101010102"/>
             </a:endParaRPr>
           </a:p>
         </p:txBody>
@@ -16242,6 +16205,12 @@
               </a:rPr>
               <a:t>View: Chính là bạn.</a:t>
             </a:r>
+            <a:endParaRPr lang="vi-VN" sz="2400" dirty="0">
+              <a:solidFill>
+                <a:srgbClr val="1B1B1B"/>
+              </a:solidFill>
+              <a:latin typeface="Open Sans"/>
+            </a:endParaRPr>
           </a:p>
           <a:p>
             <a:pPr>
@@ -16260,6 +16229,12 @@
               </a:rPr>
               <a:t>Controller: Là người phục vụ.</a:t>
             </a:r>
+            <a:endParaRPr lang="vi-VN" sz="2400" dirty="0">
+              <a:solidFill>
+                <a:srgbClr val="1B1B1B"/>
+              </a:solidFill>
+              <a:latin typeface="Open Sans"/>
+            </a:endParaRPr>
           </a:p>
           <a:p>
             <a:pPr>
@@ -16278,6 +16253,12 @@
               </a:rPr>
               <a:t>Model: Là đầu bếp.</a:t>
             </a:r>
+            <a:endParaRPr lang="vi-VN" sz="2400" dirty="0">
+              <a:solidFill>
+                <a:srgbClr val="1B1B1B"/>
+              </a:solidFill>
+              <a:latin typeface="Open Sans"/>
+            </a:endParaRPr>
           </a:p>
           <a:p>
             <a:pPr>
@@ -16377,10 +16358,10 @@
             </a:pathLst>
           </a:custGeom>
           <a:blipFill>
-            <a:blip r:embed="rId2">
+            <a:blip r:embed="rId1">
               <a:extLst>
                 <a:ext uri="{96DAC541-7B7A-43D3-8B79-37D633B846F1}">
-                  <asvg:svgBlip xmlns="" xmlns:asvg="http://schemas.microsoft.com/office/drawing/2016/SVG/main" r:embed="rId3"/>
+                  <asvg:svgBlip xmlns:asvg="http://schemas.microsoft.com/office/drawing/2016/SVG/main" r:embed="rId2"/>
                 </a:ext>
               </a:extLst>
             </a:blip>
@@ -16429,10 +16410,10 @@
             </a:pathLst>
           </a:custGeom>
           <a:blipFill>
-            <a:blip r:embed="rId4">
+            <a:blip r:embed="rId3">
               <a:extLst>
                 <a:ext uri="{96DAC541-7B7A-43D3-8B79-37D633B846F1}">
-                  <asvg:svgBlip xmlns="" xmlns:asvg="http://schemas.microsoft.com/office/drawing/2016/SVG/main" r:embed="rId5"/>
+                  <asvg:svgBlip xmlns:asvg="http://schemas.microsoft.com/office/drawing/2016/SVG/main" r:embed="rId4"/>
                 </a:ext>
               </a:extLst>
             </a:blip>
@@ -16481,10 +16462,10 @@
             </a:pathLst>
           </a:custGeom>
           <a:blipFill>
-            <a:blip r:embed="rId2">
+            <a:blip r:embed="rId1">
               <a:extLst>
                 <a:ext uri="{96DAC541-7B7A-43D3-8B79-37D633B846F1}">
-                  <asvg:svgBlip xmlns="" xmlns:asvg="http://schemas.microsoft.com/office/drawing/2016/SVG/main" r:embed="rId3"/>
+                  <asvg:svgBlip xmlns:asvg="http://schemas.microsoft.com/office/drawing/2016/SVG/main" r:embed="rId2"/>
                 </a:ext>
               </a:extLst>
             </a:blip>
@@ -16533,10 +16514,10 @@
             </a:pathLst>
           </a:custGeom>
           <a:blipFill>
-            <a:blip r:embed="rId4">
+            <a:blip r:embed="rId3">
               <a:extLst>
                 <a:ext uri="{96DAC541-7B7A-43D3-8B79-37D633B846F1}">
-                  <asvg:svgBlip xmlns="" xmlns:asvg="http://schemas.microsoft.com/office/drawing/2016/SVG/main" r:embed="rId5"/>
+                  <asvg:svgBlip xmlns:asvg="http://schemas.microsoft.com/office/drawing/2016/SVG/main" r:embed="rId4"/>
                 </a:ext>
               </a:extLst>
             </a:blip>
@@ -16585,10 +16566,10 @@
             </a:pathLst>
           </a:custGeom>
           <a:blipFill>
-            <a:blip r:embed="rId2">
+            <a:blip r:embed="rId1">
               <a:extLst>
                 <a:ext uri="{96DAC541-7B7A-43D3-8B79-37D633B846F1}">
-                  <asvg:svgBlip xmlns="" xmlns:asvg="http://schemas.microsoft.com/office/drawing/2016/SVG/main" r:embed="rId3"/>
+                  <asvg:svgBlip xmlns:asvg="http://schemas.microsoft.com/office/drawing/2016/SVG/main" r:embed="rId2"/>
                 </a:ext>
               </a:extLst>
             </a:blip>
@@ -16637,10 +16618,10 @@
             </a:pathLst>
           </a:custGeom>
           <a:blipFill>
-            <a:blip r:embed="rId4">
+            <a:blip r:embed="rId3">
               <a:extLst>
                 <a:ext uri="{96DAC541-7B7A-43D3-8B79-37D633B846F1}">
-                  <asvg:svgBlip xmlns="" xmlns:asvg="http://schemas.microsoft.com/office/drawing/2016/SVG/main" r:embed="rId5"/>
+                  <asvg:svgBlip xmlns:asvg="http://schemas.microsoft.com/office/drawing/2016/SVG/main" r:embed="rId4"/>
                 </a:ext>
               </a:extLst>
             </a:blip>
@@ -16689,10 +16670,10 @@
             </a:pathLst>
           </a:custGeom>
           <a:blipFill>
-            <a:blip r:embed="rId6">
+            <a:blip r:embed="rId5">
               <a:extLst>
                 <a:ext uri="{96DAC541-7B7A-43D3-8B79-37D633B846F1}">
-                  <asvg:svgBlip xmlns="" xmlns:asvg="http://schemas.microsoft.com/office/drawing/2016/SVG/main" r:embed="rId7"/>
+                  <asvg:svgBlip xmlns:asvg="http://schemas.microsoft.com/office/drawing/2016/SVG/main" r:embed="rId6"/>
                 </a:ext>
               </a:extLst>
             </a:blip>
@@ -16741,10 +16722,10 @@
             </a:pathLst>
           </a:custGeom>
           <a:blipFill>
-            <a:blip r:embed="rId8">
+            <a:blip r:embed="rId7">
               <a:extLst>
                 <a:ext uri="{96DAC541-7B7A-43D3-8B79-37D633B846F1}">
-                  <asvg:svgBlip xmlns="" xmlns:asvg="http://schemas.microsoft.com/office/drawing/2016/SVG/main" r:embed="rId9"/>
+                  <asvg:svgBlip xmlns:asvg="http://schemas.microsoft.com/office/drawing/2016/SVG/main" r:embed="rId8"/>
                 </a:ext>
               </a:extLst>
             </a:blip>
@@ -16793,10 +16774,10 @@
             </a:pathLst>
           </a:custGeom>
           <a:blipFill>
-            <a:blip r:embed="rId6">
+            <a:blip r:embed="rId5">
               <a:extLst>
                 <a:ext uri="{96DAC541-7B7A-43D3-8B79-37D633B846F1}">
-                  <asvg:svgBlip xmlns="" xmlns:asvg="http://schemas.microsoft.com/office/drawing/2016/SVG/main" r:embed="rId7"/>
+                  <asvg:svgBlip xmlns:asvg="http://schemas.microsoft.com/office/drawing/2016/SVG/main" r:embed="rId6"/>
                 </a:ext>
               </a:extLst>
             </a:blip>
@@ -16845,10 +16826,10 @@
             </a:pathLst>
           </a:custGeom>
           <a:blipFill>
-            <a:blip r:embed="rId8">
+            <a:blip r:embed="rId7">
               <a:extLst>
                 <a:ext uri="{96DAC541-7B7A-43D3-8B79-37D633B846F1}">
-                  <asvg:svgBlip xmlns="" xmlns:asvg="http://schemas.microsoft.com/office/drawing/2016/SVG/main" r:embed="rId9"/>
+                  <asvg:svgBlip xmlns:asvg="http://schemas.microsoft.com/office/drawing/2016/SVG/main" r:embed="rId8"/>
                 </a:ext>
               </a:extLst>
             </a:blip>
@@ -16897,10 +16878,10 @@
             </a:pathLst>
           </a:custGeom>
           <a:blipFill>
-            <a:blip r:embed="rId6">
+            <a:blip r:embed="rId5">
               <a:extLst>
                 <a:ext uri="{96DAC541-7B7A-43D3-8B79-37D633B846F1}">
-                  <asvg:svgBlip xmlns="" xmlns:asvg="http://schemas.microsoft.com/office/drawing/2016/SVG/main" r:embed="rId7"/>
+                  <asvg:svgBlip xmlns:asvg="http://schemas.microsoft.com/office/drawing/2016/SVG/main" r:embed="rId6"/>
                 </a:ext>
               </a:extLst>
             </a:blip>
@@ -16941,7 +16922,7 @@
                 <a:solidFill>
                   <a:srgbClr val="FFFFFF"/>
                 </a:solidFill>
-                <a:latin typeface="Kollektif Bold"/>
+                <a:latin typeface="Kollektif Bold" panose="020B0604020101010102"/>
               </a:rPr>
               <a:t>01 - </a:t>
             </a:r>
@@ -16950,7 +16931,7 @@
                 <a:solidFill>
                   <a:srgbClr val="FFFFFF"/>
                 </a:solidFill>
-                <a:latin typeface="Kollektif Bold"/>
+                <a:latin typeface="Kollektif Bold" panose="020B0604020101010102"/>
               </a:rPr>
               <a:t>HTML</a:t>
             </a:r>
@@ -16958,7 +16939,7 @@
               <a:solidFill>
                 <a:srgbClr val="FFFFFF"/>
               </a:solidFill>
-              <a:latin typeface="Kollektif Bold"/>
+              <a:latin typeface="Kollektif Bold" panose="020B0604020101010102"/>
             </a:endParaRPr>
           </a:p>
         </p:txBody>
@@ -16994,7 +16975,7 @@
                 <a:solidFill>
                   <a:srgbClr val="FFFFFF"/>
                 </a:solidFill>
-                <a:latin typeface="Kollektif Bold"/>
+                <a:latin typeface="Kollektif Bold" panose="020B0604020101010102"/>
               </a:rPr>
               <a:t>02 - </a:t>
             </a:r>
@@ -17003,7 +16984,7 @@
                 <a:solidFill>
                   <a:srgbClr val="FFFFFF"/>
                 </a:solidFill>
-                <a:latin typeface="Kollektif Bold"/>
+                <a:latin typeface="Kollektif Bold" panose="020B0604020101010102"/>
               </a:rPr>
               <a:t>CSS</a:t>
             </a:r>
@@ -17011,7 +16992,7 @@
               <a:solidFill>
                 <a:srgbClr val="FFFFFF"/>
               </a:solidFill>
-              <a:latin typeface="Kollektif Bold"/>
+              <a:latin typeface="Kollektif Bold" panose="020B0604020101010102"/>
             </a:endParaRPr>
           </a:p>
         </p:txBody>
@@ -17096,6 +17077,7 @@
               <a:rPr lang="vi-VN" sz="2400" dirty="0"/>
               <a:t>Trong thời gian gần đây, MVC pattern được sử dụng rộng rãi trong các ứng dụng web hiện đại.</a:t>
             </a:r>
+            <a:endParaRPr lang="vi-VN" sz="2400" dirty="0"/>
           </a:p>
           <a:p>
             <a:pPr>
@@ -17114,11 +17096,6 @@
         </p:txBody>
       </p:sp>
     </p:spTree>
-    <p:extLst>
-      <p:ext uri="{BB962C8B-B14F-4D97-AF65-F5344CB8AC3E}">
-        <p14:creationId xmlns:p14="http://schemas.microsoft.com/office/powerpoint/2010/main" val="2528266792"/>
-      </p:ext>
-    </p:extLst>
   </p:cSld>
   <p:clrMapOvr>
     <a:masterClrMapping/>
@@ -17189,13 +17166,7 @@
             </a:pathLst>
           </a:custGeom>
           <a:blipFill>
-            <a:blip r:embed="rId2">
-              <a:extLst>
-                <a:ext uri="{96DAC541-7B7A-43D3-8B79-37D633B846F1}">
-                  <asvg:svgBlip xmlns="" xmlns:asvg="http://schemas.microsoft.com/office/drawing/2016/SVG/main" r:embed="rId3"/>
-                </a:ext>
-              </a:extLst>
-            </a:blip>
+            <a:blip/>
             <a:stretch>
               <a:fillRect/>
             </a:stretch>
@@ -17241,13 +17212,7 @@
             </a:pathLst>
           </a:custGeom>
           <a:blipFill>
-            <a:blip r:embed="rId4">
-              <a:extLst>
-                <a:ext uri="{96DAC541-7B7A-43D3-8B79-37D633B846F1}">
-                  <asvg:svgBlip xmlns="" xmlns:asvg="http://schemas.microsoft.com/office/drawing/2016/SVG/main" r:embed="rId5"/>
-                </a:ext>
-              </a:extLst>
-            </a:blip>
+            <a:blip/>
             <a:stretch>
               <a:fillRect/>
             </a:stretch>
@@ -17293,13 +17258,7 @@
             </a:pathLst>
           </a:custGeom>
           <a:blipFill>
-            <a:blip r:embed="rId2">
-              <a:extLst>
-                <a:ext uri="{96DAC541-7B7A-43D3-8B79-37D633B846F1}">
-                  <asvg:svgBlip xmlns="" xmlns:asvg="http://schemas.microsoft.com/office/drawing/2016/SVG/main" r:embed="rId3"/>
-                </a:ext>
-              </a:extLst>
-            </a:blip>
+            <a:blip/>
             <a:stretch>
               <a:fillRect/>
             </a:stretch>
@@ -17345,13 +17304,7 @@
             </a:pathLst>
           </a:custGeom>
           <a:blipFill>
-            <a:blip r:embed="rId4">
-              <a:extLst>
-                <a:ext uri="{96DAC541-7B7A-43D3-8B79-37D633B846F1}">
-                  <asvg:svgBlip xmlns="" xmlns:asvg="http://schemas.microsoft.com/office/drawing/2016/SVG/main" r:embed="rId5"/>
-                </a:ext>
-              </a:extLst>
-            </a:blip>
+            <a:blip/>
             <a:stretch>
               <a:fillRect/>
             </a:stretch>
@@ -17397,13 +17350,7 @@
             </a:pathLst>
           </a:custGeom>
           <a:blipFill>
-            <a:blip r:embed="rId2">
-              <a:extLst>
-                <a:ext uri="{96DAC541-7B7A-43D3-8B79-37D633B846F1}">
-                  <asvg:svgBlip xmlns="" xmlns:asvg="http://schemas.microsoft.com/office/drawing/2016/SVG/main" r:embed="rId3"/>
-                </a:ext>
-              </a:extLst>
-            </a:blip>
+            <a:blip/>
             <a:stretch>
               <a:fillRect/>
             </a:stretch>
@@ -17449,13 +17396,7 @@
             </a:pathLst>
           </a:custGeom>
           <a:blipFill>
-            <a:blip r:embed="rId4">
-              <a:extLst>
-                <a:ext uri="{96DAC541-7B7A-43D3-8B79-37D633B846F1}">
-                  <asvg:svgBlip xmlns="" xmlns:asvg="http://schemas.microsoft.com/office/drawing/2016/SVG/main" r:embed="rId5"/>
-                </a:ext>
-              </a:extLst>
-            </a:blip>
+            <a:blip/>
             <a:stretch>
               <a:fillRect/>
             </a:stretch>
@@ -17501,13 +17442,7 @@
             </a:pathLst>
           </a:custGeom>
           <a:blipFill>
-            <a:blip r:embed="rId6">
-              <a:extLst>
-                <a:ext uri="{96DAC541-7B7A-43D3-8B79-37D633B846F1}">
-                  <asvg:svgBlip xmlns="" xmlns:asvg="http://schemas.microsoft.com/office/drawing/2016/SVG/main" r:embed="rId9"/>
-                </a:ext>
-              </a:extLst>
-            </a:blip>
+            <a:blip/>
             <a:stretch>
               <a:fillRect/>
             </a:stretch>
@@ -17553,13 +17488,7 @@
             </a:pathLst>
           </a:custGeom>
           <a:blipFill>
-            <a:blip r:embed="rId10">
-              <a:extLst>
-                <a:ext uri="{96DAC541-7B7A-43D3-8B79-37D633B846F1}">
-                  <asvg:svgBlip xmlns="" xmlns:asvg="http://schemas.microsoft.com/office/drawing/2016/SVG/main" r:embed="rId7"/>
-                </a:ext>
-              </a:extLst>
-            </a:blip>
+            <a:blip/>
             <a:stretch>
               <a:fillRect/>
             </a:stretch>
@@ -17605,13 +17534,7 @@
             </a:pathLst>
           </a:custGeom>
           <a:blipFill>
-            <a:blip r:embed="rId10">
-              <a:extLst>
-                <a:ext uri="{96DAC541-7B7A-43D3-8B79-37D633B846F1}">
-                  <asvg:svgBlip xmlns="" xmlns:asvg="http://schemas.microsoft.com/office/drawing/2016/SVG/main" r:embed="rId7"/>
-                </a:ext>
-              </a:extLst>
-            </a:blip>
+            <a:blip/>
             <a:stretch>
               <a:fillRect/>
             </a:stretch>
@@ -17901,7 +17824,7 @@
           <a:p>
             <a:pPr>
               <a:lnSpc>
-                <a:spcPts val="5544"/>
+                <a:spcPts val="5545"/>
               </a:lnSpc>
             </a:pPr>
             <a:r>
@@ -18044,11 +17967,18 @@
               </a:rPr>
               <a:t> </a:t>
             </a:r>
+            <a:endParaRPr lang="en-US" sz="4000" b="1" dirty="0">
+              <a:solidFill>
+                <a:srgbClr val="227C9D"/>
+              </a:solidFill>
+              <a:latin typeface="Times New Roman" panose="02020603050405020304" pitchFamily="18" charset="0"/>
+              <a:cs typeface="Times New Roman" panose="02020603050405020304" pitchFamily="18" charset="0"/>
+            </a:endParaRPr>
           </a:p>
           <a:p>
             <a:pPr>
               <a:lnSpc>
-                <a:spcPts val="5544"/>
+                <a:spcPts val="5545"/>
               </a:lnSpc>
             </a:pPr>
             <a:endParaRPr lang="en-US" sz="4000" b="1" dirty="0">
@@ -18084,7 +18014,7 @@
           <a:p>
             <a:pPr marL="342900" indent="-342900">
               <a:lnSpc>
-                <a:spcPts val="5544"/>
+                <a:spcPts val="5545"/>
               </a:lnSpc>
               <a:buFont typeface="Arial" panose="020B0604020202020204" pitchFamily="34" charset="0"/>
               <a:buChar char="•"/>
@@ -18287,11 +18217,7 @@
           </a:extLst>
         </p:spPr>
         <p:txBody>
-          <a:bodyPr vert="horz" wrap="square" lIns="91440" tIns="45720" rIns="91440" bIns="45720" numCol="1" anchor="t" anchorCtr="0" compatLnSpc="1">
-            <a:prstTxWarp prst="textNoShape">
-              <a:avLst/>
-            </a:prstTxWarp>
-          </a:bodyPr>
+          <a:bodyPr vert="horz" wrap="square" lIns="91440" tIns="45720" rIns="91440" bIns="45720" numCol="1" anchor="t" anchorCtr="0" compatLnSpc="1"/>
           <a:lstStyle/>
           <a:p>
             <a:endParaRPr lang="en-US"/>
@@ -18307,7 +18233,7 @@
           <p:nvPr/>
         </p:nvPicPr>
         <p:blipFill>
-          <a:blip r:embed="rId11"/>
+          <a:blip r:embed="rId1"/>
           <a:stretch>
             <a:fillRect/>
           </a:stretch>
@@ -18323,11 +18249,6 @@
         </p:spPr>
       </p:pic>
     </p:spTree>
-    <p:extLst>
-      <p:ext uri="{BB962C8B-B14F-4D97-AF65-F5344CB8AC3E}">
-        <p14:creationId xmlns:p14="http://schemas.microsoft.com/office/powerpoint/2010/main" val="3293192617"/>
-      </p:ext>
-    </p:extLst>
   </p:cSld>
   <p:clrMapOvr>
     <a:masterClrMapping/>
@@ -18398,10 +18319,10 @@
             </a:pathLst>
           </a:custGeom>
           <a:blipFill>
-            <a:blip r:embed="rId2">
+            <a:blip r:embed="rId1">
               <a:extLst>
                 <a:ext uri="{96DAC541-7B7A-43D3-8B79-37D633B846F1}">
-                  <asvg:svgBlip xmlns="" xmlns:asvg="http://schemas.microsoft.com/office/drawing/2016/SVG/main" r:embed="rId3"/>
+                  <asvg:svgBlip xmlns:asvg="http://schemas.microsoft.com/office/drawing/2016/SVG/main" r:embed="rId2"/>
                 </a:ext>
               </a:extLst>
             </a:blip>
@@ -18450,10 +18371,10 @@
             </a:pathLst>
           </a:custGeom>
           <a:blipFill>
-            <a:blip r:embed="rId4">
+            <a:blip r:embed="rId3">
               <a:extLst>
                 <a:ext uri="{96DAC541-7B7A-43D3-8B79-37D633B846F1}">
-                  <asvg:svgBlip xmlns="" xmlns:asvg="http://schemas.microsoft.com/office/drawing/2016/SVG/main" r:embed="rId5"/>
+                  <asvg:svgBlip xmlns:asvg="http://schemas.microsoft.com/office/drawing/2016/SVG/main" r:embed="rId4"/>
                 </a:ext>
               </a:extLst>
             </a:blip>
@@ -18502,10 +18423,10 @@
             </a:pathLst>
           </a:custGeom>
           <a:blipFill>
-            <a:blip r:embed="rId2">
+            <a:blip r:embed="rId1">
               <a:extLst>
                 <a:ext uri="{96DAC541-7B7A-43D3-8B79-37D633B846F1}">
-                  <asvg:svgBlip xmlns="" xmlns:asvg="http://schemas.microsoft.com/office/drawing/2016/SVG/main" r:embed="rId3"/>
+                  <asvg:svgBlip xmlns:asvg="http://schemas.microsoft.com/office/drawing/2016/SVG/main" r:embed="rId2"/>
                 </a:ext>
               </a:extLst>
             </a:blip>
@@ -18554,10 +18475,10 @@
             </a:pathLst>
           </a:custGeom>
           <a:blipFill>
-            <a:blip r:embed="rId4">
+            <a:blip r:embed="rId3">
               <a:extLst>
                 <a:ext uri="{96DAC541-7B7A-43D3-8B79-37D633B846F1}">
-                  <asvg:svgBlip xmlns="" xmlns:asvg="http://schemas.microsoft.com/office/drawing/2016/SVG/main" r:embed="rId5"/>
+                  <asvg:svgBlip xmlns:asvg="http://schemas.microsoft.com/office/drawing/2016/SVG/main" r:embed="rId4"/>
                 </a:ext>
               </a:extLst>
             </a:blip>
@@ -18606,10 +18527,10 @@
             </a:pathLst>
           </a:custGeom>
           <a:blipFill>
-            <a:blip r:embed="rId2">
+            <a:blip r:embed="rId1">
               <a:extLst>
                 <a:ext uri="{96DAC541-7B7A-43D3-8B79-37D633B846F1}">
-                  <asvg:svgBlip xmlns="" xmlns:asvg="http://schemas.microsoft.com/office/drawing/2016/SVG/main" r:embed="rId3"/>
+                  <asvg:svgBlip xmlns:asvg="http://schemas.microsoft.com/office/drawing/2016/SVG/main" r:embed="rId2"/>
                 </a:ext>
               </a:extLst>
             </a:blip>
@@ -18658,10 +18579,10 @@
             </a:pathLst>
           </a:custGeom>
           <a:blipFill>
-            <a:blip r:embed="rId4">
+            <a:blip r:embed="rId3">
               <a:extLst>
                 <a:ext uri="{96DAC541-7B7A-43D3-8B79-37D633B846F1}">
-                  <asvg:svgBlip xmlns="" xmlns:asvg="http://schemas.microsoft.com/office/drawing/2016/SVG/main" r:embed="rId5"/>
+                  <asvg:svgBlip xmlns:asvg="http://schemas.microsoft.com/office/drawing/2016/SVG/main" r:embed="rId4"/>
                 </a:ext>
               </a:extLst>
             </a:blip>
@@ -18710,10 +18631,10 @@
             </a:pathLst>
           </a:custGeom>
           <a:blipFill>
-            <a:blip r:embed="rId6">
+            <a:blip r:embed="rId5">
               <a:extLst>
                 <a:ext uri="{96DAC541-7B7A-43D3-8B79-37D633B846F1}">
-                  <asvg:svgBlip xmlns="" xmlns:asvg="http://schemas.microsoft.com/office/drawing/2016/SVG/main" r:embed="rId7"/>
+                  <asvg:svgBlip xmlns:asvg="http://schemas.microsoft.com/office/drawing/2016/SVG/main" r:embed="rId6"/>
                 </a:ext>
               </a:extLst>
             </a:blip>
@@ -18762,10 +18683,10 @@
             </a:pathLst>
           </a:custGeom>
           <a:blipFill>
-            <a:blip r:embed="rId8">
+            <a:blip r:embed="rId7">
               <a:extLst>
                 <a:ext uri="{96DAC541-7B7A-43D3-8B79-37D633B846F1}">
-                  <asvg:svgBlip xmlns="" xmlns:asvg="http://schemas.microsoft.com/office/drawing/2016/SVG/main" r:embed="rId9"/>
+                  <asvg:svgBlip xmlns:asvg="http://schemas.microsoft.com/office/drawing/2016/SVG/main" r:embed="rId8"/>
                 </a:ext>
               </a:extLst>
             </a:blip>
@@ -18814,10 +18735,10 @@
             </a:pathLst>
           </a:custGeom>
           <a:blipFill>
-            <a:blip r:embed="rId6">
+            <a:blip r:embed="rId5">
               <a:extLst>
                 <a:ext uri="{96DAC541-7B7A-43D3-8B79-37D633B846F1}">
-                  <asvg:svgBlip xmlns="" xmlns:asvg="http://schemas.microsoft.com/office/drawing/2016/SVG/main" r:embed="rId7"/>
+                  <asvg:svgBlip xmlns:asvg="http://schemas.microsoft.com/office/drawing/2016/SVG/main" r:embed="rId6"/>
                 </a:ext>
               </a:extLst>
             </a:blip>
@@ -18866,10 +18787,10 @@
             </a:pathLst>
           </a:custGeom>
           <a:blipFill>
-            <a:blip r:embed="rId8">
+            <a:blip r:embed="rId7">
               <a:extLst>
                 <a:ext uri="{96DAC541-7B7A-43D3-8B79-37D633B846F1}">
-                  <asvg:svgBlip xmlns="" xmlns:asvg="http://schemas.microsoft.com/office/drawing/2016/SVG/main" r:embed="rId9"/>
+                  <asvg:svgBlip xmlns:asvg="http://schemas.microsoft.com/office/drawing/2016/SVG/main" r:embed="rId8"/>
                 </a:ext>
               </a:extLst>
             </a:blip>
@@ -18918,10 +18839,10 @@
             </a:pathLst>
           </a:custGeom>
           <a:blipFill>
-            <a:blip r:embed="rId6">
+            <a:blip r:embed="rId5">
               <a:extLst>
                 <a:ext uri="{96DAC541-7B7A-43D3-8B79-37D633B846F1}">
-                  <asvg:svgBlip xmlns="" xmlns:asvg="http://schemas.microsoft.com/office/drawing/2016/SVG/main" r:embed="rId7"/>
+                  <asvg:svgBlip xmlns:asvg="http://schemas.microsoft.com/office/drawing/2016/SVG/main" r:embed="rId6"/>
                 </a:ext>
               </a:extLst>
             </a:blip>
@@ -18954,7 +18875,7 @@
           <a:p>
             <a:pPr marL="342900" indent="-342900">
               <a:lnSpc>
-                <a:spcPts val="5544"/>
+                <a:spcPts val="5545"/>
               </a:lnSpc>
               <a:buFont typeface="Arial" panose="020B0604020202020204" pitchFamily="34" charset="0"/>
               <a:buChar char="•"/>
@@ -19083,11 +19004,7 @@
           </a:extLst>
         </p:spPr>
         <p:txBody>
-          <a:bodyPr vert="horz" wrap="square" lIns="91440" tIns="45720" rIns="91440" bIns="45720" numCol="1" anchor="t" anchorCtr="0" compatLnSpc="1">
-            <a:prstTxWarp prst="textNoShape">
-              <a:avLst/>
-            </a:prstTxWarp>
-          </a:bodyPr>
+          <a:bodyPr vert="horz" wrap="square" lIns="91440" tIns="45720" rIns="91440" bIns="45720" numCol="1" anchor="t" anchorCtr="0" compatLnSpc="1"/>
           <a:lstStyle/>
           <a:p>
             <a:endParaRPr lang="en-US"/>
@@ -19103,7 +19020,7 @@
           <p:nvPr/>
         </p:nvPicPr>
         <p:blipFill>
-          <a:blip r:embed="rId10">
+          <a:blip r:embed="rId9">
             <a:extLst>
               <a:ext uri="{28A0092B-C50C-407E-A947-70E740481C1C}">
                 <a14:useLocalDpi xmlns:a14="http://schemas.microsoft.com/office/drawing/2010/main" val="0"/>
@@ -19136,11 +19053,6 @@
         </p:spPr>
       </p:pic>
     </p:spTree>
-    <p:extLst>
-      <p:ext uri="{BB962C8B-B14F-4D97-AF65-F5344CB8AC3E}">
-        <p14:creationId xmlns:p14="http://schemas.microsoft.com/office/powerpoint/2010/main" val="3724768037"/>
-      </p:ext>
-    </p:extLst>
   </p:cSld>
   <p:clrMapOvr>
     <a:masterClrMapping/>
@@ -19195,7 +19107,7 @@
           <a:p>
             <a:pPr>
               <a:lnSpc>
-                <a:spcPts val="5544"/>
+                <a:spcPts val="5545"/>
               </a:lnSpc>
             </a:pPr>
             <a:r>
@@ -19327,7 +19239,7 @@
           <p:nvPr/>
         </p:nvPicPr>
         <p:blipFill>
-          <a:blip r:embed="rId2"/>
+          <a:blip r:embed="rId1"/>
           <a:stretch>
             <a:fillRect/>
           </a:stretch>
@@ -19343,11 +19255,6 @@
         </p:spPr>
       </p:pic>
     </p:spTree>
-    <p:extLst>
-      <p:ext uri="{BB962C8B-B14F-4D97-AF65-F5344CB8AC3E}">
-        <p14:creationId xmlns:p14="http://schemas.microsoft.com/office/powerpoint/2010/main" val="2694535778"/>
-      </p:ext>
-    </p:extLst>
   </p:cSld>
   <p:clrMapOvr>
     <a:masterClrMapping/>
@@ -19640,7 +19547,10 @@
       </a:bgFillStyleLst>
     </a:fmtScheme>
   </a:themeElements>
-  <a:objectDefaults/>
-  <a:extraClrSchemeLst/>
+  <a:extLst>
+    <a:ext uri="{05A4C25C-085E-4340-85A3-A5531E510DB2}">
+      <thm15:themeFamily xmlns:thm15="http://schemas.microsoft.com/office/thememl/2012/main" name="Office Theme" id="{62F939B6-93AF-4DB8-9C6B-D6C7DFDC589F}" vid="{4A3C46E8-61CC-4603-A589-7422A47A8E4A}"/>
+    </a:ext>
+  </a:extLst>
 </a:theme>
 </file>
--- a/document report/MVC_RestfulAPI.pptx
+++ b/document report/MVC_RestfulAPI.pptx
@@ -5,46 +5,55 @@
     <p:sldMasterId id="2147483648" r:id="rId1"/>
   </p:sldMasterIdLst>
   <p:sldIdLst>
-    <p:sldId id="256" r:id="rId3"/>
-    <p:sldId id="274" r:id="rId4"/>
-    <p:sldId id="275" r:id="rId5"/>
-    <p:sldId id="276" r:id="rId6"/>
-    <p:sldId id="259" r:id="rId7"/>
-    <p:sldId id="311" r:id="rId8"/>
-    <p:sldId id="312" r:id="rId9"/>
-    <p:sldId id="313" r:id="rId10"/>
-    <p:sldId id="310" r:id="rId11"/>
-    <p:sldId id="314" r:id="rId12"/>
-    <p:sldId id="315" r:id="rId13"/>
-    <p:sldId id="317" r:id="rId14"/>
-    <p:sldId id="318" r:id="rId15"/>
-    <p:sldId id="316" r:id="rId16"/>
-    <p:sldId id="320" r:id="rId17"/>
-    <p:sldId id="319" r:id="rId18"/>
-    <p:sldId id="321" r:id="rId19"/>
-    <p:sldId id="322" r:id="rId20"/>
-    <p:sldId id="323" r:id="rId21"/>
-    <p:sldId id="324" r:id="rId22"/>
-    <p:sldId id="325" r:id="rId23"/>
-    <p:sldId id="326" r:id="rId24"/>
-    <p:sldId id="329" r:id="rId25"/>
-    <p:sldId id="327" r:id="rId26"/>
-    <p:sldId id="328" r:id="rId27"/>
-    <p:sldId id="273" r:id="rId28"/>
+    <p:sldId id="256" r:id="rId2"/>
+    <p:sldId id="274" r:id="rId3"/>
+    <p:sldId id="275" r:id="rId4"/>
+    <p:sldId id="276" r:id="rId5"/>
+    <p:sldId id="259" r:id="rId6"/>
+    <p:sldId id="311" r:id="rId7"/>
+    <p:sldId id="312" r:id="rId8"/>
+    <p:sldId id="313" r:id="rId9"/>
+    <p:sldId id="310" r:id="rId10"/>
+    <p:sldId id="314" r:id="rId11"/>
+    <p:sldId id="315" r:id="rId12"/>
+    <p:sldId id="317" r:id="rId13"/>
+    <p:sldId id="318" r:id="rId14"/>
+    <p:sldId id="316" r:id="rId15"/>
+    <p:sldId id="320" r:id="rId16"/>
+    <p:sldId id="319" r:id="rId17"/>
+    <p:sldId id="321" r:id="rId18"/>
+    <p:sldId id="322" r:id="rId19"/>
+    <p:sldId id="323" r:id="rId20"/>
+    <p:sldId id="324" r:id="rId21"/>
+    <p:sldId id="325" r:id="rId22"/>
+    <p:sldId id="326" r:id="rId23"/>
+    <p:sldId id="329" r:id="rId24"/>
+    <p:sldId id="330" r:id="rId25"/>
+    <p:sldId id="332" r:id="rId26"/>
+    <p:sldId id="333" r:id="rId27"/>
+    <p:sldId id="335" r:id="rId28"/>
+    <p:sldId id="336" r:id="rId29"/>
+    <p:sldId id="334" r:id="rId30"/>
+    <p:sldId id="331" r:id="rId31"/>
+    <p:sldId id="327" r:id="rId32"/>
+    <p:sldId id="337" r:id="rId33"/>
+    <p:sldId id="338" r:id="rId34"/>
+    <p:sldId id="328" r:id="rId35"/>
+    <p:sldId id="273" r:id="rId36"/>
   </p:sldIdLst>
   <p:sldSz cx="18288000" cy="10287000"/>
   <p:notesSz cx="6858000" cy="9144000"/>
   <p:embeddedFontLst>
     <p:embeddedFont>
-      <p:font typeface="Kollektif Bold" panose="020B0604020101010102"/>
-      <p:bold r:id="rId32"/>
+      <p:font typeface="Kollektif Bold" panose="020B0604020202020204" charset="0"/>
+      <p:bold r:id="rId37"/>
     </p:embeddedFont>
     <p:embeddedFont>
-      <p:font typeface="Calibri" panose="020F0502020204030204" charset="0"/>
-      <p:regular r:id="rId33"/>
-      <p:bold r:id="rId34"/>
-      <p:italic r:id="rId35"/>
-      <p:boldItalic r:id="rId36"/>
+      <p:font typeface="Calibri" panose="020F0502020204030204" pitchFamily="34" charset="0"/>
+      <p:regular r:id="rId38"/>
+      <p:bold r:id="rId39"/>
+      <p:italic r:id="rId40"/>
+      <p:boldItalic r:id="rId41"/>
     </p:embeddedFont>
   </p:embeddedFontLst>
   <p:defaultTextStyle>
@@ -342,6 +351,7 @@
           <a:p>
             <a:fld id="{1D8BD707-D9CF-40AE-B4C6-C98DA3205C09}" type="datetimeFigureOut">
               <a:rPr lang="en-US" smtClean="0"/>
+              <a:t>5/6/2024</a:t>
             </a:fld>
             <a:endParaRPr lang="en-US"/>
           </a:p>
@@ -383,6 +393,7 @@
           <a:p>
             <a:fld id="{B6F15528-21DE-4FAA-801E-634DDDAF4B2B}" type="slidenum">
               <a:rPr lang="en-US" smtClean="0"/>
+              <a:t>‹#›</a:t>
             </a:fld>
             <a:endParaRPr lang="en-US"/>
           </a:p>
@@ -456,7 +467,6 @@
               <a:rPr lang="en-US" smtClean="0"/>
               <a:t>Click to edit Master text styles</a:t>
             </a:r>
-            <a:endParaRPr lang="en-US" smtClean="0"/>
           </a:p>
           <a:p>
             <a:pPr lvl="1"/>
@@ -464,7 +474,6 @@
               <a:rPr lang="en-US" smtClean="0"/>
               <a:t>Second level</a:t>
             </a:r>
-            <a:endParaRPr lang="en-US" smtClean="0"/>
           </a:p>
           <a:p>
             <a:pPr lvl="2"/>
@@ -472,7 +481,6 @@
               <a:rPr lang="en-US" smtClean="0"/>
               <a:t>Third level</a:t>
             </a:r>
-            <a:endParaRPr lang="en-US" smtClean="0"/>
           </a:p>
           <a:p>
             <a:pPr lvl="3"/>
@@ -480,7 +488,6 @@
               <a:rPr lang="en-US" smtClean="0"/>
               <a:t>Fourth level</a:t>
             </a:r>
-            <a:endParaRPr lang="en-US" smtClean="0"/>
           </a:p>
           <a:p>
             <a:pPr lvl="4"/>
@@ -509,6 +516,7 @@
           <a:p>
             <a:fld id="{1D8BD707-D9CF-40AE-B4C6-C98DA3205C09}" type="datetimeFigureOut">
               <a:rPr lang="en-US" smtClean="0"/>
+              <a:t>5/6/2024</a:t>
             </a:fld>
             <a:endParaRPr lang="en-US"/>
           </a:p>
@@ -550,6 +558,7 @@
           <a:p>
             <a:fld id="{B6F15528-21DE-4FAA-801E-634DDDAF4B2B}" type="slidenum">
               <a:rPr lang="en-US" smtClean="0"/>
+              <a:t>‹#›</a:t>
             </a:fld>
             <a:endParaRPr lang="en-US"/>
           </a:p>
@@ -633,7 +642,6 @@
               <a:rPr lang="en-US" smtClean="0"/>
               <a:t>Click to edit Master text styles</a:t>
             </a:r>
-            <a:endParaRPr lang="en-US" smtClean="0"/>
           </a:p>
           <a:p>
             <a:pPr lvl="1"/>
@@ -641,7 +649,6 @@
               <a:rPr lang="en-US" smtClean="0"/>
               <a:t>Second level</a:t>
             </a:r>
-            <a:endParaRPr lang="en-US" smtClean="0"/>
           </a:p>
           <a:p>
             <a:pPr lvl="2"/>
@@ -649,7 +656,6 @@
               <a:rPr lang="en-US" smtClean="0"/>
               <a:t>Third level</a:t>
             </a:r>
-            <a:endParaRPr lang="en-US" smtClean="0"/>
           </a:p>
           <a:p>
             <a:pPr lvl="3"/>
@@ -657,7 +663,6 @@
               <a:rPr lang="en-US" smtClean="0"/>
               <a:t>Fourth level</a:t>
             </a:r>
-            <a:endParaRPr lang="en-US" smtClean="0"/>
           </a:p>
           <a:p>
             <a:pPr lvl="4"/>
@@ -686,6 +691,7 @@
           <a:p>
             <a:fld id="{1D8BD707-D9CF-40AE-B4C6-C98DA3205C09}" type="datetimeFigureOut">
               <a:rPr lang="en-US" smtClean="0"/>
+              <a:t>5/6/2024</a:t>
             </a:fld>
             <a:endParaRPr lang="en-US"/>
           </a:p>
@@ -727,6 +733,7 @@
           <a:p>
             <a:fld id="{B6F15528-21DE-4FAA-801E-634DDDAF4B2B}" type="slidenum">
               <a:rPr lang="en-US" smtClean="0"/>
+              <a:t>‹#›</a:t>
             </a:fld>
             <a:endParaRPr lang="en-US"/>
           </a:p>
@@ -800,7 +807,6 @@
               <a:rPr lang="en-US" smtClean="0"/>
               <a:t>Click to edit Master text styles</a:t>
             </a:r>
-            <a:endParaRPr lang="en-US" smtClean="0"/>
           </a:p>
           <a:p>
             <a:pPr lvl="1"/>
@@ -808,7 +814,6 @@
               <a:rPr lang="en-US" smtClean="0"/>
               <a:t>Second level</a:t>
             </a:r>
-            <a:endParaRPr lang="en-US" smtClean="0"/>
           </a:p>
           <a:p>
             <a:pPr lvl="2"/>
@@ -816,7 +821,6 @@
               <a:rPr lang="en-US" smtClean="0"/>
               <a:t>Third level</a:t>
             </a:r>
-            <a:endParaRPr lang="en-US" smtClean="0"/>
           </a:p>
           <a:p>
             <a:pPr lvl="3"/>
@@ -824,7 +828,6 @@
               <a:rPr lang="en-US" smtClean="0"/>
               <a:t>Fourth level</a:t>
             </a:r>
-            <a:endParaRPr lang="en-US" smtClean="0"/>
           </a:p>
           <a:p>
             <a:pPr lvl="4"/>
@@ -853,6 +856,7 @@
           <a:p>
             <a:fld id="{1D8BD707-D9CF-40AE-B4C6-C98DA3205C09}" type="datetimeFigureOut">
               <a:rPr lang="en-US" smtClean="0"/>
+              <a:t>5/6/2024</a:t>
             </a:fld>
             <a:endParaRPr lang="en-US"/>
           </a:p>
@@ -894,6 +898,7 @@
           <a:p>
             <a:fld id="{B6F15528-21DE-4FAA-801E-634DDDAF4B2B}" type="slidenum">
               <a:rPr lang="en-US" smtClean="0"/>
+              <a:t>‹#›</a:t>
             </a:fld>
             <a:endParaRPr lang="en-US"/>
           </a:p>
@@ -1072,7 +1077,6 @@
               <a:rPr lang="en-US" smtClean="0"/>
               <a:t>Click to edit Master text styles</a:t>
             </a:r>
-            <a:endParaRPr lang="en-US" smtClean="0"/>
           </a:p>
         </p:txBody>
       </p:sp>
@@ -1093,6 +1097,7 @@
           <a:p>
             <a:fld id="{1D8BD707-D9CF-40AE-B4C6-C98DA3205C09}" type="datetimeFigureOut">
               <a:rPr lang="en-US" smtClean="0"/>
+              <a:t>5/6/2024</a:t>
             </a:fld>
             <a:endParaRPr lang="en-US"/>
           </a:p>
@@ -1134,6 +1139,7 @@
           <a:p>
             <a:fld id="{B6F15528-21DE-4FAA-801E-634DDDAF4B2B}" type="slidenum">
               <a:rPr lang="en-US" smtClean="0"/>
+              <a:t>‹#›</a:t>
             </a:fld>
             <a:endParaRPr lang="en-US"/>
           </a:p>
@@ -1240,7 +1246,6 @@
               <a:rPr lang="en-US" smtClean="0"/>
               <a:t>Click to edit Master text styles</a:t>
             </a:r>
-            <a:endParaRPr lang="en-US" smtClean="0"/>
           </a:p>
           <a:p>
             <a:pPr lvl="1"/>
@@ -1248,7 +1253,6 @@
               <a:rPr lang="en-US" smtClean="0"/>
               <a:t>Second level</a:t>
             </a:r>
-            <a:endParaRPr lang="en-US" smtClean="0"/>
           </a:p>
           <a:p>
             <a:pPr lvl="2"/>
@@ -1256,7 +1260,6 @@
               <a:rPr lang="en-US" smtClean="0"/>
               <a:t>Third level</a:t>
             </a:r>
-            <a:endParaRPr lang="en-US" smtClean="0"/>
           </a:p>
           <a:p>
             <a:pPr lvl="3"/>
@@ -1264,7 +1267,6 @@
               <a:rPr lang="en-US" smtClean="0"/>
               <a:t>Fourth level</a:t>
             </a:r>
-            <a:endParaRPr lang="en-US" smtClean="0"/>
           </a:p>
           <a:p>
             <a:pPr lvl="4"/>
@@ -1329,7 +1331,6 @@
               <a:rPr lang="en-US" smtClean="0"/>
               <a:t>Click to edit Master text styles</a:t>
             </a:r>
-            <a:endParaRPr lang="en-US" smtClean="0"/>
           </a:p>
           <a:p>
             <a:pPr lvl="1"/>
@@ -1337,7 +1338,6 @@
               <a:rPr lang="en-US" smtClean="0"/>
               <a:t>Second level</a:t>
             </a:r>
-            <a:endParaRPr lang="en-US" smtClean="0"/>
           </a:p>
           <a:p>
             <a:pPr lvl="2"/>
@@ -1345,7 +1345,6 @@
               <a:rPr lang="en-US" smtClean="0"/>
               <a:t>Third level</a:t>
             </a:r>
-            <a:endParaRPr lang="en-US" smtClean="0"/>
           </a:p>
           <a:p>
             <a:pPr lvl="3"/>
@@ -1353,7 +1352,6 @@
               <a:rPr lang="en-US" smtClean="0"/>
               <a:t>Fourth level</a:t>
             </a:r>
-            <a:endParaRPr lang="en-US" smtClean="0"/>
           </a:p>
           <a:p>
             <a:pPr lvl="4"/>
@@ -1382,6 +1380,7 @@
           <a:p>
             <a:fld id="{1D8BD707-D9CF-40AE-B4C6-C98DA3205C09}" type="datetimeFigureOut">
               <a:rPr lang="en-US" smtClean="0"/>
+              <a:t>5/6/2024</a:t>
             </a:fld>
             <a:endParaRPr lang="en-US"/>
           </a:p>
@@ -1423,6 +1422,7 @@
           <a:p>
             <a:fld id="{B6F15528-21DE-4FAA-801E-634DDDAF4B2B}" type="slidenum">
               <a:rPr lang="en-US" smtClean="0"/>
+              <a:t>‹#›</a:t>
             </a:fld>
             <a:endParaRPr lang="en-US"/>
           </a:p>
@@ -1542,7 +1542,6 @@
               <a:rPr lang="en-US" smtClean="0"/>
               <a:t>Click to edit Master text styles</a:t>
             </a:r>
-            <a:endParaRPr lang="en-US" smtClean="0"/>
           </a:p>
         </p:txBody>
       </p:sp>
@@ -1599,7 +1598,6 @@
               <a:rPr lang="en-US" smtClean="0"/>
               <a:t>Click to edit Master text styles</a:t>
             </a:r>
-            <a:endParaRPr lang="en-US" smtClean="0"/>
           </a:p>
           <a:p>
             <a:pPr lvl="1"/>
@@ -1607,7 +1605,6 @@
               <a:rPr lang="en-US" smtClean="0"/>
               <a:t>Second level</a:t>
             </a:r>
-            <a:endParaRPr lang="en-US" smtClean="0"/>
           </a:p>
           <a:p>
             <a:pPr lvl="2"/>
@@ -1615,7 +1612,6 @@
               <a:rPr lang="en-US" smtClean="0"/>
               <a:t>Third level</a:t>
             </a:r>
-            <a:endParaRPr lang="en-US" smtClean="0"/>
           </a:p>
           <a:p>
             <a:pPr lvl="3"/>
@@ -1623,7 +1619,6 @@
               <a:rPr lang="en-US" smtClean="0"/>
               <a:t>Fourth level</a:t>
             </a:r>
-            <a:endParaRPr lang="en-US" smtClean="0"/>
           </a:p>
           <a:p>
             <a:pPr lvl="4"/>
@@ -1697,7 +1692,6 @@
               <a:rPr lang="en-US" smtClean="0"/>
               <a:t>Click to edit Master text styles</a:t>
             </a:r>
-            <a:endParaRPr lang="en-US" smtClean="0"/>
           </a:p>
         </p:txBody>
       </p:sp>
@@ -1754,7 +1748,6 @@
               <a:rPr lang="en-US" smtClean="0"/>
               <a:t>Click to edit Master text styles</a:t>
             </a:r>
-            <a:endParaRPr lang="en-US" smtClean="0"/>
           </a:p>
           <a:p>
             <a:pPr lvl="1"/>
@@ -1762,7 +1755,6 @@
               <a:rPr lang="en-US" smtClean="0"/>
               <a:t>Second level</a:t>
             </a:r>
-            <a:endParaRPr lang="en-US" smtClean="0"/>
           </a:p>
           <a:p>
             <a:pPr lvl="2"/>
@@ -1770,7 +1762,6 @@
               <a:rPr lang="en-US" smtClean="0"/>
               <a:t>Third level</a:t>
             </a:r>
-            <a:endParaRPr lang="en-US" smtClean="0"/>
           </a:p>
           <a:p>
             <a:pPr lvl="3"/>
@@ -1778,7 +1769,6 @@
               <a:rPr lang="en-US" smtClean="0"/>
               <a:t>Fourth level</a:t>
             </a:r>
-            <a:endParaRPr lang="en-US" smtClean="0"/>
           </a:p>
           <a:p>
             <a:pPr lvl="4"/>
@@ -1807,6 +1797,7 @@
           <a:p>
             <a:fld id="{1D8BD707-D9CF-40AE-B4C6-C98DA3205C09}" type="datetimeFigureOut">
               <a:rPr lang="en-US" smtClean="0"/>
+              <a:t>5/6/2024</a:t>
             </a:fld>
             <a:endParaRPr lang="en-US"/>
           </a:p>
@@ -1848,6 +1839,7 @@
           <a:p>
             <a:fld id="{B6F15528-21DE-4FAA-801E-634DDDAF4B2B}" type="slidenum">
               <a:rPr lang="en-US" smtClean="0"/>
+              <a:t>‹#›</a:t>
             </a:fld>
             <a:endParaRPr lang="en-US"/>
           </a:p>
@@ -1918,6 +1910,7 @@
           <a:p>
             <a:fld id="{1D8BD707-D9CF-40AE-B4C6-C98DA3205C09}" type="datetimeFigureOut">
               <a:rPr lang="en-US" smtClean="0"/>
+              <a:t>5/6/2024</a:t>
             </a:fld>
             <a:endParaRPr lang="en-US"/>
           </a:p>
@@ -1959,6 +1952,7 @@
           <a:p>
             <a:fld id="{B6F15528-21DE-4FAA-801E-634DDDAF4B2B}" type="slidenum">
               <a:rPr lang="en-US" smtClean="0"/>
+              <a:t>‹#›</a:t>
             </a:fld>
             <a:endParaRPr lang="en-US"/>
           </a:p>
@@ -2006,6 +2000,7 @@
           <a:p>
             <a:fld id="{1D8BD707-D9CF-40AE-B4C6-C98DA3205C09}" type="datetimeFigureOut">
               <a:rPr lang="en-US" smtClean="0"/>
+              <a:t>5/6/2024</a:t>
             </a:fld>
             <a:endParaRPr lang="en-US"/>
           </a:p>
@@ -2047,6 +2042,7 @@
           <a:p>
             <a:fld id="{B6F15528-21DE-4FAA-801E-634DDDAF4B2B}" type="slidenum">
               <a:rPr lang="en-US" smtClean="0"/>
+              <a:t>‹#›</a:t>
             </a:fld>
             <a:endParaRPr lang="en-US"/>
           </a:p>
@@ -2162,7 +2158,6 @@
               <a:rPr lang="en-US" smtClean="0"/>
               <a:t>Click to edit Master text styles</a:t>
             </a:r>
-            <a:endParaRPr lang="en-US" smtClean="0"/>
           </a:p>
           <a:p>
             <a:pPr lvl="1"/>
@@ -2170,7 +2165,6 @@
               <a:rPr lang="en-US" smtClean="0"/>
               <a:t>Second level</a:t>
             </a:r>
-            <a:endParaRPr lang="en-US" smtClean="0"/>
           </a:p>
           <a:p>
             <a:pPr lvl="2"/>
@@ -2178,7 +2172,6 @@
               <a:rPr lang="en-US" smtClean="0"/>
               <a:t>Third level</a:t>
             </a:r>
-            <a:endParaRPr lang="en-US" smtClean="0"/>
           </a:p>
           <a:p>
             <a:pPr lvl="3"/>
@@ -2186,7 +2179,6 @@
               <a:rPr lang="en-US" smtClean="0"/>
               <a:t>Fourth level</a:t>
             </a:r>
-            <a:endParaRPr lang="en-US" smtClean="0"/>
           </a:p>
           <a:p>
             <a:pPr lvl="4"/>
@@ -2260,7 +2252,6 @@
               <a:rPr lang="en-US" smtClean="0"/>
               <a:t>Click to edit Master text styles</a:t>
             </a:r>
-            <a:endParaRPr lang="en-US" smtClean="0"/>
           </a:p>
         </p:txBody>
       </p:sp>
@@ -2281,6 +2272,7 @@
           <a:p>
             <a:fld id="{1D8BD707-D9CF-40AE-B4C6-C98DA3205C09}" type="datetimeFigureOut">
               <a:rPr lang="en-US" smtClean="0"/>
+              <a:t>5/6/2024</a:t>
             </a:fld>
             <a:endParaRPr lang="en-US"/>
           </a:p>
@@ -2322,6 +2314,7 @@
           <a:p>
             <a:fld id="{B6F15528-21DE-4FAA-801E-634DDDAF4B2B}" type="slidenum">
               <a:rPr lang="en-US" smtClean="0"/>
+              <a:t>‹#›</a:t>
             </a:fld>
             <a:endParaRPr lang="en-US"/>
           </a:p>
@@ -2507,7 +2500,6 @@
               <a:rPr lang="en-US" smtClean="0"/>
               <a:t>Click to edit Master text styles</a:t>
             </a:r>
-            <a:endParaRPr lang="en-US" smtClean="0"/>
           </a:p>
         </p:txBody>
       </p:sp>
@@ -2528,6 +2520,7 @@
           <a:p>
             <a:fld id="{1D8BD707-D9CF-40AE-B4C6-C98DA3205C09}" type="datetimeFigureOut">
               <a:rPr lang="en-US" smtClean="0"/>
+              <a:t>5/6/2024</a:t>
             </a:fld>
             <a:endParaRPr lang="en-US"/>
           </a:p>
@@ -2569,6 +2562,7 @@
           <a:p>
             <a:fld id="{B6F15528-21DE-4FAA-801E-634DDDAF4B2B}" type="slidenum">
               <a:rPr lang="en-US" smtClean="0"/>
+              <a:t>‹#›</a:t>
             </a:fld>
             <a:endParaRPr lang="en-US"/>
           </a:p>
@@ -2667,7 +2661,6 @@
               <a:rPr lang="en-US" smtClean="0"/>
               <a:t>Click to edit Master text styles</a:t>
             </a:r>
-            <a:endParaRPr lang="en-US" smtClean="0"/>
           </a:p>
           <a:p>
             <a:pPr lvl="1"/>
@@ -2675,7 +2668,6 @@
               <a:rPr lang="en-US" smtClean="0"/>
               <a:t>Second level</a:t>
             </a:r>
-            <a:endParaRPr lang="en-US" smtClean="0"/>
           </a:p>
           <a:p>
             <a:pPr lvl="2"/>
@@ -2683,7 +2675,6 @@
               <a:rPr lang="en-US" smtClean="0"/>
               <a:t>Third level</a:t>
             </a:r>
-            <a:endParaRPr lang="en-US" smtClean="0"/>
           </a:p>
           <a:p>
             <a:pPr lvl="3"/>
@@ -2691,7 +2682,6 @@
               <a:rPr lang="en-US" smtClean="0"/>
               <a:t>Fourth level</a:t>
             </a:r>
-            <a:endParaRPr lang="en-US" smtClean="0"/>
           </a:p>
           <a:p>
             <a:pPr lvl="4"/>
@@ -2738,6 +2728,7 @@
           <a:p>
             <a:fld id="{1D8BD707-D9CF-40AE-B4C6-C98DA3205C09}" type="datetimeFigureOut">
               <a:rPr lang="en-US" smtClean="0"/>
+              <a:t>5/6/2024</a:t>
             </a:fld>
             <a:endParaRPr lang="en-US"/>
           </a:p>
@@ -2815,6 +2806,7 @@
           <a:p>
             <a:fld id="{B6F15528-21DE-4FAA-801E-634DDDAF4B2B}" type="slidenum">
               <a:rPr lang="en-US" smtClean="0"/>
+              <a:t>‹#›</a:t>
             </a:fld>
             <a:endParaRPr lang="en-US"/>
           </a:p>
@@ -3226,6 +3218,7 @@
                   <a:spcPts val="2555"/>
                 </a:lnSpc>
               </a:pPr>
+              <a:endParaRPr/>
             </a:p>
           </p:txBody>
         </p:sp>
@@ -3548,12 +3541,6 @@
               </a:rPr>
               <a:t>website</a:t>
             </a:r>
-            <a:endParaRPr lang="en-US" sz="6000" b="1" dirty="0" smtClean="0">
-              <a:solidFill>
-                <a:srgbClr val="227C9D"/>
-              </a:solidFill>
-              <a:latin typeface="Kollektif Bold" panose="020B0604020101010102"/>
-            </a:endParaRPr>
           </a:p>
         </p:txBody>
       </p:sp>
@@ -3643,13 +3630,6 @@
               </a:rPr>
               <a:t>: </a:t>
             </a:r>
-            <a:endParaRPr lang="en-US" sz="3700" dirty="0" smtClean="0">
-              <a:solidFill>
-                <a:srgbClr val="545454"/>
-              </a:solidFill>
-              <a:latin typeface="Times New Roman" panose="02020603050405020304" pitchFamily="18" charset="0"/>
-              <a:cs typeface="Times New Roman" panose="02020603050405020304" pitchFamily="18" charset="0"/>
-            </a:endParaRPr>
           </a:p>
           <a:p>
             <a:pPr algn="ctr">
@@ -3711,13 +3691,6 @@
               </a:rPr>
               <a:t> 3120411151</a:t>
             </a:r>
-            <a:endParaRPr lang="en-US" sz="3700" dirty="0" smtClean="0">
-              <a:solidFill>
-                <a:srgbClr val="545454"/>
-              </a:solidFill>
-              <a:latin typeface="Times New Roman" panose="02020603050405020304" pitchFamily="18" charset="0"/>
-              <a:cs typeface="Times New Roman" panose="02020603050405020304" pitchFamily="18" charset="0"/>
-            </a:endParaRPr>
           </a:p>
           <a:p>
             <a:pPr>
@@ -3785,13 +3758,6 @@
               </a:rPr>
               <a:t>  3120411153</a:t>
             </a:r>
-            <a:endParaRPr lang="en-US" sz="3700" dirty="0" smtClean="0">
-              <a:solidFill>
-                <a:srgbClr val="545454"/>
-              </a:solidFill>
-              <a:latin typeface="Times New Roman" panose="02020603050405020304" pitchFamily="18" charset="0"/>
-              <a:cs typeface="Times New Roman" panose="02020603050405020304" pitchFamily="18" charset="0"/>
-            </a:endParaRPr>
           </a:p>
           <a:p>
             <a:pPr>
@@ -3908,10 +3874,10 @@
             </a:pathLst>
           </a:custGeom>
           <a:blipFill>
-            <a:blip r:embed="rId1">
+            <a:blip r:embed="rId2">
               <a:extLst>
                 <a:ext uri="{96DAC541-7B7A-43D3-8B79-37D633B846F1}">
-                  <asvg:svgBlip xmlns:asvg="http://schemas.microsoft.com/office/drawing/2016/SVG/main" r:embed="rId2"/>
+                  <asvg:svgBlip xmlns:asvg="http://schemas.microsoft.com/office/drawing/2016/SVG/main" xmlns="" r:embed="rId3"/>
                 </a:ext>
               </a:extLst>
             </a:blip>
@@ -3960,10 +3926,10 @@
             </a:pathLst>
           </a:custGeom>
           <a:blipFill>
-            <a:blip r:embed="rId3">
+            <a:blip r:embed="rId4">
               <a:extLst>
                 <a:ext uri="{96DAC541-7B7A-43D3-8B79-37D633B846F1}">
-                  <asvg:svgBlip xmlns:asvg="http://schemas.microsoft.com/office/drawing/2016/SVG/main" r:embed="rId4"/>
+                  <asvg:svgBlip xmlns:asvg="http://schemas.microsoft.com/office/drawing/2016/SVG/main" xmlns="" r:embed="rId5"/>
                 </a:ext>
               </a:extLst>
             </a:blip>
@@ -4012,10 +3978,10 @@
             </a:pathLst>
           </a:custGeom>
           <a:blipFill>
-            <a:blip r:embed="rId1">
+            <a:blip r:embed="rId2">
               <a:extLst>
                 <a:ext uri="{96DAC541-7B7A-43D3-8B79-37D633B846F1}">
-                  <asvg:svgBlip xmlns:asvg="http://schemas.microsoft.com/office/drawing/2016/SVG/main" r:embed="rId2"/>
+                  <asvg:svgBlip xmlns:asvg="http://schemas.microsoft.com/office/drawing/2016/SVG/main" xmlns="" r:embed="rId3"/>
                 </a:ext>
               </a:extLst>
             </a:blip>
@@ -4064,10 +4030,10 @@
             </a:pathLst>
           </a:custGeom>
           <a:blipFill>
-            <a:blip r:embed="rId3">
+            <a:blip r:embed="rId4">
               <a:extLst>
                 <a:ext uri="{96DAC541-7B7A-43D3-8B79-37D633B846F1}">
-                  <asvg:svgBlip xmlns:asvg="http://schemas.microsoft.com/office/drawing/2016/SVG/main" r:embed="rId4"/>
+                  <asvg:svgBlip xmlns:asvg="http://schemas.microsoft.com/office/drawing/2016/SVG/main" xmlns="" r:embed="rId5"/>
                 </a:ext>
               </a:extLst>
             </a:blip>
@@ -4116,10 +4082,10 @@
             </a:pathLst>
           </a:custGeom>
           <a:blipFill>
-            <a:blip r:embed="rId5">
+            <a:blip r:embed="rId6">
               <a:extLst>
                 <a:ext uri="{96DAC541-7B7A-43D3-8B79-37D633B846F1}">
-                  <asvg:svgBlip xmlns:asvg="http://schemas.microsoft.com/office/drawing/2016/SVG/main" r:embed="rId6"/>
+                  <asvg:svgBlip xmlns:asvg="http://schemas.microsoft.com/office/drawing/2016/SVG/main" xmlns="" r:embed="rId7"/>
                 </a:ext>
               </a:extLst>
             </a:blip>
@@ -4168,10 +4134,10 @@
             </a:pathLst>
           </a:custGeom>
           <a:blipFill>
-            <a:blip r:embed="rId7">
+            <a:blip r:embed="rId8">
               <a:extLst>
                 <a:ext uri="{96DAC541-7B7A-43D3-8B79-37D633B846F1}">
-                  <asvg:svgBlip xmlns:asvg="http://schemas.microsoft.com/office/drawing/2016/SVG/main" r:embed="rId8"/>
+                  <asvg:svgBlip xmlns:asvg="http://schemas.microsoft.com/office/drawing/2016/SVG/main" xmlns="" r:embed="rId9"/>
                 </a:ext>
               </a:extLst>
             </a:blip>
@@ -4220,10 +4186,10 @@
             </a:pathLst>
           </a:custGeom>
           <a:blipFill>
-            <a:blip r:embed="rId5">
+            <a:blip r:embed="rId6">
               <a:extLst>
                 <a:ext uri="{96DAC541-7B7A-43D3-8B79-37D633B846F1}">
-                  <asvg:svgBlip xmlns:asvg="http://schemas.microsoft.com/office/drawing/2016/SVG/main" r:embed="rId6"/>
+                  <asvg:svgBlip xmlns:asvg="http://schemas.microsoft.com/office/drawing/2016/SVG/main" xmlns="" r:embed="rId7"/>
                 </a:ext>
               </a:extLst>
             </a:blip>
@@ -4272,10 +4238,10 @@
             </a:pathLst>
           </a:custGeom>
           <a:blipFill>
-            <a:blip r:embed="rId3">
+            <a:blip r:embed="rId4">
               <a:extLst>
                 <a:ext uri="{96DAC541-7B7A-43D3-8B79-37D633B846F1}">
-                  <asvg:svgBlip xmlns:asvg="http://schemas.microsoft.com/office/drawing/2016/SVG/main" r:embed="rId4"/>
+                  <asvg:svgBlip xmlns:asvg="http://schemas.microsoft.com/office/drawing/2016/SVG/main" xmlns="" r:embed="rId5"/>
                 </a:ext>
               </a:extLst>
             </a:blip>
@@ -4324,10 +4290,10 @@
             </a:pathLst>
           </a:custGeom>
           <a:blipFill>
-            <a:blip r:embed="rId1">
+            <a:blip r:embed="rId2">
               <a:extLst>
                 <a:ext uri="{96DAC541-7B7A-43D3-8B79-37D633B846F1}">
-                  <asvg:svgBlip xmlns:asvg="http://schemas.microsoft.com/office/drawing/2016/SVG/main" r:embed="rId2"/>
+                  <asvg:svgBlip xmlns:asvg="http://schemas.microsoft.com/office/drawing/2016/SVG/main" xmlns="" r:embed="rId3"/>
                 </a:ext>
               </a:extLst>
             </a:blip>
@@ -4376,10 +4342,10 @@
             </a:pathLst>
           </a:custGeom>
           <a:blipFill>
-            <a:blip r:embed="rId3">
+            <a:blip r:embed="rId4">
               <a:extLst>
                 <a:ext uri="{96DAC541-7B7A-43D3-8B79-37D633B846F1}">
-                  <asvg:svgBlip xmlns:asvg="http://schemas.microsoft.com/office/drawing/2016/SVG/main" r:embed="rId4"/>
+                  <asvg:svgBlip xmlns:asvg="http://schemas.microsoft.com/office/drawing/2016/SVG/main" xmlns="" r:embed="rId5"/>
                 </a:ext>
               </a:extLst>
             </a:blip>
@@ -4428,10 +4394,10 @@
             </a:pathLst>
           </a:custGeom>
           <a:blipFill>
-            <a:blip r:embed="rId7">
+            <a:blip r:embed="rId8">
               <a:extLst>
                 <a:ext uri="{96DAC541-7B7A-43D3-8B79-37D633B846F1}">
-                  <asvg:svgBlip xmlns:asvg="http://schemas.microsoft.com/office/drawing/2016/SVG/main" r:embed="rId8"/>
+                  <asvg:svgBlip xmlns:asvg="http://schemas.microsoft.com/office/drawing/2016/SVG/main" xmlns="" r:embed="rId9"/>
                 </a:ext>
               </a:extLst>
             </a:blip>
@@ -4480,10 +4446,10 @@
             </a:pathLst>
           </a:custGeom>
           <a:blipFill>
-            <a:blip r:embed="rId5">
+            <a:blip r:embed="rId6">
               <a:extLst>
                 <a:ext uri="{96DAC541-7B7A-43D3-8B79-37D633B846F1}">
-                  <asvg:svgBlip xmlns:asvg="http://schemas.microsoft.com/office/drawing/2016/SVG/main" r:embed="rId6"/>
+                  <asvg:svgBlip xmlns:asvg="http://schemas.microsoft.com/office/drawing/2016/SVG/main" xmlns="" r:embed="rId7"/>
                 </a:ext>
               </a:extLst>
             </a:blip>
@@ -4532,10 +4498,10 @@
             </a:pathLst>
           </a:custGeom>
           <a:blipFill>
-            <a:blip r:embed="rId1">
+            <a:blip r:embed="rId2">
               <a:extLst>
                 <a:ext uri="{96DAC541-7B7A-43D3-8B79-37D633B846F1}">
-                  <asvg:svgBlip xmlns:asvg="http://schemas.microsoft.com/office/drawing/2016/SVG/main" r:embed="rId2"/>
+                  <asvg:svgBlip xmlns:asvg="http://schemas.microsoft.com/office/drawing/2016/SVG/main" xmlns="" r:embed="rId3"/>
                 </a:ext>
               </a:extLst>
             </a:blip>
@@ -4584,10 +4550,10 @@
             </a:pathLst>
           </a:custGeom>
           <a:blipFill>
-            <a:blip r:embed="rId3">
+            <a:blip r:embed="rId4">
               <a:extLst>
                 <a:ext uri="{96DAC541-7B7A-43D3-8B79-37D633B846F1}">
-                  <asvg:svgBlip xmlns:asvg="http://schemas.microsoft.com/office/drawing/2016/SVG/main" r:embed="rId4"/>
+                  <asvg:svgBlip xmlns:asvg="http://schemas.microsoft.com/office/drawing/2016/SVG/main" xmlns="" r:embed="rId5"/>
                 </a:ext>
               </a:extLst>
             </a:blip>
@@ -4636,10 +4602,10 @@
             </a:pathLst>
           </a:custGeom>
           <a:blipFill>
-            <a:blip r:embed="rId5">
+            <a:blip r:embed="rId6">
               <a:extLst>
                 <a:ext uri="{96DAC541-7B7A-43D3-8B79-37D633B846F1}">
-                  <asvg:svgBlip xmlns:asvg="http://schemas.microsoft.com/office/drawing/2016/SVG/main" r:embed="rId6"/>
+                  <asvg:svgBlip xmlns:asvg="http://schemas.microsoft.com/office/drawing/2016/SVG/main" xmlns="" r:embed="rId7"/>
                 </a:ext>
               </a:extLst>
             </a:blip>
@@ -4688,10 +4654,10 @@
             </a:pathLst>
           </a:custGeom>
           <a:blipFill>
-            <a:blip r:embed="rId5">
+            <a:blip r:embed="rId6">
               <a:extLst>
                 <a:ext uri="{96DAC541-7B7A-43D3-8B79-37D633B846F1}">
-                  <asvg:svgBlip xmlns:asvg="http://schemas.microsoft.com/office/drawing/2016/SVG/main" r:embed="rId6"/>
+                  <asvg:svgBlip xmlns:asvg="http://schemas.microsoft.com/office/drawing/2016/SVG/main" xmlns="" r:embed="rId7"/>
                 </a:ext>
               </a:extLst>
             </a:blip>
@@ -4740,10 +4706,10 @@
             </a:pathLst>
           </a:custGeom>
           <a:blipFill>
-            <a:blip r:embed="rId7">
+            <a:blip r:embed="rId8">
               <a:extLst>
                 <a:ext uri="{96DAC541-7B7A-43D3-8B79-37D633B846F1}">
-                  <asvg:svgBlip xmlns:asvg="http://schemas.microsoft.com/office/drawing/2016/SVG/main" r:embed="rId8"/>
+                  <asvg:svgBlip xmlns:asvg="http://schemas.microsoft.com/office/drawing/2016/SVG/main" xmlns="" r:embed="rId9"/>
                 </a:ext>
               </a:extLst>
             </a:blip>
@@ -4792,10 +4758,10 @@
             </a:pathLst>
           </a:custGeom>
           <a:blipFill>
-            <a:blip r:embed="rId5">
+            <a:blip r:embed="rId6">
               <a:extLst>
                 <a:ext uri="{96DAC541-7B7A-43D3-8B79-37D633B846F1}">
-                  <asvg:svgBlip xmlns:asvg="http://schemas.microsoft.com/office/drawing/2016/SVG/main" r:embed="rId6"/>
+                  <asvg:svgBlip xmlns:asvg="http://schemas.microsoft.com/office/drawing/2016/SVG/main" xmlns="" r:embed="rId7"/>
                 </a:ext>
               </a:extLst>
             </a:blip>
@@ -4844,10 +4810,10 @@
             </a:pathLst>
           </a:custGeom>
           <a:blipFill>
-            <a:blip r:embed="rId7">
+            <a:blip r:embed="rId8">
               <a:extLst>
                 <a:ext uri="{96DAC541-7B7A-43D3-8B79-37D633B846F1}">
-                  <asvg:svgBlip xmlns:asvg="http://schemas.microsoft.com/office/drawing/2016/SVG/main" r:embed="rId8"/>
+                  <asvg:svgBlip xmlns:asvg="http://schemas.microsoft.com/office/drawing/2016/SVG/main" xmlns="" r:embed="rId9"/>
                 </a:ext>
               </a:extLst>
             </a:blip>
@@ -4896,10 +4862,10 @@
             </a:pathLst>
           </a:custGeom>
           <a:blipFill>
-            <a:blip r:embed="rId3">
+            <a:blip r:embed="rId4">
               <a:extLst>
                 <a:ext uri="{96DAC541-7B7A-43D3-8B79-37D633B846F1}">
-                  <asvg:svgBlip xmlns:asvg="http://schemas.microsoft.com/office/drawing/2016/SVG/main" r:embed="rId4"/>
+                  <asvg:svgBlip xmlns:asvg="http://schemas.microsoft.com/office/drawing/2016/SVG/main" xmlns="" r:embed="rId5"/>
                 </a:ext>
               </a:extLst>
             </a:blip>
@@ -4948,10 +4914,10 @@
             </a:pathLst>
           </a:custGeom>
           <a:blipFill>
-            <a:blip r:embed="rId7">
+            <a:blip r:embed="rId8">
               <a:extLst>
                 <a:ext uri="{96DAC541-7B7A-43D3-8B79-37D633B846F1}">
-                  <asvg:svgBlip xmlns:asvg="http://schemas.microsoft.com/office/drawing/2016/SVG/main" r:embed="rId8"/>
+                  <asvg:svgBlip xmlns:asvg="http://schemas.microsoft.com/office/drawing/2016/SVG/main" xmlns="" r:embed="rId9"/>
                 </a:ext>
               </a:extLst>
             </a:blip>
@@ -5000,10 +4966,10 @@
             </a:pathLst>
           </a:custGeom>
           <a:blipFill>
-            <a:blip r:embed="rId5">
+            <a:blip r:embed="rId6">
               <a:extLst>
                 <a:ext uri="{96DAC541-7B7A-43D3-8B79-37D633B846F1}">
-                  <asvg:svgBlip xmlns:asvg="http://schemas.microsoft.com/office/drawing/2016/SVG/main" r:embed="rId6"/>
+                  <asvg:svgBlip xmlns:asvg="http://schemas.microsoft.com/office/drawing/2016/SVG/main" xmlns="" r:embed="rId7"/>
                 </a:ext>
               </a:extLst>
             </a:blip>
@@ -5125,6 +5091,7 @@
                   <a:spcPts val="2555"/>
                 </a:lnSpc>
               </a:pPr>
+              <a:endParaRPr/>
             </a:p>
           </p:txBody>
         </p:sp>
@@ -5566,7 +5533,6 @@
               <a:rPr lang="vi-VN" sz="2400" dirty="0"/>
               <a:t> : là nới chứa những giao diện như một nút bấm, khung nhập, menu, hình ảnh… nó đảm nhiệm nhiệm vụ hiển thị dữ liệu và giúp người dùng tương tác với hệ thống.</a:t>
             </a:r>
-            <a:endParaRPr lang="vi-VN" sz="2400" dirty="0"/>
           </a:p>
           <a:p>
             <a:endParaRPr lang="vi-VN" sz="2400" dirty="0"/>
@@ -5580,7 +5546,6 @@
               <a:rPr lang="vi-VN" sz="2400" dirty="0"/>
               <a:t> : là nới tiếp nhận những yêu cầu xử lý được gửi từ người dùng, nó sẽ gồm những class/ function xử lý nhiều nghiệp vụ logic giúp lấy đúng dữ liệu thông tin cần thiết nhờ các nghiệp vụ lớp Model cung cấp và hiển thị dữ liệu đó ra cho người dùng nhờ lớp View.</a:t>
             </a:r>
-            <a:endParaRPr lang="vi-VN" sz="2400" dirty="0"/>
           </a:p>
           <a:p>
             <a:endParaRPr lang="vi-VN" sz="2400" dirty="0"/>
@@ -5590,7 +5555,6 @@
               <a:rPr lang="vi-VN" sz="2400" dirty="0"/>
               <a:t>Tương tác giữa các thành phần:</a:t>
             </a:r>
-            <a:endParaRPr lang="vi-VN" sz="2400" dirty="0"/>
           </a:p>
           <a:p>
             <a:endParaRPr lang="vi-VN" sz="2400" dirty="0"/>
@@ -5604,7 +5568,6 @@
               <a:rPr lang="vi-VN" sz="2400" dirty="0"/>
               <a:t> tương tác với qua lại với View</a:t>
             </a:r>
-            <a:endParaRPr lang="vi-VN" sz="2400" dirty="0"/>
           </a:p>
           <a:p>
             <a:r>
@@ -5615,7 +5578,6 @@
               <a:rPr lang="vi-VN" sz="2400" dirty="0"/>
               <a:t> tương tác qua lại với Model</a:t>
             </a:r>
-            <a:endParaRPr lang="vi-VN" sz="2400" dirty="0"/>
           </a:p>
           <a:p>
             <a:r>
@@ -5937,7 +5899,7 @@
           <p:nvPr/>
         </p:nvPicPr>
         <p:blipFill>
-          <a:blip r:embed="rId1"/>
+          <a:blip r:embed="rId2"/>
           <a:stretch>
             <a:fillRect/>
           </a:stretch>
@@ -6411,7 +6373,7 @@
           <p:nvPr/>
         </p:nvPicPr>
         <p:blipFill>
-          <a:blip r:embed="rId1"/>
+          <a:blip r:embed="rId2"/>
           <a:stretch>
             <a:fillRect/>
           </a:stretch>
@@ -6657,7 +6619,6 @@
               <a:rPr lang="en-US" sz="2400" b="1" dirty="0" smtClean="0"/>
               <a:t>)</a:t>
             </a:r>
-            <a:endParaRPr lang="en-US" sz="2400" b="1" dirty="0" smtClean="0"/>
           </a:p>
           <a:p>
             <a:pPr marL="342900" indent="-342900">
@@ -6710,7 +6671,7 @@
           <p:nvPr/>
         </p:nvPicPr>
         <p:blipFill>
-          <a:blip r:embed="rId1"/>
+          <a:blip r:embed="rId2"/>
           <a:stretch>
             <a:fillRect/>
           </a:stretch>
@@ -7109,7 +7070,6 @@
               <a:rPr lang="en-US" sz="2400" b="1" dirty="0" smtClean="0"/>
               <a:t>Controller</a:t>
             </a:r>
-            <a:endParaRPr lang="en-US" sz="2400" b="1" dirty="0" smtClean="0"/>
           </a:p>
           <a:p>
             <a:pPr marL="342900" indent="-342900">
@@ -7162,7 +7122,7 @@
           <p:nvPr/>
         </p:nvPicPr>
         <p:blipFill>
-          <a:blip r:embed="rId1"/>
+          <a:blip r:embed="rId2"/>
           <a:stretch>
             <a:fillRect/>
           </a:stretch>
@@ -7226,28 +7186,24 @@
               <a:rPr lang="en-US" sz="2800" dirty="0" smtClean="0"/>
               <a:t>:</a:t>
             </a:r>
-            <a:endParaRPr lang="en-US" sz="2800" dirty="0" smtClean="0"/>
           </a:p>
           <a:p>
             <a:r>
               <a:rPr lang="en-US" sz="2800" dirty="0" smtClean="0"/>
               <a:t>+GET</a:t>
             </a:r>
-            <a:endParaRPr lang="en-US" sz="2800" dirty="0" smtClean="0"/>
           </a:p>
           <a:p>
             <a:r>
               <a:rPr lang="en-US" sz="2800" dirty="0" smtClean="0"/>
               <a:t>+POST</a:t>
             </a:r>
-            <a:endParaRPr lang="en-US" sz="2800" dirty="0" smtClean="0"/>
           </a:p>
           <a:p>
             <a:r>
               <a:rPr lang="en-US" sz="2800" dirty="0" smtClean="0"/>
               <a:t>+PUT</a:t>
             </a:r>
-            <a:endParaRPr lang="en-US" sz="2800" dirty="0" smtClean="0"/>
           </a:p>
           <a:p>
             <a:r>
@@ -7550,7 +7506,6 @@
               <a:rPr lang="en-US" sz="2400" b="1" dirty="0" smtClean="0"/>
               <a:t>View</a:t>
             </a:r>
-            <a:endParaRPr lang="en-US" sz="2400" b="1" dirty="0" smtClean="0"/>
           </a:p>
           <a:p>
             <a:pPr marL="342900" indent="-342900">
@@ -7586,7 +7541,6 @@
               <a:rPr lang="en-US" sz="2400" dirty="0"/>
               <a:t>https://github.com/Kaicity/Users-Catalog.git</a:t>
             </a:r>
-            <a:endParaRPr lang="en-US" sz="2400" dirty="0"/>
           </a:p>
         </p:txBody>
       </p:sp>
@@ -7758,13 +7712,6 @@
               </a:rPr>
               <a:t> Web API</a:t>
             </a:r>
-            <a:endParaRPr lang="en-US" sz="4000" b="1" dirty="0">
-              <a:solidFill>
-                <a:srgbClr val="227C9D"/>
-              </a:solidFill>
-              <a:latin typeface="Times New Roman" panose="02020603050405020304" pitchFamily="18" charset="0"/>
-              <a:cs typeface="Times New Roman" panose="02020603050405020304" pitchFamily="18" charset="0"/>
-            </a:endParaRPr>
           </a:p>
           <a:p>
             <a:pPr>
@@ -8267,7 +8214,7 @@
           <p:nvPr/>
         </p:nvPicPr>
         <p:blipFill>
-          <a:blip r:embed="rId1">
+          <a:blip r:embed="rId2">
             <a:extLst>
               <a:ext uri="{28A0092B-C50C-407E-A947-70E740481C1C}">
                 <a14:useLocalDpi xmlns:a14="http://schemas.microsoft.com/office/drawing/2010/main" val="0"/>
@@ -8467,13 +8414,6 @@
               </a:rPr>
               <a:t> Web API</a:t>
             </a:r>
-            <a:endParaRPr lang="en-US" sz="4000" b="1" dirty="0">
-              <a:solidFill>
-                <a:srgbClr val="227C9D"/>
-              </a:solidFill>
-              <a:latin typeface="Times New Roman" panose="02020603050405020304" pitchFamily="18" charset="0"/>
-              <a:cs typeface="Times New Roman" panose="02020603050405020304" pitchFamily="18" charset="0"/>
-            </a:endParaRPr>
           </a:p>
           <a:p>
             <a:pPr>
@@ -8967,7 +8907,7 @@
           <p:nvPr/>
         </p:nvPicPr>
         <p:blipFill>
-          <a:blip r:embed="rId1"/>
+          <a:blip r:embed="rId2"/>
           <a:stretch>
             <a:fillRect/>
           </a:stretch>
@@ -9150,13 +9090,6 @@
               </a:rPr>
               <a:t> Web API</a:t>
             </a:r>
-            <a:endParaRPr lang="en-US" sz="4000" b="1" dirty="0">
-              <a:solidFill>
-                <a:srgbClr val="227C9D"/>
-              </a:solidFill>
-              <a:latin typeface="Times New Roman" panose="02020603050405020304" pitchFamily="18" charset="0"/>
-              <a:cs typeface="Times New Roman" panose="02020603050405020304" pitchFamily="18" charset="0"/>
-            </a:endParaRPr>
           </a:p>
           <a:p>
             <a:pPr>
@@ -9260,7 +9193,7 @@
           <p:nvPr/>
         </p:nvPicPr>
         <p:blipFill>
-          <a:blip r:embed="rId1"/>
+          <a:blip r:embed="rId2"/>
           <a:stretch>
             <a:fillRect/>
           </a:stretch>
@@ -9443,13 +9376,6 @@
               </a:rPr>
               <a:t> Web API</a:t>
             </a:r>
-            <a:endParaRPr lang="en-US" sz="4000" b="1" dirty="0">
-              <a:solidFill>
-                <a:srgbClr val="227C9D"/>
-              </a:solidFill>
-              <a:latin typeface="Times New Roman" panose="02020603050405020304" pitchFamily="18" charset="0"/>
-              <a:cs typeface="Times New Roman" panose="02020603050405020304" pitchFamily="18" charset="0"/>
-            </a:endParaRPr>
           </a:p>
           <a:p>
             <a:pPr>
@@ -9525,7 +9451,7 @@
           <p:nvPr/>
         </p:nvPicPr>
         <p:blipFill>
-          <a:blip r:embed="rId1"/>
+          <a:blip r:embed="rId2"/>
           <a:stretch>
             <a:fillRect/>
           </a:stretch>
@@ -9611,10 +9537,10 @@
             </a:pathLst>
           </a:custGeom>
           <a:blipFill>
-            <a:blip r:embed="rId1">
+            <a:blip r:embed="rId2">
               <a:extLst>
                 <a:ext uri="{96DAC541-7B7A-43D3-8B79-37D633B846F1}">
-                  <asvg:svgBlip xmlns:asvg="http://schemas.microsoft.com/office/drawing/2016/SVG/main" r:embed="rId2"/>
+                  <asvg:svgBlip xmlns:asvg="http://schemas.microsoft.com/office/drawing/2016/SVG/main" xmlns="" r:embed="rId3"/>
                 </a:ext>
               </a:extLst>
             </a:blip>
@@ -9663,10 +9589,10 @@
             </a:pathLst>
           </a:custGeom>
           <a:blipFill>
-            <a:blip r:embed="rId3">
+            <a:blip r:embed="rId4">
               <a:extLst>
                 <a:ext uri="{96DAC541-7B7A-43D3-8B79-37D633B846F1}">
-                  <asvg:svgBlip xmlns:asvg="http://schemas.microsoft.com/office/drawing/2016/SVG/main" r:embed="rId4"/>
+                  <asvg:svgBlip xmlns:asvg="http://schemas.microsoft.com/office/drawing/2016/SVG/main" xmlns="" r:embed="rId5"/>
                 </a:ext>
               </a:extLst>
             </a:blip>
@@ -9715,10 +9641,10 @@
             </a:pathLst>
           </a:custGeom>
           <a:blipFill>
-            <a:blip r:embed="rId1">
+            <a:blip r:embed="rId2">
               <a:extLst>
                 <a:ext uri="{96DAC541-7B7A-43D3-8B79-37D633B846F1}">
-                  <asvg:svgBlip xmlns:asvg="http://schemas.microsoft.com/office/drawing/2016/SVG/main" r:embed="rId2"/>
+                  <asvg:svgBlip xmlns:asvg="http://schemas.microsoft.com/office/drawing/2016/SVG/main" xmlns="" r:embed="rId3"/>
                 </a:ext>
               </a:extLst>
             </a:blip>
@@ -9767,10 +9693,10 @@
             </a:pathLst>
           </a:custGeom>
           <a:blipFill>
-            <a:blip r:embed="rId3">
+            <a:blip r:embed="rId4">
               <a:extLst>
                 <a:ext uri="{96DAC541-7B7A-43D3-8B79-37D633B846F1}">
-                  <asvg:svgBlip xmlns:asvg="http://schemas.microsoft.com/office/drawing/2016/SVG/main" r:embed="rId4"/>
+                  <asvg:svgBlip xmlns:asvg="http://schemas.microsoft.com/office/drawing/2016/SVG/main" xmlns="" r:embed="rId5"/>
                 </a:ext>
               </a:extLst>
             </a:blip>
@@ -9819,10 +9745,10 @@
             </a:pathLst>
           </a:custGeom>
           <a:blipFill>
-            <a:blip r:embed="rId1">
+            <a:blip r:embed="rId2">
               <a:extLst>
                 <a:ext uri="{96DAC541-7B7A-43D3-8B79-37D633B846F1}">
-                  <asvg:svgBlip xmlns:asvg="http://schemas.microsoft.com/office/drawing/2016/SVG/main" r:embed="rId2"/>
+                  <asvg:svgBlip xmlns:asvg="http://schemas.microsoft.com/office/drawing/2016/SVG/main" xmlns="" r:embed="rId3"/>
                 </a:ext>
               </a:extLst>
             </a:blip>
@@ -9871,10 +9797,10 @@
             </a:pathLst>
           </a:custGeom>
           <a:blipFill>
-            <a:blip r:embed="rId3">
+            <a:blip r:embed="rId4">
               <a:extLst>
                 <a:ext uri="{96DAC541-7B7A-43D3-8B79-37D633B846F1}">
-                  <asvg:svgBlip xmlns:asvg="http://schemas.microsoft.com/office/drawing/2016/SVG/main" r:embed="rId4"/>
+                  <asvg:svgBlip xmlns:asvg="http://schemas.microsoft.com/office/drawing/2016/SVG/main" xmlns="" r:embed="rId5"/>
                 </a:ext>
               </a:extLst>
             </a:blip>
@@ -9923,10 +9849,10 @@
             </a:pathLst>
           </a:custGeom>
           <a:blipFill>
-            <a:blip r:embed="rId5">
+            <a:blip r:embed="rId6">
               <a:extLst>
                 <a:ext uri="{96DAC541-7B7A-43D3-8B79-37D633B846F1}">
-                  <asvg:svgBlip xmlns:asvg="http://schemas.microsoft.com/office/drawing/2016/SVG/main" r:embed="rId6"/>
+                  <asvg:svgBlip xmlns:asvg="http://schemas.microsoft.com/office/drawing/2016/SVG/main" xmlns="" r:embed="rId7"/>
                 </a:ext>
               </a:extLst>
             </a:blip>
@@ -9975,10 +9901,10 @@
             </a:pathLst>
           </a:custGeom>
           <a:blipFill>
-            <a:blip r:embed="rId7">
+            <a:blip r:embed="rId8">
               <a:extLst>
                 <a:ext uri="{96DAC541-7B7A-43D3-8B79-37D633B846F1}">
-                  <asvg:svgBlip xmlns:asvg="http://schemas.microsoft.com/office/drawing/2016/SVG/main" r:embed="rId8"/>
+                  <asvg:svgBlip xmlns:asvg="http://schemas.microsoft.com/office/drawing/2016/SVG/main" xmlns="" r:embed="rId9"/>
                 </a:ext>
               </a:extLst>
             </a:blip>
@@ -10027,10 +9953,10 @@
             </a:pathLst>
           </a:custGeom>
           <a:blipFill>
-            <a:blip r:embed="rId5">
+            <a:blip r:embed="rId6">
               <a:extLst>
                 <a:ext uri="{96DAC541-7B7A-43D3-8B79-37D633B846F1}">
-                  <asvg:svgBlip xmlns:asvg="http://schemas.microsoft.com/office/drawing/2016/SVG/main" r:embed="rId6"/>
+                  <asvg:svgBlip xmlns:asvg="http://schemas.microsoft.com/office/drawing/2016/SVG/main" xmlns="" r:embed="rId7"/>
                 </a:ext>
               </a:extLst>
             </a:blip>
@@ -10079,10 +10005,10 @@
             </a:pathLst>
           </a:custGeom>
           <a:blipFill>
-            <a:blip r:embed="rId7">
+            <a:blip r:embed="rId8">
               <a:extLst>
                 <a:ext uri="{96DAC541-7B7A-43D3-8B79-37D633B846F1}">
-                  <asvg:svgBlip xmlns:asvg="http://schemas.microsoft.com/office/drawing/2016/SVG/main" r:embed="rId8"/>
+                  <asvg:svgBlip xmlns:asvg="http://schemas.microsoft.com/office/drawing/2016/SVG/main" xmlns="" r:embed="rId9"/>
                 </a:ext>
               </a:extLst>
             </a:blip>
@@ -10131,10 +10057,10 @@
             </a:pathLst>
           </a:custGeom>
           <a:blipFill>
-            <a:blip r:embed="rId5">
+            <a:blip r:embed="rId6">
               <a:extLst>
                 <a:ext uri="{96DAC541-7B7A-43D3-8B79-37D633B846F1}">
-                  <asvg:svgBlip xmlns:asvg="http://schemas.microsoft.com/office/drawing/2016/SVG/main" r:embed="rId6"/>
+                  <asvg:svgBlip xmlns:asvg="http://schemas.microsoft.com/office/drawing/2016/SVG/main" xmlns="" r:embed="rId7"/>
                 </a:ext>
               </a:extLst>
             </a:blip>
@@ -10430,17 +10356,7 @@
                 <a:latin typeface="Times New Roman" panose="02020603050405020304" pitchFamily="18" charset="0"/>
                 <a:cs typeface="Times New Roman" panose="02020603050405020304" pitchFamily="18" charset="0"/>
               </a:rPr>
-              <a:t> 2</a:t>
-            </a:r>
-            <a:r>
-              <a:rPr lang="en-US" sz="4000" b="1" dirty="0" smtClean="0">
-                <a:solidFill>
-                  <a:srgbClr val="227C9D"/>
-                </a:solidFill>
-                <a:latin typeface="Times New Roman" panose="02020603050405020304" pitchFamily="18" charset="0"/>
-                <a:cs typeface="Times New Roman" panose="02020603050405020304" pitchFamily="18" charset="0"/>
-              </a:rPr>
-              <a:t>: </a:t>
+              <a:t> 2: </a:t>
             </a:r>
             <a:r>
               <a:rPr lang="en-US" sz="4000" b="1" dirty="0" err="1" smtClean="0">
@@ -10576,17 +10492,7 @@
                 <a:latin typeface="Times New Roman" panose="02020603050405020304" pitchFamily="18" charset="0"/>
                 <a:cs typeface="Times New Roman" panose="02020603050405020304" pitchFamily="18" charset="0"/>
               </a:rPr>
-              <a:t> </a:t>
-            </a:r>
-            <a:r>
-              <a:rPr lang="en-US" sz="4000" b="1" dirty="0" smtClean="0">
-                <a:solidFill>
-                  <a:srgbClr val="227C9D"/>
-                </a:solidFill>
-                <a:latin typeface="Times New Roman" panose="02020603050405020304" pitchFamily="18" charset="0"/>
-                <a:cs typeface="Times New Roman" panose="02020603050405020304" pitchFamily="18" charset="0"/>
-              </a:rPr>
-              <a:t>3: </a:t>
+              <a:t> 3: </a:t>
             </a:r>
             <a:r>
               <a:rPr lang="en-US" sz="4000" b="1" dirty="0" err="1" smtClean="0">
@@ -10722,17 +10628,7 @@
                 <a:latin typeface="Times New Roman" panose="02020603050405020304" pitchFamily="18" charset="0"/>
                 <a:cs typeface="Times New Roman" panose="02020603050405020304" pitchFamily="18" charset="0"/>
               </a:rPr>
-              <a:t> </a:t>
-            </a:r>
-            <a:r>
-              <a:rPr lang="en-US" sz="4000" b="1" dirty="0" smtClean="0">
-                <a:solidFill>
-                  <a:srgbClr val="227C9D"/>
-                </a:solidFill>
-                <a:latin typeface="Times New Roman" panose="02020603050405020304" pitchFamily="18" charset="0"/>
-                <a:cs typeface="Times New Roman" panose="02020603050405020304" pitchFamily="18" charset="0"/>
-              </a:rPr>
-              <a:t>4: </a:t>
+              <a:t> 4: </a:t>
             </a:r>
             <a:r>
               <a:rPr lang="en-US" sz="4000" b="1" dirty="0" err="1" smtClean="0">
@@ -11108,13 +11004,6 @@
               </a:rPr>
               <a:t> Web API</a:t>
             </a:r>
-            <a:endParaRPr lang="en-US" sz="4000" b="1" dirty="0">
-              <a:solidFill>
-                <a:srgbClr val="227C9D"/>
-              </a:solidFill>
-              <a:latin typeface="Times New Roman" panose="02020603050405020304" pitchFamily="18" charset="0"/>
-              <a:cs typeface="Times New Roman" panose="02020603050405020304" pitchFamily="18" charset="0"/>
-            </a:endParaRPr>
           </a:p>
           <a:p>
             <a:pPr>
@@ -11238,7 +11127,7 @@
           <p:nvPr/>
         </p:nvPicPr>
         <p:blipFill>
-          <a:blip r:embed="rId1"/>
+          <a:blip r:embed="rId2"/>
           <a:stretch>
             <a:fillRect/>
           </a:stretch>
@@ -11421,13 +11310,6 @@
               </a:rPr>
               <a:t> Web API</a:t>
             </a:r>
-            <a:endParaRPr lang="en-US" sz="4000" b="1" dirty="0">
-              <a:solidFill>
-                <a:srgbClr val="227C9D"/>
-              </a:solidFill>
-              <a:latin typeface="Times New Roman" panose="02020603050405020304" pitchFamily="18" charset="0"/>
-              <a:cs typeface="Times New Roman" panose="02020603050405020304" pitchFamily="18" charset="0"/>
-            </a:endParaRPr>
           </a:p>
           <a:p>
             <a:pPr>
@@ -11531,12 +11413,6 @@
               </a:rPr>
               <a:t>Các giao thức HTTP:</a:t>
             </a:r>
-            <a:endParaRPr lang="vi-VN" sz="2800" dirty="0">
-              <a:solidFill>
-                <a:srgbClr val="1B1B1B"/>
-              </a:solidFill>
-              <a:latin typeface="Open Sans"/>
-            </a:endParaRPr>
           </a:p>
           <a:p>
             <a:pPr marL="742950" lvl="1" indent="-285750">
@@ -11564,12 +11440,6 @@
               </a:rPr>
               <a:t> (SELECT): Trả về một Resource hoặc một danh sách Resource.</a:t>
             </a:r>
-            <a:endParaRPr lang="vi-VN" sz="2800" dirty="0">
-              <a:solidFill>
-                <a:srgbClr val="1B1B1B"/>
-              </a:solidFill>
-              <a:latin typeface="Open Sans"/>
-            </a:endParaRPr>
           </a:p>
           <a:p>
             <a:pPr marL="742950" lvl="1" indent="-285750">
@@ -11597,12 +11467,6 @@
               </a:rPr>
               <a:t> (CREATE): Tạo mới một Resource.</a:t>
             </a:r>
-            <a:endParaRPr lang="vi-VN" sz="2800" dirty="0">
-              <a:solidFill>
-                <a:srgbClr val="1B1B1B"/>
-              </a:solidFill>
-              <a:latin typeface="Open Sans"/>
-            </a:endParaRPr>
           </a:p>
           <a:p>
             <a:pPr marL="742950" lvl="1" indent="-285750">
@@ -11630,12 +11494,6 @@
               </a:rPr>
               <a:t> (UPDATE): Cập nhật thông tin cho Resource.</a:t>
             </a:r>
-            <a:endParaRPr lang="vi-VN" sz="2800" dirty="0">
-              <a:solidFill>
-                <a:srgbClr val="1B1B1B"/>
-              </a:solidFill>
-              <a:latin typeface="Open Sans"/>
-            </a:endParaRPr>
           </a:p>
           <a:p>
             <a:pPr marL="742950" lvl="1" indent="-285750">
@@ -11663,12 +11521,6 @@
               </a:rPr>
               <a:t> (DELETE): Xoá một Resource.</a:t>
             </a:r>
-            <a:endParaRPr lang="vi-VN" sz="2800" dirty="0">
-              <a:solidFill>
-                <a:srgbClr val="1B1B1B"/>
-              </a:solidFill>
-              <a:latin typeface="Open Sans"/>
-            </a:endParaRPr>
           </a:p>
           <a:p>
             <a:pPr>
@@ -11865,13 +11717,6 @@
               </a:rPr>
               <a:t> Web API</a:t>
             </a:r>
-            <a:endParaRPr lang="en-US" sz="4000" b="1" dirty="0">
-              <a:solidFill>
-                <a:srgbClr val="227C9D"/>
-              </a:solidFill>
-              <a:latin typeface="Times New Roman" panose="02020603050405020304" pitchFamily="18" charset="0"/>
-              <a:cs typeface="Times New Roman" panose="02020603050405020304" pitchFamily="18" charset="0"/>
-            </a:endParaRPr>
           </a:p>
           <a:p>
             <a:pPr>
@@ -11935,7 +11780,7 @@
           <p:nvPr/>
         </p:nvPicPr>
         <p:blipFill rotWithShape="1">
-          <a:blip r:embed="rId1"/>
+          <a:blip r:embed="rId2"/>
           <a:srcRect l="920" t="22069" r="-920" b="21485"/>
           <a:stretch>
             <a:fillRect/>
@@ -12119,13 +11964,6 @@
               </a:rPr>
               <a:t> Web API</a:t>
             </a:r>
-            <a:endParaRPr lang="en-US" sz="4000" b="1" dirty="0">
-              <a:solidFill>
-                <a:srgbClr val="227C9D"/>
-              </a:solidFill>
-              <a:latin typeface="Times New Roman" panose="02020603050405020304" pitchFamily="18" charset="0"/>
-              <a:cs typeface="Times New Roman" panose="02020603050405020304" pitchFamily="18" charset="0"/>
-            </a:endParaRPr>
           </a:p>
           <a:p>
             <a:pPr>
@@ -12213,12 +12051,6 @@
               </a:rPr>
               <a:t>Login</a:t>
             </a:r>
-            <a:endParaRPr lang="en-US" sz="2800" dirty="0" smtClean="0">
-              <a:solidFill>
-                <a:srgbClr val="1B1B1B"/>
-              </a:solidFill>
-              <a:latin typeface="Open Sans"/>
-            </a:endParaRPr>
           </a:p>
           <a:p>
             <a:pPr marL="457200" indent="-457200">
@@ -12238,13 +12070,6 @@
               </a:rPr>
               <a:t>Register</a:t>
             </a:r>
-            <a:endParaRPr lang="en-US" sz="2800" b="0" i="0" dirty="0" smtClean="0">
-              <a:solidFill>
-                <a:srgbClr val="1B1B1B"/>
-              </a:solidFill>
-              <a:effectLst/>
-              <a:latin typeface="Open Sans"/>
-            </a:endParaRPr>
           </a:p>
           <a:p>
             <a:pPr marL="457200" indent="-457200">
@@ -12263,12 +12088,6 @@
               </a:rPr>
               <a:t>Product-catalog</a:t>
             </a:r>
-            <a:endParaRPr lang="en-US" sz="2800" dirty="0" smtClean="0">
-              <a:solidFill>
-                <a:srgbClr val="1B1B1B"/>
-              </a:solidFill>
-              <a:latin typeface="Open Sans"/>
-            </a:endParaRPr>
           </a:p>
           <a:p>
             <a:pPr marL="457200" indent="-457200">
@@ -12287,12 +12106,6 @@
               </a:rPr>
               <a:t>Cart</a:t>
             </a:r>
-            <a:endParaRPr lang="en-US" sz="2800" dirty="0" smtClean="0">
-              <a:solidFill>
-                <a:srgbClr val="1B1B1B"/>
-              </a:solidFill>
-              <a:latin typeface="Open Sans"/>
-            </a:endParaRPr>
           </a:p>
           <a:p>
             <a:pPr marL="457200" indent="-457200">
@@ -12311,12 +12124,6 @@
               </a:rPr>
               <a:t>Order</a:t>
             </a:r>
-            <a:endParaRPr lang="en-US" sz="2800" dirty="0" smtClean="0">
-              <a:solidFill>
-                <a:srgbClr val="1B1B1B"/>
-              </a:solidFill>
-              <a:latin typeface="Open Sans"/>
-            </a:endParaRPr>
           </a:p>
           <a:p>
             <a:pPr marL="457200" indent="-457200">
@@ -12353,12 +12160,6 @@
               </a:rPr>
               <a:t> dev )</a:t>
             </a:r>
-            <a:endParaRPr lang="en-US" sz="2800" dirty="0" smtClean="0">
-              <a:solidFill>
-                <a:srgbClr val="1B1B1B"/>
-              </a:solidFill>
-              <a:latin typeface="Open Sans"/>
-            </a:endParaRPr>
           </a:p>
           <a:p>
             <a:pPr marL="457200" indent="-457200">
@@ -12378,13 +12179,6 @@
               </a:rPr>
               <a:t>Payment</a:t>
             </a:r>
-            <a:endParaRPr lang="en-US" sz="2800" b="0" i="0" dirty="0" smtClean="0">
-              <a:solidFill>
-                <a:srgbClr val="1B1B1B"/>
-              </a:solidFill>
-              <a:effectLst/>
-              <a:latin typeface="Open Sans"/>
-            </a:endParaRPr>
           </a:p>
         </p:txBody>
       </p:sp>
@@ -12429,7 +12223,7 @@
         <p:spPr>
           <a:xfrm>
             <a:off x="609600" y="336867"/>
-            <a:ext cx="17012670" cy="649217"/>
+            <a:ext cx="17012670" cy="1410643"/>
           </a:xfrm>
           <a:prstGeom prst="rect">
             <a:avLst/>
@@ -12474,7 +12268,7 @@
                 <a:latin typeface="Times New Roman" panose="02020603050405020304" pitchFamily="18" charset="0"/>
                 <a:cs typeface="Times New Roman" panose="02020603050405020304" pitchFamily="18" charset="0"/>
               </a:rPr>
-              <a:t>4: </a:t>
+              <a:t>3: </a:t>
             </a:r>
             <a:r>
               <a:rPr lang="en-US" sz="4000" b="1" dirty="0" err="1" smtClean="0">
@@ -12484,7 +12278,7 @@
                 <a:latin typeface="Times New Roman" panose="02020603050405020304" pitchFamily="18" charset="0"/>
                 <a:cs typeface="Times New Roman" panose="02020603050405020304" pitchFamily="18" charset="0"/>
               </a:rPr>
-              <a:t>Đánh</a:t>
+              <a:t>Mô</a:t>
             </a:r>
             <a:r>
               <a:rPr lang="en-US" sz="4000" b="1" dirty="0" smtClean="0">
@@ -12497,47 +12291,7 @@
               <a:t> </a:t>
             </a:r>
             <a:r>
-              <a:rPr lang="en-US" sz="4000" b="1" dirty="0" err="1" smtClean="0">
-                <a:solidFill>
-                  <a:srgbClr val="227C9D"/>
-                </a:solidFill>
-                <a:latin typeface="Times New Roman" panose="02020603050405020304" pitchFamily="18" charset="0"/>
-                <a:cs typeface="Times New Roman" panose="02020603050405020304" pitchFamily="18" charset="0"/>
-              </a:rPr>
-              <a:t>giá</a:t>
-            </a:r>
-            <a:r>
-              <a:rPr lang="en-US" sz="4000" b="1" dirty="0" smtClean="0">
-                <a:solidFill>
-                  <a:srgbClr val="227C9D"/>
-                </a:solidFill>
-                <a:latin typeface="Times New Roman" panose="02020603050405020304" pitchFamily="18" charset="0"/>
-                <a:cs typeface="Times New Roman" panose="02020603050405020304" pitchFamily="18" charset="0"/>
-              </a:rPr>
-              <a:t> </a:t>
-            </a:r>
-            <a:r>
-              <a:rPr lang="en-US" sz="4000" b="1" dirty="0" err="1" smtClean="0">
-                <a:solidFill>
-                  <a:srgbClr val="227C9D"/>
-                </a:solidFill>
-                <a:latin typeface="Times New Roman" panose="02020603050405020304" pitchFamily="18" charset="0"/>
-                <a:cs typeface="Times New Roman" panose="02020603050405020304" pitchFamily="18" charset="0"/>
-              </a:rPr>
-              <a:t>mô</a:t>
-            </a:r>
-            <a:r>
-              <a:rPr lang="en-US" sz="4000" b="1" dirty="0" smtClean="0">
-                <a:solidFill>
-                  <a:srgbClr val="227C9D"/>
-                </a:solidFill>
-                <a:latin typeface="Times New Roman" panose="02020603050405020304" pitchFamily="18" charset="0"/>
-                <a:cs typeface="Times New Roman" panose="02020603050405020304" pitchFamily="18" charset="0"/>
-              </a:rPr>
-              <a:t> </a:t>
-            </a:r>
-            <a:r>
-              <a:rPr lang="en-US" sz="4000" b="1" dirty="0" err="1" smtClean="0">
+              <a:rPr lang="en-US" sz="4000" b="1" dirty="0" err="1">
                 <a:solidFill>
                   <a:srgbClr val="227C9D"/>
                 </a:solidFill>
@@ -12546,6 +12300,63 @@
               </a:rPr>
               <a:t>hình</a:t>
             </a:r>
+            <a:r>
+              <a:rPr lang="en-US" sz="4000" b="1" dirty="0">
+                <a:solidFill>
+                  <a:srgbClr val="227C9D"/>
+                </a:solidFill>
+                <a:latin typeface="Times New Roman" panose="02020603050405020304" pitchFamily="18" charset="0"/>
+                <a:cs typeface="Times New Roman" panose="02020603050405020304" pitchFamily="18" charset="0"/>
+              </a:rPr>
+              <a:t> </a:t>
+            </a:r>
+            <a:r>
+              <a:rPr lang="en-US" sz="4000" b="1" dirty="0" err="1">
+                <a:solidFill>
+                  <a:srgbClr val="227C9D"/>
+                </a:solidFill>
+                <a:latin typeface="Times New Roman" panose="02020603050405020304" pitchFamily="18" charset="0"/>
+                <a:cs typeface="Times New Roman" panose="02020603050405020304" pitchFamily="18" charset="0"/>
+              </a:rPr>
+              <a:t>kiến</a:t>
+            </a:r>
+            <a:r>
+              <a:rPr lang="en-US" sz="4000" b="1" dirty="0">
+                <a:solidFill>
+                  <a:srgbClr val="227C9D"/>
+                </a:solidFill>
+                <a:latin typeface="Times New Roman" panose="02020603050405020304" pitchFamily="18" charset="0"/>
+                <a:cs typeface="Times New Roman" panose="02020603050405020304" pitchFamily="18" charset="0"/>
+              </a:rPr>
+              <a:t> </a:t>
+            </a:r>
+            <a:r>
+              <a:rPr lang="en-US" sz="4000" b="1" dirty="0" err="1">
+                <a:solidFill>
+                  <a:srgbClr val="227C9D"/>
+                </a:solidFill>
+                <a:latin typeface="Times New Roman" panose="02020603050405020304" pitchFamily="18" charset="0"/>
+                <a:cs typeface="Times New Roman" panose="02020603050405020304" pitchFamily="18" charset="0"/>
+              </a:rPr>
+              <a:t>trúc</a:t>
+            </a:r>
+            <a:r>
+              <a:rPr lang="en-US" sz="4000" b="1" dirty="0">
+                <a:solidFill>
+                  <a:srgbClr val="227C9D"/>
+                </a:solidFill>
+                <a:latin typeface="Times New Roman" panose="02020603050405020304" pitchFamily="18" charset="0"/>
+                <a:cs typeface="Times New Roman" panose="02020603050405020304" pitchFamily="18" charset="0"/>
+              </a:rPr>
+              <a:t> Web API</a:t>
+            </a:r>
+          </a:p>
+          <a:p>
+            <a:pPr>
+              <a:lnSpc>
+                <a:spcPts val="5545"/>
+              </a:lnSpc>
+            </a:pPr>
             <a:endParaRPr lang="en-US" sz="4000" b="1" dirty="0">
               <a:solidFill>
                 <a:srgbClr val="227C9D"/>
@@ -12556,7 +12367,135 @@
           </a:p>
         </p:txBody>
       </p:sp>
+      <p:pic>
+        <p:nvPicPr>
+          <p:cNvPr id="2" name="Picture 1"/>
+          <p:cNvPicPr>
+            <a:picLocks noChangeAspect="1"/>
+          </p:cNvPicPr>
+          <p:nvPr/>
+        </p:nvPicPr>
+        <p:blipFill>
+          <a:blip r:embed="rId2"/>
+          <a:stretch>
+            <a:fillRect/>
+          </a:stretch>
+        </p:blipFill>
+        <p:spPr>
+          <a:xfrm>
+            <a:off x="609600" y="2628900"/>
+            <a:ext cx="12155128" cy="3048000"/>
+          </a:xfrm>
+          <a:prstGeom prst="rect">
+            <a:avLst/>
+          </a:prstGeom>
+        </p:spPr>
+      </p:pic>
+      <p:sp>
+        <p:nvSpPr>
+          <p:cNvPr id="9" name="Rectangle 8"/>
+          <p:cNvSpPr/>
+          <p:nvPr/>
+        </p:nvSpPr>
+        <p:spPr>
+          <a:xfrm>
+            <a:off x="457200" y="1747510"/>
+            <a:ext cx="4724400" cy="523220"/>
+          </a:xfrm>
+          <a:prstGeom prst="rect">
+            <a:avLst/>
+          </a:prstGeom>
+        </p:spPr>
+        <p:txBody>
+          <a:bodyPr wrap="square">
+            <a:spAutoFit/>
+          </a:bodyPr>
+          <a:lstStyle/>
+          <a:p>
+            <a:pPr>
+              <a:buFont typeface="Arial" panose="020B0604020202020204" pitchFamily="34" charset="0"/>
+              <a:buChar char="•"/>
+            </a:pPr>
+            <a:r>
+              <a:rPr lang="en-US" sz="2800" b="1" dirty="0" smtClean="0"/>
+              <a:t> </a:t>
+            </a:r>
+            <a:r>
+              <a:rPr lang="en-US" sz="2800" b="1" dirty="0" err="1" smtClean="0"/>
+              <a:t>Config</a:t>
+            </a:r>
+            <a:r>
+              <a:rPr lang="en-US" sz="2800" b="1" dirty="0" smtClean="0"/>
+              <a:t> connect Database</a:t>
+            </a:r>
+            <a:endParaRPr lang="en-US" sz="2800" b="1" dirty="0"/>
+          </a:p>
+        </p:txBody>
+      </p:sp>
+      <p:pic>
+        <p:nvPicPr>
+          <p:cNvPr id="3" name="Picture 2"/>
+          <p:cNvPicPr>
+            <a:picLocks noChangeAspect="1"/>
+          </p:cNvPicPr>
+          <p:nvPr/>
+        </p:nvPicPr>
+        <p:blipFill>
+          <a:blip r:embed="rId3"/>
+          <a:stretch>
+            <a:fillRect/>
+          </a:stretch>
+        </p:blipFill>
+        <p:spPr>
+          <a:xfrm>
+            <a:off x="14782800" y="2476500"/>
+            <a:ext cx="3276600" cy="4724400"/>
+          </a:xfrm>
+          <a:prstGeom prst="rect">
+            <a:avLst/>
+          </a:prstGeom>
+        </p:spPr>
+      </p:pic>
+      <p:cxnSp>
+        <p:nvCxnSpPr>
+          <p:cNvPr id="5" name="Straight Arrow Connector 4"/>
+          <p:cNvCxnSpPr/>
+          <p:nvPr/>
+        </p:nvCxnSpPr>
+        <p:spPr>
+          <a:xfrm>
+            <a:off x="13258800" y="4533900"/>
+            <a:ext cx="1295400" cy="0"/>
+          </a:xfrm>
+          <a:prstGeom prst="straightConnector1">
+            <a:avLst/>
+          </a:prstGeom>
+          <a:ln>
+            <a:headEnd type="triangle"/>
+            <a:tailEnd type="triangle"/>
+          </a:ln>
+        </p:spPr>
+        <p:style>
+          <a:lnRef idx="2">
+            <a:schemeClr val="accent5"/>
+          </a:lnRef>
+          <a:fillRef idx="0">
+            <a:schemeClr val="accent5"/>
+          </a:fillRef>
+          <a:effectRef idx="1">
+            <a:schemeClr val="accent5"/>
+          </a:effectRef>
+          <a:fontRef idx="minor">
+            <a:schemeClr val="tx1"/>
+          </a:fontRef>
+        </p:style>
+      </p:cxnSp>
     </p:spTree>
+    <p:extLst>
+      <p:ext uri="{BB962C8B-B14F-4D97-AF65-F5344CB8AC3E}">
+        <p14:creationId xmlns:p14="http://schemas.microsoft.com/office/powerpoint/2010/main" val="568143718"/>
+      </p:ext>
+    </p:extLst>
   </p:cSld>
   <p:clrMapOvr>
     <a:masterClrMapping/>
@@ -12596,7 +12535,7 @@
         </p:nvSpPr>
         <p:spPr>
           <a:xfrm>
-            <a:off x="609600" y="336867"/>
+            <a:off x="547352" y="336867"/>
             <a:ext cx="17012670" cy="1410643"/>
           </a:xfrm>
           <a:prstGeom prst="rect">
@@ -12642,7 +12581,7 @@
                 <a:latin typeface="Times New Roman" panose="02020603050405020304" pitchFamily="18" charset="0"/>
                 <a:cs typeface="Times New Roman" panose="02020603050405020304" pitchFamily="18" charset="0"/>
               </a:rPr>
-              <a:t>5:Thực </a:t>
+              <a:t>3: </a:t>
             </a:r>
             <a:r>
               <a:rPr lang="en-US" sz="4000" b="1" dirty="0" err="1" smtClean="0">
@@ -12652,15 +12591,78 @@
                 <a:latin typeface="Times New Roman" panose="02020603050405020304" pitchFamily="18" charset="0"/>
                 <a:cs typeface="Times New Roman" panose="02020603050405020304" pitchFamily="18" charset="0"/>
               </a:rPr>
-              <a:t>nghiệm</a:t>
-            </a:r>
-            <a:endParaRPr lang="en-US" sz="4000" b="1" dirty="0">
-              <a:solidFill>
-                <a:srgbClr val="227C9D"/>
-              </a:solidFill>
-              <a:latin typeface="Times New Roman" panose="02020603050405020304" pitchFamily="18" charset="0"/>
-              <a:cs typeface="Times New Roman" panose="02020603050405020304" pitchFamily="18" charset="0"/>
-            </a:endParaRPr>
+              <a:t>Mô</a:t>
+            </a:r>
+            <a:r>
+              <a:rPr lang="en-US" sz="4000" b="1" dirty="0" smtClean="0">
+                <a:solidFill>
+                  <a:srgbClr val="227C9D"/>
+                </a:solidFill>
+                <a:latin typeface="Times New Roman" panose="02020603050405020304" pitchFamily="18" charset="0"/>
+                <a:cs typeface="Times New Roman" panose="02020603050405020304" pitchFamily="18" charset="0"/>
+              </a:rPr>
+              <a:t> </a:t>
+            </a:r>
+            <a:r>
+              <a:rPr lang="en-US" sz="4000" b="1" dirty="0" err="1">
+                <a:solidFill>
+                  <a:srgbClr val="227C9D"/>
+                </a:solidFill>
+                <a:latin typeface="Times New Roman" panose="02020603050405020304" pitchFamily="18" charset="0"/>
+                <a:cs typeface="Times New Roman" panose="02020603050405020304" pitchFamily="18" charset="0"/>
+              </a:rPr>
+              <a:t>hình</a:t>
+            </a:r>
+            <a:r>
+              <a:rPr lang="en-US" sz="4000" b="1" dirty="0">
+                <a:solidFill>
+                  <a:srgbClr val="227C9D"/>
+                </a:solidFill>
+                <a:latin typeface="Times New Roman" panose="02020603050405020304" pitchFamily="18" charset="0"/>
+                <a:cs typeface="Times New Roman" panose="02020603050405020304" pitchFamily="18" charset="0"/>
+              </a:rPr>
+              <a:t> </a:t>
+            </a:r>
+            <a:r>
+              <a:rPr lang="en-US" sz="4000" b="1" dirty="0" err="1">
+                <a:solidFill>
+                  <a:srgbClr val="227C9D"/>
+                </a:solidFill>
+                <a:latin typeface="Times New Roman" panose="02020603050405020304" pitchFamily="18" charset="0"/>
+                <a:cs typeface="Times New Roman" panose="02020603050405020304" pitchFamily="18" charset="0"/>
+              </a:rPr>
+              <a:t>kiến</a:t>
+            </a:r>
+            <a:r>
+              <a:rPr lang="en-US" sz="4000" b="1" dirty="0">
+                <a:solidFill>
+                  <a:srgbClr val="227C9D"/>
+                </a:solidFill>
+                <a:latin typeface="Times New Roman" panose="02020603050405020304" pitchFamily="18" charset="0"/>
+                <a:cs typeface="Times New Roman" panose="02020603050405020304" pitchFamily="18" charset="0"/>
+              </a:rPr>
+              <a:t> </a:t>
+            </a:r>
+            <a:r>
+              <a:rPr lang="en-US" sz="4000" b="1" dirty="0" err="1">
+                <a:solidFill>
+                  <a:srgbClr val="227C9D"/>
+                </a:solidFill>
+                <a:latin typeface="Times New Roman" panose="02020603050405020304" pitchFamily="18" charset="0"/>
+                <a:cs typeface="Times New Roman" panose="02020603050405020304" pitchFamily="18" charset="0"/>
+              </a:rPr>
+              <a:t>trúc</a:t>
+            </a:r>
+            <a:r>
+              <a:rPr lang="en-US" sz="4000" b="1" dirty="0">
+                <a:solidFill>
+                  <a:srgbClr val="227C9D"/>
+                </a:solidFill>
+                <a:latin typeface="Times New Roman" panose="02020603050405020304" pitchFamily="18" charset="0"/>
+                <a:cs typeface="Times New Roman" panose="02020603050405020304" pitchFamily="18" charset="0"/>
+              </a:rPr>
+              <a:t> Web API</a:t>
+            </a:r>
           </a:p>
           <a:p>
             <a:pPr>
@@ -12680,14 +12682,14 @@
       </p:sp>
       <p:sp>
         <p:nvSpPr>
-          <p:cNvPr id="7" name="Rectangle 6"/>
+          <p:cNvPr id="9" name="Rectangle 8"/>
           <p:cNvSpPr/>
           <p:nvPr/>
         </p:nvSpPr>
         <p:spPr>
           <a:xfrm>
-            <a:off x="8305800" y="2219434"/>
-            <a:ext cx="7924800" cy="584775"/>
+            <a:off x="547352" y="2359876"/>
+            <a:ext cx="4724400" cy="523220"/>
           </a:xfrm>
           <a:prstGeom prst="rect">
             <a:avLst/>
@@ -12699,24 +12701,40 @@
           </a:bodyPr>
           <a:lstStyle/>
           <a:p>
-            <a:r>
-              <a:rPr lang="en-US" sz="3200" b="1" dirty="0" smtClean="0"/>
-              <a:t>Back-end</a:t>
-            </a:r>
-            <a:endParaRPr lang="en-US" sz="3200" b="1" dirty="0"/>
+            <a:pPr>
+              <a:buFont typeface="Arial" panose="020B0604020202020204" pitchFamily="34" charset="0"/>
+              <a:buChar char="•"/>
+            </a:pPr>
+            <a:r>
+              <a:rPr lang="en-US" sz="2800" b="1" dirty="0" smtClean="0"/>
+              <a:t> Entity </a:t>
+            </a:r>
+            <a:r>
+              <a:rPr lang="en-US" sz="2800" b="1" dirty="0" err="1" smtClean="0"/>
+              <a:t>và</a:t>
+            </a:r>
+            <a:r>
+              <a:rPr lang="en-US" sz="2800" b="1" dirty="0" smtClean="0"/>
+              <a:t> </a:t>
+            </a:r>
+            <a:r>
+              <a:rPr lang="en-US" sz="2800" b="1" dirty="0" err="1" smtClean="0"/>
+              <a:t>Respository</a:t>
+            </a:r>
+            <a:endParaRPr lang="en-US" sz="2800" b="1" dirty="0"/>
           </a:p>
         </p:txBody>
       </p:sp>
       <p:sp>
         <p:nvSpPr>
-          <p:cNvPr id="8" name="Rectangle 7"/>
+          <p:cNvPr id="7" name="Rectangle 6"/>
           <p:cNvSpPr/>
           <p:nvPr/>
         </p:nvSpPr>
         <p:spPr>
           <a:xfrm>
-            <a:off x="630382" y="2573377"/>
-            <a:ext cx="17221200" cy="584775"/>
+            <a:off x="381000" y="1365275"/>
+            <a:ext cx="4724400" cy="523220"/>
           </a:xfrm>
           <a:prstGeom prst="rect">
             <a:avLst/>
@@ -12728,24 +12746,76 @@
           </a:bodyPr>
           <a:lstStyle/>
           <a:p>
-            <a:pPr>
-              <a:buFont typeface="Arial" panose="020B0604020202020204" pitchFamily="34" charset="0"/>
-              <a:buChar char="•"/>
+            <a:pPr marL="457200" indent="-457200">
+              <a:buFont typeface="Wingdings" panose="05000000000000000000" pitchFamily="2" charset="2"/>
+              <a:buChar char="v"/>
             </a:pPr>
-            <a:endParaRPr lang="en-US" sz="3200" dirty="0"/>
+            <a:r>
+              <a:rPr lang="en-US" sz="2800" b="1" dirty="0" smtClean="0"/>
+              <a:t>Customer register</a:t>
+            </a:r>
+            <a:endParaRPr lang="en-US" sz="2800" b="1" dirty="0"/>
           </a:p>
         </p:txBody>
       </p:sp>
-      <p:sp>
-        <p:nvSpPr>
-          <p:cNvPr id="2" name="Rectangle 1"/>
+      <p:pic>
+        <p:nvPicPr>
+          <p:cNvPr id="4" name="Picture 3"/>
+          <p:cNvPicPr>
+            <a:picLocks noChangeAspect="1"/>
+          </p:cNvPicPr>
+          <p:nvPr/>
+        </p:nvPicPr>
+        <p:blipFill>
+          <a:blip r:embed="rId2"/>
+          <a:stretch>
+            <a:fillRect/>
+          </a:stretch>
+        </p:blipFill>
+        <p:spPr>
+          <a:xfrm>
+            <a:off x="762000" y="3238500"/>
+            <a:ext cx="6705600" cy="6578920"/>
+          </a:xfrm>
+          <a:prstGeom prst="rect">
+            <a:avLst/>
+          </a:prstGeom>
+        </p:spPr>
+      </p:pic>
+      <p:pic>
+        <p:nvPicPr>
+          <p:cNvPr id="8" name="Picture 7"/>
+          <p:cNvPicPr>
+            <a:picLocks noChangeAspect="1"/>
+          </p:cNvPicPr>
+          <p:nvPr/>
+        </p:nvPicPr>
+        <p:blipFill>
+          <a:blip r:embed="rId3"/>
+          <a:stretch>
+            <a:fillRect/>
+          </a:stretch>
+        </p:blipFill>
+        <p:spPr>
+          <a:xfrm>
+            <a:off x="7924800" y="3238500"/>
+            <a:ext cx="9821725" cy="1886218"/>
+          </a:xfrm>
+          <a:prstGeom prst="rect">
+            <a:avLst/>
+          </a:prstGeom>
+        </p:spPr>
+      </p:pic>
+      <p:sp>
+        <p:nvSpPr>
+          <p:cNvPr id="10" name="Rectangle 9"/>
           <p:cNvSpPr/>
           <p:nvPr/>
         </p:nvSpPr>
         <p:spPr>
           <a:xfrm>
-            <a:off x="609600" y="2280990"/>
-            <a:ext cx="7696200" cy="461665"/>
+            <a:off x="7899041" y="5753100"/>
+            <a:ext cx="9847483" cy="954107"/>
           </a:xfrm>
           <a:prstGeom prst="rect">
             <a:avLst/>
@@ -12758,17 +12828,347 @@
           <a:lstStyle/>
           <a:p>
             <a:r>
-              <a:rPr lang="en-US" sz="2400" dirty="0">
-                <a:solidFill>
-                  <a:srgbClr val="0070C0"/>
-                </a:solidFill>
-              </a:rPr>
-              <a:t>https://github.com/hdthinh3105/ClothStore_BE_WebAPI.git</a:t>
-            </a:r>
-            <a:endParaRPr lang="en-US" sz="2400" dirty="0">
+              <a:rPr lang="en-US" sz="2800" dirty="0" err="1" smtClean="0"/>
+              <a:t>Như</a:t>
+            </a:r>
+            <a:r>
+              <a:rPr lang="en-US" sz="2800" dirty="0" smtClean="0"/>
+              <a:t> </a:t>
+            </a:r>
+            <a:r>
+              <a:rPr lang="en-US" sz="2800" dirty="0" err="1" smtClean="0"/>
+              <a:t>phần</a:t>
+            </a:r>
+            <a:r>
+              <a:rPr lang="en-US" sz="2800" dirty="0" smtClean="0"/>
+              <a:t> </a:t>
+            </a:r>
+            <a:r>
+              <a:rPr lang="en-US" sz="2800" dirty="0" err="1" smtClean="0"/>
+              <a:t>trước</a:t>
+            </a:r>
+            <a:r>
+              <a:rPr lang="en-US" sz="2800" dirty="0" smtClean="0"/>
+              <a:t> ở MVC </a:t>
+            </a:r>
+            <a:r>
+              <a:rPr lang="en-US" sz="2800" dirty="0" err="1" smtClean="0"/>
+              <a:t>mô</a:t>
+            </a:r>
+            <a:r>
+              <a:rPr lang="en-US" sz="2800" dirty="0" smtClean="0"/>
+              <a:t> </a:t>
+            </a:r>
+            <a:r>
+              <a:rPr lang="en-US" sz="2800" dirty="0" err="1" smtClean="0"/>
+              <a:t>hình</a:t>
+            </a:r>
+            <a:r>
+              <a:rPr lang="en-US" sz="2800" dirty="0" smtClean="0"/>
+              <a:t> web service API </a:t>
+            </a:r>
+            <a:r>
+              <a:rPr lang="en-US" sz="2800" dirty="0" err="1" smtClean="0"/>
+              <a:t>cũng</a:t>
+            </a:r>
+            <a:r>
+              <a:rPr lang="en-US" sz="2800" dirty="0" smtClean="0"/>
+              <a:t> </a:t>
+            </a:r>
+            <a:r>
+              <a:rPr lang="en-US" sz="2800" dirty="0" err="1" smtClean="0"/>
+              <a:t>sử</a:t>
+            </a:r>
+            <a:r>
+              <a:rPr lang="en-US" sz="2800" dirty="0" smtClean="0"/>
+              <a:t> </a:t>
+            </a:r>
+            <a:r>
+              <a:rPr lang="en-US" sz="2800" dirty="0" err="1" smtClean="0"/>
+              <a:t>dụng</a:t>
+            </a:r>
+            <a:r>
+              <a:rPr lang="en-US" sz="2800" dirty="0" smtClean="0"/>
+              <a:t> </a:t>
+            </a:r>
+            <a:r>
+              <a:rPr lang="en-US" sz="2800" dirty="0" err="1" smtClean="0"/>
+              <a:t>Respository</a:t>
+            </a:r>
+            <a:r>
+              <a:rPr lang="en-US" sz="2800" dirty="0" smtClean="0"/>
+              <a:t> </a:t>
+            </a:r>
+            <a:r>
+              <a:rPr lang="en-US" sz="2800" dirty="0" err="1" smtClean="0"/>
+              <a:t>để</a:t>
+            </a:r>
+            <a:r>
+              <a:rPr lang="en-US" sz="2800" dirty="0" smtClean="0"/>
+              <a:t> </a:t>
+            </a:r>
+            <a:r>
+              <a:rPr lang="en-US" sz="2800" dirty="0" err="1" smtClean="0"/>
+              <a:t>thao</a:t>
+            </a:r>
+            <a:r>
+              <a:rPr lang="en-US" sz="2800" dirty="0" smtClean="0"/>
+              <a:t> </a:t>
+            </a:r>
+            <a:r>
+              <a:rPr lang="en-US" sz="2800" dirty="0" err="1" smtClean="0"/>
+              <a:t>tác</a:t>
+            </a:r>
+            <a:r>
+              <a:rPr lang="en-US" sz="2800" dirty="0" smtClean="0"/>
+              <a:t> </a:t>
+            </a:r>
+            <a:r>
+              <a:rPr lang="en-US" sz="2800" dirty="0" err="1" smtClean="0"/>
+              <a:t>với</a:t>
+            </a:r>
+            <a:r>
+              <a:rPr lang="en-US" sz="2800" dirty="0" smtClean="0"/>
+              <a:t> entity </a:t>
+            </a:r>
+            <a:r>
+              <a:rPr lang="en-US" sz="2800" dirty="0" err="1" smtClean="0"/>
+              <a:t>để</a:t>
+            </a:r>
+            <a:r>
+              <a:rPr lang="en-US" sz="2800" dirty="0" smtClean="0"/>
+              <a:t> </a:t>
+            </a:r>
+            <a:r>
+              <a:rPr lang="en-US" sz="2800" dirty="0" err="1" smtClean="0"/>
+              <a:t>xử</a:t>
+            </a:r>
+            <a:r>
+              <a:rPr lang="en-US" sz="2800" dirty="0" smtClean="0"/>
+              <a:t> </a:t>
+            </a:r>
+            <a:r>
+              <a:rPr lang="en-US" sz="2800" dirty="0" err="1" smtClean="0"/>
+              <a:t>lý</a:t>
+            </a:r>
+            <a:r>
+              <a:rPr lang="en-US" sz="2800" dirty="0" smtClean="0"/>
+              <a:t> </a:t>
+            </a:r>
+            <a:r>
+              <a:rPr lang="en-US" sz="2800" dirty="0" err="1" smtClean="0"/>
+              <a:t>dữ</a:t>
+            </a:r>
+            <a:r>
+              <a:rPr lang="en-US" sz="2800" dirty="0" smtClean="0"/>
+              <a:t> </a:t>
+            </a:r>
+            <a:r>
+              <a:rPr lang="en-US" sz="2800" dirty="0" err="1" smtClean="0"/>
+              <a:t>liệu</a:t>
+            </a:r>
+            <a:r>
+              <a:rPr lang="en-US" sz="2800" dirty="0" smtClean="0"/>
+              <a:t> </a:t>
+            </a:r>
+            <a:r>
+              <a:rPr lang="en-US" sz="2800" dirty="0" err="1" smtClean="0"/>
+              <a:t>đến</a:t>
+            </a:r>
+            <a:r>
+              <a:rPr lang="en-US" sz="2800" dirty="0" smtClean="0"/>
+              <a:t> Database</a:t>
+            </a:r>
+            <a:endParaRPr lang="en-US" sz="2800" dirty="0"/>
+          </a:p>
+        </p:txBody>
+      </p:sp>
+    </p:spTree>
+    <p:extLst>
+      <p:ext uri="{BB962C8B-B14F-4D97-AF65-F5344CB8AC3E}">
+        <p14:creationId xmlns:p14="http://schemas.microsoft.com/office/powerpoint/2010/main" val="2046313813"/>
+      </p:ext>
+    </p:extLst>
+  </p:cSld>
+  <p:clrMapOvr>
+    <a:masterClrMapping/>
+  </p:clrMapOvr>
+  <p:timing>
+    <p:tnLst>
+      <p:par>
+        <p:cTn id="1" dur="indefinite" restart="never" nodeType="tmRoot"/>
+      </p:par>
+    </p:tnLst>
+  </p:timing>
+</p:sld>
+</file>
+
+<file path=ppt/slides/slide26.xml><?xml version="1.0" encoding="utf-8"?>
+<p:sld xmlns:a="http://schemas.openxmlformats.org/drawingml/2006/main" xmlns:r="http://schemas.openxmlformats.org/officeDocument/2006/relationships" xmlns:p="http://schemas.openxmlformats.org/presentationml/2006/main">
+  <p:cSld>
+    <p:spTree>
+      <p:nvGrpSpPr>
+        <p:cNvPr id="1" name=""/>
+        <p:cNvGrpSpPr/>
+        <p:nvPr/>
+      </p:nvGrpSpPr>
+      <p:grpSpPr>
+        <a:xfrm>
+          <a:off x="0" y="0"/>
+          <a:ext cx="0" cy="0"/>
+          <a:chOff x="0" y="0"/>
+          <a:chExt cx="0" cy="0"/>
+        </a:xfrm>
+      </p:grpSpPr>
+      <p:sp>
+        <p:nvSpPr>
+          <p:cNvPr id="6" name="TextBox 3"/>
+          <p:cNvSpPr txBox="1"/>
+          <p:nvPr/>
+        </p:nvSpPr>
+        <p:spPr>
+          <a:xfrm>
+            <a:off x="547352" y="336867"/>
+            <a:ext cx="17012670" cy="1410643"/>
+          </a:xfrm>
+          <a:prstGeom prst="rect">
+            <a:avLst/>
+          </a:prstGeom>
+        </p:spPr>
+        <p:txBody>
+          <a:bodyPr wrap="square" lIns="0" tIns="0" rIns="0" bIns="0" rtlCol="0" anchor="t">
+            <a:spAutoFit/>
+          </a:bodyPr>
+          <a:lstStyle/>
+          <a:p>
+            <a:pPr>
+              <a:lnSpc>
+                <a:spcPts val="5545"/>
+              </a:lnSpc>
+            </a:pPr>
+            <a:r>
+              <a:rPr lang="en-US" sz="4000" b="1" dirty="0" err="1">
+                <a:solidFill>
+                  <a:srgbClr val="227C9D"/>
+                </a:solidFill>
+                <a:latin typeface="Times New Roman" panose="02020603050405020304" pitchFamily="18" charset="0"/>
+                <a:cs typeface="Times New Roman" panose="02020603050405020304" pitchFamily="18" charset="0"/>
+              </a:rPr>
+              <a:t>Chương</a:t>
+            </a:r>
+            <a:r>
+              <a:rPr lang="en-US" sz="4000" b="1" dirty="0">
+                <a:solidFill>
+                  <a:srgbClr val="227C9D"/>
+                </a:solidFill>
+                <a:latin typeface="Times New Roman" panose="02020603050405020304" pitchFamily="18" charset="0"/>
+                <a:cs typeface="Times New Roman" panose="02020603050405020304" pitchFamily="18" charset="0"/>
+              </a:rPr>
+              <a:t> </a:t>
+            </a:r>
+            <a:r>
+              <a:rPr lang="en-US" sz="4000" b="1" dirty="0" smtClean="0">
+                <a:solidFill>
+                  <a:srgbClr val="227C9D"/>
+                </a:solidFill>
+                <a:latin typeface="Times New Roman" panose="02020603050405020304" pitchFamily="18" charset="0"/>
+                <a:cs typeface="Times New Roman" panose="02020603050405020304" pitchFamily="18" charset="0"/>
+              </a:rPr>
+              <a:t>3: </a:t>
+            </a:r>
+            <a:r>
+              <a:rPr lang="en-US" sz="4000" b="1" dirty="0" err="1" smtClean="0">
+                <a:solidFill>
+                  <a:srgbClr val="227C9D"/>
+                </a:solidFill>
+                <a:latin typeface="Times New Roman" panose="02020603050405020304" pitchFamily="18" charset="0"/>
+                <a:cs typeface="Times New Roman" panose="02020603050405020304" pitchFamily="18" charset="0"/>
+              </a:rPr>
+              <a:t>Mô</a:t>
+            </a:r>
+            <a:r>
+              <a:rPr lang="en-US" sz="4000" b="1" dirty="0" smtClean="0">
+                <a:solidFill>
+                  <a:srgbClr val="227C9D"/>
+                </a:solidFill>
+                <a:latin typeface="Times New Roman" panose="02020603050405020304" pitchFamily="18" charset="0"/>
+                <a:cs typeface="Times New Roman" panose="02020603050405020304" pitchFamily="18" charset="0"/>
+              </a:rPr>
+              <a:t> </a:t>
+            </a:r>
+            <a:r>
+              <a:rPr lang="en-US" sz="4000" b="1" dirty="0" err="1">
+                <a:solidFill>
+                  <a:srgbClr val="227C9D"/>
+                </a:solidFill>
+                <a:latin typeface="Times New Roman" panose="02020603050405020304" pitchFamily="18" charset="0"/>
+                <a:cs typeface="Times New Roman" panose="02020603050405020304" pitchFamily="18" charset="0"/>
+              </a:rPr>
+              <a:t>hình</a:t>
+            </a:r>
+            <a:r>
+              <a:rPr lang="en-US" sz="4000" b="1" dirty="0">
+                <a:solidFill>
+                  <a:srgbClr val="227C9D"/>
+                </a:solidFill>
+                <a:latin typeface="Times New Roman" panose="02020603050405020304" pitchFamily="18" charset="0"/>
+                <a:cs typeface="Times New Roman" panose="02020603050405020304" pitchFamily="18" charset="0"/>
+              </a:rPr>
+              <a:t> </a:t>
+            </a:r>
+            <a:r>
+              <a:rPr lang="en-US" sz="4000" b="1" dirty="0" err="1">
+                <a:solidFill>
+                  <a:srgbClr val="227C9D"/>
+                </a:solidFill>
+                <a:latin typeface="Times New Roman" panose="02020603050405020304" pitchFamily="18" charset="0"/>
+                <a:cs typeface="Times New Roman" panose="02020603050405020304" pitchFamily="18" charset="0"/>
+              </a:rPr>
+              <a:t>kiến</a:t>
+            </a:r>
+            <a:r>
+              <a:rPr lang="en-US" sz="4000" b="1" dirty="0">
+                <a:solidFill>
+                  <a:srgbClr val="227C9D"/>
+                </a:solidFill>
+                <a:latin typeface="Times New Roman" panose="02020603050405020304" pitchFamily="18" charset="0"/>
+                <a:cs typeface="Times New Roman" panose="02020603050405020304" pitchFamily="18" charset="0"/>
+              </a:rPr>
+              <a:t> </a:t>
+            </a:r>
+            <a:r>
+              <a:rPr lang="en-US" sz="4000" b="1" dirty="0" err="1">
+                <a:solidFill>
+                  <a:srgbClr val="227C9D"/>
+                </a:solidFill>
+                <a:latin typeface="Times New Roman" panose="02020603050405020304" pitchFamily="18" charset="0"/>
+                <a:cs typeface="Times New Roman" panose="02020603050405020304" pitchFamily="18" charset="0"/>
+              </a:rPr>
+              <a:t>trúc</a:t>
+            </a:r>
+            <a:r>
+              <a:rPr lang="en-US" sz="4000" b="1" dirty="0">
+                <a:solidFill>
+                  <a:srgbClr val="227C9D"/>
+                </a:solidFill>
+                <a:latin typeface="Times New Roman" panose="02020603050405020304" pitchFamily="18" charset="0"/>
+                <a:cs typeface="Times New Roman" panose="02020603050405020304" pitchFamily="18" charset="0"/>
+              </a:rPr>
+              <a:t> Web API</a:t>
+            </a:r>
+          </a:p>
+          <a:p>
+            <a:pPr>
+              <a:lnSpc>
+                <a:spcPts val="5545"/>
+              </a:lnSpc>
+            </a:pPr>
+            <a:endParaRPr lang="en-US" sz="4000" b="1" dirty="0">
               <a:solidFill>
-                <a:srgbClr val="0070C0"/>
+                <a:srgbClr val="227C9D"/>
               </a:solidFill>
+              <a:latin typeface="Times New Roman" panose="02020603050405020304" pitchFamily="18" charset="0"/>
+              <a:cs typeface="Times New Roman" panose="02020603050405020304" pitchFamily="18" charset="0"/>
             </a:endParaRPr>
           </a:p>
         </p:txBody>
@@ -12781,8 +13181,8 @@
         </p:nvSpPr>
         <p:spPr>
           <a:xfrm>
-            <a:off x="623455" y="1398697"/>
-            <a:ext cx="17221200" cy="584775"/>
+            <a:off x="538766" y="1562100"/>
+            <a:ext cx="6776434" cy="523220"/>
           </a:xfrm>
           <a:prstGeom prst="rect">
             <a:avLst/>
@@ -12799,31 +13199,261 @@
               <a:buChar char="•"/>
             </a:pPr>
             <a:r>
-              <a:rPr lang="en-US" sz="3200" b="1" dirty="0" smtClean="0"/>
-              <a:t> </a:t>
-            </a:r>
-            <a:r>
-              <a:rPr lang="en-US" sz="3200" b="1" dirty="0" err="1" smtClean="0"/>
-              <a:t>Github</a:t>
-            </a:r>
-            <a:r>
-              <a:rPr lang="en-US" sz="3200" b="1" dirty="0" smtClean="0"/>
-              <a:t> project web service API</a:t>
-            </a:r>
-            <a:endParaRPr lang="en-US" sz="3200" b="1" dirty="0"/>
+              <a:rPr lang="en-US" sz="2800" b="1" dirty="0" smtClean="0"/>
+              <a:t>Service </a:t>
+            </a:r>
+            <a:r>
+              <a:rPr lang="en-US" sz="2800" b="1" dirty="0" err="1" smtClean="0"/>
+              <a:t>cho</a:t>
+            </a:r>
+            <a:r>
+              <a:rPr lang="en-US" sz="2800" b="1" dirty="0" smtClean="0"/>
+              <a:t> </a:t>
+            </a:r>
+            <a:r>
+              <a:rPr lang="en-US" sz="2800" b="1" dirty="0" err="1" smtClean="0"/>
+              <a:t>chức</a:t>
+            </a:r>
+            <a:r>
+              <a:rPr lang="en-US" sz="2800" b="1" dirty="0" smtClean="0"/>
+              <a:t> </a:t>
+            </a:r>
+            <a:r>
+              <a:rPr lang="en-US" sz="2800" b="1" dirty="0" err="1" smtClean="0"/>
+              <a:t>năng</a:t>
+            </a:r>
+            <a:r>
+              <a:rPr lang="en-US" sz="2800" b="1" dirty="0" smtClean="0"/>
+              <a:t> Customer Register</a:t>
+            </a:r>
+            <a:endParaRPr lang="en-US" sz="2800" b="1" dirty="0"/>
           </a:p>
         </p:txBody>
       </p:sp>
-      <p:sp>
-        <p:nvSpPr>
-          <p:cNvPr id="10" name="Rectangle 9"/>
+      <p:pic>
+        <p:nvPicPr>
+          <p:cNvPr id="2" name="Picture 1"/>
+          <p:cNvPicPr>
+            <a:picLocks noChangeAspect="1"/>
+          </p:cNvPicPr>
+          <p:nvPr/>
+        </p:nvPicPr>
+        <p:blipFill>
+          <a:blip r:embed="rId2"/>
+          <a:stretch>
+            <a:fillRect/>
+          </a:stretch>
+        </p:blipFill>
+        <p:spPr>
+          <a:xfrm>
+            <a:off x="547352" y="2476500"/>
+            <a:ext cx="12355734" cy="3429000"/>
+          </a:xfrm>
+          <a:prstGeom prst="rect">
+            <a:avLst/>
+          </a:prstGeom>
+        </p:spPr>
+      </p:pic>
+    </p:spTree>
+    <p:extLst>
+      <p:ext uri="{BB962C8B-B14F-4D97-AF65-F5344CB8AC3E}">
+        <p14:creationId xmlns:p14="http://schemas.microsoft.com/office/powerpoint/2010/main" val="1731645705"/>
+      </p:ext>
+    </p:extLst>
+  </p:cSld>
+  <p:clrMapOvr>
+    <a:masterClrMapping/>
+  </p:clrMapOvr>
+  <p:timing>
+    <p:tnLst>
+      <p:par>
+        <p:cTn id="1" dur="indefinite" restart="never" nodeType="tmRoot"/>
+      </p:par>
+    </p:tnLst>
+  </p:timing>
+</p:sld>
+</file>
+
+<file path=ppt/slides/slide27.xml><?xml version="1.0" encoding="utf-8"?>
+<p:sld xmlns:a="http://schemas.openxmlformats.org/drawingml/2006/main" xmlns:r="http://schemas.openxmlformats.org/officeDocument/2006/relationships" xmlns:p="http://schemas.openxmlformats.org/presentationml/2006/main">
+  <p:cSld>
+    <p:spTree>
+      <p:nvGrpSpPr>
+        <p:cNvPr id="1" name=""/>
+        <p:cNvGrpSpPr/>
+        <p:nvPr/>
+      </p:nvGrpSpPr>
+      <p:grpSpPr>
+        <a:xfrm>
+          <a:off x="0" y="0"/>
+          <a:ext cx="0" cy="0"/>
+          <a:chOff x="0" y="0"/>
+          <a:chExt cx="0" cy="0"/>
+        </a:xfrm>
+      </p:grpSpPr>
+      <p:sp>
+        <p:nvSpPr>
+          <p:cNvPr id="6" name="TextBox 3"/>
+          <p:cNvSpPr txBox="1"/>
+          <p:nvPr/>
+        </p:nvSpPr>
+        <p:spPr>
+          <a:xfrm>
+            <a:off x="547352" y="336867"/>
+            <a:ext cx="17012670" cy="1410643"/>
+          </a:xfrm>
+          <a:prstGeom prst="rect">
+            <a:avLst/>
+          </a:prstGeom>
+        </p:spPr>
+        <p:txBody>
+          <a:bodyPr wrap="square" lIns="0" tIns="0" rIns="0" bIns="0" rtlCol="0" anchor="t">
+            <a:spAutoFit/>
+          </a:bodyPr>
+          <a:lstStyle/>
+          <a:p>
+            <a:pPr>
+              <a:lnSpc>
+                <a:spcPts val="5545"/>
+              </a:lnSpc>
+            </a:pPr>
+            <a:r>
+              <a:rPr lang="en-US" sz="4000" b="1" dirty="0" err="1">
+                <a:solidFill>
+                  <a:srgbClr val="227C9D"/>
+                </a:solidFill>
+                <a:latin typeface="Times New Roman" panose="02020603050405020304" pitchFamily="18" charset="0"/>
+                <a:cs typeface="Times New Roman" panose="02020603050405020304" pitchFamily="18" charset="0"/>
+              </a:rPr>
+              <a:t>Chương</a:t>
+            </a:r>
+            <a:r>
+              <a:rPr lang="en-US" sz="4000" b="1" dirty="0">
+                <a:solidFill>
+                  <a:srgbClr val="227C9D"/>
+                </a:solidFill>
+                <a:latin typeface="Times New Roman" panose="02020603050405020304" pitchFamily="18" charset="0"/>
+                <a:cs typeface="Times New Roman" panose="02020603050405020304" pitchFamily="18" charset="0"/>
+              </a:rPr>
+              <a:t> </a:t>
+            </a:r>
+            <a:r>
+              <a:rPr lang="en-US" sz="4000" b="1" dirty="0" smtClean="0">
+                <a:solidFill>
+                  <a:srgbClr val="227C9D"/>
+                </a:solidFill>
+                <a:latin typeface="Times New Roman" panose="02020603050405020304" pitchFamily="18" charset="0"/>
+                <a:cs typeface="Times New Roman" panose="02020603050405020304" pitchFamily="18" charset="0"/>
+              </a:rPr>
+              <a:t>3: </a:t>
+            </a:r>
+            <a:r>
+              <a:rPr lang="en-US" sz="4000" b="1" dirty="0" err="1" smtClean="0">
+                <a:solidFill>
+                  <a:srgbClr val="227C9D"/>
+                </a:solidFill>
+                <a:latin typeface="Times New Roman" panose="02020603050405020304" pitchFamily="18" charset="0"/>
+                <a:cs typeface="Times New Roman" panose="02020603050405020304" pitchFamily="18" charset="0"/>
+              </a:rPr>
+              <a:t>Mô</a:t>
+            </a:r>
+            <a:r>
+              <a:rPr lang="en-US" sz="4000" b="1" dirty="0" smtClean="0">
+                <a:solidFill>
+                  <a:srgbClr val="227C9D"/>
+                </a:solidFill>
+                <a:latin typeface="Times New Roman" panose="02020603050405020304" pitchFamily="18" charset="0"/>
+                <a:cs typeface="Times New Roman" panose="02020603050405020304" pitchFamily="18" charset="0"/>
+              </a:rPr>
+              <a:t> </a:t>
+            </a:r>
+            <a:r>
+              <a:rPr lang="en-US" sz="4000" b="1" dirty="0" err="1">
+                <a:solidFill>
+                  <a:srgbClr val="227C9D"/>
+                </a:solidFill>
+                <a:latin typeface="Times New Roman" panose="02020603050405020304" pitchFamily="18" charset="0"/>
+                <a:cs typeface="Times New Roman" panose="02020603050405020304" pitchFamily="18" charset="0"/>
+              </a:rPr>
+              <a:t>hình</a:t>
+            </a:r>
+            <a:r>
+              <a:rPr lang="en-US" sz="4000" b="1" dirty="0">
+                <a:solidFill>
+                  <a:srgbClr val="227C9D"/>
+                </a:solidFill>
+                <a:latin typeface="Times New Roman" panose="02020603050405020304" pitchFamily="18" charset="0"/>
+                <a:cs typeface="Times New Roman" panose="02020603050405020304" pitchFamily="18" charset="0"/>
+              </a:rPr>
+              <a:t> </a:t>
+            </a:r>
+            <a:r>
+              <a:rPr lang="en-US" sz="4000" b="1" dirty="0" err="1">
+                <a:solidFill>
+                  <a:srgbClr val="227C9D"/>
+                </a:solidFill>
+                <a:latin typeface="Times New Roman" panose="02020603050405020304" pitchFamily="18" charset="0"/>
+                <a:cs typeface="Times New Roman" panose="02020603050405020304" pitchFamily="18" charset="0"/>
+              </a:rPr>
+              <a:t>kiến</a:t>
+            </a:r>
+            <a:r>
+              <a:rPr lang="en-US" sz="4000" b="1" dirty="0">
+                <a:solidFill>
+                  <a:srgbClr val="227C9D"/>
+                </a:solidFill>
+                <a:latin typeface="Times New Roman" panose="02020603050405020304" pitchFamily="18" charset="0"/>
+                <a:cs typeface="Times New Roman" panose="02020603050405020304" pitchFamily="18" charset="0"/>
+              </a:rPr>
+              <a:t> </a:t>
+            </a:r>
+            <a:r>
+              <a:rPr lang="en-US" sz="4000" b="1" dirty="0" err="1">
+                <a:solidFill>
+                  <a:srgbClr val="227C9D"/>
+                </a:solidFill>
+                <a:latin typeface="Times New Roman" panose="02020603050405020304" pitchFamily="18" charset="0"/>
+                <a:cs typeface="Times New Roman" panose="02020603050405020304" pitchFamily="18" charset="0"/>
+              </a:rPr>
+              <a:t>trúc</a:t>
+            </a:r>
+            <a:r>
+              <a:rPr lang="en-US" sz="4000" b="1" dirty="0">
+                <a:solidFill>
+                  <a:srgbClr val="227C9D"/>
+                </a:solidFill>
+                <a:latin typeface="Times New Roman" panose="02020603050405020304" pitchFamily="18" charset="0"/>
+                <a:cs typeface="Times New Roman" panose="02020603050405020304" pitchFamily="18" charset="0"/>
+              </a:rPr>
+              <a:t> Web API</a:t>
+            </a:r>
+          </a:p>
+          <a:p>
+            <a:pPr>
+              <a:lnSpc>
+                <a:spcPts val="5545"/>
+              </a:lnSpc>
+            </a:pPr>
+            <a:endParaRPr lang="en-US" sz="4000" b="1" dirty="0">
+              <a:solidFill>
+                <a:srgbClr val="227C9D"/>
+              </a:solidFill>
+              <a:latin typeface="Times New Roman" panose="02020603050405020304" pitchFamily="18" charset="0"/>
+              <a:cs typeface="Times New Roman" panose="02020603050405020304" pitchFamily="18" charset="0"/>
+            </a:endParaRPr>
+          </a:p>
+        </p:txBody>
+      </p:sp>
+      <p:sp>
+        <p:nvSpPr>
+          <p:cNvPr id="9" name="Rectangle 8"/>
           <p:cNvSpPr/>
           <p:nvPr/>
         </p:nvSpPr>
         <p:spPr>
           <a:xfrm>
-            <a:off x="8305800" y="3052360"/>
-            <a:ext cx="7696200" cy="584775"/>
+            <a:off x="538766" y="1562100"/>
+            <a:ext cx="9900634" cy="523220"/>
           </a:xfrm>
           <a:prstGeom prst="rect">
             <a:avLst/>
@@ -12835,24 +13465,294 @@
           </a:bodyPr>
           <a:lstStyle/>
           <a:p>
-            <a:r>
-              <a:rPr lang="en-US" sz="3200" b="1" dirty="0" smtClean="0"/>
-              <a:t>Front-end</a:t>
-            </a:r>
-            <a:endParaRPr lang="en-US" sz="3200" b="1" dirty="0"/>
+            <a:pPr>
+              <a:buFont typeface="Arial" panose="020B0604020202020204" pitchFamily="34" charset="0"/>
+              <a:buChar char="•"/>
+            </a:pPr>
+            <a:r>
+              <a:rPr lang="en-US" sz="2800" b="1" dirty="0" smtClean="0"/>
+              <a:t>Controller – API (</a:t>
+            </a:r>
+            <a:r>
+              <a:rPr lang="en-US" sz="2800" b="1" dirty="0" err="1" smtClean="0"/>
+              <a:t>Cổng</a:t>
+            </a:r>
+            <a:r>
+              <a:rPr lang="en-US" sz="2800" b="1" dirty="0" smtClean="0"/>
+              <a:t> </a:t>
+            </a:r>
+            <a:r>
+              <a:rPr lang="en-US" sz="2800" b="1" dirty="0" err="1" smtClean="0"/>
+              <a:t>giao</a:t>
+            </a:r>
+            <a:r>
+              <a:rPr lang="en-US" sz="2800" b="1" dirty="0" smtClean="0"/>
+              <a:t> </a:t>
+            </a:r>
+            <a:r>
+              <a:rPr lang="en-US" sz="2800" b="1" dirty="0" err="1" smtClean="0"/>
+              <a:t>tiếp</a:t>
+            </a:r>
+            <a:r>
+              <a:rPr lang="en-US" sz="2800" b="1" dirty="0" smtClean="0"/>
+              <a:t> </a:t>
+            </a:r>
+            <a:r>
+              <a:rPr lang="en-US" sz="2800" b="1" dirty="0" err="1" smtClean="0"/>
+              <a:t>khi</a:t>
+            </a:r>
+            <a:r>
+              <a:rPr lang="en-US" sz="2800" b="1" dirty="0"/>
+              <a:t> </a:t>
+            </a:r>
+            <a:r>
+              <a:rPr lang="en-US" sz="2800" b="1" dirty="0" smtClean="0"/>
+              <a:t>front-end </a:t>
+            </a:r>
+            <a:r>
+              <a:rPr lang="en-US" sz="2800" b="1" dirty="0" err="1" smtClean="0"/>
+              <a:t>gọi</a:t>
+            </a:r>
+            <a:r>
+              <a:rPr lang="en-US" sz="2800" b="1" dirty="0" smtClean="0"/>
+              <a:t> </a:t>
+            </a:r>
+            <a:r>
+              <a:rPr lang="en-US" sz="2800" b="1" dirty="0" err="1" smtClean="0"/>
+              <a:t>đến</a:t>
+            </a:r>
+            <a:r>
+              <a:rPr lang="en-US" sz="2800" b="1" dirty="0" smtClean="0"/>
+              <a:t> )</a:t>
+            </a:r>
+            <a:endParaRPr lang="en-US" sz="2800" b="1" dirty="0"/>
           </a:p>
         </p:txBody>
       </p:sp>
-      <p:sp>
-        <p:nvSpPr>
-          <p:cNvPr id="11" name="Rectangle 10"/>
+      <p:pic>
+        <p:nvPicPr>
+          <p:cNvPr id="7" name="Picture 6"/>
+          <p:cNvPicPr>
+            <a:picLocks noChangeAspect="1"/>
+          </p:cNvPicPr>
+          <p:nvPr/>
+        </p:nvPicPr>
+        <p:blipFill>
+          <a:blip r:embed="rId2"/>
+          <a:stretch>
+            <a:fillRect/>
+          </a:stretch>
+        </p:blipFill>
+        <p:spPr>
+          <a:xfrm>
+            <a:off x="685800" y="2476500"/>
+            <a:ext cx="12270190" cy="5791200"/>
+          </a:xfrm>
+          <a:prstGeom prst="rect">
+            <a:avLst/>
+          </a:prstGeom>
+        </p:spPr>
+      </p:pic>
+    </p:spTree>
+    <p:extLst>
+      <p:ext uri="{BB962C8B-B14F-4D97-AF65-F5344CB8AC3E}">
+        <p14:creationId xmlns:p14="http://schemas.microsoft.com/office/powerpoint/2010/main" val="2055860559"/>
+      </p:ext>
+    </p:extLst>
+  </p:cSld>
+  <p:clrMapOvr>
+    <a:masterClrMapping/>
+  </p:clrMapOvr>
+  <p:timing>
+    <p:tnLst>
+      <p:par>
+        <p:cTn id="1" dur="indefinite" restart="never" nodeType="tmRoot"/>
+      </p:par>
+    </p:tnLst>
+  </p:timing>
+</p:sld>
+</file>
+
+<file path=ppt/slides/slide28.xml><?xml version="1.0" encoding="utf-8"?>
+<p:sld xmlns:a="http://schemas.openxmlformats.org/drawingml/2006/main" xmlns:r="http://schemas.openxmlformats.org/officeDocument/2006/relationships" xmlns:p="http://schemas.openxmlformats.org/presentationml/2006/main">
+  <p:cSld>
+    <p:spTree>
+      <p:nvGrpSpPr>
+        <p:cNvPr id="1" name=""/>
+        <p:cNvGrpSpPr/>
+        <p:nvPr/>
+      </p:nvGrpSpPr>
+      <p:grpSpPr>
+        <a:xfrm>
+          <a:off x="0" y="0"/>
+          <a:ext cx="0" cy="0"/>
+          <a:chOff x="0" y="0"/>
+          <a:chExt cx="0" cy="0"/>
+        </a:xfrm>
+      </p:grpSpPr>
+      <p:sp>
+        <p:nvSpPr>
+          <p:cNvPr id="6" name="TextBox 3"/>
+          <p:cNvSpPr txBox="1"/>
+          <p:nvPr/>
+        </p:nvSpPr>
+        <p:spPr>
+          <a:xfrm>
+            <a:off x="547352" y="336867"/>
+            <a:ext cx="17012670" cy="1410643"/>
+          </a:xfrm>
+          <a:prstGeom prst="rect">
+            <a:avLst/>
+          </a:prstGeom>
+        </p:spPr>
+        <p:txBody>
+          <a:bodyPr wrap="square" lIns="0" tIns="0" rIns="0" bIns="0" rtlCol="0" anchor="t">
+            <a:spAutoFit/>
+          </a:bodyPr>
+          <a:lstStyle/>
+          <a:p>
+            <a:pPr>
+              <a:lnSpc>
+                <a:spcPts val="5545"/>
+              </a:lnSpc>
+            </a:pPr>
+            <a:r>
+              <a:rPr lang="en-US" sz="4000" b="1" dirty="0" err="1">
+                <a:solidFill>
+                  <a:srgbClr val="227C9D"/>
+                </a:solidFill>
+                <a:latin typeface="Times New Roman" panose="02020603050405020304" pitchFamily="18" charset="0"/>
+                <a:cs typeface="Times New Roman" panose="02020603050405020304" pitchFamily="18" charset="0"/>
+              </a:rPr>
+              <a:t>Chương</a:t>
+            </a:r>
+            <a:r>
+              <a:rPr lang="en-US" sz="4000" b="1" dirty="0">
+                <a:solidFill>
+                  <a:srgbClr val="227C9D"/>
+                </a:solidFill>
+                <a:latin typeface="Times New Roman" panose="02020603050405020304" pitchFamily="18" charset="0"/>
+                <a:cs typeface="Times New Roman" panose="02020603050405020304" pitchFamily="18" charset="0"/>
+              </a:rPr>
+              <a:t> </a:t>
+            </a:r>
+            <a:r>
+              <a:rPr lang="en-US" sz="4000" b="1" dirty="0" smtClean="0">
+                <a:solidFill>
+                  <a:srgbClr val="227C9D"/>
+                </a:solidFill>
+                <a:latin typeface="Times New Roman" panose="02020603050405020304" pitchFamily="18" charset="0"/>
+                <a:cs typeface="Times New Roman" panose="02020603050405020304" pitchFamily="18" charset="0"/>
+              </a:rPr>
+              <a:t>3: </a:t>
+            </a:r>
+            <a:r>
+              <a:rPr lang="en-US" sz="4000" b="1" dirty="0" err="1" smtClean="0">
+                <a:solidFill>
+                  <a:srgbClr val="227C9D"/>
+                </a:solidFill>
+                <a:latin typeface="Times New Roman" panose="02020603050405020304" pitchFamily="18" charset="0"/>
+                <a:cs typeface="Times New Roman" panose="02020603050405020304" pitchFamily="18" charset="0"/>
+              </a:rPr>
+              <a:t>Mô</a:t>
+            </a:r>
+            <a:r>
+              <a:rPr lang="en-US" sz="4000" b="1" dirty="0" smtClean="0">
+                <a:solidFill>
+                  <a:srgbClr val="227C9D"/>
+                </a:solidFill>
+                <a:latin typeface="Times New Roman" panose="02020603050405020304" pitchFamily="18" charset="0"/>
+                <a:cs typeface="Times New Roman" panose="02020603050405020304" pitchFamily="18" charset="0"/>
+              </a:rPr>
+              <a:t> </a:t>
+            </a:r>
+            <a:r>
+              <a:rPr lang="en-US" sz="4000" b="1" dirty="0" err="1">
+                <a:solidFill>
+                  <a:srgbClr val="227C9D"/>
+                </a:solidFill>
+                <a:latin typeface="Times New Roman" panose="02020603050405020304" pitchFamily="18" charset="0"/>
+                <a:cs typeface="Times New Roman" panose="02020603050405020304" pitchFamily="18" charset="0"/>
+              </a:rPr>
+              <a:t>hình</a:t>
+            </a:r>
+            <a:r>
+              <a:rPr lang="en-US" sz="4000" b="1" dirty="0">
+                <a:solidFill>
+                  <a:srgbClr val="227C9D"/>
+                </a:solidFill>
+                <a:latin typeface="Times New Roman" panose="02020603050405020304" pitchFamily="18" charset="0"/>
+                <a:cs typeface="Times New Roman" panose="02020603050405020304" pitchFamily="18" charset="0"/>
+              </a:rPr>
+              <a:t> </a:t>
+            </a:r>
+            <a:r>
+              <a:rPr lang="en-US" sz="4000" b="1" dirty="0" err="1">
+                <a:solidFill>
+                  <a:srgbClr val="227C9D"/>
+                </a:solidFill>
+                <a:latin typeface="Times New Roman" panose="02020603050405020304" pitchFamily="18" charset="0"/>
+                <a:cs typeface="Times New Roman" panose="02020603050405020304" pitchFamily="18" charset="0"/>
+              </a:rPr>
+              <a:t>kiến</a:t>
+            </a:r>
+            <a:r>
+              <a:rPr lang="en-US" sz="4000" b="1" dirty="0">
+                <a:solidFill>
+                  <a:srgbClr val="227C9D"/>
+                </a:solidFill>
+                <a:latin typeface="Times New Roman" panose="02020603050405020304" pitchFamily="18" charset="0"/>
+                <a:cs typeface="Times New Roman" panose="02020603050405020304" pitchFamily="18" charset="0"/>
+              </a:rPr>
+              <a:t> </a:t>
+            </a:r>
+            <a:r>
+              <a:rPr lang="en-US" sz="4000" b="1" dirty="0" err="1">
+                <a:solidFill>
+                  <a:srgbClr val="227C9D"/>
+                </a:solidFill>
+                <a:latin typeface="Times New Roman" panose="02020603050405020304" pitchFamily="18" charset="0"/>
+                <a:cs typeface="Times New Roman" panose="02020603050405020304" pitchFamily="18" charset="0"/>
+              </a:rPr>
+              <a:t>trúc</a:t>
+            </a:r>
+            <a:r>
+              <a:rPr lang="en-US" sz="4000" b="1" dirty="0">
+                <a:solidFill>
+                  <a:srgbClr val="227C9D"/>
+                </a:solidFill>
+                <a:latin typeface="Times New Roman" panose="02020603050405020304" pitchFamily="18" charset="0"/>
+                <a:cs typeface="Times New Roman" panose="02020603050405020304" pitchFamily="18" charset="0"/>
+              </a:rPr>
+              <a:t> Web API</a:t>
+            </a:r>
+          </a:p>
+          <a:p>
+            <a:pPr>
+              <a:lnSpc>
+                <a:spcPts val="5545"/>
+              </a:lnSpc>
+            </a:pPr>
+            <a:endParaRPr lang="en-US" sz="4000" b="1" dirty="0">
+              <a:solidFill>
+                <a:srgbClr val="227C9D"/>
+              </a:solidFill>
+              <a:latin typeface="Times New Roman" panose="02020603050405020304" pitchFamily="18" charset="0"/>
+              <a:cs typeface="Times New Roman" panose="02020603050405020304" pitchFamily="18" charset="0"/>
+            </a:endParaRPr>
+          </a:p>
+        </p:txBody>
+      </p:sp>
+      <p:sp>
+        <p:nvSpPr>
+          <p:cNvPr id="9" name="Rectangle 8"/>
           <p:cNvSpPr/>
           <p:nvPr/>
         </p:nvSpPr>
         <p:spPr>
           <a:xfrm>
-            <a:off x="630382" y="3113914"/>
-            <a:ext cx="7675418" cy="461665"/>
+            <a:off x="538766" y="1562100"/>
+            <a:ext cx="9595834" cy="523220"/>
           </a:xfrm>
           <a:prstGeom prst="rect">
             <a:avLst/>
@@ -12864,19 +13764,884 @@
           </a:bodyPr>
           <a:lstStyle/>
           <a:p>
-            <a:r>
-              <a:rPr lang="en-US" sz="2400" dirty="0">
-                <a:solidFill>
-                  <a:srgbClr val="0070C0"/>
-                </a:solidFill>
-              </a:rPr>
-              <a:t>https://github.com/hdthinh3105/ClothStore_FE_WebAPI.git</a:t>
-            </a:r>
+            <a:pPr marL="457200" indent="-457200">
+              <a:buFont typeface="Arial" panose="020B0604020202020204" pitchFamily="34" charset="0"/>
+              <a:buChar char="•"/>
+            </a:pPr>
+            <a:r>
+              <a:rPr lang="en-US" sz="2800" b="1" dirty="0" err="1" smtClean="0"/>
+              <a:t>Chấp</a:t>
+            </a:r>
+            <a:r>
+              <a:rPr lang="en-US" sz="2800" b="1" dirty="0" smtClean="0"/>
+              <a:t> </a:t>
+            </a:r>
+            <a:r>
+              <a:rPr lang="en-US" sz="2800" b="1" dirty="0" err="1" smtClean="0"/>
+              <a:t>nhận</a:t>
+            </a:r>
+            <a:r>
+              <a:rPr lang="en-US" sz="2800" b="1" dirty="0" smtClean="0"/>
+              <a:t> port </a:t>
+            </a:r>
+            <a:r>
+              <a:rPr lang="en-US" sz="2800" b="1" dirty="0" err="1" smtClean="0"/>
+              <a:t>từ</a:t>
+            </a:r>
+            <a:r>
+              <a:rPr lang="en-US" sz="2800" b="1" dirty="0" smtClean="0"/>
+              <a:t> front-end </a:t>
+            </a:r>
+            <a:r>
+              <a:rPr lang="en-US" sz="2800" b="1" dirty="0" err="1" smtClean="0"/>
+              <a:t>cho</a:t>
+            </a:r>
+            <a:r>
+              <a:rPr lang="en-US" sz="2800" b="1" dirty="0" smtClean="0"/>
+              <a:t> </a:t>
+            </a:r>
+            <a:r>
+              <a:rPr lang="en-US" sz="2800" b="1" dirty="0" err="1" smtClean="0"/>
+              <a:t>phép</a:t>
+            </a:r>
+            <a:r>
+              <a:rPr lang="en-US" sz="2800" b="1" dirty="0" smtClean="0"/>
+              <a:t> </a:t>
+            </a:r>
+            <a:r>
+              <a:rPr lang="en-US" sz="2800" b="1" dirty="0" err="1" smtClean="0"/>
+              <a:t>truy</a:t>
+            </a:r>
+            <a:r>
+              <a:rPr lang="en-US" sz="2800" b="1" dirty="0" smtClean="0"/>
+              <a:t> </a:t>
+            </a:r>
+            <a:r>
+              <a:rPr lang="en-US" sz="2800" b="1" dirty="0" err="1" smtClean="0"/>
+              <a:t>cập</a:t>
+            </a:r>
+            <a:r>
+              <a:rPr lang="en-US" sz="2800" b="1" dirty="0" smtClean="0"/>
+              <a:t> back-end</a:t>
+            </a:r>
+            <a:endParaRPr lang="en-US" sz="2800" b="1" dirty="0"/>
+          </a:p>
+        </p:txBody>
+      </p:sp>
+      <p:pic>
+        <p:nvPicPr>
+          <p:cNvPr id="4" name="Picture 3"/>
+          <p:cNvPicPr>
+            <a:picLocks noChangeAspect="1"/>
+          </p:cNvPicPr>
+          <p:nvPr/>
+        </p:nvPicPr>
+        <p:blipFill>
+          <a:blip r:embed="rId2"/>
+          <a:stretch>
+            <a:fillRect/>
+          </a:stretch>
+        </p:blipFill>
+        <p:spPr>
+          <a:xfrm>
+            <a:off x="685800" y="2400300"/>
+            <a:ext cx="11205712" cy="4114800"/>
+          </a:xfrm>
+          <a:prstGeom prst="rect">
+            <a:avLst/>
+          </a:prstGeom>
+        </p:spPr>
+      </p:pic>
+    </p:spTree>
+    <p:extLst>
+      <p:ext uri="{BB962C8B-B14F-4D97-AF65-F5344CB8AC3E}">
+        <p14:creationId xmlns:p14="http://schemas.microsoft.com/office/powerpoint/2010/main" val="2164973182"/>
+      </p:ext>
+    </p:extLst>
+  </p:cSld>
+  <p:clrMapOvr>
+    <a:masterClrMapping/>
+  </p:clrMapOvr>
+  <p:timing>
+    <p:tnLst>
+      <p:par>
+        <p:cTn id="1" dur="indefinite" restart="never" nodeType="tmRoot"/>
+      </p:par>
+    </p:tnLst>
+  </p:timing>
+</p:sld>
+</file>
+
+<file path=ppt/slides/slide29.xml><?xml version="1.0" encoding="utf-8"?>
+<p:sld xmlns:a="http://schemas.openxmlformats.org/drawingml/2006/main" xmlns:r="http://schemas.openxmlformats.org/officeDocument/2006/relationships" xmlns:p="http://schemas.openxmlformats.org/presentationml/2006/main">
+  <p:cSld>
+    <p:spTree>
+      <p:nvGrpSpPr>
+        <p:cNvPr id="1" name=""/>
+        <p:cNvGrpSpPr/>
+        <p:nvPr/>
+      </p:nvGrpSpPr>
+      <p:grpSpPr>
+        <a:xfrm>
+          <a:off x="0" y="0"/>
+          <a:ext cx="0" cy="0"/>
+          <a:chOff x="0" y="0"/>
+          <a:chExt cx="0" cy="0"/>
+        </a:xfrm>
+      </p:grpSpPr>
+      <p:sp>
+        <p:nvSpPr>
+          <p:cNvPr id="6" name="TextBox 3"/>
+          <p:cNvSpPr txBox="1"/>
+          <p:nvPr/>
+        </p:nvSpPr>
+        <p:spPr>
+          <a:xfrm>
+            <a:off x="547352" y="336867"/>
+            <a:ext cx="17012670" cy="1410643"/>
+          </a:xfrm>
+          <a:prstGeom prst="rect">
+            <a:avLst/>
+          </a:prstGeom>
+        </p:spPr>
+        <p:txBody>
+          <a:bodyPr wrap="square" lIns="0" tIns="0" rIns="0" bIns="0" rtlCol="0" anchor="t">
+            <a:spAutoFit/>
+          </a:bodyPr>
+          <a:lstStyle/>
+          <a:p>
+            <a:pPr>
+              <a:lnSpc>
+                <a:spcPts val="5545"/>
+              </a:lnSpc>
+            </a:pPr>
+            <a:r>
+              <a:rPr lang="en-US" sz="4000" b="1" dirty="0" err="1">
+                <a:solidFill>
+                  <a:srgbClr val="227C9D"/>
+                </a:solidFill>
+                <a:latin typeface="Times New Roman" panose="02020603050405020304" pitchFamily="18" charset="0"/>
+                <a:cs typeface="Times New Roman" panose="02020603050405020304" pitchFamily="18" charset="0"/>
+              </a:rPr>
+              <a:t>Chương</a:t>
+            </a:r>
+            <a:r>
+              <a:rPr lang="en-US" sz="4000" b="1" dirty="0">
+                <a:solidFill>
+                  <a:srgbClr val="227C9D"/>
+                </a:solidFill>
+                <a:latin typeface="Times New Roman" panose="02020603050405020304" pitchFamily="18" charset="0"/>
+                <a:cs typeface="Times New Roman" panose="02020603050405020304" pitchFamily="18" charset="0"/>
+              </a:rPr>
+              <a:t> </a:t>
+            </a:r>
+            <a:r>
+              <a:rPr lang="en-US" sz="4000" b="1" dirty="0" smtClean="0">
+                <a:solidFill>
+                  <a:srgbClr val="227C9D"/>
+                </a:solidFill>
+                <a:latin typeface="Times New Roman" panose="02020603050405020304" pitchFamily="18" charset="0"/>
+                <a:cs typeface="Times New Roman" panose="02020603050405020304" pitchFamily="18" charset="0"/>
+              </a:rPr>
+              <a:t>3: </a:t>
+            </a:r>
+            <a:r>
+              <a:rPr lang="en-US" sz="4000" b="1" dirty="0" err="1" smtClean="0">
+                <a:solidFill>
+                  <a:srgbClr val="227C9D"/>
+                </a:solidFill>
+                <a:latin typeface="Times New Roman" panose="02020603050405020304" pitchFamily="18" charset="0"/>
+                <a:cs typeface="Times New Roman" panose="02020603050405020304" pitchFamily="18" charset="0"/>
+              </a:rPr>
+              <a:t>Mô</a:t>
+            </a:r>
+            <a:r>
+              <a:rPr lang="en-US" sz="4000" b="1" dirty="0" smtClean="0">
+                <a:solidFill>
+                  <a:srgbClr val="227C9D"/>
+                </a:solidFill>
+                <a:latin typeface="Times New Roman" panose="02020603050405020304" pitchFamily="18" charset="0"/>
+                <a:cs typeface="Times New Roman" panose="02020603050405020304" pitchFamily="18" charset="0"/>
+              </a:rPr>
+              <a:t> </a:t>
+            </a:r>
+            <a:r>
+              <a:rPr lang="en-US" sz="4000" b="1" dirty="0" err="1">
+                <a:solidFill>
+                  <a:srgbClr val="227C9D"/>
+                </a:solidFill>
+                <a:latin typeface="Times New Roman" panose="02020603050405020304" pitchFamily="18" charset="0"/>
+                <a:cs typeface="Times New Roman" panose="02020603050405020304" pitchFamily="18" charset="0"/>
+              </a:rPr>
+              <a:t>hình</a:t>
+            </a:r>
+            <a:r>
+              <a:rPr lang="en-US" sz="4000" b="1" dirty="0">
+                <a:solidFill>
+                  <a:srgbClr val="227C9D"/>
+                </a:solidFill>
+                <a:latin typeface="Times New Roman" panose="02020603050405020304" pitchFamily="18" charset="0"/>
+                <a:cs typeface="Times New Roman" panose="02020603050405020304" pitchFamily="18" charset="0"/>
+              </a:rPr>
+              <a:t> </a:t>
+            </a:r>
+            <a:r>
+              <a:rPr lang="en-US" sz="4000" b="1" dirty="0" err="1">
+                <a:solidFill>
+                  <a:srgbClr val="227C9D"/>
+                </a:solidFill>
+                <a:latin typeface="Times New Roman" panose="02020603050405020304" pitchFamily="18" charset="0"/>
+                <a:cs typeface="Times New Roman" panose="02020603050405020304" pitchFamily="18" charset="0"/>
+              </a:rPr>
+              <a:t>kiến</a:t>
+            </a:r>
+            <a:r>
+              <a:rPr lang="en-US" sz="4000" b="1" dirty="0">
+                <a:solidFill>
+                  <a:srgbClr val="227C9D"/>
+                </a:solidFill>
+                <a:latin typeface="Times New Roman" panose="02020603050405020304" pitchFamily="18" charset="0"/>
+                <a:cs typeface="Times New Roman" panose="02020603050405020304" pitchFamily="18" charset="0"/>
+              </a:rPr>
+              <a:t> </a:t>
+            </a:r>
+            <a:r>
+              <a:rPr lang="en-US" sz="4000" b="1" dirty="0" err="1">
+                <a:solidFill>
+                  <a:srgbClr val="227C9D"/>
+                </a:solidFill>
+                <a:latin typeface="Times New Roman" panose="02020603050405020304" pitchFamily="18" charset="0"/>
+                <a:cs typeface="Times New Roman" panose="02020603050405020304" pitchFamily="18" charset="0"/>
+              </a:rPr>
+              <a:t>trúc</a:t>
+            </a:r>
+            <a:r>
+              <a:rPr lang="en-US" sz="4000" b="1" dirty="0">
+                <a:solidFill>
+                  <a:srgbClr val="227C9D"/>
+                </a:solidFill>
+                <a:latin typeface="Times New Roman" panose="02020603050405020304" pitchFamily="18" charset="0"/>
+                <a:cs typeface="Times New Roman" panose="02020603050405020304" pitchFamily="18" charset="0"/>
+              </a:rPr>
+              <a:t> Web API</a:t>
+            </a:r>
+          </a:p>
+          <a:p>
+            <a:pPr>
+              <a:lnSpc>
+                <a:spcPts val="5545"/>
+              </a:lnSpc>
+            </a:pPr>
+            <a:endParaRPr lang="en-US" sz="4000" b="1" dirty="0">
+              <a:solidFill>
+                <a:srgbClr val="227C9D"/>
+              </a:solidFill>
+              <a:latin typeface="Times New Roman" panose="02020603050405020304" pitchFamily="18" charset="0"/>
+              <a:cs typeface="Times New Roman" panose="02020603050405020304" pitchFamily="18" charset="0"/>
+            </a:endParaRPr>
+          </a:p>
+        </p:txBody>
+      </p:sp>
+      <p:sp>
+        <p:nvSpPr>
+          <p:cNvPr id="9" name="Rectangle 8"/>
+          <p:cNvSpPr/>
+          <p:nvPr/>
+        </p:nvSpPr>
+        <p:spPr>
+          <a:xfrm>
+            <a:off x="538766" y="1562100"/>
+            <a:ext cx="6776434" cy="523220"/>
+          </a:xfrm>
+          <a:prstGeom prst="rect">
+            <a:avLst/>
+          </a:prstGeom>
+        </p:spPr>
+        <p:txBody>
+          <a:bodyPr wrap="square">
+            <a:spAutoFit/>
+          </a:bodyPr>
+          <a:lstStyle/>
+          <a:p>
+            <a:pPr marL="457200" indent="-457200">
+              <a:buFont typeface="Wingdings" panose="05000000000000000000" pitchFamily="2" charset="2"/>
+              <a:buChar char="v"/>
+            </a:pPr>
+            <a:r>
+              <a:rPr lang="en-US" sz="2800" b="1" dirty="0" err="1" smtClean="0"/>
+              <a:t>Phía</a:t>
+            </a:r>
+            <a:r>
+              <a:rPr lang="en-US" sz="2800" b="1" dirty="0" smtClean="0"/>
+              <a:t> User Client - Angular</a:t>
+            </a:r>
+            <a:endParaRPr lang="en-US" sz="2800" b="1" dirty="0"/>
+          </a:p>
+        </p:txBody>
+      </p:sp>
+      <p:pic>
+        <p:nvPicPr>
+          <p:cNvPr id="5" name="Picture 4"/>
+          <p:cNvPicPr>
+            <a:picLocks noChangeAspect="1"/>
+          </p:cNvPicPr>
+          <p:nvPr/>
+        </p:nvPicPr>
+        <p:blipFill>
+          <a:blip r:embed="rId2"/>
+          <a:stretch>
+            <a:fillRect/>
+          </a:stretch>
+        </p:blipFill>
+        <p:spPr>
+          <a:xfrm>
+            <a:off x="838200" y="2324100"/>
+            <a:ext cx="10515600" cy="6890565"/>
+          </a:xfrm>
+          <a:prstGeom prst="rect">
+            <a:avLst/>
+          </a:prstGeom>
+        </p:spPr>
+      </p:pic>
+    </p:spTree>
+    <p:extLst>
+      <p:ext uri="{BB962C8B-B14F-4D97-AF65-F5344CB8AC3E}">
+        <p14:creationId xmlns:p14="http://schemas.microsoft.com/office/powerpoint/2010/main" val="4027024227"/>
+      </p:ext>
+    </p:extLst>
+  </p:cSld>
+  <p:clrMapOvr>
+    <a:masterClrMapping/>
+  </p:clrMapOvr>
+  <p:timing>
+    <p:tnLst>
+      <p:par>
+        <p:cTn id="1" dur="indefinite" restart="never" nodeType="tmRoot"/>
+      </p:par>
+    </p:tnLst>
+  </p:timing>
+</p:sld>
+</file>
+
+<file path=ppt/slides/slide3.xml><?xml version="1.0" encoding="utf-8"?>
+<p:sld xmlns:a="http://schemas.openxmlformats.org/drawingml/2006/main" xmlns:r="http://schemas.openxmlformats.org/officeDocument/2006/relationships" xmlns:p="http://schemas.openxmlformats.org/presentationml/2006/main">
+  <p:cSld>
+    <p:spTree>
+      <p:nvGrpSpPr>
+        <p:cNvPr id="1" name=""/>
+        <p:cNvGrpSpPr/>
+        <p:nvPr/>
+      </p:nvGrpSpPr>
+      <p:grpSpPr>
+        <a:xfrm>
+          <a:off x="0" y="0"/>
+          <a:ext cx="0" cy="0"/>
+          <a:chOff x="0" y="0"/>
+          <a:chExt cx="0" cy="0"/>
+        </a:xfrm>
+      </p:grpSpPr>
+      <p:sp>
+        <p:nvSpPr>
+          <p:cNvPr id="3" name="TextBox 3"/>
+          <p:cNvSpPr txBox="1"/>
+          <p:nvPr/>
+        </p:nvSpPr>
+        <p:spPr>
+          <a:xfrm>
+            <a:off x="1485129" y="1570058"/>
+            <a:ext cx="6967300" cy="656655"/>
+          </a:xfrm>
+          <a:prstGeom prst="rect">
+            <a:avLst/>
+          </a:prstGeom>
+        </p:spPr>
+        <p:txBody>
+          <a:bodyPr lIns="0" tIns="0" rIns="0" bIns="0" rtlCol="0" anchor="t">
+            <a:spAutoFit/>
+          </a:bodyPr>
+          <a:lstStyle/>
+          <a:p>
+            <a:pPr>
+              <a:lnSpc>
+                <a:spcPts val="5545"/>
+              </a:lnSpc>
+            </a:pPr>
+            <a:r>
+              <a:rPr lang="en-US" sz="4000" b="1" dirty="0" err="1" smtClean="0">
+                <a:solidFill>
+                  <a:srgbClr val="227C9D"/>
+                </a:solidFill>
+                <a:latin typeface="Times New Roman" panose="02020603050405020304" pitchFamily="18" charset="0"/>
+                <a:cs typeface="Times New Roman" panose="02020603050405020304" pitchFamily="18" charset="0"/>
+              </a:rPr>
+              <a:t>Lời</a:t>
+            </a:r>
+            <a:r>
+              <a:rPr lang="en-US" sz="4000" b="1" dirty="0" smtClean="0">
+                <a:solidFill>
+                  <a:srgbClr val="227C9D"/>
+                </a:solidFill>
+                <a:latin typeface="Times New Roman" panose="02020603050405020304" pitchFamily="18" charset="0"/>
+                <a:cs typeface="Times New Roman" panose="02020603050405020304" pitchFamily="18" charset="0"/>
+              </a:rPr>
+              <a:t> </a:t>
+            </a:r>
+            <a:r>
+              <a:rPr lang="en-US" sz="4000" b="1" dirty="0" err="1" smtClean="0">
+                <a:solidFill>
+                  <a:srgbClr val="227C9D"/>
+                </a:solidFill>
+                <a:latin typeface="Times New Roman" panose="02020603050405020304" pitchFamily="18" charset="0"/>
+                <a:cs typeface="Times New Roman" panose="02020603050405020304" pitchFamily="18" charset="0"/>
+              </a:rPr>
+              <a:t>mở</a:t>
+            </a:r>
+            <a:r>
+              <a:rPr lang="en-US" sz="4000" b="1" dirty="0" smtClean="0">
+                <a:solidFill>
+                  <a:srgbClr val="227C9D"/>
+                </a:solidFill>
+                <a:latin typeface="Times New Roman" panose="02020603050405020304" pitchFamily="18" charset="0"/>
+                <a:cs typeface="Times New Roman" panose="02020603050405020304" pitchFamily="18" charset="0"/>
+              </a:rPr>
+              <a:t> </a:t>
+            </a:r>
+            <a:r>
+              <a:rPr lang="en-US" sz="4000" b="1" dirty="0" err="1" smtClean="0">
+                <a:solidFill>
+                  <a:srgbClr val="227C9D"/>
+                </a:solidFill>
+                <a:latin typeface="Times New Roman" panose="02020603050405020304" pitchFamily="18" charset="0"/>
+                <a:cs typeface="Times New Roman" panose="02020603050405020304" pitchFamily="18" charset="0"/>
+              </a:rPr>
+              <a:t>đầu</a:t>
+            </a:r>
+            <a:endParaRPr lang="en-US" sz="4000" b="1" dirty="0">
+              <a:solidFill>
+                <a:srgbClr val="227C9D"/>
+              </a:solidFill>
+              <a:latin typeface="Times New Roman" panose="02020603050405020304" pitchFamily="18" charset="0"/>
+              <a:cs typeface="Times New Roman" panose="02020603050405020304" pitchFamily="18" charset="0"/>
+            </a:endParaRPr>
+          </a:p>
+        </p:txBody>
+      </p:sp>
+      <p:grpSp>
+        <p:nvGrpSpPr>
+          <p:cNvPr id="4" name="Group 4"/>
+          <p:cNvGrpSpPr/>
+          <p:nvPr/>
+        </p:nvGrpSpPr>
+        <p:grpSpPr>
+          <a:xfrm rot="2700000">
+            <a:off x="-2693793" y="7510422"/>
+            <a:ext cx="7415398" cy="3565095"/>
+            <a:chOff x="0" y="0"/>
+            <a:chExt cx="660400" cy="317500"/>
+          </a:xfrm>
+        </p:grpSpPr>
+        <p:sp>
+          <p:nvSpPr>
+            <p:cNvPr id="5" name="Freeform 5"/>
+            <p:cNvSpPr/>
+            <p:nvPr/>
+          </p:nvSpPr>
+          <p:spPr>
+            <a:xfrm>
+              <a:off x="0" y="0"/>
+              <a:ext cx="660400" cy="317500"/>
+            </a:xfrm>
+            <a:custGeom>
+              <a:avLst/>
+              <a:gdLst/>
+              <a:ahLst/>
+              <a:cxnLst/>
+              <a:rect l="l" t="t" r="r" b="b"/>
+              <a:pathLst>
+                <a:path w="660400" h="317500">
+                  <a:moveTo>
+                    <a:pt x="220252" y="19070"/>
+                  </a:moveTo>
+                  <a:cubicBezTo>
+                    <a:pt x="254000" y="7556"/>
+                    <a:pt x="292600" y="0"/>
+                    <a:pt x="330378" y="0"/>
+                  </a:cubicBezTo>
+                  <a:cubicBezTo>
+                    <a:pt x="368157" y="0"/>
+                    <a:pt x="404509" y="6476"/>
+                    <a:pt x="438009" y="17990"/>
+                  </a:cubicBezTo>
+                  <a:cubicBezTo>
+                    <a:pt x="438723" y="18350"/>
+                    <a:pt x="439435" y="18350"/>
+                    <a:pt x="440148" y="18710"/>
+                  </a:cubicBezTo>
+                  <a:cubicBezTo>
+                    <a:pt x="565955" y="64765"/>
+                    <a:pt x="658618" y="186379"/>
+                    <a:pt x="660400" y="317500"/>
+                  </a:cubicBezTo>
+                  <a:lnTo>
+                    <a:pt x="660400" y="317500"/>
+                  </a:lnTo>
+                  <a:lnTo>
+                    <a:pt x="0" y="317500"/>
+                  </a:lnTo>
+                  <a:lnTo>
+                    <a:pt x="0" y="317500"/>
+                  </a:lnTo>
+                  <a:cubicBezTo>
+                    <a:pt x="1782" y="185660"/>
+                    <a:pt x="93019" y="64045"/>
+                    <a:pt x="220252" y="19070"/>
+                  </a:cubicBezTo>
+                  <a:close/>
+                </a:path>
+              </a:pathLst>
+            </a:custGeom>
+            <a:solidFill>
+              <a:srgbClr val="000000">
+                <a:alpha val="0"/>
+              </a:srgbClr>
+            </a:solidFill>
+            <a:ln w="28575" cap="sq">
+              <a:solidFill>
+                <a:srgbClr val="8CA9AD"/>
+              </a:solidFill>
+              <a:prstDash val="solid"/>
+              <a:miter/>
+            </a:ln>
+          </p:spPr>
+        </p:sp>
+        <p:sp>
+          <p:nvSpPr>
+            <p:cNvPr id="6" name="TextBox 6"/>
+            <p:cNvSpPr txBox="1"/>
+            <p:nvPr/>
+          </p:nvSpPr>
+          <p:spPr>
+            <a:xfrm>
+              <a:off x="0" y="146050"/>
+              <a:ext cx="660400" cy="171450"/>
+            </a:xfrm>
+            <a:prstGeom prst="rect">
+              <a:avLst/>
+            </a:prstGeom>
+          </p:spPr>
+          <p:txBody>
+            <a:bodyPr lIns="50800" tIns="50800" rIns="50800" bIns="50800" rtlCol="0" anchor="ctr"/>
+            <a:lstStyle/>
+            <a:p>
+              <a:pPr algn="ctr">
+                <a:lnSpc>
+                  <a:spcPts val="2555"/>
+                </a:lnSpc>
+              </a:pPr>
+              <a:endParaRPr/>
+            </a:p>
+          </p:txBody>
+        </p:sp>
+      </p:grpSp>
+      <p:grpSp>
+        <p:nvGrpSpPr>
+          <p:cNvPr id="19" name="Group 19"/>
+          <p:cNvGrpSpPr/>
+          <p:nvPr/>
+        </p:nvGrpSpPr>
+        <p:grpSpPr>
+          <a:xfrm rot="-2700000">
+            <a:off x="14034654" y="-4091495"/>
+            <a:ext cx="7415398" cy="3565095"/>
+            <a:chOff x="0" y="0"/>
+            <a:chExt cx="660400" cy="317500"/>
+          </a:xfrm>
+        </p:grpSpPr>
+        <p:sp>
+          <p:nvSpPr>
+            <p:cNvPr id="20" name="Freeform 20"/>
+            <p:cNvSpPr/>
+            <p:nvPr/>
+          </p:nvSpPr>
+          <p:spPr>
+            <a:xfrm>
+              <a:off x="0" y="0"/>
+              <a:ext cx="660400" cy="317500"/>
+            </a:xfrm>
+            <a:custGeom>
+              <a:avLst/>
+              <a:gdLst/>
+              <a:ahLst/>
+              <a:cxnLst/>
+              <a:rect l="l" t="t" r="r" b="b"/>
+              <a:pathLst>
+                <a:path w="660400" h="317500">
+                  <a:moveTo>
+                    <a:pt x="220252" y="19070"/>
+                  </a:moveTo>
+                  <a:cubicBezTo>
+                    <a:pt x="254000" y="7556"/>
+                    <a:pt x="292600" y="0"/>
+                    <a:pt x="330378" y="0"/>
+                  </a:cubicBezTo>
+                  <a:cubicBezTo>
+                    <a:pt x="368157" y="0"/>
+                    <a:pt x="404509" y="6476"/>
+                    <a:pt x="438009" y="17990"/>
+                  </a:cubicBezTo>
+                  <a:cubicBezTo>
+                    <a:pt x="438723" y="18350"/>
+                    <a:pt x="439435" y="18350"/>
+                    <a:pt x="440148" y="18710"/>
+                  </a:cubicBezTo>
+                  <a:cubicBezTo>
+                    <a:pt x="565955" y="64765"/>
+                    <a:pt x="658618" y="186379"/>
+                    <a:pt x="660400" y="317500"/>
+                  </a:cubicBezTo>
+                  <a:lnTo>
+                    <a:pt x="660400" y="317500"/>
+                  </a:lnTo>
+                  <a:lnTo>
+                    <a:pt x="0" y="317500"/>
+                  </a:lnTo>
+                  <a:lnTo>
+                    <a:pt x="0" y="317500"/>
+                  </a:lnTo>
+                  <a:cubicBezTo>
+                    <a:pt x="1782" y="185660"/>
+                    <a:pt x="93019" y="64045"/>
+                    <a:pt x="220252" y="19070"/>
+                  </a:cubicBezTo>
+                  <a:close/>
+                </a:path>
+              </a:pathLst>
+            </a:custGeom>
+            <a:solidFill>
+              <a:srgbClr val="000000">
+                <a:alpha val="0"/>
+              </a:srgbClr>
+            </a:solidFill>
+            <a:ln w="28575" cap="sq">
+              <a:solidFill>
+                <a:srgbClr val="8CA9AD"/>
+              </a:solidFill>
+              <a:prstDash val="solid"/>
+              <a:miter/>
+            </a:ln>
+          </p:spPr>
+        </p:sp>
+        <p:sp>
+          <p:nvSpPr>
+            <p:cNvPr id="21" name="TextBox 21"/>
+            <p:cNvSpPr txBox="1"/>
+            <p:nvPr/>
+          </p:nvSpPr>
+          <p:spPr>
+            <a:xfrm>
+              <a:off x="0" y="146050"/>
+              <a:ext cx="660400" cy="171450"/>
+            </a:xfrm>
+            <a:prstGeom prst="rect">
+              <a:avLst/>
+            </a:prstGeom>
+          </p:spPr>
+          <p:txBody>
+            <a:bodyPr lIns="50800" tIns="50800" rIns="50800" bIns="50800" rtlCol="0" anchor="ctr"/>
+            <a:lstStyle/>
+            <a:p>
+              <a:pPr algn="ctr">
+                <a:lnSpc>
+                  <a:spcPts val="2555"/>
+                </a:lnSpc>
+              </a:pPr>
+              <a:endParaRPr/>
+            </a:p>
+          </p:txBody>
+        </p:sp>
+      </p:grpSp>
+      <p:sp>
+        <p:nvSpPr>
+          <p:cNvPr id="22" name="AutoShape 22"/>
+          <p:cNvSpPr/>
+          <p:nvPr/>
+        </p:nvSpPr>
+        <p:spPr>
+          <a:xfrm flipV="1">
+            <a:off x="16779354" y="-3323851"/>
+            <a:ext cx="5132702" cy="5185216"/>
+          </a:xfrm>
+          <a:prstGeom prst="line">
+            <a:avLst/>
+          </a:prstGeom>
+          <a:ln w="28575" cap="flat">
+            <a:solidFill>
+              <a:srgbClr val="8CA9AD"/>
+            </a:solidFill>
+            <a:prstDash val="solid"/>
+            <a:headEnd type="none" w="sm" len="sm"/>
+            <a:tailEnd type="none" w="sm" len="sm"/>
+          </a:ln>
+        </p:spPr>
+      </p:sp>
+      <p:sp>
+        <p:nvSpPr>
+          <p:cNvPr id="23" name="AutoShape 23"/>
+          <p:cNvSpPr/>
+          <p:nvPr/>
+        </p:nvSpPr>
+        <p:spPr>
+          <a:xfrm flipV="1">
+            <a:off x="17092031" y="-2963542"/>
+            <a:ext cx="5038853" cy="5038853"/>
+          </a:xfrm>
+          <a:prstGeom prst="line">
+            <a:avLst/>
+          </a:prstGeom>
+          <a:ln w="28575" cap="flat">
+            <a:solidFill>
+              <a:srgbClr val="8CA9AD"/>
+            </a:solidFill>
+            <a:prstDash val="solid"/>
+            <a:headEnd type="none" w="sm" len="sm"/>
+            <a:tailEnd type="none" w="sm" len="sm"/>
+          </a:ln>
+        </p:spPr>
+      </p:sp>
+      <p:sp>
+        <p:nvSpPr>
+          <p:cNvPr id="24" name="AutoShape 24"/>
+          <p:cNvSpPr/>
+          <p:nvPr/>
+        </p:nvSpPr>
+        <p:spPr>
+          <a:xfrm flipV="1">
+            <a:off x="17450501" y="-2612228"/>
+            <a:ext cx="4867141" cy="4867141"/>
+          </a:xfrm>
+          <a:prstGeom prst="line">
+            <a:avLst/>
+          </a:prstGeom>
+          <a:ln w="28575" cap="flat">
+            <a:solidFill>
+              <a:srgbClr val="8CA9AD"/>
+            </a:solidFill>
+            <a:prstDash val="solid"/>
+            <a:headEnd type="none" w="sm" len="sm"/>
+            <a:tailEnd type="none" w="sm" len="sm"/>
+          </a:ln>
+        </p:spPr>
+      </p:sp>
+      <p:sp>
+        <p:nvSpPr>
+          <p:cNvPr id="25" name="AutoShape 25"/>
+          <p:cNvSpPr/>
+          <p:nvPr/>
+        </p:nvSpPr>
+        <p:spPr>
+          <a:xfrm flipV="1">
+            <a:off x="17836769" y="-2308948"/>
+            <a:ext cx="4690515" cy="4690515"/>
+          </a:xfrm>
+          <a:prstGeom prst="line">
+            <a:avLst/>
+          </a:prstGeom>
+          <a:ln w="28575" cap="flat">
+            <a:solidFill>
+              <a:srgbClr val="8CA9AD"/>
+            </a:solidFill>
+            <a:prstDash val="solid"/>
+            <a:headEnd type="none" w="sm" len="sm"/>
+            <a:tailEnd type="none" w="sm" len="sm"/>
+          </a:ln>
+        </p:spPr>
+      </p:sp>
+      <p:sp>
+        <p:nvSpPr>
+          <p:cNvPr id="26" name="AutoShape 26"/>
+          <p:cNvSpPr/>
+          <p:nvPr/>
+        </p:nvSpPr>
+        <p:spPr>
+          <a:xfrm flipV="1">
+            <a:off x="18276445" y="-1822252"/>
+            <a:ext cx="4347674" cy="4347674"/>
+          </a:xfrm>
+          <a:prstGeom prst="line">
+            <a:avLst/>
+          </a:prstGeom>
+          <a:ln w="28575" cap="flat">
+            <a:solidFill>
+              <a:srgbClr val="8CA9AD"/>
+            </a:solidFill>
+            <a:prstDash val="solid"/>
+            <a:headEnd type="none" w="sm" len="sm"/>
+            <a:tailEnd type="none" w="sm" len="sm"/>
+          </a:ln>
+        </p:spPr>
+      </p:sp>
+      <p:sp>
+        <p:nvSpPr>
+          <p:cNvPr id="27" name="TextBox 27"/>
+          <p:cNvSpPr txBox="1"/>
+          <p:nvPr/>
+        </p:nvSpPr>
+        <p:spPr>
+          <a:xfrm>
+            <a:off x="1485129" y="2508104"/>
+            <a:ext cx="15507471" cy="369332"/>
+          </a:xfrm>
+          <a:prstGeom prst="rect">
+            <a:avLst/>
+          </a:prstGeom>
+        </p:spPr>
+        <p:txBody>
+          <a:bodyPr wrap="square" lIns="0" tIns="0" rIns="0" bIns="0" rtlCol="0" anchor="t">
+            <a:spAutoFit/>
+          </a:bodyPr>
+          <a:lstStyle/>
+          <a:p>
             <a:endParaRPr lang="en-US" sz="2400" dirty="0">
               <a:solidFill>
-                <a:srgbClr val="0070C0"/>
+                <a:srgbClr val="545454"/>
               </a:solidFill>
+              <a:latin typeface="Times New Roman" panose="02020603050405020304" pitchFamily="18" charset="0"/>
+              <a:cs typeface="Times New Roman" panose="02020603050405020304" pitchFamily="18" charset="0"/>
             </a:endParaRPr>
+          </a:p>
+        </p:txBody>
+      </p:sp>
+      <p:sp>
+        <p:nvSpPr>
+          <p:cNvPr id="2" name="Rectangle 1"/>
+          <p:cNvSpPr/>
+          <p:nvPr/>
+        </p:nvSpPr>
+        <p:spPr>
+          <a:xfrm>
+            <a:off x="1371599" y="2525422"/>
+            <a:ext cx="15720431" cy="2248693"/>
+          </a:xfrm>
+          <a:prstGeom prst="rect">
+            <a:avLst/>
+          </a:prstGeom>
+        </p:spPr>
+        <p:txBody>
+          <a:bodyPr wrap="square">
+            <a:spAutoFit/>
+          </a:bodyPr>
+          <a:lstStyle/>
+          <a:p>
+            <a:pPr>
+              <a:lnSpc>
+                <a:spcPct val="150000"/>
+              </a:lnSpc>
+            </a:pPr>
+            <a:r>
+              <a:rPr lang="vi-VN" sz="2400" dirty="0"/>
+              <a:t>Mô hình Model-View-Controller (MVC) là một mẫu kiến ​​trúc phân tách một ứng dụng thành ba thành phần logic chính Model, View và Controller. Do đó viết tắt MVC. Mỗi thành phần kiến ​​trúc được xây dựng để xử lý khía cạnh phát triển cụ thể của một ứng dụng. MVC tách lớp logic nghiệp vụ và lớp hiển thị ra riêng biệt. Ngày nay, kiến ​​trúc MVC đã trở nên phổ biến để thiết kế các ứng dụng web cũng như ứng dụng di động.</a:t>
+            </a:r>
+            <a:endParaRPr lang="en-US" sz="2400" dirty="0"/>
           </a:p>
         </p:txBody>
       </p:sp>
@@ -12895,7 +14660,1714 @@
 </p:sld>
 </file>
 
-<file path=ppt/slides/slide26.xml><?xml version="1.0" encoding="utf-8"?>
+<file path=ppt/slides/slide30.xml><?xml version="1.0" encoding="utf-8"?>
+<p:sld xmlns:a="http://schemas.openxmlformats.org/drawingml/2006/main" xmlns:r="http://schemas.openxmlformats.org/officeDocument/2006/relationships" xmlns:p="http://schemas.openxmlformats.org/presentationml/2006/main">
+  <p:cSld>
+    <p:spTree>
+      <p:nvGrpSpPr>
+        <p:cNvPr id="1" name=""/>
+        <p:cNvGrpSpPr/>
+        <p:nvPr/>
+      </p:nvGrpSpPr>
+      <p:grpSpPr>
+        <a:xfrm>
+          <a:off x="0" y="0"/>
+          <a:ext cx="0" cy="0"/>
+          <a:chOff x="0" y="0"/>
+          <a:chExt cx="0" cy="0"/>
+        </a:xfrm>
+      </p:grpSpPr>
+      <p:sp>
+        <p:nvSpPr>
+          <p:cNvPr id="6" name="TextBox 3"/>
+          <p:cNvSpPr txBox="1"/>
+          <p:nvPr/>
+        </p:nvSpPr>
+        <p:spPr>
+          <a:xfrm>
+            <a:off x="609600" y="336867"/>
+            <a:ext cx="17012670" cy="1410643"/>
+          </a:xfrm>
+          <a:prstGeom prst="rect">
+            <a:avLst/>
+          </a:prstGeom>
+        </p:spPr>
+        <p:txBody>
+          <a:bodyPr wrap="square" lIns="0" tIns="0" rIns="0" bIns="0" rtlCol="0" anchor="t">
+            <a:spAutoFit/>
+          </a:bodyPr>
+          <a:lstStyle/>
+          <a:p>
+            <a:pPr>
+              <a:lnSpc>
+                <a:spcPts val="5545"/>
+              </a:lnSpc>
+            </a:pPr>
+            <a:r>
+              <a:rPr lang="en-US" sz="4000" b="1" dirty="0" err="1">
+                <a:solidFill>
+                  <a:srgbClr val="227C9D"/>
+                </a:solidFill>
+                <a:latin typeface="Times New Roman" panose="02020603050405020304" pitchFamily="18" charset="0"/>
+                <a:cs typeface="Times New Roman" panose="02020603050405020304" pitchFamily="18" charset="0"/>
+              </a:rPr>
+              <a:t>Chương</a:t>
+            </a:r>
+            <a:r>
+              <a:rPr lang="en-US" sz="4000" b="1" dirty="0">
+                <a:solidFill>
+                  <a:srgbClr val="227C9D"/>
+                </a:solidFill>
+                <a:latin typeface="Times New Roman" panose="02020603050405020304" pitchFamily="18" charset="0"/>
+                <a:cs typeface="Times New Roman" panose="02020603050405020304" pitchFamily="18" charset="0"/>
+              </a:rPr>
+              <a:t> </a:t>
+            </a:r>
+            <a:r>
+              <a:rPr lang="en-US" sz="4000" b="1" dirty="0" smtClean="0">
+                <a:solidFill>
+                  <a:srgbClr val="227C9D"/>
+                </a:solidFill>
+                <a:latin typeface="Times New Roman" panose="02020603050405020304" pitchFamily="18" charset="0"/>
+                <a:cs typeface="Times New Roman" panose="02020603050405020304" pitchFamily="18" charset="0"/>
+              </a:rPr>
+              <a:t>3: </a:t>
+            </a:r>
+            <a:r>
+              <a:rPr lang="en-US" sz="4000" b="1" dirty="0" err="1" smtClean="0">
+                <a:solidFill>
+                  <a:srgbClr val="227C9D"/>
+                </a:solidFill>
+                <a:latin typeface="Times New Roman" panose="02020603050405020304" pitchFamily="18" charset="0"/>
+                <a:cs typeface="Times New Roman" panose="02020603050405020304" pitchFamily="18" charset="0"/>
+              </a:rPr>
+              <a:t>Mô</a:t>
+            </a:r>
+            <a:r>
+              <a:rPr lang="en-US" sz="4000" b="1" dirty="0" smtClean="0">
+                <a:solidFill>
+                  <a:srgbClr val="227C9D"/>
+                </a:solidFill>
+                <a:latin typeface="Times New Roman" panose="02020603050405020304" pitchFamily="18" charset="0"/>
+                <a:cs typeface="Times New Roman" panose="02020603050405020304" pitchFamily="18" charset="0"/>
+              </a:rPr>
+              <a:t> </a:t>
+            </a:r>
+            <a:r>
+              <a:rPr lang="en-US" sz="4000" b="1" dirty="0" err="1">
+                <a:solidFill>
+                  <a:srgbClr val="227C9D"/>
+                </a:solidFill>
+                <a:latin typeface="Times New Roman" panose="02020603050405020304" pitchFamily="18" charset="0"/>
+                <a:cs typeface="Times New Roman" panose="02020603050405020304" pitchFamily="18" charset="0"/>
+              </a:rPr>
+              <a:t>hình</a:t>
+            </a:r>
+            <a:r>
+              <a:rPr lang="en-US" sz="4000" b="1" dirty="0">
+                <a:solidFill>
+                  <a:srgbClr val="227C9D"/>
+                </a:solidFill>
+                <a:latin typeface="Times New Roman" panose="02020603050405020304" pitchFamily="18" charset="0"/>
+                <a:cs typeface="Times New Roman" panose="02020603050405020304" pitchFamily="18" charset="0"/>
+              </a:rPr>
+              <a:t> </a:t>
+            </a:r>
+            <a:r>
+              <a:rPr lang="en-US" sz="4000" b="1" dirty="0" err="1">
+                <a:solidFill>
+                  <a:srgbClr val="227C9D"/>
+                </a:solidFill>
+                <a:latin typeface="Times New Roman" panose="02020603050405020304" pitchFamily="18" charset="0"/>
+                <a:cs typeface="Times New Roman" panose="02020603050405020304" pitchFamily="18" charset="0"/>
+              </a:rPr>
+              <a:t>kiến</a:t>
+            </a:r>
+            <a:r>
+              <a:rPr lang="en-US" sz="4000" b="1" dirty="0">
+                <a:solidFill>
+                  <a:srgbClr val="227C9D"/>
+                </a:solidFill>
+                <a:latin typeface="Times New Roman" panose="02020603050405020304" pitchFamily="18" charset="0"/>
+                <a:cs typeface="Times New Roman" panose="02020603050405020304" pitchFamily="18" charset="0"/>
+              </a:rPr>
+              <a:t> </a:t>
+            </a:r>
+            <a:r>
+              <a:rPr lang="en-US" sz="4000" b="1" dirty="0" err="1">
+                <a:solidFill>
+                  <a:srgbClr val="227C9D"/>
+                </a:solidFill>
+                <a:latin typeface="Times New Roman" panose="02020603050405020304" pitchFamily="18" charset="0"/>
+                <a:cs typeface="Times New Roman" panose="02020603050405020304" pitchFamily="18" charset="0"/>
+              </a:rPr>
+              <a:t>trúc</a:t>
+            </a:r>
+            <a:r>
+              <a:rPr lang="en-US" sz="4000" b="1" dirty="0">
+                <a:solidFill>
+                  <a:srgbClr val="227C9D"/>
+                </a:solidFill>
+                <a:latin typeface="Times New Roman" panose="02020603050405020304" pitchFamily="18" charset="0"/>
+                <a:cs typeface="Times New Roman" panose="02020603050405020304" pitchFamily="18" charset="0"/>
+              </a:rPr>
+              <a:t> Web API</a:t>
+            </a:r>
+          </a:p>
+          <a:p>
+            <a:pPr>
+              <a:lnSpc>
+                <a:spcPts val="5545"/>
+              </a:lnSpc>
+            </a:pPr>
+            <a:endParaRPr lang="en-US" sz="4000" b="1" dirty="0">
+              <a:solidFill>
+                <a:srgbClr val="227C9D"/>
+              </a:solidFill>
+              <a:latin typeface="Times New Roman" panose="02020603050405020304" pitchFamily="18" charset="0"/>
+              <a:cs typeface="Times New Roman" panose="02020603050405020304" pitchFamily="18" charset="0"/>
+            </a:endParaRPr>
+          </a:p>
+        </p:txBody>
+      </p:sp>
+      <p:sp>
+        <p:nvSpPr>
+          <p:cNvPr id="7" name="Rectangle 6"/>
+          <p:cNvSpPr/>
+          <p:nvPr/>
+        </p:nvSpPr>
+        <p:spPr>
+          <a:xfrm>
+            <a:off x="609600" y="1224290"/>
+            <a:ext cx="6776434" cy="523220"/>
+          </a:xfrm>
+          <a:prstGeom prst="rect">
+            <a:avLst/>
+          </a:prstGeom>
+        </p:spPr>
+        <p:txBody>
+          <a:bodyPr wrap="square">
+            <a:spAutoFit/>
+          </a:bodyPr>
+          <a:lstStyle/>
+          <a:p>
+            <a:pPr marL="457200" indent="-457200">
+              <a:buFont typeface="Wingdings" panose="05000000000000000000" pitchFamily="2" charset="2"/>
+              <a:buChar char="§"/>
+            </a:pPr>
+            <a:r>
+              <a:rPr lang="en-US" sz="2800" b="1" dirty="0" smtClean="0"/>
+              <a:t>Request API </a:t>
+            </a:r>
+            <a:r>
+              <a:rPr lang="en-US" sz="2800" b="1" dirty="0" err="1" smtClean="0"/>
+              <a:t>đến</a:t>
+            </a:r>
+            <a:r>
+              <a:rPr lang="en-US" sz="2800" b="1" dirty="0" smtClean="0"/>
+              <a:t> Back-end</a:t>
+            </a:r>
+            <a:endParaRPr lang="en-US" sz="2800" b="1" dirty="0"/>
+          </a:p>
+        </p:txBody>
+      </p:sp>
+      <p:pic>
+        <p:nvPicPr>
+          <p:cNvPr id="5" name="Picture 4"/>
+          <p:cNvPicPr>
+            <a:picLocks noChangeAspect="1"/>
+          </p:cNvPicPr>
+          <p:nvPr/>
+        </p:nvPicPr>
+        <p:blipFill>
+          <a:blip r:embed="rId2"/>
+          <a:stretch>
+            <a:fillRect/>
+          </a:stretch>
+        </p:blipFill>
+        <p:spPr>
+          <a:xfrm>
+            <a:off x="609600" y="4407690"/>
+            <a:ext cx="10896599" cy="3392770"/>
+          </a:xfrm>
+          <a:prstGeom prst="rect">
+            <a:avLst/>
+          </a:prstGeom>
+        </p:spPr>
+      </p:pic>
+      <p:pic>
+        <p:nvPicPr>
+          <p:cNvPr id="8" name="Picture 7"/>
+          <p:cNvPicPr>
+            <a:picLocks noChangeAspect="1"/>
+          </p:cNvPicPr>
+          <p:nvPr/>
+        </p:nvPicPr>
+        <p:blipFill>
+          <a:blip r:embed="rId3"/>
+          <a:stretch>
+            <a:fillRect/>
+          </a:stretch>
+        </p:blipFill>
+        <p:spPr>
+          <a:xfrm>
+            <a:off x="12268200" y="4407690"/>
+            <a:ext cx="5562600" cy="5476360"/>
+          </a:xfrm>
+          <a:prstGeom prst="rect">
+            <a:avLst/>
+          </a:prstGeom>
+        </p:spPr>
+      </p:pic>
+      <p:sp>
+        <p:nvSpPr>
+          <p:cNvPr id="10" name="TextBox 9"/>
+          <p:cNvSpPr txBox="1"/>
+          <p:nvPr/>
+        </p:nvSpPr>
+        <p:spPr>
+          <a:xfrm>
+            <a:off x="3916251" y="2307274"/>
+            <a:ext cx="12593070" cy="492443"/>
+          </a:xfrm>
+          <a:prstGeom prst="rect">
+            <a:avLst/>
+          </a:prstGeom>
+          <a:noFill/>
+        </p:spPr>
+        <p:txBody>
+          <a:bodyPr wrap="square" rtlCol="0">
+            <a:spAutoFit/>
+          </a:bodyPr>
+          <a:lstStyle/>
+          <a:p>
+            <a:r>
+              <a:rPr lang="en-US" sz="2600" dirty="0" err="1" smtClean="0"/>
+              <a:t>Tạo</a:t>
+            </a:r>
+            <a:r>
+              <a:rPr lang="en-US" sz="2600" dirty="0" smtClean="0"/>
+              <a:t> model customer </a:t>
+            </a:r>
+            <a:r>
+              <a:rPr lang="en-US" sz="2600" dirty="0" err="1" smtClean="0"/>
+              <a:t>chứa</a:t>
+            </a:r>
+            <a:r>
+              <a:rPr lang="en-US" sz="2600" dirty="0" smtClean="0"/>
+              <a:t> </a:t>
+            </a:r>
+            <a:r>
+              <a:rPr lang="en-US" sz="2600" dirty="0" err="1" smtClean="0"/>
+              <a:t>các</a:t>
+            </a:r>
+            <a:r>
+              <a:rPr lang="en-US" sz="2600" dirty="0" smtClean="0"/>
+              <a:t> </a:t>
+            </a:r>
+            <a:r>
+              <a:rPr lang="en-US" sz="2600" dirty="0" err="1" smtClean="0"/>
+              <a:t>thông</a:t>
+            </a:r>
+            <a:r>
+              <a:rPr lang="en-US" sz="2600" dirty="0" smtClean="0"/>
+              <a:t> tin </a:t>
+            </a:r>
+            <a:r>
+              <a:rPr lang="en-US" sz="2600" dirty="0" err="1" smtClean="0"/>
+              <a:t>sau</a:t>
+            </a:r>
+            <a:r>
+              <a:rPr lang="en-US" sz="2600" dirty="0" smtClean="0"/>
+              <a:t> </a:t>
+            </a:r>
+            <a:r>
+              <a:rPr lang="en-US" sz="2600" dirty="0" err="1" smtClean="0"/>
+              <a:t>và</a:t>
+            </a:r>
+            <a:r>
+              <a:rPr lang="en-US" sz="2600" dirty="0" smtClean="0"/>
+              <a:t> </a:t>
+            </a:r>
+            <a:r>
+              <a:rPr lang="en-US" sz="2600" dirty="0" err="1" smtClean="0"/>
+              <a:t>truyền</a:t>
+            </a:r>
+            <a:r>
+              <a:rPr lang="en-US" sz="2600" dirty="0" smtClean="0"/>
+              <a:t> </a:t>
+            </a:r>
+            <a:r>
+              <a:rPr lang="en-US" sz="2600" dirty="0" err="1" smtClean="0"/>
+              <a:t>dữ</a:t>
+            </a:r>
+            <a:r>
+              <a:rPr lang="en-US" sz="2600" dirty="0" smtClean="0"/>
+              <a:t> </a:t>
+            </a:r>
+            <a:r>
+              <a:rPr lang="en-US" sz="2600" dirty="0" err="1" smtClean="0"/>
+              <a:t>liệu</a:t>
+            </a:r>
+            <a:r>
+              <a:rPr lang="en-US" sz="2600" dirty="0" smtClean="0"/>
+              <a:t> </a:t>
+            </a:r>
+            <a:r>
+              <a:rPr lang="en-US" sz="2600" dirty="0" err="1" smtClean="0"/>
+              <a:t>là</a:t>
+            </a:r>
+            <a:r>
+              <a:rPr lang="en-US" sz="2600" dirty="0" smtClean="0"/>
+              <a:t> </a:t>
+            </a:r>
+            <a:r>
+              <a:rPr lang="en-US" sz="2600" dirty="0" err="1" smtClean="0"/>
+              <a:t>một</a:t>
+            </a:r>
+            <a:r>
+              <a:rPr lang="en-US" sz="2600" dirty="0" smtClean="0"/>
+              <a:t> object </a:t>
+            </a:r>
+            <a:r>
+              <a:rPr lang="en-US" sz="2600" dirty="0" err="1" smtClean="0"/>
+              <a:t>đến</a:t>
+            </a:r>
+            <a:r>
+              <a:rPr lang="en-US" sz="2600" dirty="0" smtClean="0"/>
+              <a:t> Back-end</a:t>
+            </a:r>
+            <a:endParaRPr lang="en-US" sz="2600" dirty="0"/>
+          </a:p>
+        </p:txBody>
+      </p:sp>
+      <p:sp>
+        <p:nvSpPr>
+          <p:cNvPr id="12" name="Freeform 11"/>
+          <p:cNvSpPr/>
+          <p:nvPr/>
+        </p:nvSpPr>
+        <p:spPr>
+          <a:xfrm>
+            <a:off x="6477912" y="3072341"/>
+            <a:ext cx="7469747" cy="2359115"/>
+          </a:xfrm>
+          <a:custGeom>
+            <a:avLst/>
+            <a:gdLst>
+              <a:gd name="connsiteX0" fmla="*/ 7469747 w 7469747"/>
+              <a:gd name="connsiteY0" fmla="*/ 908125 h 2359115"/>
+              <a:gd name="connsiteX1" fmla="*/ 5640947 w 7469747"/>
+              <a:gd name="connsiteY1" fmla="*/ 45241 h 2359115"/>
+              <a:gd name="connsiteX2" fmla="*/ 669702 w 7469747"/>
+              <a:gd name="connsiteY2" fmla="*/ 2144497 h 2359115"/>
+              <a:gd name="connsiteX3" fmla="*/ 0 w 7469747"/>
+              <a:gd name="connsiteY3" fmla="*/ 2324801 h 2359115"/>
+            </a:gdLst>
+            <a:ahLst/>
+            <a:cxnLst>
+              <a:cxn ang="0">
+                <a:pos x="connsiteX0" y="connsiteY0"/>
+              </a:cxn>
+              <a:cxn ang="0">
+                <a:pos x="connsiteX1" y="connsiteY1"/>
+              </a:cxn>
+              <a:cxn ang="0">
+                <a:pos x="connsiteX2" y="connsiteY2"/>
+              </a:cxn>
+              <a:cxn ang="0">
+                <a:pos x="connsiteX3" y="connsiteY3"/>
+              </a:cxn>
+            </a:cxnLst>
+            <a:rect l="l" t="t" r="r" b="b"/>
+            <a:pathLst>
+              <a:path w="7469747" h="2359115">
+                <a:moveTo>
+                  <a:pt x="7469747" y="908125"/>
+                </a:moveTo>
+                <a:cubicBezTo>
+                  <a:pt x="7122017" y="373652"/>
+                  <a:pt x="6774288" y="-160821"/>
+                  <a:pt x="5640947" y="45241"/>
+                </a:cubicBezTo>
+                <a:cubicBezTo>
+                  <a:pt x="4507606" y="251303"/>
+                  <a:pt x="1609860" y="1764570"/>
+                  <a:pt x="669702" y="2144497"/>
+                </a:cubicBezTo>
+                <a:cubicBezTo>
+                  <a:pt x="-270456" y="2524424"/>
+                  <a:pt x="118056" y="2273286"/>
+                  <a:pt x="0" y="2324801"/>
+                </a:cubicBezTo>
+              </a:path>
+            </a:pathLst>
+          </a:custGeom>
+          <a:noFill/>
+        </p:spPr>
+        <p:style>
+          <a:lnRef idx="2">
+            <a:schemeClr val="accent1">
+              <a:shade val="50000"/>
+            </a:schemeClr>
+          </a:lnRef>
+          <a:fillRef idx="1">
+            <a:schemeClr val="accent1"/>
+          </a:fillRef>
+          <a:effectRef idx="0">
+            <a:schemeClr val="accent1"/>
+          </a:effectRef>
+          <a:fontRef idx="minor">
+            <a:schemeClr val="lt1"/>
+          </a:fontRef>
+        </p:style>
+        <p:txBody>
+          <a:bodyPr rtlCol="0" anchor="ctr"/>
+          <a:lstStyle/>
+          <a:p>
+            <a:pPr algn="ctr"/>
+            <a:endParaRPr lang="en-US"/>
+          </a:p>
+        </p:txBody>
+      </p:sp>
+      <p:cxnSp>
+        <p:nvCxnSpPr>
+          <p:cNvPr id="14" name="Straight Connector 13"/>
+          <p:cNvCxnSpPr/>
+          <p:nvPr/>
+        </p:nvCxnSpPr>
+        <p:spPr>
+          <a:xfrm flipV="1">
+            <a:off x="6477912" y="4914900"/>
+            <a:ext cx="303888" cy="516556"/>
+          </a:xfrm>
+          <a:prstGeom prst="line">
+            <a:avLst/>
+          </a:prstGeom>
+        </p:spPr>
+        <p:style>
+          <a:lnRef idx="1">
+            <a:schemeClr val="accent1"/>
+          </a:lnRef>
+          <a:fillRef idx="0">
+            <a:schemeClr val="accent1"/>
+          </a:fillRef>
+          <a:effectRef idx="0">
+            <a:schemeClr val="accent1"/>
+          </a:effectRef>
+          <a:fontRef idx="minor">
+            <a:schemeClr val="tx1"/>
+          </a:fontRef>
+        </p:style>
+      </p:cxnSp>
+      <p:cxnSp>
+        <p:nvCxnSpPr>
+          <p:cNvPr id="16" name="Straight Connector 15"/>
+          <p:cNvCxnSpPr/>
+          <p:nvPr/>
+        </p:nvCxnSpPr>
+        <p:spPr>
+          <a:xfrm>
+            <a:off x="6629856" y="5431456"/>
+            <a:ext cx="532944" cy="0"/>
+          </a:xfrm>
+          <a:prstGeom prst="line">
+            <a:avLst/>
+          </a:prstGeom>
+        </p:spPr>
+        <p:style>
+          <a:lnRef idx="1">
+            <a:schemeClr val="accent1"/>
+          </a:lnRef>
+          <a:fillRef idx="0">
+            <a:schemeClr val="accent1"/>
+          </a:fillRef>
+          <a:effectRef idx="0">
+            <a:schemeClr val="accent1"/>
+          </a:effectRef>
+          <a:fontRef idx="minor">
+            <a:schemeClr val="tx1"/>
+          </a:fontRef>
+        </p:style>
+      </p:cxnSp>
+      <p:sp>
+        <p:nvSpPr>
+          <p:cNvPr id="17" name="TextBox 16"/>
+          <p:cNvSpPr txBox="1"/>
+          <p:nvPr/>
+        </p:nvSpPr>
+        <p:spPr>
+          <a:xfrm>
+            <a:off x="11689994" y="3355483"/>
+            <a:ext cx="2255519" cy="369332"/>
+          </a:xfrm>
+          <a:prstGeom prst="rect">
+            <a:avLst/>
+          </a:prstGeom>
+          <a:noFill/>
+        </p:spPr>
+        <p:txBody>
+          <a:bodyPr wrap="square" rtlCol="0">
+            <a:spAutoFit/>
+          </a:bodyPr>
+          <a:lstStyle/>
+          <a:p>
+            <a:r>
+              <a:rPr lang="en-US" dirty="0" smtClean="0"/>
+              <a:t>Object request</a:t>
+            </a:r>
+            <a:endParaRPr lang="en-US" dirty="0"/>
+          </a:p>
+        </p:txBody>
+      </p:sp>
+    </p:spTree>
+    <p:extLst>
+      <p:ext uri="{BB962C8B-B14F-4D97-AF65-F5344CB8AC3E}">
+        <p14:creationId xmlns:p14="http://schemas.microsoft.com/office/powerpoint/2010/main" val="381668794"/>
+      </p:ext>
+    </p:extLst>
+  </p:cSld>
+  <p:clrMapOvr>
+    <a:masterClrMapping/>
+  </p:clrMapOvr>
+  <p:timing>
+    <p:tnLst>
+      <p:par>
+        <p:cTn id="1" dur="indefinite" restart="never" nodeType="tmRoot"/>
+      </p:par>
+    </p:tnLst>
+  </p:timing>
+</p:sld>
+</file>
+
+<file path=ppt/slides/slide31.xml><?xml version="1.0" encoding="utf-8"?>
+<p:sld xmlns:a="http://schemas.openxmlformats.org/drawingml/2006/main" xmlns:r="http://schemas.openxmlformats.org/officeDocument/2006/relationships" xmlns:p="http://schemas.openxmlformats.org/presentationml/2006/main">
+  <p:cSld>
+    <p:spTree>
+      <p:nvGrpSpPr>
+        <p:cNvPr id="1" name=""/>
+        <p:cNvGrpSpPr/>
+        <p:nvPr/>
+      </p:nvGrpSpPr>
+      <p:grpSpPr>
+        <a:xfrm>
+          <a:off x="0" y="0"/>
+          <a:ext cx="0" cy="0"/>
+          <a:chOff x="0" y="0"/>
+          <a:chExt cx="0" cy="0"/>
+        </a:xfrm>
+      </p:grpSpPr>
+      <p:sp>
+        <p:nvSpPr>
+          <p:cNvPr id="6" name="TextBox 3"/>
+          <p:cNvSpPr txBox="1"/>
+          <p:nvPr/>
+        </p:nvSpPr>
+        <p:spPr>
+          <a:xfrm>
+            <a:off x="609600" y="336867"/>
+            <a:ext cx="17012670" cy="649217"/>
+          </a:xfrm>
+          <a:prstGeom prst="rect">
+            <a:avLst/>
+          </a:prstGeom>
+        </p:spPr>
+        <p:txBody>
+          <a:bodyPr wrap="square" lIns="0" tIns="0" rIns="0" bIns="0" rtlCol="0" anchor="t">
+            <a:spAutoFit/>
+          </a:bodyPr>
+          <a:lstStyle/>
+          <a:p>
+            <a:pPr>
+              <a:lnSpc>
+                <a:spcPts val="5545"/>
+              </a:lnSpc>
+            </a:pPr>
+            <a:r>
+              <a:rPr lang="en-US" sz="4000" b="1" dirty="0" err="1">
+                <a:solidFill>
+                  <a:srgbClr val="227C9D"/>
+                </a:solidFill>
+                <a:latin typeface="Times New Roman" panose="02020603050405020304" pitchFamily="18" charset="0"/>
+                <a:cs typeface="Times New Roman" panose="02020603050405020304" pitchFamily="18" charset="0"/>
+              </a:rPr>
+              <a:t>Chương</a:t>
+            </a:r>
+            <a:r>
+              <a:rPr lang="en-US" sz="4000" b="1" dirty="0">
+                <a:solidFill>
+                  <a:srgbClr val="227C9D"/>
+                </a:solidFill>
+                <a:latin typeface="Times New Roman" panose="02020603050405020304" pitchFamily="18" charset="0"/>
+                <a:cs typeface="Times New Roman" panose="02020603050405020304" pitchFamily="18" charset="0"/>
+              </a:rPr>
+              <a:t> </a:t>
+            </a:r>
+            <a:r>
+              <a:rPr lang="en-US" sz="4000" b="1" dirty="0" smtClean="0">
+                <a:solidFill>
+                  <a:srgbClr val="227C9D"/>
+                </a:solidFill>
+                <a:latin typeface="Times New Roman" panose="02020603050405020304" pitchFamily="18" charset="0"/>
+                <a:cs typeface="Times New Roman" panose="02020603050405020304" pitchFamily="18" charset="0"/>
+              </a:rPr>
+              <a:t>4: </a:t>
+            </a:r>
+            <a:r>
+              <a:rPr lang="en-US" sz="4000" b="1" dirty="0" err="1" smtClean="0">
+                <a:solidFill>
+                  <a:srgbClr val="227C9D"/>
+                </a:solidFill>
+                <a:latin typeface="Times New Roman" panose="02020603050405020304" pitchFamily="18" charset="0"/>
+                <a:cs typeface="Times New Roman" panose="02020603050405020304" pitchFamily="18" charset="0"/>
+              </a:rPr>
+              <a:t>Đánh</a:t>
+            </a:r>
+            <a:r>
+              <a:rPr lang="en-US" sz="4000" b="1" dirty="0" smtClean="0">
+                <a:solidFill>
+                  <a:srgbClr val="227C9D"/>
+                </a:solidFill>
+                <a:latin typeface="Times New Roman" panose="02020603050405020304" pitchFamily="18" charset="0"/>
+                <a:cs typeface="Times New Roman" panose="02020603050405020304" pitchFamily="18" charset="0"/>
+              </a:rPr>
+              <a:t> </a:t>
+            </a:r>
+            <a:r>
+              <a:rPr lang="en-US" sz="4000" b="1" dirty="0" err="1" smtClean="0">
+                <a:solidFill>
+                  <a:srgbClr val="227C9D"/>
+                </a:solidFill>
+                <a:latin typeface="Times New Roman" panose="02020603050405020304" pitchFamily="18" charset="0"/>
+                <a:cs typeface="Times New Roman" panose="02020603050405020304" pitchFamily="18" charset="0"/>
+              </a:rPr>
+              <a:t>giá</a:t>
+            </a:r>
+            <a:r>
+              <a:rPr lang="en-US" sz="4000" b="1" dirty="0" smtClean="0">
+                <a:solidFill>
+                  <a:srgbClr val="227C9D"/>
+                </a:solidFill>
+                <a:latin typeface="Times New Roman" panose="02020603050405020304" pitchFamily="18" charset="0"/>
+                <a:cs typeface="Times New Roman" panose="02020603050405020304" pitchFamily="18" charset="0"/>
+              </a:rPr>
+              <a:t> </a:t>
+            </a:r>
+            <a:r>
+              <a:rPr lang="en-US" sz="4000" b="1" dirty="0" err="1" smtClean="0">
+                <a:solidFill>
+                  <a:srgbClr val="227C9D"/>
+                </a:solidFill>
+                <a:latin typeface="Times New Roman" panose="02020603050405020304" pitchFamily="18" charset="0"/>
+                <a:cs typeface="Times New Roman" panose="02020603050405020304" pitchFamily="18" charset="0"/>
+              </a:rPr>
+              <a:t>mô</a:t>
+            </a:r>
+            <a:r>
+              <a:rPr lang="en-US" sz="4000" b="1" dirty="0" smtClean="0">
+                <a:solidFill>
+                  <a:srgbClr val="227C9D"/>
+                </a:solidFill>
+                <a:latin typeface="Times New Roman" panose="02020603050405020304" pitchFamily="18" charset="0"/>
+                <a:cs typeface="Times New Roman" panose="02020603050405020304" pitchFamily="18" charset="0"/>
+              </a:rPr>
+              <a:t> </a:t>
+            </a:r>
+            <a:r>
+              <a:rPr lang="en-US" sz="4000" b="1" dirty="0" err="1" smtClean="0">
+                <a:solidFill>
+                  <a:srgbClr val="227C9D"/>
+                </a:solidFill>
+                <a:latin typeface="Times New Roman" panose="02020603050405020304" pitchFamily="18" charset="0"/>
+                <a:cs typeface="Times New Roman" panose="02020603050405020304" pitchFamily="18" charset="0"/>
+              </a:rPr>
+              <a:t>hình</a:t>
+            </a:r>
+            <a:endParaRPr lang="en-US" sz="4000" b="1" dirty="0">
+              <a:solidFill>
+                <a:srgbClr val="227C9D"/>
+              </a:solidFill>
+              <a:latin typeface="Times New Roman" panose="02020603050405020304" pitchFamily="18" charset="0"/>
+              <a:cs typeface="Times New Roman" panose="02020603050405020304" pitchFamily="18" charset="0"/>
+            </a:endParaRPr>
+          </a:p>
+        </p:txBody>
+      </p:sp>
+      <p:pic>
+        <p:nvPicPr>
+          <p:cNvPr id="1026" name="Picture 2" descr="Levántate ilegal escribir web api vs mvc performance objetivo Aparentemente  Sombra"/>
+          <p:cNvPicPr>
+            <a:picLocks noChangeAspect="1" noChangeArrowheads="1"/>
+          </p:cNvPicPr>
+          <p:nvPr/>
+        </p:nvPicPr>
+        <p:blipFill>
+          <a:blip r:embed="rId2" cstate="print">
+            <a:extLst>
+              <a:ext uri="{28A0092B-C50C-407E-A947-70E740481C1C}">
+                <a14:useLocalDpi xmlns:a14="http://schemas.microsoft.com/office/drawing/2010/main" val="0"/>
+              </a:ext>
+            </a:extLst>
+          </a:blip>
+          <a:srcRect/>
+          <a:stretch>
+            <a:fillRect/>
+          </a:stretch>
+        </p:blipFill>
+        <p:spPr bwMode="auto">
+          <a:xfrm>
+            <a:off x="1143000" y="2781300"/>
+            <a:ext cx="10697240" cy="5051425"/>
+          </a:xfrm>
+          <a:prstGeom prst="rect">
+            <a:avLst/>
+          </a:prstGeom>
+          <a:noFill/>
+          <a:extLst>
+            <a:ext uri="{909E8E84-426E-40DD-AFC4-6F175D3DCCD1}">
+              <a14:hiddenFill xmlns:a14="http://schemas.microsoft.com/office/drawing/2010/main">
+                <a:solidFill>
+                  <a:srgbClr val="FFFFFF"/>
+                </a:solidFill>
+              </a14:hiddenFill>
+            </a:ext>
+          </a:extLst>
+        </p:spPr>
+      </p:pic>
+      <p:sp>
+        <p:nvSpPr>
+          <p:cNvPr id="2" name="TextBox 1"/>
+          <p:cNvSpPr txBox="1"/>
+          <p:nvPr/>
+        </p:nvSpPr>
+        <p:spPr>
+          <a:xfrm>
+            <a:off x="1554481" y="1790700"/>
+            <a:ext cx="5913119" cy="523220"/>
+          </a:xfrm>
+          <a:prstGeom prst="rect">
+            <a:avLst/>
+          </a:prstGeom>
+          <a:noFill/>
+        </p:spPr>
+        <p:txBody>
+          <a:bodyPr wrap="square" rtlCol="0">
+            <a:spAutoFit/>
+          </a:bodyPr>
+          <a:lstStyle/>
+          <a:p>
+            <a:r>
+              <a:rPr lang="en-US" sz="2800" dirty="0" smtClean="0"/>
+              <a:t>MVC </a:t>
+            </a:r>
+            <a:r>
+              <a:rPr lang="en-US" sz="2800" dirty="0" err="1" smtClean="0"/>
+              <a:t>và</a:t>
+            </a:r>
+            <a:r>
+              <a:rPr lang="en-US" sz="2800" dirty="0" smtClean="0"/>
+              <a:t> API </a:t>
+            </a:r>
+            <a:r>
+              <a:rPr lang="en-US" sz="2800" dirty="0" err="1" smtClean="0"/>
+              <a:t>điểm</a:t>
+            </a:r>
+            <a:r>
+              <a:rPr lang="en-US" sz="2800" dirty="0" smtClean="0"/>
+              <a:t> </a:t>
+            </a:r>
+            <a:r>
+              <a:rPr lang="en-US" sz="2800" dirty="0" err="1" smtClean="0"/>
+              <a:t>khác</a:t>
+            </a:r>
+            <a:r>
+              <a:rPr lang="en-US" sz="2800" dirty="0" smtClean="0"/>
+              <a:t> </a:t>
+            </a:r>
+            <a:r>
+              <a:rPr lang="en-US" sz="2800" dirty="0" err="1" smtClean="0"/>
+              <a:t>biệt</a:t>
+            </a:r>
+            <a:endParaRPr lang="en-US" sz="2800" dirty="0"/>
+          </a:p>
+        </p:txBody>
+      </p:sp>
+    </p:spTree>
+  </p:cSld>
+  <p:clrMapOvr>
+    <a:masterClrMapping/>
+  </p:clrMapOvr>
+  <p:timing>
+    <p:tnLst>
+      <p:par>
+        <p:cTn id="1" dur="indefinite" restart="never" nodeType="tmRoot"/>
+      </p:par>
+    </p:tnLst>
+  </p:timing>
+</p:sld>
+</file>
+
+<file path=ppt/slides/slide32.xml><?xml version="1.0" encoding="utf-8"?>
+<p:sld xmlns:a="http://schemas.openxmlformats.org/drawingml/2006/main" xmlns:r="http://schemas.openxmlformats.org/officeDocument/2006/relationships" xmlns:p="http://schemas.openxmlformats.org/presentationml/2006/main">
+  <p:cSld>
+    <p:spTree>
+      <p:nvGrpSpPr>
+        <p:cNvPr id="1" name=""/>
+        <p:cNvGrpSpPr/>
+        <p:nvPr/>
+      </p:nvGrpSpPr>
+      <p:grpSpPr>
+        <a:xfrm>
+          <a:off x="0" y="0"/>
+          <a:ext cx="0" cy="0"/>
+          <a:chOff x="0" y="0"/>
+          <a:chExt cx="0" cy="0"/>
+        </a:xfrm>
+      </p:grpSpPr>
+      <p:sp>
+        <p:nvSpPr>
+          <p:cNvPr id="6" name="TextBox 3"/>
+          <p:cNvSpPr txBox="1"/>
+          <p:nvPr/>
+        </p:nvSpPr>
+        <p:spPr>
+          <a:xfrm>
+            <a:off x="609600" y="336867"/>
+            <a:ext cx="17012670" cy="649217"/>
+          </a:xfrm>
+          <a:prstGeom prst="rect">
+            <a:avLst/>
+          </a:prstGeom>
+        </p:spPr>
+        <p:txBody>
+          <a:bodyPr wrap="square" lIns="0" tIns="0" rIns="0" bIns="0" rtlCol="0" anchor="t">
+            <a:spAutoFit/>
+          </a:bodyPr>
+          <a:lstStyle/>
+          <a:p>
+            <a:pPr>
+              <a:lnSpc>
+                <a:spcPts val="5545"/>
+              </a:lnSpc>
+            </a:pPr>
+            <a:r>
+              <a:rPr lang="en-US" sz="4000" b="1" dirty="0" err="1">
+                <a:solidFill>
+                  <a:srgbClr val="227C9D"/>
+                </a:solidFill>
+                <a:latin typeface="Times New Roman" panose="02020603050405020304" pitchFamily="18" charset="0"/>
+                <a:cs typeface="Times New Roman" panose="02020603050405020304" pitchFamily="18" charset="0"/>
+              </a:rPr>
+              <a:t>Chương</a:t>
+            </a:r>
+            <a:r>
+              <a:rPr lang="en-US" sz="4000" b="1" dirty="0">
+                <a:solidFill>
+                  <a:srgbClr val="227C9D"/>
+                </a:solidFill>
+                <a:latin typeface="Times New Roman" panose="02020603050405020304" pitchFamily="18" charset="0"/>
+                <a:cs typeface="Times New Roman" panose="02020603050405020304" pitchFamily="18" charset="0"/>
+              </a:rPr>
+              <a:t> </a:t>
+            </a:r>
+            <a:r>
+              <a:rPr lang="en-US" sz="4000" b="1" dirty="0" smtClean="0">
+                <a:solidFill>
+                  <a:srgbClr val="227C9D"/>
+                </a:solidFill>
+                <a:latin typeface="Times New Roman" panose="02020603050405020304" pitchFamily="18" charset="0"/>
+                <a:cs typeface="Times New Roman" panose="02020603050405020304" pitchFamily="18" charset="0"/>
+              </a:rPr>
+              <a:t>4: </a:t>
+            </a:r>
+            <a:r>
+              <a:rPr lang="en-US" sz="4000" b="1" dirty="0" err="1" smtClean="0">
+                <a:solidFill>
+                  <a:srgbClr val="227C9D"/>
+                </a:solidFill>
+                <a:latin typeface="Times New Roman" panose="02020603050405020304" pitchFamily="18" charset="0"/>
+                <a:cs typeface="Times New Roman" panose="02020603050405020304" pitchFamily="18" charset="0"/>
+              </a:rPr>
+              <a:t>Đánh</a:t>
+            </a:r>
+            <a:r>
+              <a:rPr lang="en-US" sz="4000" b="1" dirty="0" smtClean="0">
+                <a:solidFill>
+                  <a:srgbClr val="227C9D"/>
+                </a:solidFill>
+                <a:latin typeface="Times New Roman" panose="02020603050405020304" pitchFamily="18" charset="0"/>
+                <a:cs typeface="Times New Roman" panose="02020603050405020304" pitchFamily="18" charset="0"/>
+              </a:rPr>
+              <a:t> </a:t>
+            </a:r>
+            <a:r>
+              <a:rPr lang="en-US" sz="4000" b="1" dirty="0" err="1" smtClean="0">
+                <a:solidFill>
+                  <a:srgbClr val="227C9D"/>
+                </a:solidFill>
+                <a:latin typeface="Times New Roman" panose="02020603050405020304" pitchFamily="18" charset="0"/>
+                <a:cs typeface="Times New Roman" panose="02020603050405020304" pitchFamily="18" charset="0"/>
+              </a:rPr>
+              <a:t>giá</a:t>
+            </a:r>
+            <a:r>
+              <a:rPr lang="en-US" sz="4000" b="1" dirty="0" smtClean="0">
+                <a:solidFill>
+                  <a:srgbClr val="227C9D"/>
+                </a:solidFill>
+                <a:latin typeface="Times New Roman" panose="02020603050405020304" pitchFamily="18" charset="0"/>
+                <a:cs typeface="Times New Roman" panose="02020603050405020304" pitchFamily="18" charset="0"/>
+              </a:rPr>
+              <a:t> </a:t>
+            </a:r>
+            <a:r>
+              <a:rPr lang="en-US" sz="4000" b="1" dirty="0" err="1" smtClean="0">
+                <a:solidFill>
+                  <a:srgbClr val="227C9D"/>
+                </a:solidFill>
+                <a:latin typeface="Times New Roman" panose="02020603050405020304" pitchFamily="18" charset="0"/>
+                <a:cs typeface="Times New Roman" panose="02020603050405020304" pitchFamily="18" charset="0"/>
+              </a:rPr>
+              <a:t>mô</a:t>
+            </a:r>
+            <a:r>
+              <a:rPr lang="en-US" sz="4000" b="1" dirty="0" smtClean="0">
+                <a:solidFill>
+                  <a:srgbClr val="227C9D"/>
+                </a:solidFill>
+                <a:latin typeface="Times New Roman" panose="02020603050405020304" pitchFamily="18" charset="0"/>
+                <a:cs typeface="Times New Roman" panose="02020603050405020304" pitchFamily="18" charset="0"/>
+              </a:rPr>
+              <a:t> </a:t>
+            </a:r>
+            <a:r>
+              <a:rPr lang="en-US" sz="4000" b="1" dirty="0" err="1" smtClean="0">
+                <a:solidFill>
+                  <a:srgbClr val="227C9D"/>
+                </a:solidFill>
+                <a:latin typeface="Times New Roman" panose="02020603050405020304" pitchFamily="18" charset="0"/>
+                <a:cs typeface="Times New Roman" panose="02020603050405020304" pitchFamily="18" charset="0"/>
+              </a:rPr>
+              <a:t>hình</a:t>
+            </a:r>
+            <a:endParaRPr lang="en-US" sz="4000" b="1" dirty="0">
+              <a:solidFill>
+                <a:srgbClr val="227C9D"/>
+              </a:solidFill>
+              <a:latin typeface="Times New Roman" panose="02020603050405020304" pitchFamily="18" charset="0"/>
+              <a:cs typeface="Times New Roman" panose="02020603050405020304" pitchFamily="18" charset="0"/>
+            </a:endParaRPr>
+          </a:p>
+        </p:txBody>
+      </p:sp>
+      <p:sp>
+        <p:nvSpPr>
+          <p:cNvPr id="2" name="TextBox 1"/>
+          <p:cNvSpPr txBox="1"/>
+          <p:nvPr/>
+        </p:nvSpPr>
+        <p:spPr>
+          <a:xfrm>
+            <a:off x="609600" y="1790700"/>
+            <a:ext cx="13914119" cy="3693319"/>
+          </a:xfrm>
+          <a:prstGeom prst="rect">
+            <a:avLst/>
+          </a:prstGeom>
+          <a:noFill/>
+        </p:spPr>
+        <p:txBody>
+          <a:bodyPr wrap="square" rtlCol="0">
+            <a:spAutoFit/>
+          </a:bodyPr>
+          <a:lstStyle/>
+          <a:p>
+            <a:pPr>
+              <a:lnSpc>
+                <a:spcPct val="150000"/>
+              </a:lnSpc>
+            </a:pPr>
+            <a:r>
+              <a:rPr lang="vi-VN" sz="2600" b="1" dirty="0"/>
+              <a:t>Web MVC</a:t>
+            </a:r>
+            <a:r>
+              <a:rPr lang="vi-VN" sz="2600" dirty="0"/>
+              <a:t>: Được sử dụng để xây dựng các ứng dụng web tương tác, nơi mà người dùng có thể tương tác trực tiếp với giao diện người dùng</a:t>
+            </a:r>
+            <a:r>
+              <a:rPr lang="vi-VN" sz="2600" dirty="0" smtClean="0"/>
+              <a:t>.</a:t>
+            </a:r>
+            <a:endParaRPr lang="en-US" sz="2600" dirty="0" smtClean="0"/>
+          </a:p>
+          <a:p>
+            <a:pPr>
+              <a:lnSpc>
+                <a:spcPct val="150000"/>
+              </a:lnSpc>
+            </a:pPr>
+            <a:endParaRPr lang="vi-VN" sz="2600" dirty="0"/>
+          </a:p>
+          <a:p>
+            <a:pPr>
+              <a:lnSpc>
+                <a:spcPct val="150000"/>
+              </a:lnSpc>
+            </a:pPr>
+            <a:r>
+              <a:rPr lang="vi-VN" sz="2600" b="1" dirty="0"/>
+              <a:t>API</a:t>
+            </a:r>
+            <a:r>
+              <a:rPr lang="vi-VN" sz="2600" dirty="0"/>
+              <a:t>: Thường được sử dụng để cung cấp các dịch vụ và dữ liệu cho các ứng dụng khác, bao gồm cả các ứng dụng di động và các ứng dụng web khác.</a:t>
+            </a:r>
+          </a:p>
+          <a:p>
+            <a:pPr>
+              <a:lnSpc>
+                <a:spcPct val="150000"/>
+              </a:lnSpc>
+            </a:pPr>
+            <a:endParaRPr lang="en-US" sz="2600" dirty="0"/>
+          </a:p>
+        </p:txBody>
+      </p:sp>
+    </p:spTree>
+    <p:extLst>
+      <p:ext uri="{BB962C8B-B14F-4D97-AF65-F5344CB8AC3E}">
+        <p14:creationId xmlns:p14="http://schemas.microsoft.com/office/powerpoint/2010/main" val="291181461"/>
+      </p:ext>
+    </p:extLst>
+  </p:cSld>
+  <p:clrMapOvr>
+    <a:masterClrMapping/>
+  </p:clrMapOvr>
+  <p:timing>
+    <p:tnLst>
+      <p:par>
+        <p:cTn id="1" dur="indefinite" restart="never" nodeType="tmRoot"/>
+      </p:par>
+    </p:tnLst>
+  </p:timing>
+</p:sld>
+</file>
+
+<file path=ppt/slides/slide33.xml><?xml version="1.0" encoding="utf-8"?>
+<p:sld xmlns:a="http://schemas.openxmlformats.org/drawingml/2006/main" xmlns:r="http://schemas.openxmlformats.org/officeDocument/2006/relationships" xmlns:p="http://schemas.openxmlformats.org/presentationml/2006/main">
+  <p:cSld>
+    <p:spTree>
+      <p:nvGrpSpPr>
+        <p:cNvPr id="1" name=""/>
+        <p:cNvGrpSpPr/>
+        <p:nvPr/>
+      </p:nvGrpSpPr>
+      <p:grpSpPr>
+        <a:xfrm>
+          <a:off x="0" y="0"/>
+          <a:ext cx="0" cy="0"/>
+          <a:chOff x="0" y="0"/>
+          <a:chExt cx="0" cy="0"/>
+        </a:xfrm>
+      </p:grpSpPr>
+      <p:sp>
+        <p:nvSpPr>
+          <p:cNvPr id="6" name="TextBox 3"/>
+          <p:cNvSpPr txBox="1"/>
+          <p:nvPr/>
+        </p:nvSpPr>
+        <p:spPr>
+          <a:xfrm>
+            <a:off x="609600" y="336867"/>
+            <a:ext cx="17012670" cy="649217"/>
+          </a:xfrm>
+          <a:prstGeom prst="rect">
+            <a:avLst/>
+          </a:prstGeom>
+        </p:spPr>
+        <p:txBody>
+          <a:bodyPr wrap="square" lIns="0" tIns="0" rIns="0" bIns="0" rtlCol="0" anchor="t">
+            <a:spAutoFit/>
+          </a:bodyPr>
+          <a:lstStyle/>
+          <a:p>
+            <a:pPr>
+              <a:lnSpc>
+                <a:spcPts val="5545"/>
+              </a:lnSpc>
+            </a:pPr>
+            <a:r>
+              <a:rPr lang="en-US" sz="4000" b="1" dirty="0" err="1">
+                <a:solidFill>
+                  <a:srgbClr val="227C9D"/>
+                </a:solidFill>
+                <a:latin typeface="Times New Roman" panose="02020603050405020304" pitchFamily="18" charset="0"/>
+                <a:cs typeface="Times New Roman" panose="02020603050405020304" pitchFamily="18" charset="0"/>
+              </a:rPr>
+              <a:t>Chương</a:t>
+            </a:r>
+            <a:r>
+              <a:rPr lang="en-US" sz="4000" b="1" dirty="0">
+                <a:solidFill>
+                  <a:srgbClr val="227C9D"/>
+                </a:solidFill>
+                <a:latin typeface="Times New Roman" panose="02020603050405020304" pitchFamily="18" charset="0"/>
+                <a:cs typeface="Times New Roman" panose="02020603050405020304" pitchFamily="18" charset="0"/>
+              </a:rPr>
+              <a:t> </a:t>
+            </a:r>
+            <a:r>
+              <a:rPr lang="en-US" sz="4000" b="1" dirty="0" smtClean="0">
+                <a:solidFill>
+                  <a:srgbClr val="227C9D"/>
+                </a:solidFill>
+                <a:latin typeface="Times New Roman" panose="02020603050405020304" pitchFamily="18" charset="0"/>
+                <a:cs typeface="Times New Roman" panose="02020603050405020304" pitchFamily="18" charset="0"/>
+              </a:rPr>
+              <a:t>4: </a:t>
+            </a:r>
+            <a:r>
+              <a:rPr lang="en-US" sz="4000" b="1" dirty="0" err="1" smtClean="0">
+                <a:solidFill>
+                  <a:srgbClr val="227C9D"/>
+                </a:solidFill>
+                <a:latin typeface="Times New Roman" panose="02020603050405020304" pitchFamily="18" charset="0"/>
+                <a:cs typeface="Times New Roman" panose="02020603050405020304" pitchFamily="18" charset="0"/>
+              </a:rPr>
+              <a:t>Đánh</a:t>
+            </a:r>
+            <a:r>
+              <a:rPr lang="en-US" sz="4000" b="1" dirty="0" smtClean="0">
+                <a:solidFill>
+                  <a:srgbClr val="227C9D"/>
+                </a:solidFill>
+                <a:latin typeface="Times New Roman" panose="02020603050405020304" pitchFamily="18" charset="0"/>
+                <a:cs typeface="Times New Roman" panose="02020603050405020304" pitchFamily="18" charset="0"/>
+              </a:rPr>
+              <a:t> </a:t>
+            </a:r>
+            <a:r>
+              <a:rPr lang="en-US" sz="4000" b="1" dirty="0" err="1" smtClean="0">
+                <a:solidFill>
+                  <a:srgbClr val="227C9D"/>
+                </a:solidFill>
+                <a:latin typeface="Times New Roman" panose="02020603050405020304" pitchFamily="18" charset="0"/>
+                <a:cs typeface="Times New Roman" panose="02020603050405020304" pitchFamily="18" charset="0"/>
+              </a:rPr>
+              <a:t>giá</a:t>
+            </a:r>
+            <a:r>
+              <a:rPr lang="en-US" sz="4000" b="1" dirty="0" smtClean="0">
+                <a:solidFill>
+                  <a:srgbClr val="227C9D"/>
+                </a:solidFill>
+                <a:latin typeface="Times New Roman" panose="02020603050405020304" pitchFamily="18" charset="0"/>
+                <a:cs typeface="Times New Roman" panose="02020603050405020304" pitchFamily="18" charset="0"/>
+              </a:rPr>
+              <a:t> </a:t>
+            </a:r>
+            <a:r>
+              <a:rPr lang="en-US" sz="4000" b="1" dirty="0" err="1" smtClean="0">
+                <a:solidFill>
+                  <a:srgbClr val="227C9D"/>
+                </a:solidFill>
+                <a:latin typeface="Times New Roman" panose="02020603050405020304" pitchFamily="18" charset="0"/>
+                <a:cs typeface="Times New Roman" panose="02020603050405020304" pitchFamily="18" charset="0"/>
+              </a:rPr>
+              <a:t>mô</a:t>
+            </a:r>
+            <a:r>
+              <a:rPr lang="en-US" sz="4000" b="1" dirty="0" smtClean="0">
+                <a:solidFill>
+                  <a:srgbClr val="227C9D"/>
+                </a:solidFill>
+                <a:latin typeface="Times New Roman" panose="02020603050405020304" pitchFamily="18" charset="0"/>
+                <a:cs typeface="Times New Roman" panose="02020603050405020304" pitchFamily="18" charset="0"/>
+              </a:rPr>
+              <a:t> </a:t>
+            </a:r>
+            <a:r>
+              <a:rPr lang="en-US" sz="4000" b="1" dirty="0" err="1" smtClean="0">
+                <a:solidFill>
+                  <a:srgbClr val="227C9D"/>
+                </a:solidFill>
+                <a:latin typeface="Times New Roman" panose="02020603050405020304" pitchFamily="18" charset="0"/>
+                <a:cs typeface="Times New Roman" panose="02020603050405020304" pitchFamily="18" charset="0"/>
+              </a:rPr>
+              <a:t>hình</a:t>
+            </a:r>
+            <a:endParaRPr lang="en-US" sz="4000" b="1" dirty="0">
+              <a:solidFill>
+                <a:srgbClr val="227C9D"/>
+              </a:solidFill>
+              <a:latin typeface="Times New Roman" panose="02020603050405020304" pitchFamily="18" charset="0"/>
+              <a:cs typeface="Times New Roman" panose="02020603050405020304" pitchFamily="18" charset="0"/>
+            </a:endParaRPr>
+          </a:p>
+        </p:txBody>
+      </p:sp>
+      <p:sp>
+        <p:nvSpPr>
+          <p:cNvPr id="4" name="Rectangle 3"/>
+          <p:cNvSpPr/>
+          <p:nvPr/>
+        </p:nvSpPr>
+        <p:spPr>
+          <a:xfrm>
+            <a:off x="774700" y="1473200"/>
+            <a:ext cx="13563600" cy="6894195"/>
+          </a:xfrm>
+          <a:prstGeom prst="rect">
+            <a:avLst/>
+          </a:prstGeom>
+        </p:spPr>
+        <p:txBody>
+          <a:bodyPr wrap="square">
+            <a:spAutoFit/>
+          </a:bodyPr>
+          <a:lstStyle/>
+          <a:p>
+            <a:r>
+              <a:rPr lang="vi-VN" sz="2600" b="1" dirty="0"/>
+              <a:t>Web MVC</a:t>
+            </a:r>
+            <a:r>
+              <a:rPr lang="vi-VN" sz="2600" dirty="0"/>
+              <a:t>: Sử dụng các request-response cycle thông qua HTTP. Người dùng tương tác trực tiếp với giao diện người dùng</a:t>
+            </a:r>
+            <a:r>
+              <a:rPr lang="vi-VN" sz="2600" dirty="0" smtClean="0"/>
+              <a:t>.</a:t>
+            </a:r>
+            <a:endParaRPr lang="en-US" sz="2600" dirty="0" smtClean="0"/>
+          </a:p>
+          <a:p>
+            <a:endParaRPr lang="vi-VN" sz="2600" dirty="0"/>
+          </a:p>
+          <a:p>
+            <a:r>
+              <a:rPr lang="vi-VN" sz="2600" b="1" dirty="0"/>
+              <a:t>API:</a:t>
+            </a:r>
+            <a:r>
+              <a:rPr lang="vi-VN" sz="2600" dirty="0"/>
+              <a:t> Cung cấp các endpoint để các ứng dụng khác có thể gửi các yêu cầu HTTP để truy cập vào dữ liệu hoặc các chức năng.</a:t>
+            </a:r>
+          </a:p>
+          <a:p>
+            <a:endParaRPr lang="en-US" sz="2600" dirty="0" smtClean="0"/>
+          </a:p>
+          <a:p>
+            <a:r>
+              <a:rPr lang="vi-VN" sz="2600" b="1" dirty="0" smtClean="0"/>
+              <a:t>Web </a:t>
+            </a:r>
+            <a:r>
+              <a:rPr lang="vi-VN" sz="2600" b="1" dirty="0"/>
+              <a:t>MVC</a:t>
+            </a:r>
+            <a:r>
+              <a:rPr lang="vi-VN" sz="2600" dirty="0"/>
+              <a:t>: Thích hợp cho các ứng dụng web tương tác với người dùng, như blog, trang thương mại điện tử, và các ứng dụng web khác</a:t>
+            </a:r>
+            <a:r>
+              <a:rPr lang="vi-VN" sz="2600" dirty="0" smtClean="0"/>
+              <a:t>.</a:t>
+            </a:r>
+            <a:endParaRPr lang="en-US" sz="2600" dirty="0" smtClean="0"/>
+          </a:p>
+          <a:p>
+            <a:endParaRPr lang="vi-VN" sz="2600" dirty="0"/>
+          </a:p>
+          <a:p>
+            <a:r>
+              <a:rPr lang="vi-VN" sz="2600" b="1" dirty="0"/>
+              <a:t>API</a:t>
+            </a:r>
+            <a:r>
+              <a:rPr lang="vi-VN" sz="2600" dirty="0"/>
+              <a:t>: Cho phép tích hợp với các ứng dụng khác, bất kể nền tảng hay ngôn ngữ lập trình sử dụng</a:t>
+            </a:r>
+            <a:r>
+              <a:rPr lang="vi-VN" sz="2600" dirty="0" smtClean="0"/>
+              <a:t>.</a:t>
+            </a:r>
+            <a:endParaRPr lang="en-US" sz="2600" dirty="0" smtClean="0"/>
+          </a:p>
+          <a:p>
+            <a:endParaRPr lang="en-US" sz="2600" dirty="0" smtClean="0"/>
+          </a:p>
+          <a:p>
+            <a:r>
+              <a:rPr lang="vi-VN" sz="2600" b="1" dirty="0" smtClean="0"/>
+              <a:t>Web </a:t>
+            </a:r>
+            <a:r>
+              <a:rPr lang="vi-VN" sz="2600" b="1" dirty="0"/>
+              <a:t>MVC</a:t>
+            </a:r>
+            <a:r>
+              <a:rPr lang="vi-VN" sz="2600" dirty="0"/>
+              <a:t>: Thường cần phải cập nhật giao diện người dùng khi thay đổi yêu cầu hoặc giao diện người dùng</a:t>
+            </a:r>
+            <a:r>
+              <a:rPr lang="vi-VN" sz="2600" dirty="0" smtClean="0"/>
+              <a:t>.</a:t>
+            </a:r>
+            <a:endParaRPr lang="en-US" sz="2600" dirty="0" smtClean="0"/>
+          </a:p>
+          <a:p>
+            <a:endParaRPr lang="vi-VN" sz="2600" dirty="0"/>
+          </a:p>
+          <a:p>
+            <a:r>
+              <a:rPr lang="vi-VN" sz="2600" b="1" dirty="0"/>
+              <a:t>API</a:t>
+            </a:r>
+            <a:r>
+              <a:rPr lang="vi-VN" sz="2600" dirty="0"/>
+              <a:t>: Cung cấp một cách linh hoạt hơn để thêm, sửa đổi và mở rộng các tính năng mà không cần thay đổi giao diện người dùng.</a:t>
+            </a:r>
+            <a:endParaRPr lang="en-US" sz="2600" dirty="0"/>
+          </a:p>
+        </p:txBody>
+      </p:sp>
+    </p:spTree>
+    <p:extLst>
+      <p:ext uri="{BB962C8B-B14F-4D97-AF65-F5344CB8AC3E}">
+        <p14:creationId xmlns:p14="http://schemas.microsoft.com/office/powerpoint/2010/main" val="2021742741"/>
+      </p:ext>
+    </p:extLst>
+  </p:cSld>
+  <p:clrMapOvr>
+    <a:masterClrMapping/>
+  </p:clrMapOvr>
+  <p:timing>
+    <p:tnLst>
+      <p:par>
+        <p:cTn id="1" dur="indefinite" restart="never" nodeType="tmRoot"/>
+      </p:par>
+    </p:tnLst>
+  </p:timing>
+</p:sld>
+</file>
+
+<file path=ppt/slides/slide34.xml><?xml version="1.0" encoding="utf-8"?>
+<p:sld xmlns:a="http://schemas.openxmlformats.org/drawingml/2006/main" xmlns:r="http://schemas.openxmlformats.org/officeDocument/2006/relationships" xmlns:p="http://schemas.openxmlformats.org/presentationml/2006/main">
+  <p:cSld>
+    <p:spTree>
+      <p:nvGrpSpPr>
+        <p:cNvPr id="1" name=""/>
+        <p:cNvGrpSpPr/>
+        <p:nvPr/>
+      </p:nvGrpSpPr>
+      <p:grpSpPr>
+        <a:xfrm>
+          <a:off x="0" y="0"/>
+          <a:ext cx="0" cy="0"/>
+          <a:chOff x="0" y="0"/>
+          <a:chExt cx="0" cy="0"/>
+        </a:xfrm>
+      </p:grpSpPr>
+      <p:sp>
+        <p:nvSpPr>
+          <p:cNvPr id="6" name="TextBox 3"/>
+          <p:cNvSpPr txBox="1"/>
+          <p:nvPr/>
+        </p:nvSpPr>
+        <p:spPr>
+          <a:xfrm>
+            <a:off x="609600" y="336867"/>
+            <a:ext cx="17012670" cy="1410643"/>
+          </a:xfrm>
+          <a:prstGeom prst="rect">
+            <a:avLst/>
+          </a:prstGeom>
+        </p:spPr>
+        <p:txBody>
+          <a:bodyPr wrap="square" lIns="0" tIns="0" rIns="0" bIns="0" rtlCol="0" anchor="t">
+            <a:spAutoFit/>
+          </a:bodyPr>
+          <a:lstStyle/>
+          <a:p>
+            <a:pPr>
+              <a:lnSpc>
+                <a:spcPts val="5545"/>
+              </a:lnSpc>
+            </a:pPr>
+            <a:r>
+              <a:rPr lang="en-US" sz="4000" b="1" dirty="0" err="1">
+                <a:solidFill>
+                  <a:srgbClr val="227C9D"/>
+                </a:solidFill>
+                <a:latin typeface="Times New Roman" panose="02020603050405020304" pitchFamily="18" charset="0"/>
+                <a:cs typeface="Times New Roman" panose="02020603050405020304" pitchFamily="18" charset="0"/>
+              </a:rPr>
+              <a:t>Chương</a:t>
+            </a:r>
+            <a:r>
+              <a:rPr lang="en-US" sz="4000" b="1" dirty="0">
+                <a:solidFill>
+                  <a:srgbClr val="227C9D"/>
+                </a:solidFill>
+                <a:latin typeface="Times New Roman" panose="02020603050405020304" pitchFamily="18" charset="0"/>
+                <a:cs typeface="Times New Roman" panose="02020603050405020304" pitchFamily="18" charset="0"/>
+              </a:rPr>
+              <a:t> </a:t>
+            </a:r>
+            <a:r>
+              <a:rPr lang="en-US" sz="4000" b="1" dirty="0" smtClean="0">
+                <a:solidFill>
+                  <a:srgbClr val="227C9D"/>
+                </a:solidFill>
+                <a:latin typeface="Times New Roman" panose="02020603050405020304" pitchFamily="18" charset="0"/>
+                <a:cs typeface="Times New Roman" panose="02020603050405020304" pitchFamily="18" charset="0"/>
+              </a:rPr>
+              <a:t>5:Thực </a:t>
+            </a:r>
+            <a:r>
+              <a:rPr lang="en-US" sz="4000" b="1" dirty="0" err="1" smtClean="0">
+                <a:solidFill>
+                  <a:srgbClr val="227C9D"/>
+                </a:solidFill>
+                <a:latin typeface="Times New Roman" panose="02020603050405020304" pitchFamily="18" charset="0"/>
+                <a:cs typeface="Times New Roman" panose="02020603050405020304" pitchFamily="18" charset="0"/>
+              </a:rPr>
+              <a:t>nghiệm</a:t>
+            </a:r>
+            <a:endParaRPr lang="en-US" sz="4000" b="1" dirty="0">
+              <a:solidFill>
+                <a:srgbClr val="227C9D"/>
+              </a:solidFill>
+              <a:latin typeface="Times New Roman" panose="02020603050405020304" pitchFamily="18" charset="0"/>
+              <a:cs typeface="Times New Roman" panose="02020603050405020304" pitchFamily="18" charset="0"/>
+            </a:endParaRPr>
+          </a:p>
+          <a:p>
+            <a:pPr>
+              <a:lnSpc>
+                <a:spcPts val="5545"/>
+              </a:lnSpc>
+            </a:pPr>
+            <a:endParaRPr lang="en-US" sz="4000" b="1" dirty="0">
+              <a:solidFill>
+                <a:srgbClr val="227C9D"/>
+              </a:solidFill>
+              <a:latin typeface="Times New Roman" panose="02020603050405020304" pitchFamily="18" charset="0"/>
+              <a:cs typeface="Times New Roman" panose="02020603050405020304" pitchFamily="18" charset="0"/>
+            </a:endParaRPr>
+          </a:p>
+        </p:txBody>
+      </p:sp>
+      <p:sp>
+        <p:nvSpPr>
+          <p:cNvPr id="7" name="Rectangle 6"/>
+          <p:cNvSpPr/>
+          <p:nvPr/>
+        </p:nvSpPr>
+        <p:spPr>
+          <a:xfrm>
+            <a:off x="8305800" y="2219434"/>
+            <a:ext cx="7924800" cy="584775"/>
+          </a:xfrm>
+          <a:prstGeom prst="rect">
+            <a:avLst/>
+          </a:prstGeom>
+        </p:spPr>
+        <p:txBody>
+          <a:bodyPr wrap="square">
+            <a:spAutoFit/>
+          </a:bodyPr>
+          <a:lstStyle/>
+          <a:p>
+            <a:r>
+              <a:rPr lang="en-US" sz="3200" b="1" dirty="0" smtClean="0"/>
+              <a:t>Back-end</a:t>
+            </a:r>
+            <a:endParaRPr lang="en-US" sz="3200" b="1" dirty="0"/>
+          </a:p>
+        </p:txBody>
+      </p:sp>
+      <p:sp>
+        <p:nvSpPr>
+          <p:cNvPr id="8" name="Rectangle 7"/>
+          <p:cNvSpPr/>
+          <p:nvPr/>
+        </p:nvSpPr>
+        <p:spPr>
+          <a:xfrm>
+            <a:off x="630382" y="2573377"/>
+            <a:ext cx="17221200" cy="584775"/>
+          </a:xfrm>
+          <a:prstGeom prst="rect">
+            <a:avLst/>
+          </a:prstGeom>
+        </p:spPr>
+        <p:txBody>
+          <a:bodyPr wrap="square">
+            <a:spAutoFit/>
+          </a:bodyPr>
+          <a:lstStyle/>
+          <a:p>
+            <a:pPr>
+              <a:buFont typeface="Arial" panose="020B0604020202020204" pitchFamily="34" charset="0"/>
+              <a:buChar char="•"/>
+            </a:pPr>
+            <a:endParaRPr lang="en-US" sz="3200" dirty="0"/>
+          </a:p>
+        </p:txBody>
+      </p:sp>
+      <p:sp>
+        <p:nvSpPr>
+          <p:cNvPr id="2" name="Rectangle 1"/>
+          <p:cNvSpPr/>
+          <p:nvPr/>
+        </p:nvSpPr>
+        <p:spPr>
+          <a:xfrm>
+            <a:off x="609600" y="2280990"/>
+            <a:ext cx="7696200" cy="461665"/>
+          </a:xfrm>
+          <a:prstGeom prst="rect">
+            <a:avLst/>
+          </a:prstGeom>
+        </p:spPr>
+        <p:txBody>
+          <a:bodyPr wrap="square">
+            <a:spAutoFit/>
+          </a:bodyPr>
+          <a:lstStyle/>
+          <a:p>
+            <a:r>
+              <a:rPr lang="en-US" sz="2400" dirty="0">
+                <a:solidFill>
+                  <a:srgbClr val="0070C0"/>
+                </a:solidFill>
+              </a:rPr>
+              <a:t>https://github.com/hdthinh3105/ClothStore_BE_WebAPI.git</a:t>
+            </a:r>
+          </a:p>
+        </p:txBody>
+      </p:sp>
+      <p:sp>
+        <p:nvSpPr>
+          <p:cNvPr id="9" name="Rectangle 8"/>
+          <p:cNvSpPr/>
+          <p:nvPr/>
+        </p:nvSpPr>
+        <p:spPr>
+          <a:xfrm>
+            <a:off x="623455" y="1398697"/>
+            <a:ext cx="17221200" cy="584775"/>
+          </a:xfrm>
+          <a:prstGeom prst="rect">
+            <a:avLst/>
+          </a:prstGeom>
+        </p:spPr>
+        <p:txBody>
+          <a:bodyPr wrap="square">
+            <a:spAutoFit/>
+          </a:bodyPr>
+          <a:lstStyle/>
+          <a:p>
+            <a:pPr>
+              <a:buFont typeface="Arial" panose="020B0604020202020204" pitchFamily="34" charset="0"/>
+              <a:buChar char="•"/>
+            </a:pPr>
+            <a:r>
+              <a:rPr lang="en-US" sz="3200" b="1" dirty="0" smtClean="0"/>
+              <a:t> </a:t>
+            </a:r>
+            <a:r>
+              <a:rPr lang="en-US" sz="3200" b="1" dirty="0" err="1" smtClean="0"/>
+              <a:t>Github</a:t>
+            </a:r>
+            <a:r>
+              <a:rPr lang="en-US" sz="3200" b="1" dirty="0" smtClean="0"/>
+              <a:t> project web service API</a:t>
+            </a:r>
+            <a:endParaRPr lang="en-US" sz="3200" b="1" dirty="0"/>
+          </a:p>
+        </p:txBody>
+      </p:sp>
+      <p:sp>
+        <p:nvSpPr>
+          <p:cNvPr id="10" name="Rectangle 9"/>
+          <p:cNvSpPr/>
+          <p:nvPr/>
+        </p:nvSpPr>
+        <p:spPr>
+          <a:xfrm>
+            <a:off x="8305800" y="3052360"/>
+            <a:ext cx="7696200" cy="584775"/>
+          </a:xfrm>
+          <a:prstGeom prst="rect">
+            <a:avLst/>
+          </a:prstGeom>
+        </p:spPr>
+        <p:txBody>
+          <a:bodyPr wrap="square">
+            <a:spAutoFit/>
+          </a:bodyPr>
+          <a:lstStyle/>
+          <a:p>
+            <a:r>
+              <a:rPr lang="en-US" sz="3200" b="1" dirty="0" smtClean="0"/>
+              <a:t>Front-end</a:t>
+            </a:r>
+            <a:endParaRPr lang="en-US" sz="3200" b="1" dirty="0"/>
+          </a:p>
+        </p:txBody>
+      </p:sp>
+      <p:sp>
+        <p:nvSpPr>
+          <p:cNvPr id="11" name="Rectangle 10"/>
+          <p:cNvSpPr/>
+          <p:nvPr/>
+        </p:nvSpPr>
+        <p:spPr>
+          <a:xfrm>
+            <a:off x="630382" y="3113914"/>
+            <a:ext cx="7675418" cy="461665"/>
+          </a:xfrm>
+          <a:prstGeom prst="rect">
+            <a:avLst/>
+          </a:prstGeom>
+        </p:spPr>
+        <p:txBody>
+          <a:bodyPr wrap="square">
+            <a:spAutoFit/>
+          </a:bodyPr>
+          <a:lstStyle/>
+          <a:p>
+            <a:r>
+              <a:rPr lang="en-US" sz="2400" dirty="0">
+                <a:solidFill>
+                  <a:srgbClr val="0070C0"/>
+                </a:solidFill>
+              </a:rPr>
+              <a:t>https://github.com/hdthinh3105/ClothStore_FE_WebAPI.git</a:t>
+            </a:r>
+          </a:p>
+        </p:txBody>
+      </p:sp>
+    </p:spTree>
+  </p:cSld>
+  <p:clrMapOvr>
+    <a:masterClrMapping/>
+  </p:clrMapOvr>
+  <p:timing>
+    <p:tnLst>
+      <p:par>
+        <p:cTn id="1" dur="indefinite" restart="never" nodeType="tmRoot"/>
+      </p:par>
+    </p:tnLst>
+  </p:timing>
+</p:sld>
+</file>
+
+<file path=ppt/slides/slide35.xml><?xml version="1.0" encoding="utf-8"?>
 <p:sld xmlns:a="http://schemas.openxmlformats.org/drawingml/2006/main" xmlns:r="http://schemas.openxmlformats.org/officeDocument/2006/relationships" xmlns:p="http://schemas.openxmlformats.org/presentationml/2006/main">
   <p:cSld>
     <p:bg>
@@ -13003,7 +16475,7 @@
             </a:pathLst>
           </a:custGeom>
           <a:blipFill>
-            <a:blip r:embed="rId1"/>
+            <a:blip r:embed="rId2"/>
             <a:stretch>
               <a:fillRect/>
             </a:stretch>
@@ -13019,6 +16491,374 @@
         <p:spPr>
           <a:xfrm>
             <a:off x="17204191" y="1028700"/>
+            <a:ext cx="1083809" cy="1083809"/>
+          </a:xfrm>
+          <a:custGeom>
+            <a:avLst/>
+            <a:gdLst/>
+            <a:ahLst/>
+            <a:cxnLst/>
+            <a:rect l="l" t="t" r="r" b="b"/>
+            <a:pathLst>
+              <a:path w="1083809" h="1083809">
+                <a:moveTo>
+                  <a:pt x="0" y="0"/>
+                </a:moveTo>
+                <a:lnTo>
+                  <a:pt x="1083809" y="0"/>
+                </a:lnTo>
+                <a:lnTo>
+                  <a:pt x="1083809" y="1083809"/>
+                </a:lnTo>
+                <a:lnTo>
+                  <a:pt x="0" y="1083809"/>
+                </a:lnTo>
+                <a:lnTo>
+                  <a:pt x="0" y="0"/>
+                </a:lnTo>
+                <a:close/>
+              </a:path>
+            </a:pathLst>
+          </a:custGeom>
+          <a:blipFill>
+            <a:blip r:embed="rId3"/>
+            <a:stretch>
+              <a:fillRect/>
+            </a:stretch>
+          </a:blipFill>
+        </p:spPr>
+      </p:sp>
+      <p:sp>
+        <p:nvSpPr>
+          <p:cNvPr id="6" name="Freeform 6"/>
+          <p:cNvSpPr/>
+          <p:nvPr/>
+        </p:nvSpPr>
+        <p:spPr>
+          <a:xfrm rot="5400000" flipH="1" flipV="1">
+            <a:off x="17204191" y="2112509"/>
+            <a:ext cx="1083809" cy="1083809"/>
+          </a:xfrm>
+          <a:custGeom>
+            <a:avLst/>
+            <a:gdLst/>
+            <a:ahLst/>
+            <a:cxnLst/>
+            <a:rect l="l" t="t" r="r" b="b"/>
+            <a:pathLst>
+              <a:path w="1083809" h="1083809">
+                <a:moveTo>
+                  <a:pt x="1083809" y="1083809"/>
+                </a:moveTo>
+                <a:lnTo>
+                  <a:pt x="0" y="1083809"/>
+                </a:lnTo>
+                <a:lnTo>
+                  <a:pt x="0" y="0"/>
+                </a:lnTo>
+                <a:lnTo>
+                  <a:pt x="1083809" y="0"/>
+                </a:lnTo>
+                <a:lnTo>
+                  <a:pt x="1083809" y="1083809"/>
+                </a:lnTo>
+                <a:close/>
+              </a:path>
+            </a:pathLst>
+          </a:custGeom>
+          <a:blipFill>
+            <a:blip r:embed="rId4"/>
+            <a:stretch>
+              <a:fillRect/>
+            </a:stretch>
+          </a:blipFill>
+        </p:spPr>
+      </p:sp>
+      <p:sp>
+        <p:nvSpPr>
+          <p:cNvPr id="7" name="Freeform 7"/>
+          <p:cNvSpPr/>
+          <p:nvPr/>
+        </p:nvSpPr>
+        <p:spPr>
+          <a:xfrm>
+            <a:off x="16120382" y="-55109"/>
+            <a:ext cx="1083809" cy="1083809"/>
+          </a:xfrm>
+          <a:custGeom>
+            <a:avLst/>
+            <a:gdLst/>
+            <a:ahLst/>
+            <a:cxnLst/>
+            <a:rect l="l" t="t" r="r" b="b"/>
+            <a:pathLst>
+              <a:path w="1083809" h="1083809">
+                <a:moveTo>
+                  <a:pt x="0" y="0"/>
+                </a:moveTo>
+                <a:lnTo>
+                  <a:pt x="1083809" y="0"/>
+                </a:lnTo>
+                <a:lnTo>
+                  <a:pt x="1083809" y="1083809"/>
+                </a:lnTo>
+                <a:lnTo>
+                  <a:pt x="0" y="1083809"/>
+                </a:lnTo>
+                <a:lnTo>
+                  <a:pt x="0" y="0"/>
+                </a:lnTo>
+                <a:close/>
+              </a:path>
+            </a:pathLst>
+          </a:custGeom>
+          <a:blipFill>
+            <a:blip r:embed="rId5"/>
+            <a:stretch>
+              <a:fillRect/>
+            </a:stretch>
+          </a:blipFill>
+        </p:spPr>
+      </p:sp>
+      <p:sp>
+        <p:nvSpPr>
+          <p:cNvPr id="8" name="Freeform 8"/>
+          <p:cNvSpPr/>
+          <p:nvPr/>
+        </p:nvSpPr>
+        <p:spPr>
+          <a:xfrm rot="5400000">
+            <a:off x="15036573" y="1028700"/>
+            <a:ext cx="1083809" cy="1083809"/>
+          </a:xfrm>
+          <a:custGeom>
+            <a:avLst/>
+            <a:gdLst/>
+            <a:ahLst/>
+            <a:cxnLst/>
+            <a:rect l="l" t="t" r="r" b="b"/>
+            <a:pathLst>
+              <a:path w="1083809" h="1083809">
+                <a:moveTo>
+                  <a:pt x="0" y="0"/>
+                </a:moveTo>
+                <a:lnTo>
+                  <a:pt x="1083809" y="0"/>
+                </a:lnTo>
+                <a:lnTo>
+                  <a:pt x="1083809" y="1083809"/>
+                </a:lnTo>
+                <a:lnTo>
+                  <a:pt x="0" y="1083809"/>
+                </a:lnTo>
+                <a:lnTo>
+                  <a:pt x="0" y="0"/>
+                </a:lnTo>
+                <a:close/>
+              </a:path>
+            </a:pathLst>
+          </a:custGeom>
+          <a:blipFill>
+            <a:blip r:embed="rId4"/>
+            <a:stretch>
+              <a:fillRect/>
+            </a:stretch>
+          </a:blipFill>
+        </p:spPr>
+      </p:sp>
+      <p:sp>
+        <p:nvSpPr>
+          <p:cNvPr id="9" name="Freeform 9"/>
+          <p:cNvSpPr/>
+          <p:nvPr/>
+        </p:nvSpPr>
+        <p:spPr>
+          <a:xfrm rot="-10800000">
+            <a:off x="16120382" y="2112509"/>
+            <a:ext cx="1083809" cy="1083809"/>
+          </a:xfrm>
+          <a:custGeom>
+            <a:avLst/>
+            <a:gdLst/>
+            <a:ahLst/>
+            <a:cxnLst/>
+            <a:rect l="l" t="t" r="r" b="b"/>
+            <a:pathLst>
+              <a:path w="1083809" h="1083809">
+                <a:moveTo>
+                  <a:pt x="0" y="0"/>
+                </a:moveTo>
+                <a:lnTo>
+                  <a:pt x="1083809" y="0"/>
+                </a:lnTo>
+                <a:lnTo>
+                  <a:pt x="1083809" y="1083809"/>
+                </a:lnTo>
+                <a:lnTo>
+                  <a:pt x="0" y="1083809"/>
+                </a:lnTo>
+                <a:lnTo>
+                  <a:pt x="0" y="0"/>
+                </a:lnTo>
+                <a:close/>
+              </a:path>
+            </a:pathLst>
+          </a:custGeom>
+          <a:blipFill>
+            <a:blip r:embed="rId5"/>
+            <a:stretch>
+              <a:fillRect/>
+            </a:stretch>
+          </a:blipFill>
+        </p:spPr>
+      </p:sp>
+      <p:sp>
+        <p:nvSpPr>
+          <p:cNvPr id="10" name="Freeform 10"/>
+          <p:cNvSpPr/>
+          <p:nvPr/>
+        </p:nvSpPr>
+        <p:spPr>
+          <a:xfrm rot="-10800000" flipH="1" flipV="1">
+            <a:off x="15036573" y="2112509"/>
+            <a:ext cx="1083809" cy="1083809"/>
+          </a:xfrm>
+          <a:custGeom>
+            <a:avLst/>
+            <a:gdLst/>
+            <a:ahLst/>
+            <a:cxnLst/>
+            <a:rect l="l" t="t" r="r" b="b"/>
+            <a:pathLst>
+              <a:path w="1083809" h="1083809">
+                <a:moveTo>
+                  <a:pt x="1083809" y="1083809"/>
+                </a:moveTo>
+                <a:lnTo>
+                  <a:pt x="0" y="1083809"/>
+                </a:lnTo>
+                <a:lnTo>
+                  <a:pt x="0" y="0"/>
+                </a:lnTo>
+                <a:lnTo>
+                  <a:pt x="1083809" y="0"/>
+                </a:lnTo>
+                <a:lnTo>
+                  <a:pt x="1083809" y="1083809"/>
+                </a:lnTo>
+                <a:close/>
+              </a:path>
+            </a:pathLst>
+          </a:custGeom>
+          <a:blipFill>
+            <a:blip r:embed="rId3"/>
+            <a:stretch>
+              <a:fillRect/>
+            </a:stretch>
+          </a:blipFill>
+        </p:spPr>
+      </p:sp>
+      <p:sp>
+        <p:nvSpPr>
+          <p:cNvPr id="11" name="Freeform 11"/>
+          <p:cNvSpPr/>
+          <p:nvPr/>
+        </p:nvSpPr>
+        <p:spPr>
+          <a:xfrm rot="5400000" flipH="1" flipV="1">
+            <a:off x="12770705" y="-55109"/>
+            <a:ext cx="1083809" cy="1083809"/>
+          </a:xfrm>
+          <a:custGeom>
+            <a:avLst/>
+            <a:gdLst/>
+            <a:ahLst/>
+            <a:cxnLst/>
+            <a:rect l="l" t="t" r="r" b="b"/>
+            <a:pathLst>
+              <a:path w="1083809" h="1083809">
+                <a:moveTo>
+                  <a:pt x="1083809" y="1083809"/>
+                </a:moveTo>
+                <a:lnTo>
+                  <a:pt x="0" y="1083809"/>
+                </a:lnTo>
+                <a:lnTo>
+                  <a:pt x="0" y="0"/>
+                </a:lnTo>
+                <a:lnTo>
+                  <a:pt x="1083809" y="0"/>
+                </a:lnTo>
+                <a:lnTo>
+                  <a:pt x="1083809" y="1083809"/>
+                </a:lnTo>
+                <a:close/>
+              </a:path>
+            </a:pathLst>
+          </a:custGeom>
+          <a:blipFill>
+            <a:blip r:embed="rId5"/>
+            <a:stretch>
+              <a:fillRect/>
+            </a:stretch>
+          </a:blipFill>
+        </p:spPr>
+      </p:sp>
+      <p:sp>
+        <p:nvSpPr>
+          <p:cNvPr id="12" name="Freeform 12"/>
+          <p:cNvSpPr/>
+          <p:nvPr/>
+        </p:nvSpPr>
+        <p:spPr>
+          <a:xfrm rot="-10800000" flipH="1" flipV="1">
+            <a:off x="12770705" y="1028700"/>
+            <a:ext cx="1083809" cy="1083809"/>
+          </a:xfrm>
+          <a:custGeom>
+            <a:avLst/>
+            <a:gdLst/>
+            <a:ahLst/>
+            <a:cxnLst/>
+            <a:rect l="l" t="t" r="r" b="b"/>
+            <a:pathLst>
+              <a:path w="1083809" h="1083809">
+                <a:moveTo>
+                  <a:pt x="1083809" y="1083809"/>
+                </a:moveTo>
+                <a:lnTo>
+                  <a:pt x="0" y="1083809"/>
+                </a:lnTo>
+                <a:lnTo>
+                  <a:pt x="0" y="0"/>
+                </a:lnTo>
+                <a:lnTo>
+                  <a:pt x="1083809" y="0"/>
+                </a:lnTo>
+                <a:lnTo>
+                  <a:pt x="1083809" y="1083809"/>
+                </a:lnTo>
+                <a:close/>
+              </a:path>
+            </a:pathLst>
+          </a:custGeom>
+          <a:blipFill>
+            <a:blip r:embed="rId4"/>
+            <a:stretch>
+              <a:fillRect/>
+            </a:stretch>
+          </a:blipFill>
+        </p:spPr>
+      </p:sp>
+      <p:sp>
+        <p:nvSpPr>
+          <p:cNvPr id="13" name="Freeform 13"/>
+          <p:cNvSpPr/>
+          <p:nvPr/>
+        </p:nvSpPr>
+        <p:spPr>
+          <a:xfrm rot="-10800000">
+            <a:off x="9525" y="7044155"/>
             <a:ext cx="1083809" cy="1083809"/>
           </a:xfrm>
           <a:custGeom>
@@ -13058,13 +16898,13 @@
       </p:sp>
       <p:sp>
         <p:nvSpPr>
-          <p:cNvPr id="6" name="Freeform 6"/>
+          <p:cNvPr id="14" name="Freeform 14"/>
           <p:cNvSpPr/>
           <p:nvPr/>
         </p:nvSpPr>
         <p:spPr>
-          <a:xfrm rot="5400000" flipH="1" flipV="1">
-            <a:off x="17204191" y="2112509"/>
+          <a:xfrm>
+            <a:off x="1083809" y="7072730"/>
             <a:ext cx="1083809" cy="1083809"/>
           </a:xfrm>
           <a:custGeom>
@@ -13076,19 +16916,19 @@
             <a:pathLst>
               <a:path w="1083809" h="1083809">
                 <a:moveTo>
+                  <a:pt x="0" y="0"/>
+                </a:moveTo>
+                <a:lnTo>
+                  <a:pt x="1083809" y="0"/>
+                </a:lnTo>
+                <a:lnTo>
                   <a:pt x="1083809" y="1083809"/>
-                </a:moveTo>
+                </a:lnTo>
                 <a:lnTo>
                   <a:pt x="0" y="1083809"/>
                 </a:lnTo>
                 <a:lnTo>
                   <a:pt x="0" y="0"/>
-                </a:lnTo>
-                <a:lnTo>
-                  <a:pt x="1083809" y="0"/>
-                </a:lnTo>
-                <a:lnTo>
-                  <a:pt x="1083809" y="1083809"/>
                 </a:lnTo>
                 <a:close/>
               </a:path>
@@ -13104,13 +16944,105 @@
       </p:sp>
       <p:sp>
         <p:nvSpPr>
-          <p:cNvPr id="7" name="Freeform 7"/>
+          <p:cNvPr id="15" name="Freeform 15"/>
           <p:cNvSpPr/>
           <p:nvPr/>
         </p:nvSpPr>
         <p:spPr>
           <a:xfrm>
-            <a:off x="16120382" y="-55109"/>
+            <a:off x="0" y="8156539"/>
+            <a:ext cx="1083809" cy="1083809"/>
+          </a:xfrm>
+          <a:custGeom>
+            <a:avLst/>
+            <a:gdLst/>
+            <a:ahLst/>
+            <a:cxnLst/>
+            <a:rect l="l" t="t" r="r" b="b"/>
+            <a:pathLst>
+              <a:path w="1083809" h="1083809">
+                <a:moveTo>
+                  <a:pt x="0" y="0"/>
+                </a:moveTo>
+                <a:lnTo>
+                  <a:pt x="1083809" y="0"/>
+                </a:lnTo>
+                <a:lnTo>
+                  <a:pt x="1083809" y="1083809"/>
+                </a:lnTo>
+                <a:lnTo>
+                  <a:pt x="0" y="1083809"/>
+                </a:lnTo>
+                <a:lnTo>
+                  <a:pt x="0" y="0"/>
+                </a:lnTo>
+                <a:close/>
+              </a:path>
+            </a:pathLst>
+          </a:custGeom>
+          <a:blipFill>
+            <a:blip r:embed="rId2"/>
+            <a:stretch>
+              <a:fillRect/>
+            </a:stretch>
+          </a:blipFill>
+        </p:spPr>
+      </p:sp>
+      <p:sp>
+        <p:nvSpPr>
+          <p:cNvPr id="16" name="Freeform 16"/>
+          <p:cNvSpPr/>
+          <p:nvPr/>
+        </p:nvSpPr>
+        <p:spPr>
+          <a:xfrm rot="-10800000">
+            <a:off x="0" y="9240348"/>
+            <a:ext cx="1083809" cy="1083809"/>
+          </a:xfrm>
+          <a:custGeom>
+            <a:avLst/>
+            <a:gdLst/>
+            <a:ahLst/>
+            <a:cxnLst/>
+            <a:rect l="l" t="t" r="r" b="b"/>
+            <a:pathLst>
+              <a:path w="1083809" h="1083809">
+                <a:moveTo>
+                  <a:pt x="0" y="0"/>
+                </a:moveTo>
+                <a:lnTo>
+                  <a:pt x="1083809" y="0"/>
+                </a:lnTo>
+                <a:lnTo>
+                  <a:pt x="1083809" y="1083809"/>
+                </a:lnTo>
+                <a:lnTo>
+                  <a:pt x="0" y="1083809"/>
+                </a:lnTo>
+                <a:lnTo>
+                  <a:pt x="0" y="0"/>
+                </a:lnTo>
+                <a:close/>
+              </a:path>
+            </a:pathLst>
+          </a:custGeom>
+          <a:blipFill>
+            <a:blip r:embed="rId3"/>
+            <a:stretch>
+              <a:fillRect/>
+            </a:stretch>
+          </a:blipFill>
+        </p:spPr>
+      </p:sp>
+      <p:sp>
+        <p:nvSpPr>
+          <p:cNvPr id="17" name="Freeform 17"/>
+          <p:cNvSpPr/>
+          <p:nvPr/>
+        </p:nvSpPr>
+        <p:spPr>
+          <a:xfrm rot="-5400000">
+            <a:off x="1083809" y="9240348"/>
             <a:ext cx="1083809" cy="1083809"/>
           </a:xfrm>
           <a:custGeom>
@@ -13150,13 +17082,59 @@
       </p:sp>
       <p:sp>
         <p:nvSpPr>
-          <p:cNvPr id="8" name="Freeform 8"/>
+          <p:cNvPr id="18" name="Freeform 18"/>
           <p:cNvSpPr/>
           <p:nvPr/>
         </p:nvSpPr>
         <p:spPr>
-          <a:xfrm rot="5400000">
-            <a:off x="15036573" y="1028700"/>
+          <a:xfrm rot="-10800000">
+            <a:off x="3321750" y="9268923"/>
+            <a:ext cx="1083809" cy="1083809"/>
+          </a:xfrm>
+          <a:custGeom>
+            <a:avLst/>
+            <a:gdLst/>
+            <a:ahLst/>
+            <a:cxnLst/>
+            <a:rect l="l" t="t" r="r" b="b"/>
+            <a:pathLst>
+              <a:path w="1083809" h="1083809">
+                <a:moveTo>
+                  <a:pt x="0" y="0"/>
+                </a:moveTo>
+                <a:lnTo>
+                  <a:pt x="1083809" y="0"/>
+                </a:lnTo>
+                <a:lnTo>
+                  <a:pt x="1083809" y="1083809"/>
+                </a:lnTo>
+                <a:lnTo>
+                  <a:pt x="0" y="1083809"/>
+                </a:lnTo>
+                <a:lnTo>
+                  <a:pt x="0" y="0"/>
+                </a:lnTo>
+                <a:close/>
+              </a:path>
+            </a:pathLst>
+          </a:custGeom>
+          <a:blipFill>
+            <a:blip r:embed="rId4"/>
+            <a:stretch>
+              <a:fillRect/>
+            </a:stretch>
+          </a:blipFill>
+        </p:spPr>
+      </p:sp>
+      <p:sp>
+        <p:nvSpPr>
+          <p:cNvPr id="19" name="Freeform 19"/>
+          <p:cNvSpPr/>
+          <p:nvPr/>
+        </p:nvSpPr>
+        <p:spPr>
+          <a:xfrm>
+            <a:off x="3321750" y="8185114"/>
             <a:ext cx="1083809" cy="1083809"/>
           </a:xfrm>
           <a:custGeom>
@@ -13196,13 +17174,13 @@
       </p:sp>
       <p:sp>
         <p:nvSpPr>
-          <p:cNvPr id="9" name="Freeform 9"/>
+          <p:cNvPr id="20" name="Freeform 20"/>
           <p:cNvSpPr/>
           <p:nvPr/>
         </p:nvSpPr>
         <p:spPr>
-          <a:xfrm rot="-10800000">
-            <a:off x="16120382" y="2112509"/>
+          <a:xfrm rot="5400000">
+            <a:off x="4405559" y="9268923"/>
             <a:ext cx="1083809" cy="1083809"/>
           </a:xfrm>
           <a:custGeom>
@@ -13233,513 +17211,7 @@
             </a:pathLst>
           </a:custGeom>
           <a:blipFill>
-            <a:blip r:embed="rId4"/>
-            <a:stretch>
-              <a:fillRect/>
-            </a:stretch>
-          </a:blipFill>
-        </p:spPr>
-      </p:sp>
-      <p:sp>
-        <p:nvSpPr>
-          <p:cNvPr id="10" name="Freeform 10"/>
-          <p:cNvSpPr/>
-          <p:nvPr/>
-        </p:nvSpPr>
-        <p:spPr>
-          <a:xfrm rot="-10800000" flipH="1" flipV="1">
-            <a:off x="15036573" y="2112509"/>
-            <a:ext cx="1083809" cy="1083809"/>
-          </a:xfrm>
-          <a:custGeom>
-            <a:avLst/>
-            <a:gdLst/>
-            <a:ahLst/>
-            <a:cxnLst/>
-            <a:rect l="l" t="t" r="r" b="b"/>
-            <a:pathLst>
-              <a:path w="1083809" h="1083809">
-                <a:moveTo>
-                  <a:pt x="1083809" y="1083809"/>
-                </a:moveTo>
-                <a:lnTo>
-                  <a:pt x="0" y="1083809"/>
-                </a:lnTo>
-                <a:lnTo>
-                  <a:pt x="0" y="0"/>
-                </a:lnTo>
-                <a:lnTo>
-                  <a:pt x="1083809" y="0"/>
-                </a:lnTo>
-                <a:lnTo>
-                  <a:pt x="1083809" y="1083809"/>
-                </a:lnTo>
-                <a:close/>
-              </a:path>
-            </a:pathLst>
-          </a:custGeom>
-          <a:blipFill>
             <a:blip r:embed="rId2"/>
-            <a:stretch>
-              <a:fillRect/>
-            </a:stretch>
-          </a:blipFill>
-        </p:spPr>
-      </p:sp>
-      <p:sp>
-        <p:nvSpPr>
-          <p:cNvPr id="11" name="Freeform 11"/>
-          <p:cNvSpPr/>
-          <p:nvPr/>
-        </p:nvSpPr>
-        <p:spPr>
-          <a:xfrm rot="5400000" flipH="1" flipV="1">
-            <a:off x="12770705" y="-55109"/>
-            <a:ext cx="1083809" cy="1083809"/>
-          </a:xfrm>
-          <a:custGeom>
-            <a:avLst/>
-            <a:gdLst/>
-            <a:ahLst/>
-            <a:cxnLst/>
-            <a:rect l="l" t="t" r="r" b="b"/>
-            <a:pathLst>
-              <a:path w="1083809" h="1083809">
-                <a:moveTo>
-                  <a:pt x="1083809" y="1083809"/>
-                </a:moveTo>
-                <a:lnTo>
-                  <a:pt x="0" y="1083809"/>
-                </a:lnTo>
-                <a:lnTo>
-                  <a:pt x="0" y="0"/>
-                </a:lnTo>
-                <a:lnTo>
-                  <a:pt x="1083809" y="0"/>
-                </a:lnTo>
-                <a:lnTo>
-                  <a:pt x="1083809" y="1083809"/>
-                </a:lnTo>
-                <a:close/>
-              </a:path>
-            </a:pathLst>
-          </a:custGeom>
-          <a:blipFill>
-            <a:blip r:embed="rId4"/>
-            <a:stretch>
-              <a:fillRect/>
-            </a:stretch>
-          </a:blipFill>
-        </p:spPr>
-      </p:sp>
-      <p:sp>
-        <p:nvSpPr>
-          <p:cNvPr id="12" name="Freeform 12"/>
-          <p:cNvSpPr/>
-          <p:nvPr/>
-        </p:nvSpPr>
-        <p:spPr>
-          <a:xfrm rot="-10800000" flipH="1" flipV="1">
-            <a:off x="12770705" y="1028700"/>
-            <a:ext cx="1083809" cy="1083809"/>
-          </a:xfrm>
-          <a:custGeom>
-            <a:avLst/>
-            <a:gdLst/>
-            <a:ahLst/>
-            <a:cxnLst/>
-            <a:rect l="l" t="t" r="r" b="b"/>
-            <a:pathLst>
-              <a:path w="1083809" h="1083809">
-                <a:moveTo>
-                  <a:pt x="1083809" y="1083809"/>
-                </a:moveTo>
-                <a:lnTo>
-                  <a:pt x="0" y="1083809"/>
-                </a:lnTo>
-                <a:lnTo>
-                  <a:pt x="0" y="0"/>
-                </a:lnTo>
-                <a:lnTo>
-                  <a:pt x="1083809" y="0"/>
-                </a:lnTo>
-                <a:lnTo>
-                  <a:pt x="1083809" y="1083809"/>
-                </a:lnTo>
-                <a:close/>
-              </a:path>
-            </a:pathLst>
-          </a:custGeom>
-          <a:blipFill>
-            <a:blip r:embed="rId3"/>
-            <a:stretch>
-              <a:fillRect/>
-            </a:stretch>
-          </a:blipFill>
-        </p:spPr>
-      </p:sp>
-      <p:sp>
-        <p:nvSpPr>
-          <p:cNvPr id="13" name="Freeform 13"/>
-          <p:cNvSpPr/>
-          <p:nvPr/>
-        </p:nvSpPr>
-        <p:spPr>
-          <a:xfrm rot="-10800000">
-            <a:off x="9525" y="7044155"/>
-            <a:ext cx="1083809" cy="1083809"/>
-          </a:xfrm>
-          <a:custGeom>
-            <a:avLst/>
-            <a:gdLst/>
-            <a:ahLst/>
-            <a:cxnLst/>
-            <a:rect l="l" t="t" r="r" b="b"/>
-            <a:pathLst>
-              <a:path w="1083809" h="1083809">
-                <a:moveTo>
-                  <a:pt x="0" y="0"/>
-                </a:moveTo>
-                <a:lnTo>
-                  <a:pt x="1083809" y="0"/>
-                </a:lnTo>
-                <a:lnTo>
-                  <a:pt x="1083809" y="1083809"/>
-                </a:lnTo>
-                <a:lnTo>
-                  <a:pt x="0" y="1083809"/>
-                </a:lnTo>
-                <a:lnTo>
-                  <a:pt x="0" y="0"/>
-                </a:lnTo>
-                <a:close/>
-              </a:path>
-            </a:pathLst>
-          </a:custGeom>
-          <a:blipFill>
-            <a:blip r:embed="rId1"/>
-            <a:stretch>
-              <a:fillRect/>
-            </a:stretch>
-          </a:blipFill>
-        </p:spPr>
-      </p:sp>
-      <p:sp>
-        <p:nvSpPr>
-          <p:cNvPr id="14" name="Freeform 14"/>
-          <p:cNvSpPr/>
-          <p:nvPr/>
-        </p:nvSpPr>
-        <p:spPr>
-          <a:xfrm>
-            <a:off x="1083809" y="7072730"/>
-            <a:ext cx="1083809" cy="1083809"/>
-          </a:xfrm>
-          <a:custGeom>
-            <a:avLst/>
-            <a:gdLst/>
-            <a:ahLst/>
-            <a:cxnLst/>
-            <a:rect l="l" t="t" r="r" b="b"/>
-            <a:pathLst>
-              <a:path w="1083809" h="1083809">
-                <a:moveTo>
-                  <a:pt x="0" y="0"/>
-                </a:moveTo>
-                <a:lnTo>
-                  <a:pt x="1083809" y="0"/>
-                </a:lnTo>
-                <a:lnTo>
-                  <a:pt x="1083809" y="1083809"/>
-                </a:lnTo>
-                <a:lnTo>
-                  <a:pt x="0" y="1083809"/>
-                </a:lnTo>
-                <a:lnTo>
-                  <a:pt x="0" y="0"/>
-                </a:lnTo>
-                <a:close/>
-              </a:path>
-            </a:pathLst>
-          </a:custGeom>
-          <a:blipFill>
-            <a:blip r:embed="rId2"/>
-            <a:stretch>
-              <a:fillRect/>
-            </a:stretch>
-          </a:blipFill>
-        </p:spPr>
-      </p:sp>
-      <p:sp>
-        <p:nvSpPr>
-          <p:cNvPr id="15" name="Freeform 15"/>
-          <p:cNvSpPr/>
-          <p:nvPr/>
-        </p:nvSpPr>
-        <p:spPr>
-          <a:xfrm>
-            <a:off x="0" y="8156539"/>
-            <a:ext cx="1083809" cy="1083809"/>
-          </a:xfrm>
-          <a:custGeom>
-            <a:avLst/>
-            <a:gdLst/>
-            <a:ahLst/>
-            <a:cxnLst/>
-            <a:rect l="l" t="t" r="r" b="b"/>
-            <a:pathLst>
-              <a:path w="1083809" h="1083809">
-                <a:moveTo>
-                  <a:pt x="0" y="0"/>
-                </a:moveTo>
-                <a:lnTo>
-                  <a:pt x="1083809" y="0"/>
-                </a:lnTo>
-                <a:lnTo>
-                  <a:pt x="1083809" y="1083809"/>
-                </a:lnTo>
-                <a:lnTo>
-                  <a:pt x="0" y="1083809"/>
-                </a:lnTo>
-                <a:lnTo>
-                  <a:pt x="0" y="0"/>
-                </a:lnTo>
-                <a:close/>
-              </a:path>
-            </a:pathLst>
-          </a:custGeom>
-          <a:blipFill>
-            <a:blip r:embed="rId1"/>
-            <a:stretch>
-              <a:fillRect/>
-            </a:stretch>
-          </a:blipFill>
-        </p:spPr>
-      </p:sp>
-      <p:sp>
-        <p:nvSpPr>
-          <p:cNvPr id="16" name="Freeform 16"/>
-          <p:cNvSpPr/>
-          <p:nvPr/>
-        </p:nvSpPr>
-        <p:spPr>
-          <a:xfrm rot="-10800000">
-            <a:off x="0" y="9240348"/>
-            <a:ext cx="1083809" cy="1083809"/>
-          </a:xfrm>
-          <a:custGeom>
-            <a:avLst/>
-            <a:gdLst/>
-            <a:ahLst/>
-            <a:cxnLst/>
-            <a:rect l="l" t="t" r="r" b="b"/>
-            <a:pathLst>
-              <a:path w="1083809" h="1083809">
-                <a:moveTo>
-                  <a:pt x="0" y="0"/>
-                </a:moveTo>
-                <a:lnTo>
-                  <a:pt x="1083809" y="0"/>
-                </a:lnTo>
-                <a:lnTo>
-                  <a:pt x="1083809" y="1083809"/>
-                </a:lnTo>
-                <a:lnTo>
-                  <a:pt x="0" y="1083809"/>
-                </a:lnTo>
-                <a:lnTo>
-                  <a:pt x="0" y="0"/>
-                </a:lnTo>
-                <a:close/>
-              </a:path>
-            </a:pathLst>
-          </a:custGeom>
-          <a:blipFill>
-            <a:blip r:embed="rId2"/>
-            <a:stretch>
-              <a:fillRect/>
-            </a:stretch>
-          </a:blipFill>
-        </p:spPr>
-      </p:sp>
-      <p:sp>
-        <p:nvSpPr>
-          <p:cNvPr id="17" name="Freeform 17"/>
-          <p:cNvSpPr/>
-          <p:nvPr/>
-        </p:nvSpPr>
-        <p:spPr>
-          <a:xfrm rot="-5400000">
-            <a:off x="1083809" y="9240348"/>
-            <a:ext cx="1083809" cy="1083809"/>
-          </a:xfrm>
-          <a:custGeom>
-            <a:avLst/>
-            <a:gdLst/>
-            <a:ahLst/>
-            <a:cxnLst/>
-            <a:rect l="l" t="t" r="r" b="b"/>
-            <a:pathLst>
-              <a:path w="1083809" h="1083809">
-                <a:moveTo>
-                  <a:pt x="0" y="0"/>
-                </a:moveTo>
-                <a:lnTo>
-                  <a:pt x="1083809" y="0"/>
-                </a:lnTo>
-                <a:lnTo>
-                  <a:pt x="1083809" y="1083809"/>
-                </a:lnTo>
-                <a:lnTo>
-                  <a:pt x="0" y="1083809"/>
-                </a:lnTo>
-                <a:lnTo>
-                  <a:pt x="0" y="0"/>
-                </a:lnTo>
-                <a:close/>
-              </a:path>
-            </a:pathLst>
-          </a:custGeom>
-          <a:blipFill>
-            <a:blip r:embed="rId3"/>
-            <a:stretch>
-              <a:fillRect/>
-            </a:stretch>
-          </a:blipFill>
-        </p:spPr>
-      </p:sp>
-      <p:sp>
-        <p:nvSpPr>
-          <p:cNvPr id="18" name="Freeform 18"/>
-          <p:cNvSpPr/>
-          <p:nvPr/>
-        </p:nvSpPr>
-        <p:spPr>
-          <a:xfrm rot="-10800000">
-            <a:off x="3321750" y="9268923"/>
-            <a:ext cx="1083809" cy="1083809"/>
-          </a:xfrm>
-          <a:custGeom>
-            <a:avLst/>
-            <a:gdLst/>
-            <a:ahLst/>
-            <a:cxnLst/>
-            <a:rect l="l" t="t" r="r" b="b"/>
-            <a:pathLst>
-              <a:path w="1083809" h="1083809">
-                <a:moveTo>
-                  <a:pt x="0" y="0"/>
-                </a:moveTo>
-                <a:lnTo>
-                  <a:pt x="1083809" y="0"/>
-                </a:lnTo>
-                <a:lnTo>
-                  <a:pt x="1083809" y="1083809"/>
-                </a:lnTo>
-                <a:lnTo>
-                  <a:pt x="0" y="1083809"/>
-                </a:lnTo>
-                <a:lnTo>
-                  <a:pt x="0" y="0"/>
-                </a:lnTo>
-                <a:close/>
-              </a:path>
-            </a:pathLst>
-          </a:custGeom>
-          <a:blipFill>
-            <a:blip r:embed="rId3"/>
-            <a:stretch>
-              <a:fillRect/>
-            </a:stretch>
-          </a:blipFill>
-        </p:spPr>
-      </p:sp>
-      <p:sp>
-        <p:nvSpPr>
-          <p:cNvPr id="19" name="Freeform 19"/>
-          <p:cNvSpPr/>
-          <p:nvPr/>
-        </p:nvSpPr>
-        <p:spPr>
-          <a:xfrm>
-            <a:off x="3321750" y="8185114"/>
-            <a:ext cx="1083809" cy="1083809"/>
-          </a:xfrm>
-          <a:custGeom>
-            <a:avLst/>
-            <a:gdLst/>
-            <a:ahLst/>
-            <a:cxnLst/>
-            <a:rect l="l" t="t" r="r" b="b"/>
-            <a:pathLst>
-              <a:path w="1083809" h="1083809">
-                <a:moveTo>
-                  <a:pt x="0" y="0"/>
-                </a:moveTo>
-                <a:lnTo>
-                  <a:pt x="1083809" y="0"/>
-                </a:lnTo>
-                <a:lnTo>
-                  <a:pt x="1083809" y="1083809"/>
-                </a:lnTo>
-                <a:lnTo>
-                  <a:pt x="0" y="1083809"/>
-                </a:lnTo>
-                <a:lnTo>
-                  <a:pt x="0" y="0"/>
-                </a:lnTo>
-                <a:close/>
-              </a:path>
-            </a:pathLst>
-          </a:custGeom>
-          <a:blipFill>
-            <a:blip r:embed="rId2"/>
-            <a:stretch>
-              <a:fillRect/>
-            </a:stretch>
-          </a:blipFill>
-        </p:spPr>
-      </p:sp>
-      <p:sp>
-        <p:nvSpPr>
-          <p:cNvPr id="20" name="Freeform 20"/>
-          <p:cNvSpPr/>
-          <p:nvPr/>
-        </p:nvSpPr>
-        <p:spPr>
-          <a:xfrm rot="5400000">
-            <a:off x="4405559" y="9268923"/>
-            <a:ext cx="1083809" cy="1083809"/>
-          </a:xfrm>
-          <a:custGeom>
-            <a:avLst/>
-            <a:gdLst/>
-            <a:ahLst/>
-            <a:cxnLst/>
-            <a:rect l="l" t="t" r="r" b="b"/>
-            <a:pathLst>
-              <a:path w="1083809" h="1083809">
-                <a:moveTo>
-                  <a:pt x="0" y="0"/>
-                </a:moveTo>
-                <a:lnTo>
-                  <a:pt x="1083809" y="0"/>
-                </a:lnTo>
-                <a:lnTo>
-                  <a:pt x="1083809" y="1083809"/>
-                </a:lnTo>
-                <a:lnTo>
-                  <a:pt x="0" y="1083809"/>
-                </a:lnTo>
-                <a:lnTo>
-                  <a:pt x="0" y="0"/>
-                </a:lnTo>
-                <a:close/>
-              </a:path>
-            </a:pathLst>
-          </a:custGeom>
-          <a:blipFill>
-            <a:blip r:embed="rId1"/>
             <a:stretch>
               <a:fillRect/>
             </a:stretch>
@@ -13872,6 +17344,7 @@
                     <a:spcPts val="2555"/>
                   </a:lnSpc>
                 </a:pPr>
+                <a:endParaRPr/>
               </a:p>
             </p:txBody>
           </p:sp>
@@ -14219,6 +17692,7 @@
                     <a:spcPts val="2555"/>
                   </a:lnSpc>
                 </a:pPr>
+                <a:endParaRPr/>
               </a:p>
             </p:txBody>
           </p:sp>
@@ -14455,7 +17929,7 @@
 </p:sld>
 </file>
 
-<file path=ppt/slides/slide3.xml><?xml version="1.0" encoding="utf-8"?>
+<file path=ppt/slides/slide4.xml><?xml version="1.0" encoding="utf-8"?>
 <p:sld xmlns:a="http://schemas.openxmlformats.org/drawingml/2006/main" xmlns:r="http://schemas.openxmlformats.org/officeDocument/2006/relationships" xmlns:p="http://schemas.openxmlformats.org/presentationml/2006/main">
   <p:cSld>
     <p:spTree>
@@ -14472,92 +17946,6 @@
           <a:chExt cx="0" cy="0"/>
         </a:xfrm>
       </p:grpSpPr>
-      <p:sp>
-        <p:nvSpPr>
-          <p:cNvPr id="3" name="TextBox 3"/>
-          <p:cNvSpPr txBox="1"/>
-          <p:nvPr/>
-        </p:nvSpPr>
-        <p:spPr>
-          <a:xfrm>
-            <a:off x="1485129" y="1570058"/>
-            <a:ext cx="6967300" cy="656655"/>
-          </a:xfrm>
-          <a:prstGeom prst="rect">
-            <a:avLst/>
-          </a:prstGeom>
-        </p:spPr>
-        <p:txBody>
-          <a:bodyPr lIns="0" tIns="0" rIns="0" bIns="0" rtlCol="0" anchor="t">
-            <a:spAutoFit/>
-          </a:bodyPr>
-          <a:lstStyle/>
-          <a:p>
-            <a:pPr>
-              <a:lnSpc>
-                <a:spcPts val="5545"/>
-              </a:lnSpc>
-            </a:pPr>
-            <a:r>
-              <a:rPr lang="en-US" sz="4000" b="1" dirty="0" err="1" smtClean="0">
-                <a:solidFill>
-                  <a:srgbClr val="227C9D"/>
-                </a:solidFill>
-                <a:latin typeface="Times New Roman" panose="02020603050405020304" pitchFamily="18" charset="0"/>
-                <a:cs typeface="Times New Roman" panose="02020603050405020304" pitchFamily="18" charset="0"/>
-              </a:rPr>
-              <a:t>Lời</a:t>
-            </a:r>
-            <a:r>
-              <a:rPr lang="en-US" sz="4000" b="1" dirty="0" smtClean="0">
-                <a:solidFill>
-                  <a:srgbClr val="227C9D"/>
-                </a:solidFill>
-                <a:latin typeface="Times New Roman" panose="02020603050405020304" pitchFamily="18" charset="0"/>
-                <a:cs typeface="Times New Roman" panose="02020603050405020304" pitchFamily="18" charset="0"/>
-              </a:rPr>
-              <a:t> </a:t>
-            </a:r>
-            <a:r>
-              <a:rPr lang="en-US" sz="4000" b="1" dirty="0" err="1" smtClean="0">
-                <a:solidFill>
-                  <a:srgbClr val="227C9D"/>
-                </a:solidFill>
-                <a:latin typeface="Times New Roman" panose="02020603050405020304" pitchFamily="18" charset="0"/>
-                <a:cs typeface="Times New Roman" panose="02020603050405020304" pitchFamily="18" charset="0"/>
-              </a:rPr>
-              <a:t>mở</a:t>
-            </a:r>
-            <a:r>
-              <a:rPr lang="en-US" sz="4000" b="1" dirty="0" smtClean="0">
-                <a:solidFill>
-                  <a:srgbClr val="227C9D"/>
-                </a:solidFill>
-                <a:latin typeface="Times New Roman" panose="02020603050405020304" pitchFamily="18" charset="0"/>
-                <a:cs typeface="Times New Roman" panose="02020603050405020304" pitchFamily="18" charset="0"/>
-              </a:rPr>
-              <a:t> </a:t>
-            </a:r>
-            <a:r>
-              <a:rPr lang="en-US" sz="4000" b="1" dirty="0" err="1" smtClean="0">
-                <a:solidFill>
-                  <a:srgbClr val="227C9D"/>
-                </a:solidFill>
-                <a:latin typeface="Times New Roman" panose="02020603050405020304" pitchFamily="18" charset="0"/>
-                <a:cs typeface="Times New Roman" panose="02020603050405020304" pitchFamily="18" charset="0"/>
-              </a:rPr>
-              <a:t>đầu</a:t>
-            </a:r>
-            <a:endParaRPr lang="en-US" sz="4000" b="1" dirty="0">
-              <a:solidFill>
-                <a:srgbClr val="227C9D"/>
-              </a:solidFill>
-              <a:latin typeface="Times New Roman" panose="02020603050405020304" pitchFamily="18" charset="0"/>
-              <a:cs typeface="Times New Roman" panose="02020603050405020304" pitchFamily="18" charset="0"/>
-            </a:endParaRPr>
-          </a:p>
-        </p:txBody>
-      </p:sp>
       <p:grpSp>
         <p:nvGrpSpPr>
           <p:cNvPr id="4" name="Group 4"/>
@@ -14670,6 +18058,7 @@
                   <a:spcPts val="2555"/>
                 </a:lnSpc>
               </a:pPr>
+              <a:endParaRPr/>
             </a:p>
           </p:txBody>
         </p:sp>
@@ -14786,6 +18175,7 @@
                   <a:spcPts val="2555"/>
                 </a:lnSpc>
               </a:pPr>
+              <a:endParaRPr/>
             </a:p>
           </p:txBody>
         </p:sp>
@@ -14910,455 +18300,6 @@
           </a:ln>
         </p:spPr>
       </p:sp>
-      <p:sp>
-        <p:nvSpPr>
-          <p:cNvPr id="27" name="TextBox 27"/>
-          <p:cNvSpPr txBox="1"/>
-          <p:nvPr/>
-        </p:nvSpPr>
-        <p:spPr>
-          <a:xfrm>
-            <a:off x="1485129" y="2508104"/>
-            <a:ext cx="15507471" cy="369332"/>
-          </a:xfrm>
-          <a:prstGeom prst="rect">
-            <a:avLst/>
-          </a:prstGeom>
-        </p:spPr>
-        <p:txBody>
-          <a:bodyPr wrap="square" lIns="0" tIns="0" rIns="0" bIns="0" rtlCol="0" anchor="t">
-            <a:spAutoFit/>
-          </a:bodyPr>
-          <a:lstStyle/>
-          <a:p>
-            <a:endParaRPr lang="en-US" sz="2400" dirty="0">
-              <a:solidFill>
-                <a:srgbClr val="545454"/>
-              </a:solidFill>
-              <a:latin typeface="Times New Roman" panose="02020603050405020304" pitchFamily="18" charset="0"/>
-              <a:cs typeface="Times New Roman" panose="02020603050405020304" pitchFamily="18" charset="0"/>
-            </a:endParaRPr>
-          </a:p>
-        </p:txBody>
-      </p:sp>
-      <p:sp>
-        <p:nvSpPr>
-          <p:cNvPr id="2" name="Rectangle 1"/>
-          <p:cNvSpPr/>
-          <p:nvPr/>
-        </p:nvSpPr>
-        <p:spPr>
-          <a:xfrm>
-            <a:off x="1371599" y="2525422"/>
-            <a:ext cx="15720431" cy="2248693"/>
-          </a:xfrm>
-          <a:prstGeom prst="rect">
-            <a:avLst/>
-          </a:prstGeom>
-        </p:spPr>
-        <p:txBody>
-          <a:bodyPr wrap="square">
-            <a:spAutoFit/>
-          </a:bodyPr>
-          <a:lstStyle/>
-          <a:p>
-            <a:pPr>
-              <a:lnSpc>
-                <a:spcPct val="150000"/>
-              </a:lnSpc>
-            </a:pPr>
-            <a:r>
-              <a:rPr lang="vi-VN" sz="2400" dirty="0"/>
-              <a:t>Mô hình Model-View-Controller (MVC) là một mẫu kiến ​​trúc phân tách một ứng dụng thành ba thành phần logic chính Model, View và Controller. Do đó viết tắt MVC. Mỗi thành phần kiến ​​trúc được xây dựng để xử lý khía cạnh phát triển cụ thể của một ứng dụng. MVC tách lớp logic nghiệp vụ và lớp hiển thị ra riêng biệt. Ngày nay, kiến ​​trúc MVC đã trở nên phổ biến để thiết kế các ứng dụng web cũng như ứng dụng di động.</a:t>
-            </a:r>
-            <a:endParaRPr lang="en-US" sz="2400" dirty="0"/>
-          </a:p>
-        </p:txBody>
-      </p:sp>
-    </p:spTree>
-  </p:cSld>
-  <p:clrMapOvr>
-    <a:masterClrMapping/>
-  </p:clrMapOvr>
-  <p:timing>
-    <p:tnLst>
-      <p:par>
-        <p:cTn id="1" dur="indefinite" restart="never" nodeType="tmRoot"/>
-      </p:par>
-    </p:tnLst>
-  </p:timing>
-</p:sld>
-</file>
-
-<file path=ppt/slides/slide4.xml><?xml version="1.0" encoding="utf-8"?>
-<p:sld xmlns:a="http://schemas.openxmlformats.org/drawingml/2006/main" xmlns:r="http://schemas.openxmlformats.org/officeDocument/2006/relationships" xmlns:p="http://schemas.openxmlformats.org/presentationml/2006/main">
-  <p:cSld>
-    <p:spTree>
-      <p:nvGrpSpPr>
-        <p:cNvPr id="1" name=""/>
-        <p:cNvGrpSpPr/>
-        <p:nvPr/>
-      </p:nvGrpSpPr>
-      <p:grpSpPr>
-        <a:xfrm>
-          <a:off x="0" y="0"/>
-          <a:ext cx="0" cy="0"/>
-          <a:chOff x="0" y="0"/>
-          <a:chExt cx="0" cy="0"/>
-        </a:xfrm>
-      </p:grpSpPr>
-      <p:grpSp>
-        <p:nvGrpSpPr>
-          <p:cNvPr id="4" name="Group 4"/>
-          <p:cNvGrpSpPr/>
-          <p:nvPr/>
-        </p:nvGrpSpPr>
-        <p:grpSpPr>
-          <a:xfrm rot="2700000">
-            <a:off x="-2693793" y="7510422"/>
-            <a:ext cx="7415398" cy="3565095"/>
-            <a:chOff x="0" y="0"/>
-            <a:chExt cx="660400" cy="317500"/>
-          </a:xfrm>
-        </p:grpSpPr>
-        <p:sp>
-          <p:nvSpPr>
-            <p:cNvPr id="5" name="Freeform 5"/>
-            <p:cNvSpPr/>
-            <p:nvPr/>
-          </p:nvSpPr>
-          <p:spPr>
-            <a:xfrm>
-              <a:off x="0" y="0"/>
-              <a:ext cx="660400" cy="317500"/>
-            </a:xfrm>
-            <a:custGeom>
-              <a:avLst/>
-              <a:gdLst/>
-              <a:ahLst/>
-              <a:cxnLst/>
-              <a:rect l="l" t="t" r="r" b="b"/>
-              <a:pathLst>
-                <a:path w="660400" h="317500">
-                  <a:moveTo>
-                    <a:pt x="220252" y="19070"/>
-                  </a:moveTo>
-                  <a:cubicBezTo>
-                    <a:pt x="254000" y="7556"/>
-                    <a:pt x="292600" y="0"/>
-                    <a:pt x="330378" y="0"/>
-                  </a:cubicBezTo>
-                  <a:cubicBezTo>
-                    <a:pt x="368157" y="0"/>
-                    <a:pt x="404509" y="6476"/>
-                    <a:pt x="438009" y="17990"/>
-                  </a:cubicBezTo>
-                  <a:cubicBezTo>
-                    <a:pt x="438723" y="18350"/>
-                    <a:pt x="439435" y="18350"/>
-                    <a:pt x="440148" y="18710"/>
-                  </a:cubicBezTo>
-                  <a:cubicBezTo>
-                    <a:pt x="565955" y="64765"/>
-                    <a:pt x="658618" y="186379"/>
-                    <a:pt x="660400" y="317500"/>
-                  </a:cubicBezTo>
-                  <a:lnTo>
-                    <a:pt x="660400" y="317500"/>
-                  </a:lnTo>
-                  <a:lnTo>
-                    <a:pt x="0" y="317500"/>
-                  </a:lnTo>
-                  <a:lnTo>
-                    <a:pt x="0" y="317500"/>
-                  </a:lnTo>
-                  <a:cubicBezTo>
-                    <a:pt x="1782" y="185660"/>
-                    <a:pt x="93019" y="64045"/>
-                    <a:pt x="220252" y="19070"/>
-                  </a:cubicBezTo>
-                  <a:close/>
-                </a:path>
-              </a:pathLst>
-            </a:custGeom>
-            <a:solidFill>
-              <a:srgbClr val="000000">
-                <a:alpha val="0"/>
-              </a:srgbClr>
-            </a:solidFill>
-            <a:ln w="28575" cap="sq">
-              <a:solidFill>
-                <a:srgbClr val="8CA9AD"/>
-              </a:solidFill>
-              <a:prstDash val="solid"/>
-              <a:miter/>
-            </a:ln>
-          </p:spPr>
-        </p:sp>
-        <p:sp>
-          <p:nvSpPr>
-            <p:cNvPr id="6" name="TextBox 6"/>
-            <p:cNvSpPr txBox="1"/>
-            <p:nvPr/>
-          </p:nvSpPr>
-          <p:spPr>
-            <a:xfrm>
-              <a:off x="0" y="146050"/>
-              <a:ext cx="660400" cy="171450"/>
-            </a:xfrm>
-            <a:prstGeom prst="rect">
-              <a:avLst/>
-            </a:prstGeom>
-          </p:spPr>
-          <p:txBody>
-            <a:bodyPr lIns="50800" tIns="50800" rIns="50800" bIns="50800" rtlCol="0" anchor="ctr"/>
-            <a:lstStyle/>
-            <a:p>
-              <a:pPr algn="ctr">
-                <a:lnSpc>
-                  <a:spcPts val="2555"/>
-                </a:lnSpc>
-              </a:pPr>
-            </a:p>
-          </p:txBody>
-        </p:sp>
-      </p:grpSp>
-      <p:grpSp>
-        <p:nvGrpSpPr>
-          <p:cNvPr id="19" name="Group 19"/>
-          <p:cNvGrpSpPr/>
-          <p:nvPr/>
-        </p:nvGrpSpPr>
-        <p:grpSpPr>
-          <a:xfrm rot="-2700000">
-            <a:off x="14034654" y="-4091495"/>
-            <a:ext cx="7415398" cy="3565095"/>
-            <a:chOff x="0" y="0"/>
-            <a:chExt cx="660400" cy="317500"/>
-          </a:xfrm>
-        </p:grpSpPr>
-        <p:sp>
-          <p:nvSpPr>
-            <p:cNvPr id="20" name="Freeform 20"/>
-            <p:cNvSpPr/>
-            <p:nvPr/>
-          </p:nvSpPr>
-          <p:spPr>
-            <a:xfrm>
-              <a:off x="0" y="0"/>
-              <a:ext cx="660400" cy="317500"/>
-            </a:xfrm>
-            <a:custGeom>
-              <a:avLst/>
-              <a:gdLst/>
-              <a:ahLst/>
-              <a:cxnLst/>
-              <a:rect l="l" t="t" r="r" b="b"/>
-              <a:pathLst>
-                <a:path w="660400" h="317500">
-                  <a:moveTo>
-                    <a:pt x="220252" y="19070"/>
-                  </a:moveTo>
-                  <a:cubicBezTo>
-                    <a:pt x="254000" y="7556"/>
-                    <a:pt x="292600" y="0"/>
-                    <a:pt x="330378" y="0"/>
-                  </a:cubicBezTo>
-                  <a:cubicBezTo>
-                    <a:pt x="368157" y="0"/>
-                    <a:pt x="404509" y="6476"/>
-                    <a:pt x="438009" y="17990"/>
-                  </a:cubicBezTo>
-                  <a:cubicBezTo>
-                    <a:pt x="438723" y="18350"/>
-                    <a:pt x="439435" y="18350"/>
-                    <a:pt x="440148" y="18710"/>
-                  </a:cubicBezTo>
-                  <a:cubicBezTo>
-                    <a:pt x="565955" y="64765"/>
-                    <a:pt x="658618" y="186379"/>
-                    <a:pt x="660400" y="317500"/>
-                  </a:cubicBezTo>
-                  <a:lnTo>
-                    <a:pt x="660400" y="317500"/>
-                  </a:lnTo>
-                  <a:lnTo>
-                    <a:pt x="0" y="317500"/>
-                  </a:lnTo>
-                  <a:lnTo>
-                    <a:pt x="0" y="317500"/>
-                  </a:lnTo>
-                  <a:cubicBezTo>
-                    <a:pt x="1782" y="185660"/>
-                    <a:pt x="93019" y="64045"/>
-                    <a:pt x="220252" y="19070"/>
-                  </a:cubicBezTo>
-                  <a:close/>
-                </a:path>
-              </a:pathLst>
-            </a:custGeom>
-            <a:solidFill>
-              <a:srgbClr val="000000">
-                <a:alpha val="0"/>
-              </a:srgbClr>
-            </a:solidFill>
-            <a:ln w="28575" cap="sq">
-              <a:solidFill>
-                <a:srgbClr val="8CA9AD"/>
-              </a:solidFill>
-              <a:prstDash val="solid"/>
-              <a:miter/>
-            </a:ln>
-          </p:spPr>
-        </p:sp>
-        <p:sp>
-          <p:nvSpPr>
-            <p:cNvPr id="21" name="TextBox 21"/>
-            <p:cNvSpPr txBox="1"/>
-            <p:nvPr/>
-          </p:nvSpPr>
-          <p:spPr>
-            <a:xfrm>
-              <a:off x="0" y="146050"/>
-              <a:ext cx="660400" cy="171450"/>
-            </a:xfrm>
-            <a:prstGeom prst="rect">
-              <a:avLst/>
-            </a:prstGeom>
-          </p:spPr>
-          <p:txBody>
-            <a:bodyPr lIns="50800" tIns="50800" rIns="50800" bIns="50800" rtlCol="0" anchor="ctr"/>
-            <a:lstStyle/>
-            <a:p>
-              <a:pPr algn="ctr">
-                <a:lnSpc>
-                  <a:spcPts val="2555"/>
-                </a:lnSpc>
-              </a:pPr>
-            </a:p>
-          </p:txBody>
-        </p:sp>
-      </p:grpSp>
-      <p:sp>
-        <p:nvSpPr>
-          <p:cNvPr id="22" name="AutoShape 22"/>
-          <p:cNvSpPr/>
-          <p:nvPr/>
-        </p:nvSpPr>
-        <p:spPr>
-          <a:xfrm flipV="1">
-            <a:off x="16779354" y="-3323851"/>
-            <a:ext cx="5132702" cy="5185216"/>
-          </a:xfrm>
-          <a:prstGeom prst="line">
-            <a:avLst/>
-          </a:prstGeom>
-          <a:ln w="28575" cap="flat">
-            <a:solidFill>
-              <a:srgbClr val="8CA9AD"/>
-            </a:solidFill>
-            <a:prstDash val="solid"/>
-            <a:headEnd type="none" w="sm" len="sm"/>
-            <a:tailEnd type="none" w="sm" len="sm"/>
-          </a:ln>
-        </p:spPr>
-      </p:sp>
-      <p:sp>
-        <p:nvSpPr>
-          <p:cNvPr id="23" name="AutoShape 23"/>
-          <p:cNvSpPr/>
-          <p:nvPr/>
-        </p:nvSpPr>
-        <p:spPr>
-          <a:xfrm flipV="1">
-            <a:off x="17092031" y="-2963542"/>
-            <a:ext cx="5038853" cy="5038853"/>
-          </a:xfrm>
-          <a:prstGeom prst="line">
-            <a:avLst/>
-          </a:prstGeom>
-          <a:ln w="28575" cap="flat">
-            <a:solidFill>
-              <a:srgbClr val="8CA9AD"/>
-            </a:solidFill>
-            <a:prstDash val="solid"/>
-            <a:headEnd type="none" w="sm" len="sm"/>
-            <a:tailEnd type="none" w="sm" len="sm"/>
-          </a:ln>
-        </p:spPr>
-      </p:sp>
-      <p:sp>
-        <p:nvSpPr>
-          <p:cNvPr id="24" name="AutoShape 24"/>
-          <p:cNvSpPr/>
-          <p:nvPr/>
-        </p:nvSpPr>
-        <p:spPr>
-          <a:xfrm flipV="1">
-            <a:off x="17450501" y="-2612228"/>
-            <a:ext cx="4867141" cy="4867141"/>
-          </a:xfrm>
-          <a:prstGeom prst="line">
-            <a:avLst/>
-          </a:prstGeom>
-          <a:ln w="28575" cap="flat">
-            <a:solidFill>
-              <a:srgbClr val="8CA9AD"/>
-            </a:solidFill>
-            <a:prstDash val="solid"/>
-            <a:headEnd type="none" w="sm" len="sm"/>
-            <a:tailEnd type="none" w="sm" len="sm"/>
-          </a:ln>
-        </p:spPr>
-      </p:sp>
-      <p:sp>
-        <p:nvSpPr>
-          <p:cNvPr id="25" name="AutoShape 25"/>
-          <p:cNvSpPr/>
-          <p:nvPr/>
-        </p:nvSpPr>
-        <p:spPr>
-          <a:xfrm flipV="1">
-            <a:off x="17836769" y="-2308948"/>
-            <a:ext cx="4690515" cy="4690515"/>
-          </a:xfrm>
-          <a:prstGeom prst="line">
-            <a:avLst/>
-          </a:prstGeom>
-          <a:ln w="28575" cap="flat">
-            <a:solidFill>
-              <a:srgbClr val="8CA9AD"/>
-            </a:solidFill>
-            <a:prstDash val="solid"/>
-            <a:headEnd type="none" w="sm" len="sm"/>
-            <a:tailEnd type="none" w="sm" len="sm"/>
-          </a:ln>
-        </p:spPr>
-      </p:sp>
-      <p:sp>
-        <p:nvSpPr>
-          <p:cNvPr id="26" name="AutoShape 26"/>
-          <p:cNvSpPr/>
-          <p:nvPr/>
-        </p:nvSpPr>
-        <p:spPr>
-          <a:xfrm flipV="1">
-            <a:off x="18276445" y="-1822252"/>
-            <a:ext cx="4347674" cy="4347674"/>
-          </a:xfrm>
-          <a:prstGeom prst="line">
-            <a:avLst/>
-          </a:prstGeom>
-          <a:ln w="28575" cap="flat">
-            <a:solidFill>
-              <a:srgbClr val="8CA9AD"/>
-            </a:solidFill>
-            <a:prstDash val="solid"/>
-            <a:headEnd type="none" w="sm" len="sm"/>
-            <a:tailEnd type="none" w="sm" len="sm"/>
-          </a:ln>
-        </p:spPr>
-      </p:sp>
       <p:pic>
         <p:nvPicPr>
           <p:cNvPr id="2" name="Picture 1"/>
@@ -15368,7 +18309,7 @@
           <p:nvPr/>
         </p:nvPicPr>
         <p:blipFill>
-          <a:blip r:embed="rId1"/>
+          <a:blip r:embed="rId2"/>
           <a:stretch>
             <a:fillRect/>
           </a:stretch>
@@ -15454,10 +18395,10 @@
             </a:pathLst>
           </a:custGeom>
           <a:blipFill>
-            <a:blip r:embed="rId1">
+            <a:blip r:embed="rId2">
               <a:extLst>
                 <a:ext uri="{96DAC541-7B7A-43D3-8B79-37D633B846F1}">
-                  <asvg:svgBlip xmlns:asvg="http://schemas.microsoft.com/office/drawing/2016/SVG/main" r:embed="rId2"/>
+                  <asvg:svgBlip xmlns:asvg="http://schemas.microsoft.com/office/drawing/2016/SVG/main" xmlns="" r:embed="rId3"/>
                 </a:ext>
               </a:extLst>
             </a:blip>
@@ -15506,10 +18447,10 @@
             </a:pathLst>
           </a:custGeom>
           <a:blipFill>
-            <a:blip r:embed="rId3">
+            <a:blip r:embed="rId4">
               <a:extLst>
                 <a:ext uri="{96DAC541-7B7A-43D3-8B79-37D633B846F1}">
-                  <asvg:svgBlip xmlns:asvg="http://schemas.microsoft.com/office/drawing/2016/SVG/main" r:embed="rId4"/>
+                  <asvg:svgBlip xmlns:asvg="http://schemas.microsoft.com/office/drawing/2016/SVG/main" xmlns="" r:embed="rId5"/>
                 </a:ext>
               </a:extLst>
             </a:blip>
@@ -15558,10 +18499,10 @@
             </a:pathLst>
           </a:custGeom>
           <a:blipFill>
-            <a:blip r:embed="rId1">
+            <a:blip r:embed="rId2">
               <a:extLst>
                 <a:ext uri="{96DAC541-7B7A-43D3-8B79-37D633B846F1}">
-                  <asvg:svgBlip xmlns:asvg="http://schemas.microsoft.com/office/drawing/2016/SVG/main" r:embed="rId2"/>
+                  <asvg:svgBlip xmlns:asvg="http://schemas.microsoft.com/office/drawing/2016/SVG/main" xmlns="" r:embed="rId3"/>
                 </a:ext>
               </a:extLst>
             </a:blip>
@@ -15610,10 +18551,10 @@
             </a:pathLst>
           </a:custGeom>
           <a:blipFill>
-            <a:blip r:embed="rId3">
+            <a:blip r:embed="rId4">
               <a:extLst>
                 <a:ext uri="{96DAC541-7B7A-43D3-8B79-37D633B846F1}">
-                  <asvg:svgBlip xmlns:asvg="http://schemas.microsoft.com/office/drawing/2016/SVG/main" r:embed="rId4"/>
+                  <asvg:svgBlip xmlns:asvg="http://schemas.microsoft.com/office/drawing/2016/SVG/main" xmlns="" r:embed="rId5"/>
                 </a:ext>
               </a:extLst>
             </a:blip>
@@ -15662,10 +18603,10 @@
             </a:pathLst>
           </a:custGeom>
           <a:blipFill>
-            <a:blip r:embed="rId1">
+            <a:blip r:embed="rId2">
               <a:extLst>
                 <a:ext uri="{96DAC541-7B7A-43D3-8B79-37D633B846F1}">
-                  <asvg:svgBlip xmlns:asvg="http://schemas.microsoft.com/office/drawing/2016/SVG/main" r:embed="rId2"/>
+                  <asvg:svgBlip xmlns:asvg="http://schemas.microsoft.com/office/drawing/2016/SVG/main" xmlns="" r:embed="rId3"/>
                 </a:ext>
               </a:extLst>
             </a:blip>
@@ -15714,10 +18655,10 @@
             </a:pathLst>
           </a:custGeom>
           <a:blipFill>
-            <a:blip r:embed="rId3">
+            <a:blip r:embed="rId4">
               <a:extLst>
                 <a:ext uri="{96DAC541-7B7A-43D3-8B79-37D633B846F1}">
-                  <asvg:svgBlip xmlns:asvg="http://schemas.microsoft.com/office/drawing/2016/SVG/main" r:embed="rId4"/>
+                  <asvg:svgBlip xmlns:asvg="http://schemas.microsoft.com/office/drawing/2016/SVG/main" xmlns="" r:embed="rId5"/>
                 </a:ext>
               </a:extLst>
             </a:blip>
@@ -15766,10 +18707,10 @@
             </a:pathLst>
           </a:custGeom>
           <a:blipFill>
-            <a:blip r:embed="rId5">
+            <a:blip r:embed="rId6">
               <a:extLst>
                 <a:ext uri="{96DAC541-7B7A-43D3-8B79-37D633B846F1}">
-                  <asvg:svgBlip xmlns:asvg="http://schemas.microsoft.com/office/drawing/2016/SVG/main" r:embed="rId6"/>
+                  <asvg:svgBlip xmlns:asvg="http://schemas.microsoft.com/office/drawing/2016/SVG/main" xmlns="" r:embed="rId7"/>
                 </a:ext>
               </a:extLst>
             </a:blip>
@@ -15818,10 +18759,10 @@
             </a:pathLst>
           </a:custGeom>
           <a:blipFill>
-            <a:blip r:embed="rId7">
+            <a:blip r:embed="rId8">
               <a:extLst>
                 <a:ext uri="{96DAC541-7B7A-43D3-8B79-37D633B846F1}">
-                  <asvg:svgBlip xmlns:asvg="http://schemas.microsoft.com/office/drawing/2016/SVG/main" r:embed="rId8"/>
+                  <asvg:svgBlip xmlns:asvg="http://schemas.microsoft.com/office/drawing/2016/SVG/main" xmlns="" r:embed="rId9"/>
                 </a:ext>
               </a:extLst>
             </a:blip>
@@ -15870,10 +18811,10 @@
             </a:pathLst>
           </a:custGeom>
           <a:blipFill>
-            <a:blip r:embed="rId5">
+            <a:blip r:embed="rId6">
               <a:extLst>
                 <a:ext uri="{96DAC541-7B7A-43D3-8B79-37D633B846F1}">
-                  <asvg:svgBlip xmlns:asvg="http://schemas.microsoft.com/office/drawing/2016/SVG/main" r:embed="rId6"/>
+                  <asvg:svgBlip xmlns:asvg="http://schemas.microsoft.com/office/drawing/2016/SVG/main" xmlns="" r:embed="rId7"/>
                 </a:ext>
               </a:extLst>
             </a:blip>
@@ -15922,10 +18863,10 @@
             </a:pathLst>
           </a:custGeom>
           <a:blipFill>
-            <a:blip r:embed="rId7">
+            <a:blip r:embed="rId8">
               <a:extLst>
                 <a:ext uri="{96DAC541-7B7A-43D3-8B79-37D633B846F1}">
-                  <asvg:svgBlip xmlns:asvg="http://schemas.microsoft.com/office/drawing/2016/SVG/main" r:embed="rId8"/>
+                  <asvg:svgBlip xmlns:asvg="http://schemas.microsoft.com/office/drawing/2016/SVG/main" xmlns="" r:embed="rId9"/>
                 </a:ext>
               </a:extLst>
             </a:blip>
@@ -15974,10 +18915,10 @@
             </a:pathLst>
           </a:custGeom>
           <a:blipFill>
-            <a:blip r:embed="rId5">
+            <a:blip r:embed="rId6">
               <a:extLst>
                 <a:ext uri="{96DAC541-7B7A-43D3-8B79-37D633B846F1}">
-                  <asvg:svgBlip xmlns:asvg="http://schemas.microsoft.com/office/drawing/2016/SVG/main" r:embed="rId6"/>
+                  <asvg:svgBlip xmlns:asvg="http://schemas.microsoft.com/office/drawing/2016/SVG/main" xmlns="" r:embed="rId7"/>
                 </a:ext>
               </a:extLst>
             </a:blip>
@@ -16205,12 +19146,6 @@
               </a:rPr>
               <a:t>View: Chính là bạn.</a:t>
             </a:r>
-            <a:endParaRPr lang="vi-VN" sz="2400" dirty="0">
-              <a:solidFill>
-                <a:srgbClr val="1B1B1B"/>
-              </a:solidFill>
-              <a:latin typeface="Open Sans"/>
-            </a:endParaRPr>
           </a:p>
           <a:p>
             <a:pPr>
@@ -16229,12 +19164,6 @@
               </a:rPr>
               <a:t>Controller: Là người phục vụ.</a:t>
             </a:r>
-            <a:endParaRPr lang="vi-VN" sz="2400" dirty="0">
-              <a:solidFill>
-                <a:srgbClr val="1B1B1B"/>
-              </a:solidFill>
-              <a:latin typeface="Open Sans"/>
-            </a:endParaRPr>
           </a:p>
           <a:p>
             <a:pPr>
@@ -16253,12 +19182,6 @@
               </a:rPr>
               <a:t>Model: Là đầu bếp.</a:t>
             </a:r>
-            <a:endParaRPr lang="vi-VN" sz="2400" dirty="0">
-              <a:solidFill>
-                <a:srgbClr val="1B1B1B"/>
-              </a:solidFill>
-              <a:latin typeface="Open Sans"/>
-            </a:endParaRPr>
           </a:p>
           <a:p>
             <a:pPr>
@@ -16358,10 +19281,10 @@
             </a:pathLst>
           </a:custGeom>
           <a:blipFill>
-            <a:blip r:embed="rId1">
+            <a:blip r:embed="rId2">
               <a:extLst>
                 <a:ext uri="{96DAC541-7B7A-43D3-8B79-37D633B846F1}">
-                  <asvg:svgBlip xmlns:asvg="http://schemas.microsoft.com/office/drawing/2016/SVG/main" r:embed="rId2"/>
+                  <asvg:svgBlip xmlns:asvg="http://schemas.microsoft.com/office/drawing/2016/SVG/main" xmlns="" r:embed="rId3"/>
                 </a:ext>
               </a:extLst>
             </a:blip>
@@ -16410,10 +19333,10 @@
             </a:pathLst>
           </a:custGeom>
           <a:blipFill>
-            <a:blip r:embed="rId3">
+            <a:blip r:embed="rId4">
               <a:extLst>
                 <a:ext uri="{96DAC541-7B7A-43D3-8B79-37D633B846F1}">
-                  <asvg:svgBlip xmlns:asvg="http://schemas.microsoft.com/office/drawing/2016/SVG/main" r:embed="rId4"/>
+                  <asvg:svgBlip xmlns:asvg="http://schemas.microsoft.com/office/drawing/2016/SVG/main" xmlns="" r:embed="rId5"/>
                 </a:ext>
               </a:extLst>
             </a:blip>
@@ -16462,10 +19385,10 @@
             </a:pathLst>
           </a:custGeom>
           <a:blipFill>
-            <a:blip r:embed="rId1">
+            <a:blip r:embed="rId2">
               <a:extLst>
                 <a:ext uri="{96DAC541-7B7A-43D3-8B79-37D633B846F1}">
-                  <asvg:svgBlip xmlns:asvg="http://schemas.microsoft.com/office/drawing/2016/SVG/main" r:embed="rId2"/>
+                  <asvg:svgBlip xmlns:asvg="http://schemas.microsoft.com/office/drawing/2016/SVG/main" xmlns="" r:embed="rId3"/>
                 </a:ext>
               </a:extLst>
             </a:blip>
@@ -16514,10 +19437,10 @@
             </a:pathLst>
           </a:custGeom>
           <a:blipFill>
-            <a:blip r:embed="rId3">
+            <a:blip r:embed="rId4">
               <a:extLst>
                 <a:ext uri="{96DAC541-7B7A-43D3-8B79-37D633B846F1}">
-                  <asvg:svgBlip xmlns:asvg="http://schemas.microsoft.com/office/drawing/2016/SVG/main" r:embed="rId4"/>
+                  <asvg:svgBlip xmlns:asvg="http://schemas.microsoft.com/office/drawing/2016/SVG/main" xmlns="" r:embed="rId5"/>
                 </a:ext>
               </a:extLst>
             </a:blip>
@@ -16566,10 +19489,10 @@
             </a:pathLst>
           </a:custGeom>
           <a:blipFill>
-            <a:blip r:embed="rId1">
+            <a:blip r:embed="rId2">
               <a:extLst>
                 <a:ext uri="{96DAC541-7B7A-43D3-8B79-37D633B846F1}">
-                  <asvg:svgBlip xmlns:asvg="http://schemas.microsoft.com/office/drawing/2016/SVG/main" r:embed="rId2"/>
+                  <asvg:svgBlip xmlns:asvg="http://schemas.microsoft.com/office/drawing/2016/SVG/main" xmlns="" r:embed="rId3"/>
                 </a:ext>
               </a:extLst>
             </a:blip>
@@ -16618,10 +19541,10 @@
             </a:pathLst>
           </a:custGeom>
           <a:blipFill>
-            <a:blip r:embed="rId3">
+            <a:blip r:embed="rId4">
               <a:extLst>
                 <a:ext uri="{96DAC541-7B7A-43D3-8B79-37D633B846F1}">
-                  <asvg:svgBlip xmlns:asvg="http://schemas.microsoft.com/office/drawing/2016/SVG/main" r:embed="rId4"/>
+                  <asvg:svgBlip xmlns:asvg="http://schemas.microsoft.com/office/drawing/2016/SVG/main" xmlns="" r:embed="rId5"/>
                 </a:ext>
               </a:extLst>
             </a:blip>
@@ -16670,10 +19593,10 @@
             </a:pathLst>
           </a:custGeom>
           <a:blipFill>
-            <a:blip r:embed="rId5">
+            <a:blip r:embed="rId6">
               <a:extLst>
                 <a:ext uri="{96DAC541-7B7A-43D3-8B79-37D633B846F1}">
-                  <asvg:svgBlip xmlns:asvg="http://schemas.microsoft.com/office/drawing/2016/SVG/main" r:embed="rId6"/>
+                  <asvg:svgBlip xmlns:asvg="http://schemas.microsoft.com/office/drawing/2016/SVG/main" xmlns="" r:embed="rId7"/>
                 </a:ext>
               </a:extLst>
             </a:blip>
@@ -16722,10 +19645,10 @@
             </a:pathLst>
           </a:custGeom>
           <a:blipFill>
-            <a:blip r:embed="rId7">
+            <a:blip r:embed="rId8">
               <a:extLst>
                 <a:ext uri="{96DAC541-7B7A-43D3-8B79-37D633B846F1}">
-                  <asvg:svgBlip xmlns:asvg="http://schemas.microsoft.com/office/drawing/2016/SVG/main" r:embed="rId8"/>
+                  <asvg:svgBlip xmlns:asvg="http://schemas.microsoft.com/office/drawing/2016/SVG/main" xmlns="" r:embed="rId9"/>
                 </a:ext>
               </a:extLst>
             </a:blip>
@@ -16774,10 +19697,10 @@
             </a:pathLst>
           </a:custGeom>
           <a:blipFill>
-            <a:blip r:embed="rId5">
+            <a:blip r:embed="rId6">
               <a:extLst>
                 <a:ext uri="{96DAC541-7B7A-43D3-8B79-37D633B846F1}">
-                  <asvg:svgBlip xmlns:asvg="http://schemas.microsoft.com/office/drawing/2016/SVG/main" r:embed="rId6"/>
+                  <asvg:svgBlip xmlns:asvg="http://schemas.microsoft.com/office/drawing/2016/SVG/main" xmlns="" r:embed="rId7"/>
                 </a:ext>
               </a:extLst>
             </a:blip>
@@ -16826,10 +19749,10 @@
             </a:pathLst>
           </a:custGeom>
           <a:blipFill>
-            <a:blip r:embed="rId7">
+            <a:blip r:embed="rId8">
               <a:extLst>
                 <a:ext uri="{96DAC541-7B7A-43D3-8B79-37D633B846F1}">
-                  <asvg:svgBlip xmlns:asvg="http://schemas.microsoft.com/office/drawing/2016/SVG/main" r:embed="rId8"/>
+                  <asvg:svgBlip xmlns:asvg="http://schemas.microsoft.com/office/drawing/2016/SVG/main" xmlns="" r:embed="rId9"/>
                 </a:ext>
               </a:extLst>
             </a:blip>
@@ -16878,10 +19801,10 @@
             </a:pathLst>
           </a:custGeom>
           <a:blipFill>
-            <a:blip r:embed="rId5">
+            <a:blip r:embed="rId6">
               <a:extLst>
                 <a:ext uri="{96DAC541-7B7A-43D3-8B79-37D633B846F1}">
-                  <asvg:svgBlip xmlns:asvg="http://schemas.microsoft.com/office/drawing/2016/SVG/main" r:embed="rId6"/>
+                  <asvg:svgBlip xmlns:asvg="http://schemas.microsoft.com/office/drawing/2016/SVG/main" xmlns="" r:embed="rId7"/>
                 </a:ext>
               </a:extLst>
             </a:blip>
@@ -17077,7 +20000,6 @@
               <a:rPr lang="vi-VN" sz="2400" dirty="0"/>
               <a:t>Trong thời gian gần đây, MVC pattern được sử dụng rộng rãi trong các ứng dụng web hiện đại.</a:t>
             </a:r>
-            <a:endParaRPr lang="vi-VN" sz="2400" dirty="0"/>
           </a:p>
           <a:p>
             <a:pPr>
@@ -17967,13 +20889,6 @@
               </a:rPr>
               <a:t> </a:t>
             </a:r>
-            <a:endParaRPr lang="en-US" sz="4000" b="1" dirty="0">
-              <a:solidFill>
-                <a:srgbClr val="227C9D"/>
-              </a:solidFill>
-              <a:latin typeface="Times New Roman" panose="02020603050405020304" pitchFamily="18" charset="0"/>
-              <a:cs typeface="Times New Roman" panose="02020603050405020304" pitchFamily="18" charset="0"/>
-            </a:endParaRPr>
           </a:p>
           <a:p>
             <a:pPr>
@@ -18233,7 +21148,7 @@
           <p:nvPr/>
         </p:nvPicPr>
         <p:blipFill>
-          <a:blip r:embed="rId1"/>
+          <a:blip r:embed="rId2"/>
           <a:stretch>
             <a:fillRect/>
           </a:stretch>
@@ -18319,10 +21234,10 @@
             </a:pathLst>
           </a:custGeom>
           <a:blipFill>
-            <a:blip r:embed="rId1">
+            <a:blip r:embed="rId2">
               <a:extLst>
                 <a:ext uri="{96DAC541-7B7A-43D3-8B79-37D633B846F1}">
-                  <asvg:svgBlip xmlns:asvg="http://schemas.microsoft.com/office/drawing/2016/SVG/main" r:embed="rId2"/>
+                  <asvg:svgBlip xmlns:asvg="http://schemas.microsoft.com/office/drawing/2016/SVG/main" xmlns="" r:embed="rId3"/>
                 </a:ext>
               </a:extLst>
             </a:blip>
@@ -18371,10 +21286,10 @@
             </a:pathLst>
           </a:custGeom>
           <a:blipFill>
-            <a:blip r:embed="rId3">
+            <a:blip r:embed="rId4">
               <a:extLst>
                 <a:ext uri="{96DAC541-7B7A-43D3-8B79-37D633B846F1}">
-                  <asvg:svgBlip xmlns:asvg="http://schemas.microsoft.com/office/drawing/2016/SVG/main" r:embed="rId4"/>
+                  <asvg:svgBlip xmlns:asvg="http://schemas.microsoft.com/office/drawing/2016/SVG/main" xmlns="" r:embed="rId5"/>
                 </a:ext>
               </a:extLst>
             </a:blip>
@@ -18423,10 +21338,10 @@
             </a:pathLst>
           </a:custGeom>
           <a:blipFill>
-            <a:blip r:embed="rId1">
+            <a:blip r:embed="rId2">
               <a:extLst>
                 <a:ext uri="{96DAC541-7B7A-43D3-8B79-37D633B846F1}">
-                  <asvg:svgBlip xmlns:asvg="http://schemas.microsoft.com/office/drawing/2016/SVG/main" r:embed="rId2"/>
+                  <asvg:svgBlip xmlns:asvg="http://schemas.microsoft.com/office/drawing/2016/SVG/main" xmlns="" r:embed="rId3"/>
                 </a:ext>
               </a:extLst>
             </a:blip>
@@ -18475,10 +21390,10 @@
             </a:pathLst>
           </a:custGeom>
           <a:blipFill>
-            <a:blip r:embed="rId3">
+            <a:blip r:embed="rId4">
               <a:extLst>
                 <a:ext uri="{96DAC541-7B7A-43D3-8B79-37D633B846F1}">
-                  <asvg:svgBlip xmlns:asvg="http://schemas.microsoft.com/office/drawing/2016/SVG/main" r:embed="rId4"/>
+                  <asvg:svgBlip xmlns:asvg="http://schemas.microsoft.com/office/drawing/2016/SVG/main" xmlns="" r:embed="rId5"/>
                 </a:ext>
               </a:extLst>
             </a:blip>
@@ -18527,10 +21442,10 @@
             </a:pathLst>
           </a:custGeom>
           <a:blipFill>
-            <a:blip r:embed="rId1">
+            <a:blip r:embed="rId2">
               <a:extLst>
                 <a:ext uri="{96DAC541-7B7A-43D3-8B79-37D633B846F1}">
-                  <asvg:svgBlip xmlns:asvg="http://schemas.microsoft.com/office/drawing/2016/SVG/main" r:embed="rId2"/>
+                  <asvg:svgBlip xmlns:asvg="http://schemas.microsoft.com/office/drawing/2016/SVG/main" xmlns="" r:embed="rId3"/>
                 </a:ext>
               </a:extLst>
             </a:blip>
@@ -18579,10 +21494,10 @@
             </a:pathLst>
           </a:custGeom>
           <a:blipFill>
-            <a:blip r:embed="rId3">
+            <a:blip r:embed="rId4">
               <a:extLst>
                 <a:ext uri="{96DAC541-7B7A-43D3-8B79-37D633B846F1}">
-                  <asvg:svgBlip xmlns:asvg="http://schemas.microsoft.com/office/drawing/2016/SVG/main" r:embed="rId4"/>
+                  <asvg:svgBlip xmlns:asvg="http://schemas.microsoft.com/office/drawing/2016/SVG/main" xmlns="" r:embed="rId5"/>
                 </a:ext>
               </a:extLst>
             </a:blip>
@@ -18631,10 +21546,10 @@
             </a:pathLst>
           </a:custGeom>
           <a:blipFill>
-            <a:blip r:embed="rId5">
+            <a:blip r:embed="rId6">
               <a:extLst>
                 <a:ext uri="{96DAC541-7B7A-43D3-8B79-37D633B846F1}">
-                  <asvg:svgBlip xmlns:asvg="http://schemas.microsoft.com/office/drawing/2016/SVG/main" r:embed="rId6"/>
+                  <asvg:svgBlip xmlns:asvg="http://schemas.microsoft.com/office/drawing/2016/SVG/main" xmlns="" r:embed="rId7"/>
                 </a:ext>
               </a:extLst>
             </a:blip>
@@ -18683,10 +21598,10 @@
             </a:pathLst>
           </a:custGeom>
           <a:blipFill>
-            <a:blip r:embed="rId7">
+            <a:blip r:embed="rId8">
               <a:extLst>
                 <a:ext uri="{96DAC541-7B7A-43D3-8B79-37D633B846F1}">
-                  <asvg:svgBlip xmlns:asvg="http://schemas.microsoft.com/office/drawing/2016/SVG/main" r:embed="rId8"/>
+                  <asvg:svgBlip xmlns:asvg="http://schemas.microsoft.com/office/drawing/2016/SVG/main" xmlns="" r:embed="rId9"/>
                 </a:ext>
               </a:extLst>
             </a:blip>
@@ -18735,10 +21650,10 @@
             </a:pathLst>
           </a:custGeom>
           <a:blipFill>
-            <a:blip r:embed="rId5">
+            <a:blip r:embed="rId6">
               <a:extLst>
                 <a:ext uri="{96DAC541-7B7A-43D3-8B79-37D633B846F1}">
-                  <asvg:svgBlip xmlns:asvg="http://schemas.microsoft.com/office/drawing/2016/SVG/main" r:embed="rId6"/>
+                  <asvg:svgBlip xmlns:asvg="http://schemas.microsoft.com/office/drawing/2016/SVG/main" xmlns="" r:embed="rId7"/>
                 </a:ext>
               </a:extLst>
             </a:blip>
@@ -18787,10 +21702,10 @@
             </a:pathLst>
           </a:custGeom>
           <a:blipFill>
-            <a:blip r:embed="rId7">
+            <a:blip r:embed="rId8">
               <a:extLst>
                 <a:ext uri="{96DAC541-7B7A-43D3-8B79-37D633B846F1}">
-                  <asvg:svgBlip xmlns:asvg="http://schemas.microsoft.com/office/drawing/2016/SVG/main" r:embed="rId8"/>
+                  <asvg:svgBlip xmlns:asvg="http://schemas.microsoft.com/office/drawing/2016/SVG/main" xmlns="" r:embed="rId9"/>
                 </a:ext>
               </a:extLst>
             </a:blip>
@@ -18839,10 +21754,10 @@
             </a:pathLst>
           </a:custGeom>
           <a:blipFill>
-            <a:blip r:embed="rId5">
+            <a:blip r:embed="rId6">
               <a:extLst>
                 <a:ext uri="{96DAC541-7B7A-43D3-8B79-37D633B846F1}">
-                  <asvg:svgBlip xmlns:asvg="http://schemas.microsoft.com/office/drawing/2016/SVG/main" r:embed="rId6"/>
+                  <asvg:svgBlip xmlns:asvg="http://schemas.microsoft.com/office/drawing/2016/SVG/main" xmlns="" r:embed="rId7"/>
                 </a:ext>
               </a:extLst>
             </a:blip>
@@ -18930,13 +21845,6 @@
               </a:rPr>
               <a:t> ? </a:t>
             </a:r>
-            <a:endParaRPr lang="en-US" sz="2800" b="1" dirty="0">
-              <a:solidFill>
-                <a:srgbClr val="227C9D"/>
-              </a:solidFill>
-              <a:latin typeface="Times New Roman" panose="02020603050405020304" pitchFamily="18" charset="0"/>
-              <a:cs typeface="Times New Roman" panose="02020603050405020304" pitchFamily="18" charset="0"/>
-            </a:endParaRPr>
           </a:p>
         </p:txBody>
       </p:sp>
@@ -19020,7 +21928,7 @@
           <p:nvPr/>
         </p:nvPicPr>
         <p:blipFill>
-          <a:blip r:embed="rId9">
+          <a:blip r:embed="rId10">
             <a:extLst>
               <a:ext uri="{28A0092B-C50C-407E-A947-70E740481C1C}">
                 <a14:useLocalDpi xmlns:a14="http://schemas.microsoft.com/office/drawing/2010/main" val="0"/>
@@ -19239,7 +22147,7 @@
           <p:nvPr/>
         </p:nvPicPr>
         <p:blipFill>
-          <a:blip r:embed="rId1"/>
+          <a:blip r:embed="rId2"/>
           <a:stretch>
             <a:fillRect/>
           </a:stretch>
@@ -19547,6 +22455,8 @@
       </a:bgFillStyleLst>
     </a:fmtScheme>
   </a:themeElements>
+  <a:objectDefaults/>
+  <a:extraClrSchemeLst/>
   <a:extLst>
     <a:ext uri="{05A4C25C-085E-4340-85A3-A5531E510DB2}">
       <thm15:themeFamily xmlns:thm15="http://schemas.microsoft.com/office/thememl/2012/main" name="Office Theme" id="{62F939B6-93AF-4DB8-9C6B-D6C7DFDC589F}" vid="{4A3C46E8-61CC-4603-A589-7422A47A8E4A}"/>

--- a/document report/MVC_RestfulAPI.pptx
+++ b/document report/MVC_RestfulAPI.pptx
@@ -38,22 +38,30 @@
     <p:sldId id="327" r:id="rId32"/>
     <p:sldId id="337" r:id="rId33"/>
     <p:sldId id="338" r:id="rId34"/>
-    <p:sldId id="328" r:id="rId35"/>
-    <p:sldId id="273" r:id="rId36"/>
+    <p:sldId id="339" r:id="rId35"/>
+    <p:sldId id="328" r:id="rId36"/>
+    <p:sldId id="273" r:id="rId37"/>
   </p:sldIdLst>
   <p:sldSz cx="18288000" cy="10287000"/>
   <p:notesSz cx="6858000" cy="9144000"/>
   <p:embeddedFontLst>
     <p:embeddedFont>
-      <p:font typeface="Kollektif Bold" panose="020B0604020202020204" charset="0"/>
-      <p:bold r:id="rId37"/>
-    </p:embeddedFont>
-    <p:embeddedFont>
-      <p:font typeface="Calibri" panose="020F0502020204030204" pitchFamily="34" charset="0"/>
+      <p:font typeface="Georgia" panose="02040502050405020303" pitchFamily="18" charset="0"/>
       <p:regular r:id="rId38"/>
       <p:bold r:id="rId39"/>
       <p:italic r:id="rId40"/>
       <p:boldItalic r:id="rId41"/>
+    </p:embeddedFont>
+    <p:embeddedFont>
+      <p:font typeface="Kollektif Bold" panose="020B0604020202020204" charset="0"/>
+      <p:bold r:id="rId42"/>
+    </p:embeddedFont>
+    <p:embeddedFont>
+      <p:font typeface="Calibri" panose="020F0502020204030204" pitchFamily="34" charset="0"/>
+      <p:regular r:id="rId43"/>
+      <p:bold r:id="rId44"/>
+      <p:italic r:id="rId45"/>
+      <p:boldItalic r:id="rId46"/>
     </p:embeddedFont>
   </p:embeddedFontLst>
   <p:defaultTextStyle>
@@ -3877,7 +3885,7 @@
             <a:blip r:embed="rId2">
               <a:extLst>
                 <a:ext uri="{96DAC541-7B7A-43D3-8B79-37D633B846F1}">
-                  <asvg:svgBlip xmlns:asvg="http://schemas.microsoft.com/office/drawing/2016/SVG/main" xmlns="" r:embed="rId3"/>
+                  <asvg:svgBlip xmlns="" xmlns:asvg="http://schemas.microsoft.com/office/drawing/2016/SVG/main" r:embed="rId3"/>
                 </a:ext>
               </a:extLst>
             </a:blip>
@@ -3929,7 +3937,7 @@
             <a:blip r:embed="rId4">
               <a:extLst>
                 <a:ext uri="{96DAC541-7B7A-43D3-8B79-37D633B846F1}">
-                  <asvg:svgBlip xmlns:asvg="http://schemas.microsoft.com/office/drawing/2016/SVG/main" xmlns="" r:embed="rId5"/>
+                  <asvg:svgBlip xmlns="" xmlns:asvg="http://schemas.microsoft.com/office/drawing/2016/SVG/main" r:embed="rId5"/>
                 </a:ext>
               </a:extLst>
             </a:blip>
@@ -3981,7 +3989,7 @@
             <a:blip r:embed="rId2">
               <a:extLst>
                 <a:ext uri="{96DAC541-7B7A-43D3-8B79-37D633B846F1}">
-                  <asvg:svgBlip xmlns:asvg="http://schemas.microsoft.com/office/drawing/2016/SVG/main" xmlns="" r:embed="rId3"/>
+                  <asvg:svgBlip xmlns="" xmlns:asvg="http://schemas.microsoft.com/office/drawing/2016/SVG/main" r:embed="rId3"/>
                 </a:ext>
               </a:extLst>
             </a:blip>
@@ -4033,7 +4041,7 @@
             <a:blip r:embed="rId4">
               <a:extLst>
                 <a:ext uri="{96DAC541-7B7A-43D3-8B79-37D633B846F1}">
-                  <asvg:svgBlip xmlns:asvg="http://schemas.microsoft.com/office/drawing/2016/SVG/main" xmlns="" r:embed="rId5"/>
+                  <asvg:svgBlip xmlns="" xmlns:asvg="http://schemas.microsoft.com/office/drawing/2016/SVG/main" r:embed="rId5"/>
                 </a:ext>
               </a:extLst>
             </a:blip>
@@ -4085,7 +4093,7 @@
             <a:blip r:embed="rId6">
               <a:extLst>
                 <a:ext uri="{96DAC541-7B7A-43D3-8B79-37D633B846F1}">
-                  <asvg:svgBlip xmlns:asvg="http://schemas.microsoft.com/office/drawing/2016/SVG/main" xmlns="" r:embed="rId7"/>
+                  <asvg:svgBlip xmlns="" xmlns:asvg="http://schemas.microsoft.com/office/drawing/2016/SVG/main" r:embed="rId7"/>
                 </a:ext>
               </a:extLst>
             </a:blip>
@@ -4137,7 +4145,7 @@
             <a:blip r:embed="rId8">
               <a:extLst>
                 <a:ext uri="{96DAC541-7B7A-43D3-8B79-37D633B846F1}">
-                  <asvg:svgBlip xmlns:asvg="http://schemas.microsoft.com/office/drawing/2016/SVG/main" xmlns="" r:embed="rId9"/>
+                  <asvg:svgBlip xmlns="" xmlns:asvg="http://schemas.microsoft.com/office/drawing/2016/SVG/main" r:embed="rId9"/>
                 </a:ext>
               </a:extLst>
             </a:blip>
@@ -4189,7 +4197,7 @@
             <a:blip r:embed="rId6">
               <a:extLst>
                 <a:ext uri="{96DAC541-7B7A-43D3-8B79-37D633B846F1}">
-                  <asvg:svgBlip xmlns:asvg="http://schemas.microsoft.com/office/drawing/2016/SVG/main" xmlns="" r:embed="rId7"/>
+                  <asvg:svgBlip xmlns="" xmlns:asvg="http://schemas.microsoft.com/office/drawing/2016/SVG/main" r:embed="rId7"/>
                 </a:ext>
               </a:extLst>
             </a:blip>
@@ -4241,7 +4249,7 @@
             <a:blip r:embed="rId4">
               <a:extLst>
                 <a:ext uri="{96DAC541-7B7A-43D3-8B79-37D633B846F1}">
-                  <asvg:svgBlip xmlns:asvg="http://schemas.microsoft.com/office/drawing/2016/SVG/main" xmlns="" r:embed="rId5"/>
+                  <asvg:svgBlip xmlns="" xmlns:asvg="http://schemas.microsoft.com/office/drawing/2016/SVG/main" r:embed="rId5"/>
                 </a:ext>
               </a:extLst>
             </a:blip>
@@ -4293,7 +4301,7 @@
             <a:blip r:embed="rId2">
               <a:extLst>
                 <a:ext uri="{96DAC541-7B7A-43D3-8B79-37D633B846F1}">
-                  <asvg:svgBlip xmlns:asvg="http://schemas.microsoft.com/office/drawing/2016/SVG/main" xmlns="" r:embed="rId3"/>
+                  <asvg:svgBlip xmlns="" xmlns:asvg="http://schemas.microsoft.com/office/drawing/2016/SVG/main" r:embed="rId3"/>
                 </a:ext>
               </a:extLst>
             </a:blip>
@@ -4345,7 +4353,7 @@
             <a:blip r:embed="rId4">
               <a:extLst>
                 <a:ext uri="{96DAC541-7B7A-43D3-8B79-37D633B846F1}">
-                  <asvg:svgBlip xmlns:asvg="http://schemas.microsoft.com/office/drawing/2016/SVG/main" xmlns="" r:embed="rId5"/>
+                  <asvg:svgBlip xmlns="" xmlns:asvg="http://schemas.microsoft.com/office/drawing/2016/SVG/main" r:embed="rId5"/>
                 </a:ext>
               </a:extLst>
             </a:blip>
@@ -4397,7 +4405,7 @@
             <a:blip r:embed="rId8">
               <a:extLst>
                 <a:ext uri="{96DAC541-7B7A-43D3-8B79-37D633B846F1}">
-                  <asvg:svgBlip xmlns:asvg="http://schemas.microsoft.com/office/drawing/2016/SVG/main" xmlns="" r:embed="rId9"/>
+                  <asvg:svgBlip xmlns="" xmlns:asvg="http://schemas.microsoft.com/office/drawing/2016/SVG/main" r:embed="rId9"/>
                 </a:ext>
               </a:extLst>
             </a:blip>
@@ -4449,7 +4457,7 @@
             <a:blip r:embed="rId6">
               <a:extLst>
                 <a:ext uri="{96DAC541-7B7A-43D3-8B79-37D633B846F1}">
-                  <asvg:svgBlip xmlns:asvg="http://schemas.microsoft.com/office/drawing/2016/SVG/main" xmlns="" r:embed="rId7"/>
+                  <asvg:svgBlip xmlns="" xmlns:asvg="http://schemas.microsoft.com/office/drawing/2016/SVG/main" r:embed="rId7"/>
                 </a:ext>
               </a:extLst>
             </a:blip>
@@ -4501,7 +4509,7 @@
             <a:blip r:embed="rId2">
               <a:extLst>
                 <a:ext uri="{96DAC541-7B7A-43D3-8B79-37D633B846F1}">
-                  <asvg:svgBlip xmlns:asvg="http://schemas.microsoft.com/office/drawing/2016/SVG/main" xmlns="" r:embed="rId3"/>
+                  <asvg:svgBlip xmlns="" xmlns:asvg="http://schemas.microsoft.com/office/drawing/2016/SVG/main" r:embed="rId3"/>
                 </a:ext>
               </a:extLst>
             </a:blip>
@@ -4553,7 +4561,7 @@
             <a:blip r:embed="rId4">
               <a:extLst>
                 <a:ext uri="{96DAC541-7B7A-43D3-8B79-37D633B846F1}">
-                  <asvg:svgBlip xmlns:asvg="http://schemas.microsoft.com/office/drawing/2016/SVG/main" xmlns="" r:embed="rId5"/>
+                  <asvg:svgBlip xmlns="" xmlns:asvg="http://schemas.microsoft.com/office/drawing/2016/SVG/main" r:embed="rId5"/>
                 </a:ext>
               </a:extLst>
             </a:blip>
@@ -4605,7 +4613,7 @@
             <a:blip r:embed="rId6">
               <a:extLst>
                 <a:ext uri="{96DAC541-7B7A-43D3-8B79-37D633B846F1}">
-                  <asvg:svgBlip xmlns:asvg="http://schemas.microsoft.com/office/drawing/2016/SVG/main" xmlns="" r:embed="rId7"/>
+                  <asvg:svgBlip xmlns="" xmlns:asvg="http://schemas.microsoft.com/office/drawing/2016/SVG/main" r:embed="rId7"/>
                 </a:ext>
               </a:extLst>
             </a:blip>
@@ -4657,7 +4665,7 @@
             <a:blip r:embed="rId6">
               <a:extLst>
                 <a:ext uri="{96DAC541-7B7A-43D3-8B79-37D633B846F1}">
-                  <asvg:svgBlip xmlns:asvg="http://schemas.microsoft.com/office/drawing/2016/SVG/main" xmlns="" r:embed="rId7"/>
+                  <asvg:svgBlip xmlns="" xmlns:asvg="http://schemas.microsoft.com/office/drawing/2016/SVG/main" r:embed="rId7"/>
                 </a:ext>
               </a:extLst>
             </a:blip>
@@ -4709,7 +4717,7 @@
             <a:blip r:embed="rId8">
               <a:extLst>
                 <a:ext uri="{96DAC541-7B7A-43D3-8B79-37D633B846F1}">
-                  <asvg:svgBlip xmlns:asvg="http://schemas.microsoft.com/office/drawing/2016/SVG/main" xmlns="" r:embed="rId9"/>
+                  <asvg:svgBlip xmlns="" xmlns:asvg="http://schemas.microsoft.com/office/drawing/2016/SVG/main" r:embed="rId9"/>
                 </a:ext>
               </a:extLst>
             </a:blip>
@@ -4761,7 +4769,7 @@
             <a:blip r:embed="rId6">
               <a:extLst>
                 <a:ext uri="{96DAC541-7B7A-43D3-8B79-37D633B846F1}">
-                  <asvg:svgBlip xmlns:asvg="http://schemas.microsoft.com/office/drawing/2016/SVG/main" xmlns="" r:embed="rId7"/>
+                  <asvg:svgBlip xmlns="" xmlns:asvg="http://schemas.microsoft.com/office/drawing/2016/SVG/main" r:embed="rId7"/>
                 </a:ext>
               </a:extLst>
             </a:blip>
@@ -4813,7 +4821,7 @@
             <a:blip r:embed="rId8">
               <a:extLst>
                 <a:ext uri="{96DAC541-7B7A-43D3-8B79-37D633B846F1}">
-                  <asvg:svgBlip xmlns:asvg="http://schemas.microsoft.com/office/drawing/2016/SVG/main" xmlns="" r:embed="rId9"/>
+                  <asvg:svgBlip xmlns="" xmlns:asvg="http://schemas.microsoft.com/office/drawing/2016/SVG/main" r:embed="rId9"/>
                 </a:ext>
               </a:extLst>
             </a:blip>
@@ -4865,7 +4873,7 @@
             <a:blip r:embed="rId4">
               <a:extLst>
                 <a:ext uri="{96DAC541-7B7A-43D3-8B79-37D633B846F1}">
-                  <asvg:svgBlip xmlns:asvg="http://schemas.microsoft.com/office/drawing/2016/SVG/main" xmlns="" r:embed="rId5"/>
+                  <asvg:svgBlip xmlns="" xmlns:asvg="http://schemas.microsoft.com/office/drawing/2016/SVG/main" r:embed="rId5"/>
                 </a:ext>
               </a:extLst>
             </a:blip>
@@ -4917,7 +4925,7 @@
             <a:blip r:embed="rId8">
               <a:extLst>
                 <a:ext uri="{96DAC541-7B7A-43D3-8B79-37D633B846F1}">
-                  <asvg:svgBlip xmlns:asvg="http://schemas.microsoft.com/office/drawing/2016/SVG/main" xmlns="" r:embed="rId9"/>
+                  <asvg:svgBlip xmlns="" xmlns:asvg="http://schemas.microsoft.com/office/drawing/2016/SVG/main" r:embed="rId9"/>
                 </a:ext>
               </a:extLst>
             </a:blip>
@@ -4969,7 +4977,7 @@
             <a:blip r:embed="rId6">
               <a:extLst>
                 <a:ext uri="{96DAC541-7B7A-43D3-8B79-37D633B846F1}">
-                  <asvg:svgBlip xmlns:asvg="http://schemas.microsoft.com/office/drawing/2016/SVG/main" xmlns="" r:embed="rId7"/>
+                  <asvg:svgBlip xmlns="" xmlns:asvg="http://schemas.microsoft.com/office/drawing/2016/SVG/main" r:embed="rId7"/>
                 </a:ext>
               </a:extLst>
             </a:blip>
@@ -9540,7 +9548,7 @@
             <a:blip r:embed="rId2">
               <a:extLst>
                 <a:ext uri="{96DAC541-7B7A-43D3-8B79-37D633B846F1}">
-                  <asvg:svgBlip xmlns:asvg="http://schemas.microsoft.com/office/drawing/2016/SVG/main" xmlns="" r:embed="rId3"/>
+                  <asvg:svgBlip xmlns="" xmlns:asvg="http://schemas.microsoft.com/office/drawing/2016/SVG/main" r:embed="rId3"/>
                 </a:ext>
               </a:extLst>
             </a:blip>
@@ -9592,7 +9600,7 @@
             <a:blip r:embed="rId4">
               <a:extLst>
                 <a:ext uri="{96DAC541-7B7A-43D3-8B79-37D633B846F1}">
-                  <asvg:svgBlip xmlns:asvg="http://schemas.microsoft.com/office/drawing/2016/SVG/main" xmlns="" r:embed="rId5"/>
+                  <asvg:svgBlip xmlns="" xmlns:asvg="http://schemas.microsoft.com/office/drawing/2016/SVG/main" r:embed="rId5"/>
                 </a:ext>
               </a:extLst>
             </a:blip>
@@ -9644,7 +9652,7 @@
             <a:blip r:embed="rId2">
               <a:extLst>
                 <a:ext uri="{96DAC541-7B7A-43D3-8B79-37D633B846F1}">
-                  <asvg:svgBlip xmlns:asvg="http://schemas.microsoft.com/office/drawing/2016/SVG/main" xmlns="" r:embed="rId3"/>
+                  <asvg:svgBlip xmlns="" xmlns:asvg="http://schemas.microsoft.com/office/drawing/2016/SVG/main" r:embed="rId3"/>
                 </a:ext>
               </a:extLst>
             </a:blip>
@@ -9696,7 +9704,7 @@
             <a:blip r:embed="rId4">
               <a:extLst>
                 <a:ext uri="{96DAC541-7B7A-43D3-8B79-37D633B846F1}">
-                  <asvg:svgBlip xmlns:asvg="http://schemas.microsoft.com/office/drawing/2016/SVG/main" xmlns="" r:embed="rId5"/>
+                  <asvg:svgBlip xmlns="" xmlns:asvg="http://schemas.microsoft.com/office/drawing/2016/SVG/main" r:embed="rId5"/>
                 </a:ext>
               </a:extLst>
             </a:blip>
@@ -9748,7 +9756,7 @@
             <a:blip r:embed="rId2">
               <a:extLst>
                 <a:ext uri="{96DAC541-7B7A-43D3-8B79-37D633B846F1}">
-                  <asvg:svgBlip xmlns:asvg="http://schemas.microsoft.com/office/drawing/2016/SVG/main" xmlns="" r:embed="rId3"/>
+                  <asvg:svgBlip xmlns="" xmlns:asvg="http://schemas.microsoft.com/office/drawing/2016/SVG/main" r:embed="rId3"/>
                 </a:ext>
               </a:extLst>
             </a:blip>
@@ -9800,7 +9808,7 @@
             <a:blip r:embed="rId4">
               <a:extLst>
                 <a:ext uri="{96DAC541-7B7A-43D3-8B79-37D633B846F1}">
-                  <asvg:svgBlip xmlns:asvg="http://schemas.microsoft.com/office/drawing/2016/SVG/main" xmlns="" r:embed="rId5"/>
+                  <asvg:svgBlip xmlns="" xmlns:asvg="http://schemas.microsoft.com/office/drawing/2016/SVG/main" r:embed="rId5"/>
                 </a:ext>
               </a:extLst>
             </a:blip>
@@ -9852,7 +9860,7 @@
             <a:blip r:embed="rId6">
               <a:extLst>
                 <a:ext uri="{96DAC541-7B7A-43D3-8B79-37D633B846F1}">
-                  <asvg:svgBlip xmlns:asvg="http://schemas.microsoft.com/office/drawing/2016/SVG/main" xmlns="" r:embed="rId7"/>
+                  <asvg:svgBlip xmlns="" xmlns:asvg="http://schemas.microsoft.com/office/drawing/2016/SVG/main" r:embed="rId7"/>
                 </a:ext>
               </a:extLst>
             </a:blip>
@@ -9904,7 +9912,7 @@
             <a:blip r:embed="rId8">
               <a:extLst>
                 <a:ext uri="{96DAC541-7B7A-43D3-8B79-37D633B846F1}">
-                  <asvg:svgBlip xmlns:asvg="http://schemas.microsoft.com/office/drawing/2016/SVG/main" xmlns="" r:embed="rId9"/>
+                  <asvg:svgBlip xmlns="" xmlns:asvg="http://schemas.microsoft.com/office/drawing/2016/SVG/main" r:embed="rId9"/>
                 </a:ext>
               </a:extLst>
             </a:blip>
@@ -9956,7 +9964,7 @@
             <a:blip r:embed="rId6">
               <a:extLst>
                 <a:ext uri="{96DAC541-7B7A-43D3-8B79-37D633B846F1}">
-                  <asvg:svgBlip xmlns:asvg="http://schemas.microsoft.com/office/drawing/2016/SVG/main" xmlns="" r:embed="rId7"/>
+                  <asvg:svgBlip xmlns="" xmlns:asvg="http://schemas.microsoft.com/office/drawing/2016/SVG/main" r:embed="rId7"/>
                 </a:ext>
               </a:extLst>
             </a:blip>
@@ -10008,7 +10016,7 @@
             <a:blip r:embed="rId8">
               <a:extLst>
                 <a:ext uri="{96DAC541-7B7A-43D3-8B79-37D633B846F1}">
-                  <asvg:svgBlip xmlns:asvg="http://schemas.microsoft.com/office/drawing/2016/SVG/main" xmlns="" r:embed="rId9"/>
+                  <asvg:svgBlip xmlns="" xmlns:asvg="http://schemas.microsoft.com/office/drawing/2016/SVG/main" r:embed="rId9"/>
                 </a:ext>
               </a:extLst>
             </a:blip>
@@ -10060,7 +10068,7 @@
             <a:blip r:embed="rId6">
               <a:extLst>
                 <a:ext uri="{96DAC541-7B7A-43D3-8B79-37D633B846F1}">
-                  <asvg:svgBlip xmlns:asvg="http://schemas.microsoft.com/office/drawing/2016/SVG/main" xmlns="" r:embed="rId7"/>
+                  <asvg:svgBlip xmlns="" xmlns:asvg="http://schemas.microsoft.com/office/drawing/2016/SVG/main" r:embed="rId7"/>
                 </a:ext>
               </a:extLst>
             </a:blip>
@@ -16079,6 +16087,220 @@
         <p:spPr>
           <a:xfrm>
             <a:off x="609600" y="336867"/>
+            <a:ext cx="17012670" cy="649217"/>
+          </a:xfrm>
+          <a:prstGeom prst="rect">
+            <a:avLst/>
+          </a:prstGeom>
+        </p:spPr>
+        <p:txBody>
+          <a:bodyPr wrap="square" lIns="0" tIns="0" rIns="0" bIns="0" rtlCol="0" anchor="t">
+            <a:spAutoFit/>
+          </a:bodyPr>
+          <a:lstStyle/>
+          <a:p>
+            <a:pPr>
+              <a:lnSpc>
+                <a:spcPts val="5545"/>
+              </a:lnSpc>
+            </a:pPr>
+            <a:r>
+              <a:rPr lang="en-US" sz="4000" b="1" dirty="0" err="1">
+                <a:solidFill>
+                  <a:srgbClr val="227C9D"/>
+                </a:solidFill>
+                <a:latin typeface="Times New Roman" panose="02020603050405020304" pitchFamily="18" charset="0"/>
+                <a:cs typeface="Times New Roman" panose="02020603050405020304" pitchFamily="18" charset="0"/>
+              </a:rPr>
+              <a:t>Chương</a:t>
+            </a:r>
+            <a:r>
+              <a:rPr lang="en-US" sz="4000" b="1" dirty="0">
+                <a:solidFill>
+                  <a:srgbClr val="227C9D"/>
+                </a:solidFill>
+                <a:latin typeface="Times New Roman" panose="02020603050405020304" pitchFamily="18" charset="0"/>
+                <a:cs typeface="Times New Roman" panose="02020603050405020304" pitchFamily="18" charset="0"/>
+              </a:rPr>
+              <a:t> </a:t>
+            </a:r>
+            <a:r>
+              <a:rPr lang="en-US" sz="4000" b="1" dirty="0" smtClean="0">
+                <a:solidFill>
+                  <a:srgbClr val="227C9D"/>
+                </a:solidFill>
+                <a:latin typeface="Times New Roman" panose="02020603050405020304" pitchFamily="18" charset="0"/>
+                <a:cs typeface="Times New Roman" panose="02020603050405020304" pitchFamily="18" charset="0"/>
+              </a:rPr>
+              <a:t>4: </a:t>
+            </a:r>
+            <a:r>
+              <a:rPr lang="en-US" sz="4000" b="1" dirty="0" err="1" smtClean="0">
+                <a:solidFill>
+                  <a:srgbClr val="227C9D"/>
+                </a:solidFill>
+                <a:latin typeface="Times New Roman" panose="02020603050405020304" pitchFamily="18" charset="0"/>
+                <a:cs typeface="Times New Roman" panose="02020603050405020304" pitchFamily="18" charset="0"/>
+              </a:rPr>
+              <a:t>Đánh</a:t>
+            </a:r>
+            <a:r>
+              <a:rPr lang="en-US" sz="4000" b="1" dirty="0" smtClean="0">
+                <a:solidFill>
+                  <a:srgbClr val="227C9D"/>
+                </a:solidFill>
+                <a:latin typeface="Times New Roman" panose="02020603050405020304" pitchFamily="18" charset="0"/>
+                <a:cs typeface="Times New Roman" panose="02020603050405020304" pitchFamily="18" charset="0"/>
+              </a:rPr>
+              <a:t> </a:t>
+            </a:r>
+            <a:r>
+              <a:rPr lang="en-US" sz="4000" b="1" dirty="0" err="1" smtClean="0">
+                <a:solidFill>
+                  <a:srgbClr val="227C9D"/>
+                </a:solidFill>
+                <a:latin typeface="Times New Roman" panose="02020603050405020304" pitchFamily="18" charset="0"/>
+                <a:cs typeface="Times New Roman" panose="02020603050405020304" pitchFamily="18" charset="0"/>
+              </a:rPr>
+              <a:t>giá</a:t>
+            </a:r>
+            <a:r>
+              <a:rPr lang="en-US" sz="4000" b="1" dirty="0" smtClean="0">
+                <a:solidFill>
+                  <a:srgbClr val="227C9D"/>
+                </a:solidFill>
+                <a:latin typeface="Times New Roman" panose="02020603050405020304" pitchFamily="18" charset="0"/>
+                <a:cs typeface="Times New Roman" panose="02020603050405020304" pitchFamily="18" charset="0"/>
+              </a:rPr>
+              <a:t> </a:t>
+            </a:r>
+            <a:r>
+              <a:rPr lang="en-US" sz="4000" b="1" dirty="0" err="1" smtClean="0">
+                <a:solidFill>
+                  <a:srgbClr val="227C9D"/>
+                </a:solidFill>
+                <a:latin typeface="Times New Roman" panose="02020603050405020304" pitchFamily="18" charset="0"/>
+                <a:cs typeface="Times New Roman" panose="02020603050405020304" pitchFamily="18" charset="0"/>
+              </a:rPr>
+              <a:t>mô</a:t>
+            </a:r>
+            <a:r>
+              <a:rPr lang="en-US" sz="4000" b="1" dirty="0" smtClean="0">
+                <a:solidFill>
+                  <a:srgbClr val="227C9D"/>
+                </a:solidFill>
+                <a:latin typeface="Times New Roman" panose="02020603050405020304" pitchFamily="18" charset="0"/>
+                <a:cs typeface="Times New Roman" panose="02020603050405020304" pitchFamily="18" charset="0"/>
+              </a:rPr>
+              <a:t> </a:t>
+            </a:r>
+            <a:r>
+              <a:rPr lang="en-US" sz="4000" b="1" dirty="0" err="1" smtClean="0">
+                <a:solidFill>
+                  <a:srgbClr val="227C9D"/>
+                </a:solidFill>
+                <a:latin typeface="Times New Roman" panose="02020603050405020304" pitchFamily="18" charset="0"/>
+                <a:cs typeface="Times New Roman" panose="02020603050405020304" pitchFamily="18" charset="0"/>
+              </a:rPr>
+              <a:t>hình</a:t>
+            </a:r>
+            <a:endParaRPr lang="en-US" sz="4000" b="1" dirty="0">
+              <a:solidFill>
+                <a:srgbClr val="227C9D"/>
+              </a:solidFill>
+              <a:latin typeface="Times New Roman" panose="02020603050405020304" pitchFamily="18" charset="0"/>
+              <a:cs typeface="Times New Roman" panose="02020603050405020304" pitchFamily="18" charset="0"/>
+            </a:endParaRPr>
+          </a:p>
+        </p:txBody>
+      </p:sp>
+      <p:pic>
+        <p:nvPicPr>
+          <p:cNvPr id="1026" name="Picture 2" descr="Angular 11 + Spring Boot 2 + MySQL | FrontBackend"/>
+          <p:cNvPicPr>
+            <a:picLocks noChangeAspect="1" noChangeArrowheads="1"/>
+          </p:cNvPicPr>
+          <p:nvPr/>
+        </p:nvPicPr>
+        <p:blipFill>
+          <a:blip r:embed="rId2">
+            <a:extLst>
+              <a:ext uri="{28A0092B-C50C-407E-A947-70E740481C1C}">
+                <a14:useLocalDpi xmlns:a14="http://schemas.microsoft.com/office/drawing/2010/main" val="0"/>
+              </a:ext>
+            </a:extLst>
+          </a:blip>
+          <a:srcRect/>
+          <a:stretch>
+            <a:fillRect/>
+          </a:stretch>
+        </p:blipFill>
+        <p:spPr bwMode="auto">
+          <a:xfrm>
+            <a:off x="733935" y="1562100"/>
+            <a:ext cx="8382000" cy="7609284"/>
+          </a:xfrm>
+          <a:prstGeom prst="rect">
+            <a:avLst/>
+          </a:prstGeom>
+          <a:noFill/>
+          <a:extLst>
+            <a:ext uri="{909E8E84-426E-40DD-AFC4-6F175D3DCCD1}">
+              <a14:hiddenFill xmlns:a14="http://schemas.microsoft.com/office/drawing/2010/main">
+                <a:solidFill>
+                  <a:srgbClr val="FFFFFF"/>
+                </a:solidFill>
+              </a14:hiddenFill>
+            </a:ext>
+          </a:extLst>
+        </p:spPr>
+      </p:pic>
+    </p:spTree>
+    <p:extLst>
+      <p:ext uri="{BB962C8B-B14F-4D97-AF65-F5344CB8AC3E}">
+        <p14:creationId xmlns:p14="http://schemas.microsoft.com/office/powerpoint/2010/main" val="3095472885"/>
+      </p:ext>
+    </p:extLst>
+  </p:cSld>
+  <p:clrMapOvr>
+    <a:masterClrMapping/>
+  </p:clrMapOvr>
+  <p:timing>
+    <p:tnLst>
+      <p:par>
+        <p:cTn id="1" dur="indefinite" restart="never" nodeType="tmRoot"/>
+      </p:par>
+    </p:tnLst>
+  </p:timing>
+</p:sld>
+</file>
+
+<file path=ppt/slides/slide35.xml><?xml version="1.0" encoding="utf-8"?>
+<p:sld xmlns:a="http://schemas.openxmlformats.org/drawingml/2006/main" xmlns:r="http://schemas.openxmlformats.org/officeDocument/2006/relationships" xmlns:p="http://schemas.openxmlformats.org/presentationml/2006/main">
+  <p:cSld>
+    <p:spTree>
+      <p:nvGrpSpPr>
+        <p:cNvPr id="1" name=""/>
+        <p:cNvGrpSpPr/>
+        <p:nvPr/>
+      </p:nvGrpSpPr>
+      <p:grpSpPr>
+        <a:xfrm>
+          <a:off x="0" y="0"/>
+          <a:ext cx="0" cy="0"/>
+          <a:chOff x="0" y="0"/>
+          <a:chExt cx="0" cy="0"/>
+        </a:xfrm>
+      </p:grpSpPr>
+      <p:sp>
+        <p:nvSpPr>
+          <p:cNvPr id="6" name="TextBox 3"/>
+          <p:cNvSpPr txBox="1"/>
+          <p:nvPr/>
+        </p:nvSpPr>
+        <p:spPr>
+          <a:xfrm>
+            <a:off x="609600" y="336867"/>
             <a:ext cx="17012670" cy="1410643"/>
           </a:xfrm>
           <a:prstGeom prst="rect">
@@ -16367,7 +16589,7 @@
 </p:sld>
 </file>
 
-<file path=ppt/slides/slide35.xml><?xml version="1.0" encoding="utf-8"?>
+<file path=ppt/slides/slide36.xml><?xml version="1.0" encoding="utf-8"?>
 <p:sld xmlns:a="http://schemas.openxmlformats.org/drawingml/2006/main" xmlns:r="http://schemas.openxmlformats.org/officeDocument/2006/relationships" xmlns:p="http://schemas.openxmlformats.org/presentationml/2006/main">
   <p:cSld>
     <p:bg>
@@ -16400,15 +16622,15 @@
         </p:nvSpPr>
         <p:spPr>
           <a:xfrm>
-            <a:off x="3298441" y="3201429"/>
-            <a:ext cx="10620170" cy="1590179"/>
+            <a:off x="830307" y="3706490"/>
+            <a:ext cx="14913359" cy="3180358"/>
           </a:xfrm>
           <a:prstGeom prst="rect">
             <a:avLst/>
           </a:prstGeom>
         </p:spPr>
         <p:txBody>
-          <a:bodyPr lIns="0" tIns="0" rIns="0" bIns="0" rtlCol="0" anchor="t">
+          <a:bodyPr wrap="square" lIns="0" tIns="0" rIns="0" bIns="0" rtlCol="0" anchor="t">
             <a:spAutoFit/>
           </a:bodyPr>
           <a:lstStyle/>
@@ -16419,19 +16641,154 @@
               </a:lnSpc>
             </a:pPr>
             <a:r>
-              <a:rPr lang="en-US" sz="12400" dirty="0" smtClean="0">
-                <a:solidFill>
-                  <a:srgbClr val="227C9D"/>
-                </a:solidFill>
-                <a:latin typeface="Kollektif Bold" panose="020B0604020101010102"/>
-              </a:rPr>
-              <a:t>Thank you</a:t>
-            </a:r>
-            <a:endParaRPr lang="en-US" sz="12400" dirty="0">
+              <a:rPr lang="en-US" sz="10000" dirty="0" err="1" smtClean="0">
+                <a:solidFill>
+                  <a:srgbClr val="227C9D"/>
+                </a:solidFill>
+                <a:latin typeface="Georgia" panose="02040502050405020303" pitchFamily="18" charset="0"/>
+              </a:rPr>
+              <a:t>Cảm</a:t>
+            </a:r>
+            <a:r>
+              <a:rPr lang="en-US" sz="10000" dirty="0" smtClean="0">
+                <a:solidFill>
+                  <a:srgbClr val="227C9D"/>
+                </a:solidFill>
+                <a:latin typeface="Georgia" panose="02040502050405020303" pitchFamily="18" charset="0"/>
+              </a:rPr>
+              <a:t> </a:t>
+            </a:r>
+            <a:r>
+              <a:rPr lang="en-US" sz="10000" dirty="0" err="1" smtClean="0">
+                <a:solidFill>
+                  <a:srgbClr val="227C9D"/>
+                </a:solidFill>
+                <a:latin typeface="Georgia" panose="02040502050405020303" pitchFamily="18" charset="0"/>
+              </a:rPr>
+              <a:t>ơn</a:t>
+            </a:r>
+            <a:r>
+              <a:rPr lang="en-US" sz="10000" dirty="0" smtClean="0">
+                <a:solidFill>
+                  <a:srgbClr val="227C9D"/>
+                </a:solidFill>
+                <a:latin typeface="Georgia" panose="02040502050405020303" pitchFamily="18" charset="0"/>
+              </a:rPr>
+              <a:t> </a:t>
+            </a:r>
+            <a:r>
+              <a:rPr lang="en-US" sz="10000" dirty="0" err="1" smtClean="0">
+                <a:solidFill>
+                  <a:srgbClr val="227C9D"/>
+                </a:solidFill>
+                <a:latin typeface="Georgia" panose="02040502050405020303" pitchFamily="18" charset="0"/>
+              </a:rPr>
+              <a:t>các</a:t>
+            </a:r>
+            <a:r>
+              <a:rPr lang="en-US" sz="10000" dirty="0" smtClean="0">
+                <a:solidFill>
+                  <a:srgbClr val="227C9D"/>
+                </a:solidFill>
+                <a:latin typeface="Georgia" panose="02040502050405020303" pitchFamily="18" charset="0"/>
+              </a:rPr>
+              <a:t> </a:t>
+            </a:r>
+            <a:r>
+              <a:rPr lang="en-US" sz="10000" dirty="0" err="1" smtClean="0">
+                <a:solidFill>
+                  <a:srgbClr val="227C9D"/>
+                </a:solidFill>
+                <a:latin typeface="Georgia" panose="02040502050405020303" pitchFamily="18" charset="0"/>
+              </a:rPr>
+              <a:t>bạn</a:t>
+            </a:r>
+            <a:r>
+              <a:rPr lang="en-US" sz="10000" dirty="0" smtClean="0">
+                <a:solidFill>
+                  <a:srgbClr val="227C9D"/>
+                </a:solidFill>
+                <a:latin typeface="Georgia" panose="02040502050405020303" pitchFamily="18" charset="0"/>
+              </a:rPr>
+              <a:t> </a:t>
+            </a:r>
+            <a:r>
+              <a:rPr lang="en-US" sz="10000" dirty="0" err="1" smtClean="0">
+                <a:solidFill>
+                  <a:srgbClr val="227C9D"/>
+                </a:solidFill>
+                <a:latin typeface="Georgia" panose="02040502050405020303" pitchFamily="18" charset="0"/>
+              </a:rPr>
+              <a:t>và</a:t>
+            </a:r>
+            <a:r>
+              <a:rPr lang="en-US" sz="10000" dirty="0" smtClean="0">
+                <a:solidFill>
+                  <a:srgbClr val="227C9D"/>
+                </a:solidFill>
+                <a:latin typeface="Georgia" panose="02040502050405020303" pitchFamily="18" charset="0"/>
+              </a:rPr>
+              <a:t> a </a:t>
+            </a:r>
+            <a:r>
+              <a:rPr lang="en-US" sz="10000" smtClean="0">
+                <a:solidFill>
+                  <a:srgbClr val="227C9D"/>
+                </a:solidFill>
+                <a:latin typeface="Georgia" panose="02040502050405020303" pitchFamily="18" charset="0"/>
+              </a:rPr>
+              <a:t>Tài </a:t>
+            </a:r>
+            <a:r>
+              <a:rPr lang="en-US" sz="10000" dirty="0" err="1" smtClean="0">
+                <a:solidFill>
+                  <a:srgbClr val="227C9D"/>
+                </a:solidFill>
+                <a:latin typeface="Georgia" panose="02040502050405020303" pitchFamily="18" charset="0"/>
+              </a:rPr>
+              <a:t>đã</a:t>
+            </a:r>
+            <a:r>
+              <a:rPr lang="en-US" sz="10000" dirty="0" smtClean="0">
+                <a:solidFill>
+                  <a:srgbClr val="227C9D"/>
+                </a:solidFill>
+                <a:latin typeface="Georgia" panose="02040502050405020303" pitchFamily="18" charset="0"/>
+              </a:rPr>
+              <a:t> </a:t>
+            </a:r>
+            <a:r>
+              <a:rPr lang="en-US" sz="10000" dirty="0" err="1" smtClean="0">
+                <a:solidFill>
+                  <a:srgbClr val="227C9D"/>
+                </a:solidFill>
+                <a:latin typeface="Georgia" panose="02040502050405020303" pitchFamily="18" charset="0"/>
+              </a:rPr>
+              <a:t>lắng</a:t>
+            </a:r>
+            <a:r>
+              <a:rPr lang="en-US" sz="10000" dirty="0" smtClean="0">
+                <a:solidFill>
+                  <a:srgbClr val="227C9D"/>
+                </a:solidFill>
+                <a:latin typeface="Georgia" panose="02040502050405020303" pitchFamily="18" charset="0"/>
+              </a:rPr>
+              <a:t> </a:t>
+            </a:r>
+            <a:r>
+              <a:rPr lang="en-US" sz="10000" dirty="0" err="1" smtClean="0">
+                <a:solidFill>
+                  <a:srgbClr val="227C9D"/>
+                </a:solidFill>
+                <a:latin typeface="Georgia" panose="02040502050405020303" pitchFamily="18" charset="0"/>
+              </a:rPr>
+              <a:t>nge</a:t>
+            </a:r>
+            <a:endParaRPr lang="en-US" sz="10000" dirty="0">
               <a:solidFill>
                 <a:srgbClr val="227C9D"/>
               </a:solidFill>
-              <a:latin typeface="Kollektif Bold" panose="020B0604020101010102"/>
+              <a:latin typeface="Georgia" panose="02040502050405020303" pitchFamily="18" charset="0"/>
             </a:endParaRPr>
           </a:p>
         </p:txBody>
@@ -18398,7 +18755,7 @@
             <a:blip r:embed="rId2">
               <a:extLst>
                 <a:ext uri="{96DAC541-7B7A-43D3-8B79-37D633B846F1}">
-                  <asvg:svgBlip xmlns:asvg="http://schemas.microsoft.com/office/drawing/2016/SVG/main" xmlns="" r:embed="rId3"/>
+                  <asvg:svgBlip xmlns="" xmlns:asvg="http://schemas.microsoft.com/office/drawing/2016/SVG/main" r:embed="rId3"/>
                 </a:ext>
               </a:extLst>
             </a:blip>
@@ -18450,7 +18807,7 @@
             <a:blip r:embed="rId4">
               <a:extLst>
                 <a:ext uri="{96DAC541-7B7A-43D3-8B79-37D633B846F1}">
-                  <asvg:svgBlip xmlns:asvg="http://schemas.microsoft.com/office/drawing/2016/SVG/main" xmlns="" r:embed="rId5"/>
+                  <asvg:svgBlip xmlns="" xmlns:asvg="http://schemas.microsoft.com/office/drawing/2016/SVG/main" r:embed="rId5"/>
                 </a:ext>
               </a:extLst>
             </a:blip>
@@ -18502,7 +18859,7 @@
             <a:blip r:embed="rId2">
               <a:extLst>
                 <a:ext uri="{96DAC541-7B7A-43D3-8B79-37D633B846F1}">
-                  <asvg:svgBlip xmlns:asvg="http://schemas.microsoft.com/office/drawing/2016/SVG/main" xmlns="" r:embed="rId3"/>
+                  <asvg:svgBlip xmlns="" xmlns:asvg="http://schemas.microsoft.com/office/drawing/2016/SVG/main" r:embed="rId3"/>
                 </a:ext>
               </a:extLst>
             </a:blip>
@@ -18554,7 +18911,7 @@
             <a:blip r:embed="rId4">
               <a:extLst>
                 <a:ext uri="{96DAC541-7B7A-43D3-8B79-37D633B846F1}">
-                  <asvg:svgBlip xmlns:asvg="http://schemas.microsoft.com/office/drawing/2016/SVG/main" xmlns="" r:embed="rId5"/>
+                  <asvg:svgBlip xmlns="" xmlns:asvg="http://schemas.microsoft.com/office/drawing/2016/SVG/main" r:embed="rId5"/>
                 </a:ext>
               </a:extLst>
             </a:blip>
@@ -18606,7 +18963,7 @@
             <a:blip r:embed="rId2">
               <a:extLst>
                 <a:ext uri="{96DAC541-7B7A-43D3-8B79-37D633B846F1}">
-                  <asvg:svgBlip xmlns:asvg="http://schemas.microsoft.com/office/drawing/2016/SVG/main" xmlns="" r:embed="rId3"/>
+                  <asvg:svgBlip xmlns="" xmlns:asvg="http://schemas.microsoft.com/office/drawing/2016/SVG/main" r:embed="rId3"/>
                 </a:ext>
               </a:extLst>
             </a:blip>
@@ -18658,7 +19015,7 @@
             <a:blip r:embed="rId4">
               <a:extLst>
                 <a:ext uri="{96DAC541-7B7A-43D3-8B79-37D633B846F1}">
-                  <asvg:svgBlip xmlns:asvg="http://schemas.microsoft.com/office/drawing/2016/SVG/main" xmlns="" r:embed="rId5"/>
+                  <asvg:svgBlip xmlns="" xmlns:asvg="http://schemas.microsoft.com/office/drawing/2016/SVG/main" r:embed="rId5"/>
                 </a:ext>
               </a:extLst>
             </a:blip>
@@ -18710,7 +19067,7 @@
             <a:blip r:embed="rId6">
               <a:extLst>
                 <a:ext uri="{96DAC541-7B7A-43D3-8B79-37D633B846F1}">
-                  <asvg:svgBlip xmlns:asvg="http://schemas.microsoft.com/office/drawing/2016/SVG/main" xmlns="" r:embed="rId7"/>
+                  <asvg:svgBlip xmlns="" xmlns:asvg="http://schemas.microsoft.com/office/drawing/2016/SVG/main" r:embed="rId7"/>
                 </a:ext>
               </a:extLst>
             </a:blip>
@@ -18762,7 +19119,7 @@
             <a:blip r:embed="rId8">
               <a:extLst>
                 <a:ext uri="{96DAC541-7B7A-43D3-8B79-37D633B846F1}">
-                  <asvg:svgBlip xmlns:asvg="http://schemas.microsoft.com/office/drawing/2016/SVG/main" xmlns="" r:embed="rId9"/>
+                  <asvg:svgBlip xmlns="" xmlns:asvg="http://schemas.microsoft.com/office/drawing/2016/SVG/main" r:embed="rId9"/>
                 </a:ext>
               </a:extLst>
             </a:blip>
@@ -18814,7 +19171,7 @@
             <a:blip r:embed="rId6">
               <a:extLst>
                 <a:ext uri="{96DAC541-7B7A-43D3-8B79-37D633B846F1}">
-                  <asvg:svgBlip xmlns:asvg="http://schemas.microsoft.com/office/drawing/2016/SVG/main" xmlns="" r:embed="rId7"/>
+                  <asvg:svgBlip xmlns="" xmlns:asvg="http://schemas.microsoft.com/office/drawing/2016/SVG/main" r:embed="rId7"/>
                 </a:ext>
               </a:extLst>
             </a:blip>
@@ -18866,7 +19223,7 @@
             <a:blip r:embed="rId8">
               <a:extLst>
                 <a:ext uri="{96DAC541-7B7A-43D3-8B79-37D633B846F1}">
-                  <asvg:svgBlip xmlns:asvg="http://schemas.microsoft.com/office/drawing/2016/SVG/main" xmlns="" r:embed="rId9"/>
+                  <asvg:svgBlip xmlns="" xmlns:asvg="http://schemas.microsoft.com/office/drawing/2016/SVG/main" r:embed="rId9"/>
                 </a:ext>
               </a:extLst>
             </a:blip>
@@ -18918,7 +19275,7 @@
             <a:blip r:embed="rId6">
               <a:extLst>
                 <a:ext uri="{96DAC541-7B7A-43D3-8B79-37D633B846F1}">
-                  <asvg:svgBlip xmlns:asvg="http://schemas.microsoft.com/office/drawing/2016/SVG/main" xmlns="" r:embed="rId7"/>
+                  <asvg:svgBlip xmlns="" xmlns:asvg="http://schemas.microsoft.com/office/drawing/2016/SVG/main" r:embed="rId7"/>
                 </a:ext>
               </a:extLst>
             </a:blip>
@@ -19284,7 +19641,7 @@
             <a:blip r:embed="rId2">
               <a:extLst>
                 <a:ext uri="{96DAC541-7B7A-43D3-8B79-37D633B846F1}">
-                  <asvg:svgBlip xmlns:asvg="http://schemas.microsoft.com/office/drawing/2016/SVG/main" xmlns="" r:embed="rId3"/>
+                  <asvg:svgBlip xmlns="" xmlns:asvg="http://schemas.microsoft.com/office/drawing/2016/SVG/main" r:embed="rId3"/>
                 </a:ext>
               </a:extLst>
             </a:blip>
@@ -19336,7 +19693,7 @@
             <a:blip r:embed="rId4">
               <a:extLst>
                 <a:ext uri="{96DAC541-7B7A-43D3-8B79-37D633B846F1}">
-                  <asvg:svgBlip xmlns:asvg="http://schemas.microsoft.com/office/drawing/2016/SVG/main" xmlns="" r:embed="rId5"/>
+                  <asvg:svgBlip xmlns="" xmlns:asvg="http://schemas.microsoft.com/office/drawing/2016/SVG/main" r:embed="rId5"/>
                 </a:ext>
               </a:extLst>
             </a:blip>
@@ -19388,7 +19745,7 @@
             <a:blip r:embed="rId2">
               <a:extLst>
                 <a:ext uri="{96DAC541-7B7A-43D3-8B79-37D633B846F1}">
-                  <asvg:svgBlip xmlns:asvg="http://schemas.microsoft.com/office/drawing/2016/SVG/main" xmlns="" r:embed="rId3"/>
+                  <asvg:svgBlip xmlns="" xmlns:asvg="http://schemas.microsoft.com/office/drawing/2016/SVG/main" r:embed="rId3"/>
                 </a:ext>
               </a:extLst>
             </a:blip>
@@ -19440,7 +19797,7 @@
             <a:blip r:embed="rId4">
               <a:extLst>
                 <a:ext uri="{96DAC541-7B7A-43D3-8B79-37D633B846F1}">
-                  <asvg:svgBlip xmlns:asvg="http://schemas.microsoft.com/office/drawing/2016/SVG/main" xmlns="" r:embed="rId5"/>
+                  <asvg:svgBlip xmlns="" xmlns:asvg="http://schemas.microsoft.com/office/drawing/2016/SVG/main" r:embed="rId5"/>
                 </a:ext>
               </a:extLst>
             </a:blip>
@@ -19492,7 +19849,7 @@
             <a:blip r:embed="rId2">
               <a:extLst>
                 <a:ext uri="{96DAC541-7B7A-43D3-8B79-37D633B846F1}">
-                  <asvg:svgBlip xmlns:asvg="http://schemas.microsoft.com/office/drawing/2016/SVG/main" xmlns="" r:embed="rId3"/>
+                  <asvg:svgBlip xmlns="" xmlns:asvg="http://schemas.microsoft.com/office/drawing/2016/SVG/main" r:embed="rId3"/>
                 </a:ext>
               </a:extLst>
             </a:blip>
@@ -19544,7 +19901,7 @@
             <a:blip r:embed="rId4">
               <a:extLst>
                 <a:ext uri="{96DAC541-7B7A-43D3-8B79-37D633B846F1}">
-                  <asvg:svgBlip xmlns:asvg="http://schemas.microsoft.com/office/drawing/2016/SVG/main" xmlns="" r:embed="rId5"/>
+                  <asvg:svgBlip xmlns="" xmlns:asvg="http://schemas.microsoft.com/office/drawing/2016/SVG/main" r:embed="rId5"/>
                 </a:ext>
               </a:extLst>
             </a:blip>
@@ -19596,7 +19953,7 @@
             <a:blip r:embed="rId6">
               <a:extLst>
                 <a:ext uri="{96DAC541-7B7A-43D3-8B79-37D633B846F1}">
-                  <asvg:svgBlip xmlns:asvg="http://schemas.microsoft.com/office/drawing/2016/SVG/main" xmlns="" r:embed="rId7"/>
+                  <asvg:svgBlip xmlns="" xmlns:asvg="http://schemas.microsoft.com/office/drawing/2016/SVG/main" r:embed="rId7"/>
                 </a:ext>
               </a:extLst>
             </a:blip>
@@ -19648,7 +20005,7 @@
             <a:blip r:embed="rId8">
               <a:extLst>
                 <a:ext uri="{96DAC541-7B7A-43D3-8B79-37D633B846F1}">
-                  <asvg:svgBlip xmlns:asvg="http://schemas.microsoft.com/office/drawing/2016/SVG/main" xmlns="" r:embed="rId9"/>
+                  <asvg:svgBlip xmlns="" xmlns:asvg="http://schemas.microsoft.com/office/drawing/2016/SVG/main" r:embed="rId9"/>
                 </a:ext>
               </a:extLst>
             </a:blip>
@@ -19700,7 +20057,7 @@
             <a:blip r:embed="rId6">
               <a:extLst>
                 <a:ext uri="{96DAC541-7B7A-43D3-8B79-37D633B846F1}">
-                  <asvg:svgBlip xmlns:asvg="http://schemas.microsoft.com/office/drawing/2016/SVG/main" xmlns="" r:embed="rId7"/>
+                  <asvg:svgBlip xmlns="" xmlns:asvg="http://schemas.microsoft.com/office/drawing/2016/SVG/main" r:embed="rId7"/>
                 </a:ext>
               </a:extLst>
             </a:blip>
@@ -19752,7 +20109,7 @@
             <a:blip r:embed="rId8">
               <a:extLst>
                 <a:ext uri="{96DAC541-7B7A-43D3-8B79-37D633B846F1}">
-                  <asvg:svgBlip xmlns:asvg="http://schemas.microsoft.com/office/drawing/2016/SVG/main" xmlns="" r:embed="rId9"/>
+                  <asvg:svgBlip xmlns="" xmlns:asvg="http://schemas.microsoft.com/office/drawing/2016/SVG/main" r:embed="rId9"/>
                 </a:ext>
               </a:extLst>
             </a:blip>
@@ -19804,7 +20161,7 @@
             <a:blip r:embed="rId6">
               <a:extLst>
                 <a:ext uri="{96DAC541-7B7A-43D3-8B79-37D633B846F1}">
-                  <asvg:svgBlip xmlns:asvg="http://schemas.microsoft.com/office/drawing/2016/SVG/main" xmlns="" r:embed="rId7"/>
+                  <asvg:svgBlip xmlns="" xmlns:asvg="http://schemas.microsoft.com/office/drawing/2016/SVG/main" r:embed="rId7"/>
                 </a:ext>
               </a:extLst>
             </a:blip>
@@ -21237,7 +21594,7 @@
             <a:blip r:embed="rId2">
               <a:extLst>
                 <a:ext uri="{96DAC541-7B7A-43D3-8B79-37D633B846F1}">
-                  <asvg:svgBlip xmlns:asvg="http://schemas.microsoft.com/office/drawing/2016/SVG/main" xmlns="" r:embed="rId3"/>
+                  <asvg:svgBlip xmlns="" xmlns:asvg="http://schemas.microsoft.com/office/drawing/2016/SVG/main" r:embed="rId3"/>
                 </a:ext>
               </a:extLst>
             </a:blip>
@@ -21289,7 +21646,7 @@
             <a:blip r:embed="rId4">
               <a:extLst>
                 <a:ext uri="{96DAC541-7B7A-43D3-8B79-37D633B846F1}">
-                  <asvg:svgBlip xmlns:asvg="http://schemas.microsoft.com/office/drawing/2016/SVG/main" xmlns="" r:embed="rId5"/>
+                  <asvg:svgBlip xmlns="" xmlns:asvg="http://schemas.microsoft.com/office/drawing/2016/SVG/main" r:embed="rId5"/>
                 </a:ext>
               </a:extLst>
             </a:blip>
@@ -21341,7 +21698,7 @@
             <a:blip r:embed="rId2">
               <a:extLst>
                 <a:ext uri="{96DAC541-7B7A-43D3-8B79-37D633B846F1}">
-                  <asvg:svgBlip xmlns:asvg="http://schemas.microsoft.com/office/drawing/2016/SVG/main" xmlns="" r:embed="rId3"/>
+                  <asvg:svgBlip xmlns="" xmlns:asvg="http://schemas.microsoft.com/office/drawing/2016/SVG/main" r:embed="rId3"/>
                 </a:ext>
               </a:extLst>
             </a:blip>
@@ -21393,7 +21750,7 @@
             <a:blip r:embed="rId4">
               <a:extLst>
                 <a:ext uri="{96DAC541-7B7A-43D3-8B79-37D633B846F1}">
-                  <asvg:svgBlip xmlns:asvg="http://schemas.microsoft.com/office/drawing/2016/SVG/main" xmlns="" r:embed="rId5"/>
+                  <asvg:svgBlip xmlns="" xmlns:asvg="http://schemas.microsoft.com/office/drawing/2016/SVG/main" r:embed="rId5"/>
                 </a:ext>
               </a:extLst>
             </a:blip>
@@ -21445,7 +21802,7 @@
             <a:blip r:embed="rId2">
               <a:extLst>
                 <a:ext uri="{96DAC541-7B7A-43D3-8B79-37D633B846F1}">
-                  <asvg:svgBlip xmlns:asvg="http://schemas.microsoft.com/office/drawing/2016/SVG/main" xmlns="" r:embed="rId3"/>
+                  <asvg:svgBlip xmlns="" xmlns:asvg="http://schemas.microsoft.com/office/drawing/2016/SVG/main" r:embed="rId3"/>
                 </a:ext>
               </a:extLst>
             </a:blip>
@@ -21497,7 +21854,7 @@
             <a:blip r:embed="rId4">
               <a:extLst>
                 <a:ext uri="{96DAC541-7B7A-43D3-8B79-37D633B846F1}">
-                  <asvg:svgBlip xmlns:asvg="http://schemas.microsoft.com/office/drawing/2016/SVG/main" xmlns="" r:embed="rId5"/>
+                  <asvg:svgBlip xmlns="" xmlns:asvg="http://schemas.microsoft.com/office/drawing/2016/SVG/main" r:embed="rId5"/>
                 </a:ext>
               </a:extLst>
             </a:blip>
@@ -21549,7 +21906,7 @@
             <a:blip r:embed="rId6">
               <a:extLst>
                 <a:ext uri="{96DAC541-7B7A-43D3-8B79-37D633B846F1}">
-                  <asvg:svgBlip xmlns:asvg="http://schemas.microsoft.com/office/drawing/2016/SVG/main" xmlns="" r:embed="rId7"/>
+                  <asvg:svgBlip xmlns="" xmlns:asvg="http://schemas.microsoft.com/office/drawing/2016/SVG/main" r:embed="rId7"/>
                 </a:ext>
               </a:extLst>
             </a:blip>
@@ -21601,7 +21958,7 @@
             <a:blip r:embed="rId8">
               <a:extLst>
                 <a:ext uri="{96DAC541-7B7A-43D3-8B79-37D633B846F1}">
-                  <asvg:svgBlip xmlns:asvg="http://schemas.microsoft.com/office/drawing/2016/SVG/main" xmlns="" r:embed="rId9"/>
+                  <asvg:svgBlip xmlns="" xmlns:asvg="http://schemas.microsoft.com/office/drawing/2016/SVG/main" r:embed="rId9"/>
                 </a:ext>
               </a:extLst>
             </a:blip>
@@ -21653,7 +22010,7 @@
             <a:blip r:embed="rId6">
               <a:extLst>
                 <a:ext uri="{96DAC541-7B7A-43D3-8B79-37D633B846F1}">
-                  <asvg:svgBlip xmlns:asvg="http://schemas.microsoft.com/office/drawing/2016/SVG/main" xmlns="" r:embed="rId7"/>
+                  <asvg:svgBlip xmlns="" xmlns:asvg="http://schemas.microsoft.com/office/drawing/2016/SVG/main" r:embed="rId7"/>
                 </a:ext>
               </a:extLst>
             </a:blip>
@@ -21705,7 +22062,7 @@
             <a:blip r:embed="rId8">
               <a:extLst>
                 <a:ext uri="{96DAC541-7B7A-43D3-8B79-37D633B846F1}">
-                  <asvg:svgBlip xmlns:asvg="http://schemas.microsoft.com/office/drawing/2016/SVG/main" xmlns="" r:embed="rId9"/>
+                  <asvg:svgBlip xmlns="" xmlns:asvg="http://schemas.microsoft.com/office/drawing/2016/SVG/main" r:embed="rId9"/>
                 </a:ext>
               </a:extLst>
             </a:blip>
@@ -21757,7 +22114,7 @@
             <a:blip r:embed="rId6">
               <a:extLst>
                 <a:ext uri="{96DAC541-7B7A-43D3-8B79-37D633B846F1}">
-                  <asvg:svgBlip xmlns:asvg="http://schemas.microsoft.com/office/drawing/2016/SVG/main" xmlns="" r:embed="rId7"/>
+                  <asvg:svgBlip xmlns="" xmlns:asvg="http://schemas.microsoft.com/office/drawing/2016/SVG/main" r:embed="rId7"/>
                 </a:ext>
               </a:extLst>
             </a:blip>
